--- a/Мансуров Р.Р. — копия (2).pptx
+++ b/Мансуров Р.Р. — копия (2).pptx
@@ -3561,24 +3561,14 @@
                 <a:latin typeface="Times New Roman" pitchFamily="18" charset="0"/>
                 <a:cs typeface="Times New Roman" pitchFamily="18" charset="0"/>
               </a:rPr>
-              <a:t>«</a:t>
-            </a:r>
-            <a:r>
-              <a:rPr lang="ru-RU" sz="1800" cap="all" dirty="0" smtClean="0">
-                <a:solidFill>
-                  <a:srgbClr val="FFFF00"/>
-                </a:solidFill>
-                <a:latin typeface="Times New Roman" pitchFamily="18" charset="0"/>
-                <a:cs typeface="Times New Roman" pitchFamily="18" charset="0"/>
-              </a:rPr>
-              <a:t>ИССЛЕДОВАНИЕ ПРЕДЕЛОВ ПОВЫШЕНИЯ ДАЛЬНОСТИ СТРЕЛЬБЫ АКТИВНО-РЕАКТИВНЫМ СНАРЯДОМ</a:t>
+              <a:t>«Повышение дальности стрельбы активно-реактивным снарядом на основе математического моделирования и комплексной оптимизации»</a:t>
             </a:r>
             <a:r>
               <a:rPr lang="ru-RU" sz="1800" cap="all" dirty="0" smtClean="0">
                 <a:latin typeface="Times New Roman" pitchFamily="18" charset="0"/>
                 <a:cs typeface="Times New Roman" pitchFamily="18" charset="0"/>
               </a:rPr>
-              <a:t>»</a:t>
+              <a:t/>
             </a:r>
             <a:br>
               <a:rPr lang="ru-RU" sz="1800" cap="all" dirty="0" smtClean="0">
@@ -3651,7 +3641,7 @@
           <p:cNvPr id="4" name="Подзаголовок 6">
             <a:extLst>
               <a:ext uri="{FF2B5EF4-FFF2-40B4-BE49-F238E27FC236}">
-                <a16:creationId xmlns="" xmlns:a16="http://schemas.microsoft.com/office/drawing/2014/main" id="{6F08C3E7-B433-41C9-883D-917A98689EE1}"/>
+                <a16:creationId xmlns:a16="http://schemas.microsoft.com/office/drawing/2014/main" id="{6F08C3E7-B433-41C9-883D-917A98689EE1}"/>
               </a:ext>
             </a:extLst>
           </p:cNvPr>
@@ -3751,7 +3741,7 @@
           <p:cNvPr id="5" name="Подзаголовок 6">
             <a:extLst>
               <a:ext uri="{FF2B5EF4-FFF2-40B4-BE49-F238E27FC236}">
-                <a16:creationId xmlns="" xmlns:a16="http://schemas.microsoft.com/office/drawing/2014/main" id="{6F08C3E7-B433-41C9-883D-917A98689EE1}"/>
+                <a16:creationId xmlns:a16="http://schemas.microsoft.com/office/drawing/2014/main" id="{6F08C3E7-B433-41C9-883D-917A98689EE1}"/>
               </a:ext>
             </a:extLst>
           </p:cNvPr>
@@ -4480,8 +4470,15 @@
                 <a:latin typeface="Times New Roman" panose="02020603050405020304" pitchFamily="18" charset="0"/>
                 <a:cs typeface="Times New Roman" panose="02020603050405020304" pitchFamily="18" charset="0"/>
               </a:rPr>
-              <a:t>«Исследование пределов повышения дальности стрельбы активно-реактивным снарядом»</a:t>
-            </a:r>
+              <a:t>«Повышение дальности стрельбы активно-реактивным снарядом на основе математического моделирования…»</a:t>
+            </a:r>
+            <a:endParaRPr lang="ru-RU" sz="1100" dirty="0">
+              <a:solidFill>
+                <a:schemeClr val="tx1"/>
+              </a:solidFill>
+              <a:latin typeface="Times New Roman" panose="02020603050405020304" pitchFamily="18" charset="0"/>
+              <a:cs typeface="Times New Roman" panose="02020603050405020304" pitchFamily="18" charset="0"/>
+            </a:endParaRPr>
           </a:p>
         </p:txBody>
       </p:sp>
@@ -4794,21 +4791,7 @@
                 <a:latin typeface="Times New Roman" pitchFamily="18" charset="0"/>
                 <a:cs typeface="Times New Roman" pitchFamily="18" charset="0"/>
               </a:rPr>
-              <a:t>Рисунок </a:t>
-            </a:r>
-            <a:r>
-              <a:rPr lang="ru-RU" sz="1000" dirty="0" smtClean="0">
-                <a:latin typeface="Times New Roman" pitchFamily="18" charset="0"/>
-                <a:cs typeface="Times New Roman" pitchFamily="18" charset="0"/>
-              </a:rPr>
-              <a:t>17 </a:t>
-            </a:r>
-            <a:r>
-              <a:rPr lang="ru-RU" sz="1000" dirty="0" smtClean="0">
-                <a:latin typeface="Times New Roman" pitchFamily="18" charset="0"/>
-                <a:cs typeface="Times New Roman" pitchFamily="18" charset="0"/>
-              </a:rPr>
-              <a:t>– Траектория снаряда </a:t>
+              <a:t>Рисунок 17 – Траектория снаряда </a:t>
             </a:r>
             <a:endParaRPr lang="ru-RU" sz="1000" dirty="0"/>
           </a:p>
@@ -4911,7 +4894,7 @@
           <a:graphicData uri="http://schemas.openxmlformats.org/presentationml/2006/ole">
             <mc:AlternateContent xmlns:mc="http://schemas.openxmlformats.org/markup-compatibility/2006">
               <mc:Choice xmlns:v="urn:schemas-microsoft-com:vml" Requires="v">
-                <p:oleObj spid="_x0000_s49312" name="Формула" r:id="rId3" imgW="1422360" imgH="393480" progId="Equation.3">
+                <p:oleObj spid="_x0000_s49372" name="Формула" r:id="rId3" imgW="1422360" imgH="393480" progId="Equation.3">
                   <p:embed/>
                 </p:oleObj>
               </mc:Choice>
@@ -4981,7 +4964,7 @@
           <a:graphicData uri="http://schemas.openxmlformats.org/presentationml/2006/ole">
             <mc:AlternateContent xmlns:mc="http://schemas.openxmlformats.org/markup-compatibility/2006">
               <mc:Choice xmlns:v="urn:schemas-microsoft-com:vml" Requires="v">
-                <p:oleObj spid="_x0000_s49313" name="Формула" r:id="rId5" imgW="1015920" imgH="393480" progId="Equation.3">
+                <p:oleObj spid="_x0000_s49373" name="Формула" r:id="rId5" imgW="1015920" imgH="393480" progId="Equation.3">
                   <p:embed/>
                 </p:oleObj>
               </mc:Choice>
@@ -5051,7 +5034,7 @@
           <a:graphicData uri="http://schemas.openxmlformats.org/presentationml/2006/ole">
             <mc:AlternateContent xmlns:mc="http://schemas.openxmlformats.org/markup-compatibility/2006">
               <mc:Choice xmlns:v="urn:schemas-microsoft-com:vml" Requires="v">
-                <p:oleObj spid="_x0000_s49314" name="Формула" r:id="rId7" imgW="1384200" imgH="393480" progId="Equation.3">
+                <p:oleObj spid="_x0000_s49374" name="Формула" r:id="rId7" imgW="1384200" imgH="393480" progId="Equation.3">
                   <p:embed/>
                 </p:oleObj>
               </mc:Choice>
@@ -5184,7 +5167,7 @@
           <a:graphicData uri="http://schemas.openxmlformats.org/presentationml/2006/ole">
             <mc:AlternateContent xmlns:mc="http://schemas.openxmlformats.org/markup-compatibility/2006">
               <mc:Choice xmlns:v="urn:schemas-microsoft-com:vml" Requires="v">
-                <p:oleObj spid="_x0000_s49315" name="Формула" r:id="rId9" imgW="1866600" imgH="469800" progId="Equation.3">
+                <p:oleObj spid="_x0000_s49375" name="Формула" r:id="rId9" imgW="1866600" imgH="469800" progId="Equation.3">
                   <p:embed/>
                 </p:oleObj>
               </mc:Choice>
@@ -5309,7 +5292,7 @@
           <a:graphicData uri="http://schemas.openxmlformats.org/presentationml/2006/ole">
             <mc:AlternateContent xmlns:mc="http://schemas.openxmlformats.org/markup-compatibility/2006">
               <mc:Choice xmlns:v="urn:schemas-microsoft-com:vml" Requires="v">
-                <p:oleObj spid="_x0000_s49316" name="Формула" r:id="rId11" imgW="1574640" imgH="457200" progId="Equation.3">
+                <p:oleObj spid="_x0000_s49376" name="Формула" r:id="rId11" imgW="1574640" imgH="457200" progId="Equation.3">
                   <p:embed/>
                 </p:oleObj>
               </mc:Choice>
@@ -5442,7 +5425,7 @@
           <a:graphicData uri="http://schemas.openxmlformats.org/presentationml/2006/ole">
             <mc:AlternateContent xmlns:mc="http://schemas.openxmlformats.org/markup-compatibility/2006">
               <mc:Choice xmlns:v="urn:schemas-microsoft-com:vml" Requires="v">
-                <p:oleObj spid="_x0000_s49317" name="Формула" r:id="rId13" imgW="1282680" imgH="495000" progId="Equation.3">
+                <p:oleObj spid="_x0000_s49377" name="Формула" r:id="rId13" imgW="1282680" imgH="495000" progId="Equation.3">
                   <p:embed/>
                 </p:oleObj>
               </mc:Choice>
@@ -5512,7 +5495,7 @@
           <a:graphicData uri="http://schemas.openxmlformats.org/presentationml/2006/ole">
             <mc:AlternateContent xmlns:mc="http://schemas.openxmlformats.org/markup-compatibility/2006">
               <mc:Choice xmlns:v="urn:schemas-microsoft-com:vml" Requires="v">
-                <p:oleObj spid="_x0000_s49318" name="Формула" r:id="rId15" imgW="1485720" imgH="457200" progId="Equation.3">
+                <p:oleObj spid="_x0000_s49378" name="Формула" r:id="rId15" imgW="1485720" imgH="457200" progId="Equation.3">
                   <p:embed/>
                 </p:oleObj>
               </mc:Choice>
@@ -5736,7 +5719,7 @@
                 <a:latin typeface="Times New Roman" pitchFamily="18" charset="0"/>
                 <a:cs typeface="Times New Roman" pitchFamily="18" charset="0"/>
               </a:rPr>
-              <a:t>8</a:t>
+              <a:t>7</a:t>
             </a:r>
             <a:r>
               <a:rPr lang="ru-RU" sz="1200" dirty="0" smtClean="0">
@@ -5906,14 +5889,7 @@
                 <a:latin typeface="Times New Roman" pitchFamily="18" charset="0"/>
                 <a:cs typeface="Times New Roman" pitchFamily="18" charset="0"/>
               </a:rPr>
-              <a:t>19</a:t>
-            </a:r>
-            <a:r>
-              <a:rPr lang="ru-RU" sz="1200" dirty="0" smtClean="0">
-                <a:latin typeface="Times New Roman" pitchFamily="18" charset="0"/>
-                <a:cs typeface="Times New Roman" pitchFamily="18" charset="0"/>
-              </a:rPr>
-              <a:t>)</a:t>
+              <a:t>18)</a:t>
             </a:r>
             <a:endParaRPr lang="ru-RU" sz="1200" dirty="0">
               <a:latin typeface="Times New Roman" pitchFamily="18" charset="0"/>
@@ -6324,7 +6300,14 @@
                 <a:latin typeface="Times New Roman" pitchFamily="18" charset="0"/>
                 <a:cs typeface="Times New Roman" pitchFamily="18" charset="0"/>
               </a:rPr>
-              <a:t>20)</a:t>
+              <a:t>19</a:t>
+            </a:r>
+            <a:r>
+              <a:rPr lang="ru-RU" sz="1200" dirty="0" smtClean="0">
+                <a:latin typeface="Times New Roman" pitchFamily="18" charset="0"/>
+                <a:cs typeface="Times New Roman" pitchFamily="18" charset="0"/>
+              </a:rPr>
+              <a:t>)</a:t>
             </a:r>
             <a:endParaRPr lang="ru-RU" sz="1200" dirty="0">
               <a:latin typeface="Times New Roman" pitchFamily="18" charset="0"/>
@@ -6367,7 +6350,7 @@
                 <a:latin typeface="Times New Roman" pitchFamily="18" charset="0"/>
                 <a:cs typeface="Times New Roman" pitchFamily="18" charset="0"/>
               </a:rPr>
-              <a:t>21)</a:t>
+              <a:t>20)</a:t>
             </a:r>
             <a:endParaRPr lang="ru-RU" sz="1200" dirty="0">
               <a:latin typeface="Times New Roman" pitchFamily="18" charset="0"/>
@@ -6410,7 +6393,7 @@
                 <a:latin typeface="Times New Roman" pitchFamily="18" charset="0"/>
                 <a:cs typeface="Times New Roman" pitchFamily="18" charset="0"/>
               </a:rPr>
-              <a:t>22)</a:t>
+              <a:t>21)</a:t>
             </a:r>
             <a:endParaRPr lang="ru-RU" sz="1200" dirty="0">
               <a:latin typeface="Times New Roman" pitchFamily="18" charset="0"/>
@@ -6504,7 +6487,7 @@
           <a:graphicData uri="http://schemas.openxmlformats.org/presentationml/2006/ole">
             <mc:AlternateContent xmlns:mc="http://schemas.openxmlformats.org/markup-compatibility/2006">
               <mc:Choice xmlns:v="urn:schemas-microsoft-com:vml" Requires="v">
-                <p:oleObj spid="_x0000_s49319" name="Формула" r:id="rId17" imgW="863280" imgH="266400" progId="Equation.3">
+                <p:oleObj spid="_x0000_s49379" name="Формула" r:id="rId17" imgW="863280" imgH="266400" progId="Equation.3">
                   <p:embed/>
                 </p:oleObj>
               </mc:Choice>
@@ -6678,31 +6661,7 @@
                 <a:ea typeface="Calibri" panose="020F0502020204030204" pitchFamily="34" charset="0"/>
                 <a:cs typeface="Times New Roman" panose="02020603050405020304" pitchFamily="18" charset="0"/>
               </a:rPr>
-              <a:t>осям </a:t>
-            </a:r>
-            <a:r>
-              <a:rPr lang="ru-RU" altLang="ru-RU" sz="1000" dirty="0" smtClean="0">
-                <a:latin typeface="Times New Roman" panose="02020603050405020304" pitchFamily="18" charset="0"/>
-                <a:ea typeface="Calibri" panose="020F0502020204030204" pitchFamily="34" charset="0"/>
-                <a:cs typeface="Times New Roman" panose="02020603050405020304" pitchFamily="18" charset="0"/>
-              </a:rPr>
-              <a:t>связанной </a:t>
-            </a:r>
-            <a:r>
-              <a:rPr lang="ru-RU" altLang="ru-RU" sz="1000" dirty="0" smtClean="0">
-                <a:latin typeface="Times New Roman" panose="02020603050405020304" pitchFamily="18" charset="0"/>
-                <a:ea typeface="Calibri" panose="020F0502020204030204" pitchFamily="34" charset="0"/>
-                <a:cs typeface="Times New Roman" panose="02020603050405020304" pitchFamily="18" charset="0"/>
-              </a:rPr>
-              <a:t>системы координат </a:t>
-            </a:r>
-            <a:r>
-              <a:rPr lang="ru-RU" altLang="ru-RU" sz="1000" dirty="0" smtClean="0">
-                <a:latin typeface="Times New Roman" panose="02020603050405020304" pitchFamily="18" charset="0"/>
-                <a:ea typeface="Calibri" panose="020F0502020204030204" pitchFamily="34" charset="0"/>
-                <a:cs typeface="Times New Roman" panose="02020603050405020304" pitchFamily="18" charset="0"/>
-              </a:rPr>
-              <a:t>(вычисляются по закону 1943г.)</a:t>
+              <a:t>осям связанной системы координат (вычисляются по закону 1943г.)</a:t>
             </a:r>
             <a:endParaRPr kumimoji="0" lang="en-US" altLang="ru-RU" sz="1000" i="0" u="none" strike="noStrike" cap="none" normalizeH="0" baseline="0" dirty="0" smtClean="0">
               <a:ln>
@@ -6791,25 +6750,25 @@
           <p:nvPr>
             <p:extLst>
               <p:ext uri="{D42A27DB-BD31-4B8C-83A1-F6EECF244321}">
-                <p14:modId xmlns:p14="http://schemas.microsoft.com/office/powerpoint/2010/main" val="1051315578"/>
+                <p14:modId xmlns:p14="http://schemas.microsoft.com/office/powerpoint/2010/main" val="1048508952"/>
               </p:ext>
             </p:extLst>
           </p:nvPr>
         </p:nvGraphicFramePr>
         <p:xfrm>
-          <a:off x="4866562" y="775627"/>
-          <a:ext cx="4277438" cy="2351430"/>
+          <a:off x="4903232" y="882201"/>
+          <a:ext cx="4733794" cy="2328930"/>
         </p:xfrm>
         <a:graphic>
           <a:graphicData uri="http://schemas.openxmlformats.org/presentationml/2006/ole">
             <mc:AlternateContent xmlns:mc="http://schemas.openxmlformats.org/markup-compatibility/2006">
               <mc:Choice xmlns:v="urn:schemas-microsoft-com:vml" Requires="v">
-                <p:oleObj spid="_x0000_s49320" name="Document" r:id="rId19" imgW="4325546" imgH="2372516" progId="Word.Document.12">
+                <p:oleObj spid="_x0000_s49380" name="Документ" r:id="rId19" imgW="4500076" imgH="2437089" progId="Word.Document.12">
                   <p:embed/>
                 </p:oleObj>
               </mc:Choice>
               <mc:Fallback>
-                <p:oleObj name="Document" r:id="rId19" imgW="4325546" imgH="2372516" progId="Word.Document.12">
+                <p:oleObj name="Документ" r:id="rId19" imgW="4500076" imgH="2437089" progId="Word.Document.12">
                   <p:embed/>
                   <p:pic>
                     <p:nvPicPr>
@@ -6828,8 +6787,8 @@
                     </p:blipFill>
                     <p:spPr bwMode="auto">
                       <a:xfrm>
-                        <a:off x="4866562" y="775627"/>
-                        <a:ext cx="4277438" cy="2351430"/>
+                        <a:off x="4903232" y="882201"/>
+                        <a:ext cx="4733794" cy="2328930"/>
                       </a:xfrm>
                       <a:prstGeom prst="rect">
                         <a:avLst/>
@@ -6920,7 +6879,7 @@
           <a:graphicData uri="http://schemas.openxmlformats.org/presentationml/2006/ole">
             <mc:AlternateContent xmlns:mc="http://schemas.openxmlformats.org/markup-compatibility/2006">
               <mc:Choice xmlns:v="urn:schemas-microsoft-com:vml" Requires="v">
-                <p:oleObj spid="_x0000_s49321" name="Формула" r:id="rId21" imgW="1879560" imgH="228600" progId="Equation.3">
+                <p:oleObj spid="_x0000_s49381" name="Формула" r:id="rId21" imgW="1879560" imgH="228600" progId="Equation.3">
                   <p:embed/>
                 </p:oleObj>
               </mc:Choice>
@@ -6990,7 +6949,7 @@
           <a:graphicData uri="http://schemas.openxmlformats.org/presentationml/2006/ole">
             <mc:AlternateContent xmlns:mc="http://schemas.openxmlformats.org/markup-compatibility/2006">
               <mc:Choice xmlns:v="urn:schemas-microsoft-com:vml" Requires="v">
-                <p:oleObj spid="_x0000_s49322" name="Формула" r:id="rId23" imgW="2019240" imgH="228600" progId="Equation.3">
+                <p:oleObj spid="_x0000_s49382" name="Формула" r:id="rId23" imgW="2019240" imgH="228600" progId="Equation.3">
                   <p:embed/>
                 </p:oleObj>
               </mc:Choice>
@@ -7060,7 +7019,7 @@
           <a:graphicData uri="http://schemas.openxmlformats.org/presentationml/2006/ole">
             <mc:AlternateContent xmlns:mc="http://schemas.openxmlformats.org/markup-compatibility/2006">
               <mc:Choice xmlns:v="urn:schemas-microsoft-com:vml" Requires="v">
-                <p:oleObj spid="_x0000_s49323" name="Формула" r:id="rId25" imgW="812520" imgH="393480" progId="Equation.3">
+                <p:oleObj spid="_x0000_s49383" name="Формула" r:id="rId25" imgW="812520" imgH="393480" progId="Equation.3">
                   <p:embed/>
                 </p:oleObj>
               </mc:Choice>
@@ -7255,7 +7214,7 @@
                 <a:latin typeface="Times New Roman" pitchFamily="18" charset="0"/>
                 <a:cs typeface="Times New Roman" pitchFamily="18" charset="0"/>
               </a:rPr>
-              <a:t>23)</a:t>
+              <a:t>22)</a:t>
             </a:r>
             <a:endParaRPr lang="ru-RU" sz="1200" dirty="0">
               <a:latin typeface="Times New Roman" pitchFamily="18" charset="0"/>
@@ -7286,7 +7245,7 @@
           <a:graphicData uri="http://schemas.openxmlformats.org/presentationml/2006/ole">
             <mc:AlternateContent xmlns:mc="http://schemas.openxmlformats.org/markup-compatibility/2006">
               <mc:Choice xmlns:v="urn:schemas-microsoft-com:vml" Requires="v">
-                <p:oleObj spid="_x0000_s49324" name="Формула" r:id="rId27" imgW="698400" imgH="419040" progId="Equation.3">
+                <p:oleObj spid="_x0000_s49384" name="Формула" r:id="rId27" imgW="698400" imgH="419040" progId="Equation.3">
                   <p:embed/>
                 </p:oleObj>
               </mc:Choice>
@@ -7491,7 +7450,7 @@
           <a:graphicData uri="http://schemas.openxmlformats.org/presentationml/2006/ole">
             <mc:AlternateContent xmlns:mc="http://schemas.openxmlformats.org/markup-compatibility/2006">
               <mc:Choice xmlns:v="urn:schemas-microsoft-com:vml" Requires="v">
-                <p:oleObj spid="_x0000_s49325" name="Формула" r:id="rId29" imgW="164880" imgH="228600" progId="Equation.3">
+                <p:oleObj spid="_x0000_s49385" name="Формула" r:id="rId29" imgW="164880" imgH="228600" progId="Equation.3">
                   <p:embed/>
                 </p:oleObj>
               </mc:Choice>
@@ -7675,7 +7634,7 @@
           <a:graphicData uri="http://schemas.openxmlformats.org/presentationml/2006/ole">
             <mc:AlternateContent xmlns:mc="http://schemas.openxmlformats.org/markup-compatibility/2006">
               <mc:Choice xmlns:v="urn:schemas-microsoft-com:vml" Requires="v">
-                <p:oleObj spid="_x0000_s49326" name="Формула" r:id="rId31" imgW="393480" imgH="228600" progId="Equation.3">
+                <p:oleObj spid="_x0000_s49386" name="Формула" r:id="rId31" imgW="393480" imgH="228600" progId="Equation.3">
                   <p:embed/>
                 </p:oleObj>
               </mc:Choice>
@@ -8325,8 +8284,15 @@
                 <a:latin typeface="Times New Roman" panose="02020603050405020304" pitchFamily="18" charset="0"/>
                 <a:cs typeface="Times New Roman" panose="02020603050405020304" pitchFamily="18" charset="0"/>
               </a:rPr>
-              <a:t>«Исследование пределов повышения дальности стрельбы активно-реактивным снарядом»</a:t>
-            </a:r>
+              <a:t>«Повышение дальности стрельбы активно-реактивным снарядом на основе математического моделирования…»</a:t>
+            </a:r>
+            <a:endParaRPr lang="ru-RU" sz="1100" dirty="0">
+              <a:solidFill>
+                <a:schemeClr val="tx1"/>
+              </a:solidFill>
+              <a:latin typeface="Times New Roman" panose="02020603050405020304" pitchFamily="18" charset="0"/>
+              <a:cs typeface="Times New Roman" panose="02020603050405020304" pitchFamily="18" charset="0"/>
+            </a:endParaRPr>
           </a:p>
         </p:txBody>
       </p:sp>
@@ -8776,14 +8742,7 @@
                 <a:latin typeface="Times New Roman" pitchFamily="18" charset="0"/>
                 <a:cs typeface="Times New Roman" pitchFamily="18" charset="0"/>
               </a:rPr>
-              <a:t>(</a:t>
-            </a:r>
-            <a:r>
-              <a:rPr lang="ru-RU" sz="1200" dirty="0" smtClean="0">
-                <a:latin typeface="Times New Roman" pitchFamily="18" charset="0"/>
-                <a:cs typeface="Times New Roman" pitchFamily="18" charset="0"/>
-              </a:rPr>
-              <a:t>2</a:t>
+              <a:t>(2</a:t>
             </a:r>
             <a:r>
               <a:rPr lang="ru-RU" sz="1200" dirty="0">
@@ -8817,7 +8776,7 @@
             <p:spPr>
               <a:xfrm>
                 <a:off x="142377" y="2002308"/>
-                <a:ext cx="4863347" cy="1342099"/>
+                <a:ext cx="4863347" cy="1323439"/>
               </a:xfrm>
               <a:prstGeom prst="rect">
                 <a:avLst/>
@@ -8924,6 +8883,13 @@
                   </m:oMath>
                 </a14:m>
                 <a:r>
+                  <a:rPr lang="ru-RU" sz="1200" b="0" dirty="0" smtClean="0">
+                    <a:latin typeface="Times New Roman" pitchFamily="18" charset="0"/>
+                    <a:cs typeface="Times New Roman" pitchFamily="18" charset="0"/>
+                  </a:rPr>
+                  <a:t> – максимально возможная масса топлива</a:t>
+                </a:r>
+                <a:r>
                   <a:rPr lang="en-US" sz="1200" b="0" dirty="0" smtClean="0">
                     <a:latin typeface="Times New Roman" pitchFamily="18" charset="0"/>
                     <a:cs typeface="Times New Roman" pitchFamily="18" charset="0"/>
@@ -9019,26 +8985,23 @@
                           </a:rPr>
                           <m:t>𝑚𝑎𝑥</m:t>
                         </m:r>
-                        <m:r>
-                          <m:rPr>
-                            <m:nor/>
-                          </m:rPr>
-                          <a:rPr lang="en-US" sz="1200" dirty="0">
-                            <a:latin typeface="Times New Roman" pitchFamily="18" charset="0"/>
-                            <a:cs typeface="Times New Roman" pitchFamily="18" charset="0"/>
-                          </a:rPr>
-                          <m:t>,</m:t>
-                        </m:r>
                       </m:sub>
                     </m:sSub>
                   </m:oMath>
                 </a14:m>
                 <a:r>
-                  <a:rPr lang="en-US" sz="1200" dirty="0">
+                  <a:rPr lang="ru-RU" sz="1200" dirty="0">
                     <a:latin typeface="Times New Roman" pitchFamily="18" charset="0"/>
                     <a:cs typeface="Times New Roman" pitchFamily="18" charset="0"/>
                   </a:rPr>
                   <a:t> </a:t>
+                </a:r>
+                <a:r>
+                  <a:rPr lang="ru-RU" sz="1200" dirty="0" smtClean="0">
+                    <a:latin typeface="Times New Roman" pitchFamily="18" charset="0"/>
+                    <a:cs typeface="Times New Roman" pitchFamily="18" charset="0"/>
+                  </a:rPr>
+                  <a:t>– ограничение орудия,</a:t>
                 </a:r>
                 <a:endParaRPr lang="en-US" sz="1200" dirty="0">
                   <a:latin typeface="Times New Roman" pitchFamily="18" charset="0"/>
@@ -9052,45 +9015,68 @@
                   </a:spcAft>
                 </a:pPr>
                 <a14:m>
-                  <m:oMathPara xmlns:m="http://schemas.openxmlformats.org/officeDocument/2006/math">
-                    <m:oMathParaPr>
-                      <m:jc m:val="left"/>
-                    </m:oMathParaPr>
-                    <m:oMath xmlns:m="http://schemas.openxmlformats.org/officeDocument/2006/math">
-                      <m:r>
-                        <a:rPr lang="en-US" sz="1200" i="1">
-                          <a:latin typeface="Cambria Math" panose="02040503050406030204" pitchFamily="18" charset="0"/>
-                          <a:cs typeface="Times New Roman" pitchFamily="18" charset="0"/>
-                        </a:rPr>
-                        <m:t>0&lt;</m:t>
-                      </m:r>
-                      <m:r>
-                        <m:rPr>
-                          <m:sty m:val="p"/>
-                        </m:rPr>
-                        <a:rPr lang="el-GR" sz="1200" i="1" smtClean="0">
-                          <a:latin typeface="Cambria Math" panose="02040503050406030204" pitchFamily="18" charset="0"/>
-                          <a:cs typeface="Times New Roman" pitchFamily="18" charset="0"/>
-                        </a:rPr>
-                        <m:t>ν</m:t>
-                      </m:r>
-                      <m:r>
-                        <a:rPr lang="en-US" sz="1200" i="1">
-                          <a:latin typeface="Cambria Math" panose="02040503050406030204" pitchFamily="18" charset="0"/>
-                          <a:cs typeface="Times New Roman" pitchFamily="18" charset="0"/>
-                        </a:rPr>
-                        <m:t>&lt;</m:t>
-                      </m:r>
-                      <m:r>
-                        <a:rPr lang="en-US" sz="1200" b="0" i="0" smtClean="0">
-                          <a:latin typeface="Cambria Math" panose="02040503050406030204" pitchFamily="18" charset="0"/>
-                          <a:cs typeface="Times New Roman" pitchFamily="18" charset="0"/>
-                        </a:rPr>
-                        <m:t>0,2,</m:t>
-                      </m:r>
-                    </m:oMath>
-                  </m:oMathPara>
+                  <m:oMath xmlns:m="http://schemas.openxmlformats.org/officeDocument/2006/math">
+                    <m:r>
+                      <a:rPr lang="en-US" sz="1200" i="1">
+                        <a:latin typeface="Cambria Math" panose="02040503050406030204" pitchFamily="18" charset="0"/>
+                        <a:cs typeface="Times New Roman" pitchFamily="18" charset="0"/>
+                      </a:rPr>
+                      <m:t>0&lt;</m:t>
+                    </m:r>
+                    <m:r>
+                      <m:rPr>
+                        <m:sty m:val="p"/>
+                      </m:rPr>
+                      <a:rPr lang="el-GR" sz="1200" i="1" smtClean="0">
+                        <a:latin typeface="Cambria Math" panose="02040503050406030204" pitchFamily="18" charset="0"/>
+                        <a:cs typeface="Times New Roman" pitchFamily="18" charset="0"/>
+                      </a:rPr>
+                      <m:t>ν</m:t>
+                    </m:r>
+                    <m:r>
+                      <a:rPr lang="en-US" sz="1200" i="1">
+                        <a:latin typeface="Cambria Math" panose="02040503050406030204" pitchFamily="18" charset="0"/>
+                        <a:cs typeface="Times New Roman" pitchFamily="18" charset="0"/>
+                      </a:rPr>
+                      <m:t>&lt;</m:t>
+                    </m:r>
+                    <m:r>
+                      <a:rPr lang="en-US" sz="1200" b="0" i="0" smtClean="0">
+                        <a:latin typeface="Cambria Math" panose="02040503050406030204" pitchFamily="18" charset="0"/>
+                        <a:cs typeface="Times New Roman" pitchFamily="18" charset="0"/>
+                      </a:rPr>
+                      <m:t>0,2</m:t>
+                    </m:r>
+                  </m:oMath>
                 </a14:m>
+                <a:r>
+                  <a:rPr lang="en-US" sz="1200" i="1" dirty="0" smtClean="0">
+                    <a:latin typeface="Times New Roman" panose="02020603050405020304" pitchFamily="18" charset="0"/>
+                    <a:cs typeface="Times New Roman" panose="02020603050405020304" pitchFamily="18" charset="0"/>
+                  </a:rPr>
+                  <a:t> </a:t>
+                </a:r>
+                <a:r>
+                  <a:rPr lang="en-US" sz="1200" dirty="0" smtClean="0">
+                    <a:latin typeface="Times New Roman" panose="02020603050405020304" pitchFamily="18" charset="0"/>
+                    <a:cs typeface="Times New Roman" panose="02020603050405020304" pitchFamily="18" charset="0"/>
+                  </a:rPr>
+                  <a:t>–</a:t>
+                </a:r>
+                <a:r>
+                  <a:rPr lang="ru-RU" sz="1200" dirty="0" smtClean="0">
+                    <a:latin typeface="Times New Roman" panose="02020603050405020304" pitchFamily="18" charset="0"/>
+                    <a:cs typeface="Times New Roman" panose="02020603050405020304" pitchFamily="18" charset="0"/>
+                  </a:rPr>
+                  <a:t> максимальная доля тяги на вращение,</a:t>
+                </a:r>
+                <a:r>
+                  <a:rPr lang="en-US" sz="1200" dirty="0" smtClean="0">
+                    <a:latin typeface="Times New Roman" panose="02020603050405020304" pitchFamily="18" charset="0"/>
+                    <a:cs typeface="Times New Roman" panose="02020603050405020304" pitchFamily="18" charset="0"/>
+                  </a:rPr>
+                  <a:t> </a:t>
+                </a:r>
                 <a:endParaRPr lang="en-US" sz="1200" i="1" dirty="0" smtClean="0">
                   <a:latin typeface="Cambria Math" panose="02040503050406030204" pitchFamily="18" charset="0"/>
                   <a:cs typeface="Times New Roman" pitchFamily="18" charset="0"/>
@@ -9181,13 +9167,6 @@
                           </a:rPr>
                           <m:t>𝑚𝑎𝑥</m:t>
                         </m:r>
-                        <m:r>
-                          <a:rPr lang="ru-RU" sz="1200" b="0" i="1" smtClean="0">
-                            <a:latin typeface="Cambria Math" panose="02040503050406030204" pitchFamily="18" charset="0"/>
-                            <a:cs typeface="Times New Roman" pitchFamily="18" charset="0"/>
-                          </a:rPr>
-                          <m:t>.</m:t>
-                        </m:r>
                       </m:sub>
                     </m:sSub>
                   </m:oMath>
@@ -9199,6 +9178,38 @@
                   </a:rPr>
                   <a:t> </a:t>
                 </a:r>
+                <a:r>
+                  <a:rPr lang="en-US" sz="1200" dirty="0">
+                    <a:latin typeface="Times New Roman" panose="02020603050405020304" pitchFamily="18" charset="0"/>
+                    <a:cs typeface="Times New Roman" panose="02020603050405020304" pitchFamily="18" charset="0"/>
+                  </a:rPr>
+                  <a:t>–</a:t>
+                </a:r>
+                <a:r>
+                  <a:rPr lang="ru-RU" sz="1200" dirty="0">
+                    <a:latin typeface="Times New Roman" panose="02020603050405020304" pitchFamily="18" charset="0"/>
+                    <a:cs typeface="Times New Roman" panose="02020603050405020304" pitchFamily="18" charset="0"/>
+                  </a:rPr>
+                  <a:t> </a:t>
+                </a:r>
+                <a:r>
+                  <a:rPr lang="ru-RU" sz="1200" dirty="0" smtClean="0">
+                    <a:latin typeface="Times New Roman" panose="02020603050405020304" pitchFamily="18" charset="0"/>
+                    <a:cs typeface="Times New Roman" panose="02020603050405020304" pitchFamily="18" charset="0"/>
+                  </a:rPr>
+                  <a:t>максимальное время полёта снаряда.</a:t>
+                </a:r>
+                <a:r>
+                  <a:rPr lang="en-US" sz="1200" dirty="0" smtClean="0">
+                    <a:latin typeface="Times New Roman" panose="02020603050405020304" pitchFamily="18" charset="0"/>
+                    <a:cs typeface="Times New Roman" panose="02020603050405020304" pitchFamily="18" charset="0"/>
+                  </a:rPr>
+                  <a:t> </a:t>
+                </a:r>
+                <a:endParaRPr lang="en-US" sz="1200" i="1" dirty="0">
+                  <a:latin typeface="Cambria Math" panose="02040503050406030204" pitchFamily="18" charset="0"/>
+                  <a:cs typeface="Times New Roman" pitchFamily="18" charset="0"/>
+                </a:endParaRPr>
               </a:p>
             </p:txBody>
           </p:sp>
@@ -9215,15 +9226,15 @@
             <p:spPr>
               <a:xfrm>
                 <a:off x="142377" y="2002308"/>
-                <a:ext cx="4863347" cy="1342099"/>
+                <a:ext cx="4863347" cy="1323439"/>
               </a:xfrm>
               <a:prstGeom prst="rect">
                 <a:avLst/>
               </a:prstGeom>
-              <a:blipFill rotWithShape="0">
+              <a:blipFill>
                 <a:blip r:embed="rId3"/>
                 <a:stretch>
-                  <a:fillRect/>
+                  <a:fillRect b="-2294"/>
                 </a:stretch>
               </a:blipFill>
             </p:spPr>
@@ -9264,7 +9275,7 @@
           <a:graphicData uri="http://schemas.openxmlformats.org/presentationml/2006/ole">
             <mc:AlternateContent xmlns:mc="http://schemas.openxmlformats.org/markup-compatibility/2006">
               <mc:Choice xmlns:v="urn:schemas-microsoft-com:vml" Requires="v">
-                <p:oleObj spid="_x0000_s46500" name="Формула" r:id="rId4" imgW="1688760" imgH="228600" progId="Equation.3">
+                <p:oleObj spid="_x0000_s46560" name="Формула" r:id="rId4" imgW="1688760" imgH="228600" progId="Equation.3">
                   <p:embed/>
                 </p:oleObj>
               </mc:Choice>
@@ -9375,7 +9386,7 @@
         </p:nvSpPr>
         <p:spPr>
           <a:xfrm>
-            <a:off x="5174428" y="1898606"/>
+            <a:off x="5197458" y="2145545"/>
             <a:ext cx="3586239" cy="246221"/>
           </a:xfrm>
           <a:prstGeom prst="rect">
@@ -9438,13 +9449,13 @@
           <p:nvPr>
             <p:extLst>
               <p:ext uri="{D42A27DB-BD31-4B8C-83A1-F6EECF244321}">
-                <p14:modId xmlns:p14="http://schemas.microsoft.com/office/powerpoint/2010/main" val="731711798"/>
+                <p14:modId xmlns:p14="http://schemas.microsoft.com/office/powerpoint/2010/main" val="3971616418"/>
               </p:ext>
             </p:extLst>
           </p:nvPr>
         </p:nvGraphicFramePr>
         <p:xfrm>
-          <a:off x="4642207" y="2673637"/>
+          <a:off x="4749195" y="3136745"/>
           <a:ext cx="3829412" cy="1064260"/>
         </p:xfrm>
         <a:graphic>
@@ -9457,28 +9468,28 @@
                 <a:gridCol w="957353">
                   <a:extLst>
                     <a:ext uri="{9D8B030D-6E8A-4147-A177-3AD203B41FA5}">
-                      <a16:colId xmlns="" xmlns:a16="http://schemas.microsoft.com/office/drawing/2014/main" val="1044631594"/>
+                      <a16:colId xmlns:a16="http://schemas.microsoft.com/office/drawing/2014/main" val="1044631594"/>
                     </a:ext>
                   </a:extLst>
                 </a:gridCol>
                 <a:gridCol w="957353">
                   <a:extLst>
                     <a:ext uri="{9D8B030D-6E8A-4147-A177-3AD203B41FA5}">
-                      <a16:colId xmlns="" xmlns:a16="http://schemas.microsoft.com/office/drawing/2014/main" val="2558395021"/>
+                      <a16:colId xmlns:a16="http://schemas.microsoft.com/office/drawing/2014/main" val="2558395021"/>
                     </a:ext>
                   </a:extLst>
                 </a:gridCol>
                 <a:gridCol w="957353">
                   <a:extLst>
                     <a:ext uri="{9D8B030D-6E8A-4147-A177-3AD203B41FA5}">
-                      <a16:colId xmlns="" xmlns:a16="http://schemas.microsoft.com/office/drawing/2014/main" val="2212677439"/>
+                      <a16:colId xmlns:a16="http://schemas.microsoft.com/office/drawing/2014/main" val="2212677439"/>
                     </a:ext>
                   </a:extLst>
                 </a:gridCol>
                 <a:gridCol w="957353">
                   <a:extLst>
                     <a:ext uri="{9D8B030D-6E8A-4147-A177-3AD203B41FA5}">
-                      <a16:colId xmlns="" xmlns:a16="http://schemas.microsoft.com/office/drawing/2014/main" val="851063209"/>
+                      <a16:colId xmlns:a16="http://schemas.microsoft.com/office/drawing/2014/main" val="851063209"/>
                     </a:ext>
                   </a:extLst>
                 </a:gridCol>
@@ -9542,7 +9553,7 @@
                 </a:tc>
                 <a:extLst>
                   <a:ext uri="{0D108BD9-81ED-4DB2-BD59-A6C34878D82A}">
-                    <a16:rowId xmlns="" xmlns:a16="http://schemas.microsoft.com/office/drawing/2014/main" val="1185514864"/>
+                    <a16:rowId xmlns:a16="http://schemas.microsoft.com/office/drawing/2014/main" val="1185514864"/>
                   </a:ext>
                 </a:extLst>
               </a:tr>
@@ -9695,7 +9706,7 @@
                 </a:tc>
                 <a:extLst>
                   <a:ext uri="{0D108BD9-81ED-4DB2-BD59-A6C34878D82A}">
-                    <a16:rowId xmlns="" xmlns:a16="http://schemas.microsoft.com/office/drawing/2014/main" val="10001"/>
+                    <a16:rowId xmlns:a16="http://schemas.microsoft.com/office/drawing/2014/main" val="10001"/>
                   </a:ext>
                 </a:extLst>
               </a:tr>
@@ -9985,7 +9996,7 @@
                 </a:tc>
                 <a:extLst>
                   <a:ext uri="{0D108BD9-81ED-4DB2-BD59-A6C34878D82A}">
-                    <a16:rowId xmlns="" xmlns:a16="http://schemas.microsoft.com/office/drawing/2014/main" val="627226478"/>
+                    <a16:rowId xmlns:a16="http://schemas.microsoft.com/office/drawing/2014/main" val="627226478"/>
                   </a:ext>
                 </a:extLst>
               </a:tr>
@@ -10155,7 +10166,7 @@
                 </a:tc>
                 <a:extLst>
                   <a:ext uri="{0D108BD9-81ED-4DB2-BD59-A6C34878D82A}">
-                    <a16:rowId xmlns="" xmlns:a16="http://schemas.microsoft.com/office/drawing/2014/main" val="10003"/>
+                    <a16:rowId xmlns:a16="http://schemas.microsoft.com/office/drawing/2014/main" val="10003"/>
                   </a:ext>
                 </a:extLst>
               </a:tr>
@@ -10172,20 +10183,20 @@
           <p:nvPr>
             <p:extLst>
               <p:ext uri="{D42A27DB-BD31-4B8C-83A1-F6EECF244321}">
-                <p14:modId xmlns:p14="http://schemas.microsoft.com/office/powerpoint/2010/main" val="529560632"/>
+                <p14:modId xmlns:p14="http://schemas.microsoft.com/office/powerpoint/2010/main" val="2458825122"/>
               </p:ext>
             </p:extLst>
           </p:nvPr>
         </p:nvGraphicFramePr>
         <p:xfrm>
-          <a:off x="4869763" y="2720131"/>
+          <a:off x="4976751" y="3183239"/>
           <a:ext cx="450850" cy="209550"/>
         </p:xfrm>
         <a:graphic>
           <a:graphicData uri="http://schemas.openxmlformats.org/presentationml/2006/ole">
             <mc:AlternateContent xmlns:mc="http://schemas.openxmlformats.org/markup-compatibility/2006">
               <mc:Choice xmlns:v="urn:schemas-microsoft-com:vml" Requires="v">
-                <p:oleObj spid="_x0000_s46501" name="Уравнение" r:id="rId6" imgW="406080" imgH="190440" progId="Equation.3">
+                <p:oleObj spid="_x0000_s46561" name="Уравнение" r:id="rId6" imgW="406080" imgH="190440" progId="Equation.3">
                   <p:embed/>
                 </p:oleObj>
               </mc:Choice>
@@ -10209,7 +10220,7 @@
                     </p:blipFill>
                     <p:spPr bwMode="auto">
                       <a:xfrm>
-                        <a:off x="4869763" y="2720131"/>
+                        <a:off x="4976751" y="3183239"/>
                         <a:ext cx="450850" cy="209550"/>
                       </a:xfrm>
                       <a:prstGeom prst="rect">
@@ -10242,20 +10253,20 @@
           <p:nvPr>
             <p:extLst>
               <p:ext uri="{D42A27DB-BD31-4B8C-83A1-F6EECF244321}">
-                <p14:modId xmlns:p14="http://schemas.microsoft.com/office/powerpoint/2010/main" val="3529471545"/>
+                <p14:modId xmlns:p14="http://schemas.microsoft.com/office/powerpoint/2010/main" val="2909003275"/>
               </p:ext>
             </p:extLst>
           </p:nvPr>
         </p:nvGraphicFramePr>
         <p:xfrm>
-          <a:off x="5845734" y="2705306"/>
+          <a:off x="5952722" y="3168414"/>
           <a:ext cx="449262" cy="238125"/>
         </p:xfrm>
         <a:graphic>
           <a:graphicData uri="http://schemas.openxmlformats.org/presentationml/2006/ole">
             <mc:AlternateContent xmlns:mc="http://schemas.openxmlformats.org/markup-compatibility/2006">
               <mc:Choice xmlns:v="urn:schemas-microsoft-com:vml" Requires="v">
-                <p:oleObj spid="_x0000_s46502" name="Формула" r:id="rId8" imgW="406080" imgH="215640" progId="Equation.3">
+                <p:oleObj spid="_x0000_s46562" name="Формула" r:id="rId8" imgW="406080" imgH="215640" progId="Equation.3">
                   <p:embed/>
                 </p:oleObj>
               </mc:Choice>
@@ -10279,7 +10290,7 @@
                     </p:blipFill>
                     <p:spPr bwMode="auto">
                       <a:xfrm>
-                        <a:off x="5845734" y="2705306"/>
+                        <a:off x="5952722" y="3168414"/>
                         <a:ext cx="449262" cy="238125"/>
                       </a:xfrm>
                       <a:prstGeom prst="rect">
@@ -10312,20 +10323,20 @@
           <p:nvPr>
             <p:extLst>
               <p:ext uri="{D42A27DB-BD31-4B8C-83A1-F6EECF244321}">
-                <p14:modId xmlns:p14="http://schemas.microsoft.com/office/powerpoint/2010/main" val="1178926696"/>
+                <p14:modId xmlns:p14="http://schemas.microsoft.com/office/powerpoint/2010/main" val="1969055945"/>
               </p:ext>
             </p:extLst>
           </p:nvPr>
         </p:nvGraphicFramePr>
         <p:xfrm>
-          <a:off x="6803994" y="2691689"/>
+          <a:off x="6910982" y="3154797"/>
           <a:ext cx="466725" cy="238125"/>
         </p:xfrm>
         <a:graphic>
           <a:graphicData uri="http://schemas.openxmlformats.org/presentationml/2006/ole">
             <mc:AlternateContent xmlns:mc="http://schemas.openxmlformats.org/markup-compatibility/2006">
               <mc:Choice xmlns:v="urn:schemas-microsoft-com:vml" Requires="v">
-                <p:oleObj spid="_x0000_s46503" name="Формула" r:id="rId10" imgW="419040" imgH="215640" progId="Equation.3">
+                <p:oleObj spid="_x0000_s46563" name="Формула" r:id="rId10" imgW="419040" imgH="215640" progId="Equation.3">
                   <p:embed/>
                 </p:oleObj>
               </mc:Choice>
@@ -10349,7 +10360,7 @@
                     </p:blipFill>
                     <p:spPr bwMode="auto">
                       <a:xfrm>
-                        <a:off x="6803994" y="2691689"/>
+                        <a:off x="6910982" y="3154797"/>
                         <a:ext cx="466725" cy="238125"/>
                       </a:xfrm>
                       <a:prstGeom prst="rect">
@@ -10382,20 +10393,20 @@
           <p:nvPr>
             <p:extLst>
               <p:ext uri="{D42A27DB-BD31-4B8C-83A1-F6EECF244321}">
-                <p14:modId xmlns:p14="http://schemas.microsoft.com/office/powerpoint/2010/main" val="731123300"/>
+                <p14:modId xmlns:p14="http://schemas.microsoft.com/office/powerpoint/2010/main" val="3379483273"/>
               </p:ext>
             </p:extLst>
           </p:nvPr>
         </p:nvGraphicFramePr>
         <p:xfrm>
-          <a:off x="7874559" y="2702131"/>
+          <a:off x="7981547" y="3165239"/>
           <a:ext cx="304800" cy="215900"/>
         </p:xfrm>
         <a:graphic>
           <a:graphicData uri="http://schemas.openxmlformats.org/presentationml/2006/ole">
             <mc:AlternateContent xmlns:mc="http://schemas.openxmlformats.org/markup-compatibility/2006">
               <mc:Choice xmlns:v="urn:schemas-microsoft-com:vml" Requires="v">
-                <p:oleObj spid="_x0000_s46504" name="Формула" r:id="rId12" imgW="304560" imgH="215640" progId="Equation.3">
+                <p:oleObj spid="_x0000_s46564" name="Формула" r:id="rId12" imgW="304560" imgH="215640" progId="Equation.3">
                   <p:embed/>
                 </p:oleObj>
               </mc:Choice>
@@ -10419,7 +10430,7 @@
                     </p:blipFill>
                     <p:spPr bwMode="auto">
                       <a:xfrm>
-                        <a:off x="7874559" y="2702131"/>
+                        <a:off x="7981547" y="3165239"/>
                         <a:ext cx="304800" cy="215900"/>
                       </a:xfrm>
                       <a:prstGeom prst="rect">
@@ -10474,7 +10485,7 @@
         </p:nvSpPr>
         <p:spPr>
           <a:xfrm>
-            <a:off x="4575533" y="2369610"/>
+            <a:off x="4682521" y="2832718"/>
             <a:ext cx="4461479" cy="246221"/>
           </a:xfrm>
           <a:prstGeom prst="rect">
@@ -10556,7 +10567,7 @@
           <a:graphicData uri="http://schemas.openxmlformats.org/presentationml/2006/ole">
             <mc:AlternateContent xmlns:mc="http://schemas.openxmlformats.org/markup-compatibility/2006">
               <mc:Choice xmlns:v="urn:schemas-microsoft-com:vml" Requires="v">
-                <p:oleObj spid="_x0000_s46505" name="Формула" r:id="rId14" imgW="799920" imgH="228600" progId="Equation.3">
+                <p:oleObj spid="_x0000_s46565" name="Формула" r:id="rId14" imgW="799920" imgH="228600" progId="Equation.3">
                   <p:embed/>
                 </p:oleObj>
               </mc:Choice>
@@ -10613,7 +10624,7 @@
           <a:graphicData uri="http://schemas.openxmlformats.org/presentationml/2006/ole">
             <mc:AlternateContent xmlns:mc="http://schemas.openxmlformats.org/markup-compatibility/2006">
               <mc:Choice xmlns:v="urn:schemas-microsoft-com:vml" Requires="v">
-                <p:oleObj spid="_x0000_s46506" name="Equation" r:id="rId16" imgW="838080" imgH="215640" progId="Equation.3">
+                <p:oleObj spid="_x0000_s46566" name="Equation" r:id="rId16" imgW="838080" imgH="215640" progId="Equation.3">
                   <p:embed/>
                 </p:oleObj>
               </mc:Choice>
@@ -10656,7 +10667,7 @@
         </p:nvGrpSpPr>
         <p:grpSpPr>
           <a:xfrm>
-            <a:off x="4808891" y="650484"/>
+            <a:off x="4853341" y="852359"/>
             <a:ext cx="4211979" cy="1317435"/>
             <a:chOff x="4756125" y="464806"/>
             <a:chExt cx="4211979" cy="1317435"/>
@@ -10698,7 +10709,7 @@
               <a:graphicData uri="http://schemas.openxmlformats.org/presentationml/2006/ole">
                 <mc:AlternateContent xmlns:mc="http://schemas.openxmlformats.org/markup-compatibility/2006">
                   <mc:Choice xmlns:v="urn:schemas-microsoft-com:vml" Requires="v">
-                    <p:oleObj spid="_x0000_s46507" name="Уравнение" r:id="rId18" imgW="228600" imgH="228600" progId="Equation.3">
+                    <p:oleObj spid="_x0000_s46567" name="Уравнение" r:id="rId18" imgW="228600" imgH="228600" progId="Equation.3">
                       <p:embed/>
                     </p:oleObj>
                   </mc:Choice>
@@ -10768,7 +10779,7 @@
               <a:graphicData uri="http://schemas.openxmlformats.org/presentationml/2006/ole">
                 <mc:AlternateContent xmlns:mc="http://schemas.openxmlformats.org/markup-compatibility/2006">
                   <mc:Choice xmlns:v="urn:schemas-microsoft-com:vml" Requires="v">
-                    <p:oleObj spid="_x0000_s46508" name="Формула" r:id="rId20" imgW="164885" imgH="164885" progId="Equation.3">
+                    <p:oleObj spid="_x0000_s46568" name="Формула" r:id="rId20" imgW="164885" imgH="164885" progId="Equation.3">
                       <p:embed/>
                     </p:oleObj>
                   </mc:Choice>
@@ -10955,7 +10966,7 @@
                     <a:graphicData uri="http://schemas.openxmlformats.org/presentationml/2006/ole">
                       <mc:AlternateContent xmlns:mc="http://schemas.openxmlformats.org/markup-compatibility/2006">
                         <mc:Choice xmlns:v="urn:schemas-microsoft-com:vml" Requires="v">
-                          <p:oleObj spid="_x0000_s46509" name="Уравнение" r:id="rId22" imgW="164880" imgH="228600" progId="Equation.3">
+                          <p:oleObj spid="_x0000_s46569" name="Уравнение" r:id="rId22" imgW="164880" imgH="228600" progId="Equation.3">
                             <p:embed/>
                           </p:oleObj>
                         </mc:Choice>
@@ -11025,7 +11036,7 @@
                     <a:graphicData uri="http://schemas.openxmlformats.org/presentationml/2006/ole">
                       <mc:AlternateContent xmlns:mc="http://schemas.openxmlformats.org/markup-compatibility/2006">
                         <mc:Choice xmlns:v="urn:schemas-microsoft-com:vml" Requires="v">
-                          <p:oleObj spid="_x0000_s46510" name="Equation" r:id="rId24" imgW="228600" imgH="228600" progId="Equation.3">
+                          <p:oleObj spid="_x0000_s46570" name="Equation" r:id="rId24" imgW="228600" imgH="228600" progId="Equation.3">
                             <p:embed/>
                           </p:oleObj>
                         </mc:Choice>
@@ -11095,7 +11106,7 @@
                     <a:graphicData uri="http://schemas.openxmlformats.org/presentationml/2006/ole">
                       <mc:AlternateContent xmlns:mc="http://schemas.openxmlformats.org/markup-compatibility/2006">
                         <mc:Choice xmlns:v="urn:schemas-microsoft-com:vml" Requires="v">
-                          <p:oleObj spid="_x0000_s46511" name="Equation" r:id="rId26" imgW="215640" imgH="228600" progId="Equation.3">
+                          <p:oleObj spid="_x0000_s46571" name="Equation" r:id="rId26" imgW="215640" imgH="228600" progId="Equation.3">
                             <p:embed/>
                           </p:oleObj>
                         </mc:Choice>
@@ -11686,7 +11697,7 @@
                       <a:graphicData uri="http://schemas.openxmlformats.org/presentationml/2006/ole">
                         <mc:AlternateContent xmlns:mc="http://schemas.openxmlformats.org/markup-compatibility/2006">
                           <mc:Choice xmlns:v="urn:schemas-microsoft-com:vml" Requires="v">
-                            <p:oleObj spid="_x0000_s46512" name="Уравнение" r:id="rId28" imgW="203040" imgH="215640" progId="Equation.3">
+                            <p:oleObj spid="_x0000_s46572" name="Уравнение" r:id="rId28" imgW="203040" imgH="215640" progId="Equation.3">
                               <p:embed/>
                             </p:oleObj>
                           </mc:Choice>
@@ -12108,7 +12119,7 @@
           <a:graphicData uri="http://schemas.openxmlformats.org/presentationml/2006/ole">
             <mc:AlternateContent xmlns:mc="http://schemas.openxmlformats.org/markup-compatibility/2006">
               <mc:Choice xmlns:v="urn:schemas-microsoft-com:vml" Requires="v">
-                <p:oleObj spid="_x0000_s46513" name="Формула" r:id="rId30" imgW="1091880" imgH="228600" progId="Equation.3">
+                <p:oleObj spid="_x0000_s46573" name="Формула" r:id="rId30" imgW="1091880" imgH="228600" progId="Equation.3">
                   <p:embed/>
                 </p:oleObj>
               </mc:Choice>
@@ -12178,7 +12189,7 @@
           <a:graphicData uri="http://schemas.openxmlformats.org/presentationml/2006/ole">
             <mc:AlternateContent xmlns:mc="http://schemas.openxmlformats.org/markup-compatibility/2006">
               <mc:Choice xmlns:v="urn:schemas-microsoft-com:vml" Requires="v">
-                <p:oleObj spid="_x0000_s46514" name="Формула" r:id="rId32" imgW="1892160" imgH="228600" progId="Equation.3">
+                <p:oleObj spid="_x0000_s46574" name="Формула" r:id="rId32" imgW="1892160" imgH="228600" progId="Equation.3">
                   <p:embed/>
                 </p:oleObj>
               </mc:Choice>
@@ -12226,8 +12237,8 @@
           </a:graphicData>
         </a:graphic>
       </p:graphicFrame>
-      <mc:AlternateContent xmlns:mc="http://schemas.openxmlformats.org/markup-compatibility/2006">
-        <mc:Choice xmlns:a14="http://schemas.microsoft.com/office/drawing/2010/main" Requires="a14">
+      <mc:AlternateContent xmlns:mc="http://schemas.openxmlformats.org/markup-compatibility/2006" xmlns:a14="http://schemas.microsoft.com/office/drawing/2010/main">
+        <mc:Choice Requires="a14">
           <p:sp>
             <p:nvSpPr>
               <p:cNvPr id="89" name="Прямоугольник 88"/>
@@ -12294,14 +12305,7 @@
                     <a:latin typeface="Times New Roman" pitchFamily="18" charset="0"/>
                     <a:cs typeface="Times New Roman" pitchFamily="18" charset="0"/>
                   </a:rPr>
-                  <a:t> дальность </a:t>
-                </a:r>
-                <a:r>
-                  <a:rPr lang="ru-RU" sz="1100" dirty="0" smtClean="0">
-                    <a:latin typeface="Times New Roman" pitchFamily="18" charset="0"/>
-                    <a:cs typeface="Times New Roman" pitchFamily="18" charset="0"/>
-                  </a:rPr>
-                  <a:t>стрельбы;</a:t>
+                  <a:t> дальность стрельбы;</a:t>
                 </a:r>
                 <a:r>
                   <a:rPr lang="ru-RU" sz="1100" i="1" dirty="0" smtClean="0">
@@ -12359,15 +12363,7 @@
                     <a:ea typeface="Cambria Math"/>
                     <a:cs typeface="Times New Roman" pitchFamily="18" charset="0"/>
                   </a:rPr>
-                  <a:t> </a:t>
-                </a:r>
-                <a:r>
-                  <a:rPr lang="ru-RU" sz="1100" dirty="0" smtClean="0">
-                    <a:latin typeface="Times New Roman" pitchFamily="18" charset="0"/>
-                    <a:ea typeface="Cambria Math"/>
-                    <a:cs typeface="Times New Roman" pitchFamily="18" charset="0"/>
-                  </a:rPr>
-                  <a:t>масса топлива;</a:t>
+                  <a:t> масса топлива;</a:t>
                 </a:r>
                 <a:r>
                   <a:rPr lang="en-US" sz="1100" dirty="0" smtClean="0">
@@ -12438,39 +12434,7 @@
                     <a:ea typeface="Cambria Math"/>
                     <a:cs typeface="Times New Roman" pitchFamily="18" charset="0"/>
                   </a:rPr>
-                  <a:t> </a:t>
-                </a:r>
-                <a:r>
-                  <a:rPr lang="ru-RU" sz="1100" dirty="0" smtClean="0">
-                    <a:latin typeface="Times New Roman" pitchFamily="18" charset="0"/>
-                    <a:ea typeface="Cambria Math"/>
-                    <a:cs typeface="Times New Roman" pitchFamily="18" charset="0"/>
-                  </a:rPr>
-                  <a:t>дульная</a:t>
-                </a:r>
-                <a:r>
-                  <a:rPr lang="ru-RU" sz="1100" dirty="0" smtClean="0">
-                    <a:latin typeface="Times New Roman" pitchFamily="18" charset="0"/>
-                    <a:ea typeface="Cambria Math"/>
-                    <a:cs typeface="Times New Roman" pitchFamily="18" charset="0"/>
-                  </a:rPr>
-                  <a:t> </a:t>
-                </a:r>
-                <a:r>
-                  <a:rPr lang="ru-RU" sz="1100" dirty="0" smtClean="0">
-                    <a:latin typeface="Times New Roman" pitchFamily="18" charset="0"/>
-                    <a:ea typeface="Cambria Math"/>
-                    <a:cs typeface="Times New Roman" pitchFamily="18" charset="0"/>
-                  </a:rPr>
-                  <a:t>скорость </a:t>
-                </a:r>
-                <a:r>
-                  <a:rPr lang="ru-RU" sz="1100" dirty="0" smtClean="0">
-                    <a:latin typeface="Times New Roman" pitchFamily="18" charset="0"/>
-                    <a:ea typeface="Cambria Math"/>
-                    <a:cs typeface="Times New Roman" pitchFamily="18" charset="0"/>
-                  </a:rPr>
-                  <a:t>снаряда; </a:t>
+                  <a:t> дульная скорость снаряда; </a:t>
                 </a:r>
                 <a14:m>
                   <m:oMath xmlns:m="http://schemas.openxmlformats.org/officeDocument/2006/math">
@@ -12524,15 +12488,7 @@
                     <a:ea typeface="Cambria Math"/>
                     <a:cs typeface="Times New Roman" pitchFamily="18" charset="0"/>
                   </a:rPr>
-                  <a:t> угол наклона </a:t>
-                </a:r>
-                <a:r>
-                  <a:rPr lang="ru-RU" sz="1100" dirty="0" smtClean="0">
-                    <a:latin typeface="Times New Roman" pitchFamily="18" charset="0"/>
-                    <a:ea typeface="Cambria Math"/>
-                    <a:cs typeface="Times New Roman" pitchFamily="18" charset="0"/>
-                  </a:rPr>
-                  <a:t>орудия</a:t>
+                  <a:t> угол наклона орудия</a:t>
                 </a:r>
                 <a:r>
                   <a:rPr lang="ru-RU" sz="1100" dirty="0">
@@ -12611,15 +12567,7 @@
                     <a:ea typeface="Cambria Math"/>
                     <a:cs typeface="Times New Roman" pitchFamily="18" charset="0"/>
                   </a:rPr>
-                  <a:t>время старта Р.Д</a:t>
-                </a:r>
-                <a:r>
-                  <a:rPr lang="ru-RU" sz="1100" dirty="0" smtClean="0">
-                    <a:latin typeface="Times New Roman" pitchFamily="18" charset="0"/>
-                    <a:ea typeface="Cambria Math"/>
-                    <a:cs typeface="Times New Roman" pitchFamily="18" charset="0"/>
-                  </a:rPr>
-                  <a:t>.;</a:t>
+                  <a:t>время старта Р.Д.;</a:t>
                 </a:r>
                 <a:r>
                   <a:rPr lang="en-US" sz="1100" dirty="0" smtClean="0">
@@ -12680,7 +12628,7 @@
             </p:txBody>
           </p:sp>
         </mc:Choice>
-        <mc:Fallback>
+        <mc:Fallback xmlns="">
           <p:sp>
             <p:nvSpPr>
               <p:cNvPr id="89" name="Прямоугольник 88"/>
@@ -13373,8 +13321,15 @@
                 <a:latin typeface="Times New Roman" panose="02020603050405020304" pitchFamily="18" charset="0"/>
                 <a:cs typeface="Times New Roman" panose="02020603050405020304" pitchFamily="18" charset="0"/>
               </a:rPr>
-              <a:t>«Исследование пределов повышения дальности стрельбы активно-реактивным снарядом»</a:t>
-            </a:r>
+              <a:t>«Повышение дальности стрельбы активно-реактивным снарядом на основе математического моделирования…»</a:t>
+            </a:r>
+            <a:endParaRPr lang="ru-RU" sz="1100" dirty="0">
+              <a:solidFill>
+                <a:schemeClr val="tx1"/>
+              </a:solidFill>
+              <a:latin typeface="Times New Roman" panose="02020603050405020304" pitchFamily="18" charset="0"/>
+              <a:cs typeface="Times New Roman" panose="02020603050405020304" pitchFamily="18" charset="0"/>
+            </a:endParaRPr>
           </a:p>
         </p:txBody>
       </p:sp>
@@ -13615,15 +13570,7 @@
                 <a:ea typeface="Times New Roman" pitchFamily="18" charset="0"/>
                 <a:cs typeface="Times New Roman" pitchFamily="18" charset="0"/>
               </a:rPr>
-              <a:t>4. </a:t>
-            </a:r>
-            <a:r>
-              <a:rPr lang="ru-RU" sz="1100" dirty="0" smtClean="0">
-                <a:latin typeface="Times New Roman" pitchFamily="18" charset="0"/>
-                <a:ea typeface="Times New Roman" pitchFamily="18" charset="0"/>
-                <a:cs typeface="Times New Roman" pitchFamily="18" charset="0"/>
-              </a:rPr>
-              <a:t>Результаты решения задачи внутренней баллистики</a:t>
+              <a:t>4. Результаты решения задачи внутренней баллистики</a:t>
             </a:r>
           </a:p>
           <a:p>
@@ -13668,28 +13615,28 @@
                     <a:gridCol w="875899">
                       <a:extLst>
                         <a:ext uri="{9D8B030D-6E8A-4147-A177-3AD203B41FA5}">
-                          <a16:colId xmlns="" xmlns:a16="http://schemas.microsoft.com/office/drawing/2014/main" val="20000"/>
+                          <a16:colId xmlns:a16="http://schemas.microsoft.com/office/drawing/2014/main" val="20000"/>
                         </a:ext>
                       </a:extLst>
                     </a:gridCol>
                     <a:gridCol w="875899">
                       <a:extLst>
                         <a:ext uri="{9D8B030D-6E8A-4147-A177-3AD203B41FA5}">
-                          <a16:colId xmlns="" xmlns:a16="http://schemas.microsoft.com/office/drawing/2014/main" val="20001"/>
+                          <a16:colId xmlns:a16="http://schemas.microsoft.com/office/drawing/2014/main" val="20001"/>
                         </a:ext>
                       </a:extLst>
                     </a:gridCol>
                     <a:gridCol w="875899">
                       <a:extLst>
                         <a:ext uri="{9D8B030D-6E8A-4147-A177-3AD203B41FA5}">
-                          <a16:colId xmlns="" xmlns:a16="http://schemas.microsoft.com/office/drawing/2014/main" val="20002"/>
+                          <a16:colId xmlns:a16="http://schemas.microsoft.com/office/drawing/2014/main" val="20002"/>
                         </a:ext>
                       </a:extLst>
                     </a:gridCol>
                     <a:gridCol w="875899">
                       <a:extLst>
                         <a:ext uri="{9D8B030D-6E8A-4147-A177-3AD203B41FA5}">
-                          <a16:colId xmlns="" xmlns:a16="http://schemas.microsoft.com/office/drawing/2014/main" val="20003"/>
+                          <a16:colId xmlns:a16="http://schemas.microsoft.com/office/drawing/2014/main" val="20003"/>
                         </a:ext>
                       </a:extLst>
                     </a:gridCol>
@@ -14048,7 +13995,7 @@
                     </a:tc>
                     <a:extLst>
                       <a:ext uri="{0D108BD9-81ED-4DB2-BD59-A6C34878D82A}">
-                        <a16:rowId xmlns="" xmlns:a16="http://schemas.microsoft.com/office/drawing/2014/main" val="10000"/>
+                        <a16:rowId xmlns:a16="http://schemas.microsoft.com/office/drawing/2014/main" val="10000"/>
                       </a:ext>
                     </a:extLst>
                   </a:tr>
@@ -14350,7 +14297,7 @@
                     </a:tc>
                     <a:extLst>
                       <a:ext uri="{0D108BD9-81ED-4DB2-BD59-A6C34878D82A}">
-                        <a16:rowId xmlns="" xmlns:a16="http://schemas.microsoft.com/office/drawing/2014/main" val="10001"/>
+                        <a16:rowId xmlns:a16="http://schemas.microsoft.com/office/drawing/2014/main" val="10001"/>
                       </a:ext>
                     </a:extLst>
                   </a:tr>
@@ -14983,15 +14930,7 @@
                 <a:ea typeface="Times New Roman" pitchFamily="18" charset="0"/>
                 <a:cs typeface="Times New Roman" pitchFamily="18" charset="0"/>
               </a:rPr>
-              <a:t>5. </a:t>
-            </a:r>
-            <a:r>
-              <a:rPr lang="ru-RU" sz="1100" dirty="0" smtClean="0">
-                <a:latin typeface="Times New Roman" pitchFamily="18" charset="0"/>
-                <a:ea typeface="Times New Roman" pitchFamily="18" charset="0"/>
-                <a:cs typeface="Times New Roman" pitchFamily="18" charset="0"/>
-              </a:rPr>
-              <a:t>Результаты решения задачи внешней баллистики</a:t>
+              <a:t>5. Результаты решения задачи внешней баллистики</a:t>
             </a:r>
           </a:p>
           <a:p>
@@ -15054,8 +14993,8 @@
           </a:prstGeom>
         </p:spPr>
       </p:pic>
-      <mc:AlternateContent xmlns:mc="http://schemas.openxmlformats.org/markup-compatibility/2006">
-        <mc:Choice xmlns:a14="http://schemas.microsoft.com/office/drawing/2010/main" Requires="a14">
+      <mc:AlternateContent xmlns:mc="http://schemas.openxmlformats.org/markup-compatibility/2006" xmlns:a14="http://schemas.microsoft.com/office/drawing/2010/main">
+        <mc:Choice Requires="a14">
           <p:graphicFrame>
             <p:nvGraphicFramePr>
               <p:cNvPr id="17" name="Таблица 16"/>
@@ -15084,28 +15023,28 @@
                     <a:gridCol w="875899">
                       <a:extLst>
                         <a:ext uri="{9D8B030D-6E8A-4147-A177-3AD203B41FA5}">
-                          <a16:colId xmlns:a16="http://schemas.microsoft.com/office/drawing/2014/main" xmlns="" val="20000"/>
+                          <a16:colId xmlns:a16="http://schemas.microsoft.com/office/drawing/2014/main" val="20000"/>
                         </a:ext>
                       </a:extLst>
                     </a:gridCol>
                     <a:gridCol w="875899">
                       <a:extLst>
                         <a:ext uri="{9D8B030D-6E8A-4147-A177-3AD203B41FA5}">
-                          <a16:colId xmlns:a16="http://schemas.microsoft.com/office/drawing/2014/main" xmlns="" val="20001"/>
+                          <a16:colId xmlns:a16="http://schemas.microsoft.com/office/drawing/2014/main" val="20001"/>
                         </a:ext>
                       </a:extLst>
                     </a:gridCol>
                     <a:gridCol w="875899">
                       <a:extLst>
                         <a:ext uri="{9D8B030D-6E8A-4147-A177-3AD203B41FA5}">
-                          <a16:colId xmlns:a16="http://schemas.microsoft.com/office/drawing/2014/main" xmlns="" val="20002"/>
+                          <a16:colId xmlns:a16="http://schemas.microsoft.com/office/drawing/2014/main" val="20002"/>
                         </a:ext>
                       </a:extLst>
                     </a:gridCol>
                     <a:gridCol w="875899">
                       <a:extLst>
                         <a:ext uri="{9D8B030D-6E8A-4147-A177-3AD203B41FA5}">
-                          <a16:colId xmlns:a16="http://schemas.microsoft.com/office/drawing/2014/main" xmlns="" val="20003"/>
+                          <a16:colId xmlns:a16="http://schemas.microsoft.com/office/drawing/2014/main" val="20003"/>
                         </a:ext>
                       </a:extLst>
                     </a:gridCol>
@@ -15432,7 +15371,7 @@
                     </a:tc>
                     <a:extLst>
                       <a:ext uri="{0D108BD9-81ED-4DB2-BD59-A6C34878D82A}">
-                        <a16:rowId xmlns:a16="http://schemas.microsoft.com/office/drawing/2014/main" xmlns="" val="10000"/>
+                        <a16:rowId xmlns:a16="http://schemas.microsoft.com/office/drawing/2014/main" val="10000"/>
                       </a:ext>
                     </a:extLst>
                   </a:tr>
@@ -15717,7 +15656,7 @@
                     </a:tc>
                     <a:extLst>
                       <a:ext uri="{0D108BD9-81ED-4DB2-BD59-A6C34878D82A}">
-                        <a16:rowId xmlns:a16="http://schemas.microsoft.com/office/drawing/2014/main" xmlns="" val="10001"/>
+                        <a16:rowId xmlns:a16="http://schemas.microsoft.com/office/drawing/2014/main" val="10001"/>
                       </a:ext>
                     </a:extLst>
                   </a:tr>
@@ -16021,13 +15960,18 @@
                         </a:lnB>
                       </a:tcPr>
                     </a:tc>
+                    <a:extLst>
+                      <a:ext uri="{0D108BD9-81ED-4DB2-BD59-A6C34878D82A}">
+                        <a16:rowId xmlns:a16="http://schemas.microsoft.com/office/drawing/2014/main" val="10002"/>
+                      </a:ext>
+                    </a:extLst>
                   </a:tr>
                 </a:tbl>
               </a:graphicData>
             </a:graphic>
           </p:graphicFrame>
         </mc:Choice>
-        <mc:Fallback>
+        <mc:Fallback xmlns="">
           <p:graphicFrame>
             <p:nvGraphicFramePr>
               <p:cNvPr id="17" name="Таблица 16"/>
@@ -17388,8 +17332,15 @@
                 <a:latin typeface="Times New Roman" panose="02020603050405020304" pitchFamily="18" charset="0"/>
                 <a:cs typeface="Times New Roman" panose="02020603050405020304" pitchFamily="18" charset="0"/>
               </a:rPr>
-              <a:t>«Исследование пределов повышения дальности стрельбы активно-реактивным снарядом»</a:t>
-            </a:r>
+              <a:t>«Повышение дальности стрельбы активно-реактивным снарядом на основе математического моделирования…»</a:t>
+            </a:r>
+            <a:endParaRPr lang="ru-RU" sz="1100" dirty="0">
+              <a:solidFill>
+                <a:schemeClr val="tx1"/>
+              </a:solidFill>
+              <a:latin typeface="Times New Roman" panose="02020603050405020304" pitchFamily="18" charset="0"/>
+              <a:cs typeface="Times New Roman" panose="02020603050405020304" pitchFamily="18" charset="0"/>
+            </a:endParaRPr>
           </a:p>
         </p:txBody>
       </p:sp>
@@ -17807,25 +17758,25 @@
           <p:nvPr>
             <p:extLst>
               <p:ext uri="{D42A27DB-BD31-4B8C-83A1-F6EECF244321}">
-                <p14:modId xmlns:p14="http://schemas.microsoft.com/office/powerpoint/2010/main" val="2017892579"/>
+                <p14:modId xmlns:p14="http://schemas.microsoft.com/office/powerpoint/2010/main" val="333376776"/>
               </p:ext>
             </p:extLst>
           </p:nvPr>
         </p:nvGraphicFramePr>
         <p:xfrm>
-          <a:off x="1981200" y="690962"/>
-          <a:ext cx="1241425" cy="527050"/>
+          <a:off x="1855788" y="647700"/>
+          <a:ext cx="903287" cy="527050"/>
         </p:xfrm>
         <a:graphic>
           <a:graphicData uri="http://schemas.openxmlformats.org/presentationml/2006/ole">
             <mc:AlternateContent xmlns:mc="http://schemas.openxmlformats.org/markup-compatibility/2006">
               <mc:Choice xmlns:v="urn:schemas-microsoft-com:vml" Requires="v">
-                <p:oleObj spid="_x0000_s42275" name="Уравнение" r:id="rId3" imgW="1117440" imgH="482400" progId="Equation.3">
+                <p:oleObj spid="_x0000_s42281" name="Уравнение" r:id="rId3" imgW="812520" imgH="482400" progId="Equation.3">
                   <p:embed/>
                 </p:oleObj>
               </mc:Choice>
               <mc:Fallback>
-                <p:oleObj name="Уравнение" r:id="rId3" imgW="1117440" imgH="482400" progId="Equation.3">
+                <p:oleObj name="Уравнение" r:id="rId3" imgW="812520" imgH="482400" progId="Equation.3">
                   <p:embed/>
                   <p:pic>
                     <p:nvPicPr>
@@ -17844,8 +17795,8 @@
                     </p:blipFill>
                     <p:spPr bwMode="auto">
                       <a:xfrm>
-                        <a:off x="1981200" y="690962"/>
-                        <a:ext cx="1241425" cy="527050"/>
+                        <a:off x="1855788" y="647700"/>
+                        <a:ext cx="903287" cy="527050"/>
                       </a:xfrm>
                       <a:prstGeom prst="rect">
                         <a:avLst/>
@@ -17896,35 +17847,21 @@
                 <a:latin typeface="Times New Roman" pitchFamily="18" charset="0"/>
                 <a:cs typeface="Times New Roman" pitchFamily="18" charset="0"/>
               </a:rPr>
-              <a:t>Рисунок </a:t>
+              <a:t>Рисунок 1</a:t>
+            </a:r>
+            <a:r>
+              <a:rPr lang="ru-RU" sz="1000" dirty="0">
+                <a:latin typeface="Times New Roman" pitchFamily="18" charset="0"/>
+                <a:cs typeface="Times New Roman" pitchFamily="18" charset="0"/>
+              </a:rPr>
+              <a:t>4</a:t>
             </a:r>
             <a:r>
               <a:rPr lang="ru-RU" sz="1000" dirty="0" smtClean="0">
                 <a:latin typeface="Times New Roman" pitchFamily="18" charset="0"/>
                 <a:cs typeface="Times New Roman" pitchFamily="18" charset="0"/>
               </a:rPr>
-              <a:t>1</a:t>
-            </a:r>
-            <a:r>
-              <a:rPr lang="ru-RU" sz="1000" dirty="0">
-                <a:latin typeface="Times New Roman" pitchFamily="18" charset="0"/>
-                <a:cs typeface="Times New Roman" pitchFamily="18" charset="0"/>
-              </a:rPr>
-              <a:t>4</a:t>
-            </a:r>
-            <a:r>
-              <a:rPr lang="ru-RU" sz="1000" dirty="0" smtClean="0">
-                <a:latin typeface="Times New Roman" pitchFamily="18" charset="0"/>
-                <a:cs typeface="Times New Roman" pitchFamily="18" charset="0"/>
-              </a:rPr>
-              <a:t> </a:t>
-            </a:r>
-            <a:r>
-              <a:rPr lang="ru-RU" sz="1000" dirty="0" smtClean="0">
-                <a:latin typeface="Times New Roman" pitchFamily="18" charset="0"/>
-                <a:cs typeface="Times New Roman" pitchFamily="18" charset="0"/>
-              </a:rPr>
-              <a:t>– Изменение условия устойчивости при раскручивающимся двигателе</a:t>
+              <a:t> – Изменение условия устойчивости при раскручивающимся двигателе</a:t>
             </a:r>
             <a:endParaRPr lang="ru-RU" sz="1000" dirty="0"/>
           </a:p>
@@ -17958,35 +17895,21 @@
                 <a:latin typeface="Times New Roman" pitchFamily="18" charset="0"/>
                 <a:cs typeface="Times New Roman" pitchFamily="18" charset="0"/>
               </a:rPr>
-              <a:t>Рисунок </a:t>
+              <a:t>Рисунок 1</a:t>
+            </a:r>
+            <a:r>
+              <a:rPr lang="ru-RU" sz="1000" dirty="0">
+                <a:latin typeface="Times New Roman" pitchFamily="18" charset="0"/>
+                <a:cs typeface="Times New Roman" pitchFamily="18" charset="0"/>
+              </a:rPr>
+              <a:t>3</a:t>
             </a:r>
             <a:r>
               <a:rPr lang="ru-RU" sz="1000" dirty="0" smtClean="0">
                 <a:latin typeface="Times New Roman" pitchFamily="18" charset="0"/>
                 <a:cs typeface="Times New Roman" pitchFamily="18" charset="0"/>
               </a:rPr>
-              <a:t>1</a:t>
-            </a:r>
-            <a:r>
-              <a:rPr lang="ru-RU" sz="1000" dirty="0">
-                <a:latin typeface="Times New Roman" pitchFamily="18" charset="0"/>
-                <a:cs typeface="Times New Roman" pitchFamily="18" charset="0"/>
-              </a:rPr>
-              <a:t>3</a:t>
-            </a:r>
-            <a:r>
-              <a:rPr lang="ru-RU" sz="1000" dirty="0" smtClean="0">
-                <a:latin typeface="Times New Roman" pitchFamily="18" charset="0"/>
-                <a:cs typeface="Times New Roman" pitchFamily="18" charset="0"/>
-              </a:rPr>
-              <a:t> </a:t>
-            </a:r>
-            <a:r>
-              <a:rPr lang="ru-RU" sz="1000" dirty="0" smtClean="0">
-                <a:latin typeface="Times New Roman" pitchFamily="18" charset="0"/>
-                <a:cs typeface="Times New Roman" pitchFamily="18" charset="0"/>
-              </a:rPr>
-              <a:t>– Изменение угловой скорости при раскручивающимся двигателе</a:t>
+              <a:t> – Изменение угловой скорости при раскручивающимся двигателе</a:t>
             </a:r>
             <a:endParaRPr lang="ru-RU" sz="1000" dirty="0"/>
           </a:p>
@@ -18056,7 +17979,7 @@
           <a:graphicData uri="http://schemas.openxmlformats.org/presentationml/2006/ole">
             <mc:AlternateContent xmlns:mc="http://schemas.openxmlformats.org/markup-compatibility/2006">
               <mc:Choice xmlns:v="urn:schemas-microsoft-com:vml" Requires="v">
-                <p:oleObj spid="_x0000_s42276" name="Формула" r:id="rId5" imgW="723600" imgH="444240" progId="Equation.3">
+                <p:oleObj spid="_x0000_s42282" name="Формула" r:id="rId5" imgW="723600" imgH="444240" progId="Equation.3">
                   <p:embed/>
                 </p:oleObj>
               </mc:Choice>
@@ -18113,7 +18036,7 @@
           <a:graphicData uri="http://schemas.openxmlformats.org/presentationml/2006/ole">
             <mc:AlternateContent xmlns:mc="http://schemas.openxmlformats.org/markup-compatibility/2006">
               <mc:Choice xmlns:v="urn:schemas-microsoft-com:vml" Requires="v">
-                <p:oleObj spid="_x0000_s42277" name="Формула" r:id="rId7" imgW="901440" imgH="469800" progId="Equation.3">
+                <p:oleObj spid="_x0000_s42283" name="Формула" r:id="rId7" imgW="901440" imgH="469800" progId="Equation.3">
                   <p:embed/>
                 </p:oleObj>
               </mc:Choice>
@@ -18336,6 +18259,63 @@
           </a:ln>
         </p:spPr>
       </p:pic>
+      <p:graphicFrame>
+        <p:nvGraphicFramePr>
+          <p:cNvPr id="10" name="Объект 9"/>
+          <p:cNvGraphicFramePr>
+            <a:graphicFrameLocks noChangeAspect="1"/>
+          </p:cNvGraphicFramePr>
+          <p:nvPr>
+            <p:extLst>
+              <p:ext uri="{D42A27DB-BD31-4B8C-83A1-F6EECF244321}">
+                <p14:modId xmlns:p14="http://schemas.microsoft.com/office/powerpoint/2010/main" val="3995360453"/>
+              </p:ext>
+            </p:extLst>
+          </p:nvPr>
+        </p:nvGraphicFramePr>
+        <p:xfrm>
+          <a:off x="2853563" y="809625"/>
+          <a:ext cx="812800" cy="203200"/>
+        </p:xfrm>
+        <a:graphic>
+          <a:graphicData uri="http://schemas.openxmlformats.org/presentationml/2006/ole">
+            <mc:AlternateContent xmlns:mc="http://schemas.openxmlformats.org/markup-compatibility/2006">
+              <mc:Choice xmlns:v="urn:schemas-microsoft-com:vml" Requires="v">
+                <p:oleObj spid="_x0000_s42284" name="Уравнение" r:id="rId11" imgW="812520" imgH="203040" progId="Equation.3">
+                  <p:embed/>
+                </p:oleObj>
+              </mc:Choice>
+              <mc:Fallback>
+                <p:oleObj name="Уравнение" r:id="rId11" imgW="812520" imgH="203040" progId="Equation.3">
+                  <p:embed/>
+                  <p:pic>
+                    <p:nvPicPr>
+                      <p:cNvPr id="0" name=""/>
+                      <p:cNvPicPr/>
+                      <p:nvPr/>
+                    </p:nvPicPr>
+                    <p:blipFill>
+                      <a:blip r:embed="rId12"/>
+                      <a:stretch>
+                        <a:fillRect/>
+                      </a:stretch>
+                    </p:blipFill>
+                    <p:spPr>
+                      <a:xfrm>
+                        <a:off x="2853563" y="809625"/>
+                        <a:ext cx="812800" cy="203200"/>
+                      </a:xfrm>
+                      <a:prstGeom prst="rect">
+                        <a:avLst/>
+                      </a:prstGeom>
+                    </p:spPr>
+                  </p:pic>
+                </p:oleObj>
+              </mc:Fallback>
+            </mc:AlternateContent>
+          </a:graphicData>
+        </a:graphic>
+      </p:graphicFrame>
     </p:spTree>
     <p:extLst>
       <p:ext uri="{BB962C8B-B14F-4D97-AF65-F5344CB8AC3E}">
@@ -18824,8 +18804,15 @@
                 <a:latin typeface="Times New Roman" panose="02020603050405020304" pitchFamily="18" charset="0"/>
                 <a:cs typeface="Times New Roman" panose="02020603050405020304" pitchFamily="18" charset="0"/>
               </a:rPr>
-              <a:t>«Исследование пределов повышения дальности стрельбы активно-реактивным снарядом»</a:t>
-            </a:r>
+              <a:t>«Повышение дальности стрельбы активно-реактивным снарядом на основе математического моделирования…»</a:t>
+            </a:r>
+            <a:endParaRPr lang="ru-RU" sz="1100" dirty="0">
+              <a:solidFill>
+                <a:schemeClr val="tx1"/>
+              </a:solidFill>
+              <a:latin typeface="Times New Roman" panose="02020603050405020304" pitchFamily="18" charset="0"/>
+              <a:cs typeface="Times New Roman" panose="02020603050405020304" pitchFamily="18" charset="0"/>
+            </a:endParaRPr>
           </a:p>
         </p:txBody>
       </p:sp>
@@ -19221,35 +19208,21 @@
                 <a:latin typeface="Times New Roman" pitchFamily="18" charset="0"/>
                 <a:cs typeface="Times New Roman" pitchFamily="18" charset="0"/>
               </a:rPr>
-              <a:t>Рисунок </a:t>
+              <a:t>Рисунок 1</a:t>
+            </a:r>
+            <a:r>
+              <a:rPr lang="ru-RU" sz="1000" dirty="0">
+                <a:latin typeface="Times New Roman" pitchFamily="18" charset="0"/>
+                <a:cs typeface="Times New Roman" pitchFamily="18" charset="0"/>
+              </a:rPr>
+              <a:t>6</a:t>
             </a:r>
             <a:r>
               <a:rPr lang="ru-RU" sz="1000" dirty="0" smtClean="0">
                 <a:latin typeface="Times New Roman" pitchFamily="18" charset="0"/>
                 <a:cs typeface="Times New Roman" pitchFamily="18" charset="0"/>
               </a:rPr>
-              <a:t>1</a:t>
-            </a:r>
-            <a:r>
-              <a:rPr lang="ru-RU" sz="1000" dirty="0">
-                <a:latin typeface="Times New Roman" pitchFamily="18" charset="0"/>
-                <a:cs typeface="Times New Roman" pitchFamily="18" charset="0"/>
-              </a:rPr>
-              <a:t>6</a:t>
-            </a:r>
-            <a:r>
-              <a:rPr lang="ru-RU" sz="1000" dirty="0" smtClean="0">
-                <a:latin typeface="Times New Roman" pitchFamily="18" charset="0"/>
-                <a:cs typeface="Times New Roman" pitchFamily="18" charset="0"/>
-              </a:rPr>
-              <a:t> </a:t>
-            </a:r>
-            <a:r>
-              <a:rPr lang="ru-RU" sz="1000" dirty="0" smtClean="0">
-                <a:latin typeface="Times New Roman" pitchFamily="18" charset="0"/>
-                <a:cs typeface="Times New Roman" pitchFamily="18" charset="0"/>
-              </a:rPr>
-              <a:t>– </a:t>
+              <a:t> – </a:t>
             </a:r>
             <a:r>
               <a:rPr lang="ru-RU" sz="1000" dirty="0">
@@ -19307,21 +19280,7 @@
                 <a:latin typeface="Times New Roman" pitchFamily="18" charset="0"/>
                 <a:cs typeface="Times New Roman" pitchFamily="18" charset="0"/>
               </a:rPr>
-              <a:t>Рисунок </a:t>
-            </a:r>
-            <a:r>
-              <a:rPr lang="ru-RU" sz="1000" dirty="0" smtClean="0">
-                <a:latin typeface="Times New Roman" pitchFamily="18" charset="0"/>
-                <a:cs typeface="Times New Roman" pitchFamily="18" charset="0"/>
-              </a:rPr>
-              <a:t>15 </a:t>
-            </a:r>
-            <a:r>
-              <a:rPr lang="ru-RU" sz="1000" dirty="0" smtClean="0">
-                <a:latin typeface="Times New Roman" pitchFamily="18" charset="0"/>
-                <a:cs typeface="Times New Roman" pitchFamily="18" charset="0"/>
-              </a:rPr>
-              <a:t>– Изменение условия устойчивости</a:t>
+              <a:t>Рисунок 15 – Изменение условия устойчивости</a:t>
             </a:r>
           </a:p>
           <a:p>
@@ -20079,8 +20038,15 @@
                 <a:latin typeface="Times New Roman" panose="02020603050405020304" pitchFamily="18" charset="0"/>
                 <a:cs typeface="Times New Roman" panose="02020603050405020304" pitchFamily="18" charset="0"/>
               </a:rPr>
-              <a:t>«Исследование пределов повышения дальности стрельбы активно-реактивным снарядом»</a:t>
-            </a:r>
+              <a:t>«Повышение дальности стрельбы активно-реактивным снарядом на основе математического моделирования…»</a:t>
+            </a:r>
+            <a:endParaRPr lang="ru-RU" sz="1100" dirty="0">
+              <a:solidFill>
+                <a:schemeClr val="tx1"/>
+              </a:solidFill>
+              <a:latin typeface="Times New Roman" panose="02020603050405020304" pitchFamily="18" charset="0"/>
+              <a:cs typeface="Times New Roman" panose="02020603050405020304" pitchFamily="18" charset="0"/>
+            </a:endParaRPr>
           </a:p>
         </p:txBody>
       </p:sp>
@@ -20193,35 +20159,35 @@
                 <a:gridCol w="766125">
                   <a:extLst>
                     <a:ext uri="{9D8B030D-6E8A-4147-A177-3AD203B41FA5}">
-                      <a16:colId xmlns="" xmlns:a16="http://schemas.microsoft.com/office/drawing/2014/main" val="20000"/>
+                      <a16:colId xmlns:a16="http://schemas.microsoft.com/office/drawing/2014/main" val="20000"/>
                     </a:ext>
                   </a:extLst>
                 </a:gridCol>
                 <a:gridCol w="766125">
                   <a:extLst>
                     <a:ext uri="{9D8B030D-6E8A-4147-A177-3AD203B41FA5}">
-                      <a16:colId xmlns="" xmlns:a16="http://schemas.microsoft.com/office/drawing/2014/main" val="20001"/>
+                      <a16:colId xmlns:a16="http://schemas.microsoft.com/office/drawing/2014/main" val="20001"/>
                     </a:ext>
                   </a:extLst>
                 </a:gridCol>
                 <a:gridCol w="766125">
                   <a:extLst>
                     <a:ext uri="{9D8B030D-6E8A-4147-A177-3AD203B41FA5}">
-                      <a16:colId xmlns="" xmlns:a16="http://schemas.microsoft.com/office/drawing/2014/main" val="20002"/>
+                      <a16:colId xmlns:a16="http://schemas.microsoft.com/office/drawing/2014/main" val="20002"/>
                     </a:ext>
                   </a:extLst>
                 </a:gridCol>
                 <a:gridCol w="766125">
                   <a:extLst>
                     <a:ext uri="{9D8B030D-6E8A-4147-A177-3AD203B41FA5}">
-                      <a16:colId xmlns="" xmlns:a16="http://schemas.microsoft.com/office/drawing/2014/main" val="20004"/>
+                      <a16:colId xmlns:a16="http://schemas.microsoft.com/office/drawing/2014/main" val="20004"/>
                     </a:ext>
                   </a:extLst>
                 </a:gridCol>
                 <a:gridCol w="766125">
                   <a:extLst>
                     <a:ext uri="{9D8B030D-6E8A-4147-A177-3AD203B41FA5}">
-                      <a16:colId xmlns="" xmlns:a16="http://schemas.microsoft.com/office/drawing/2014/main" val="20003"/>
+                      <a16:colId xmlns:a16="http://schemas.microsoft.com/office/drawing/2014/main" val="20003"/>
                     </a:ext>
                   </a:extLst>
                 </a:gridCol>
@@ -20365,7 +20331,7 @@
                 </a:tc>
                 <a:extLst>
                   <a:ext uri="{0D108BD9-81ED-4DB2-BD59-A6C34878D82A}">
-                    <a16:rowId xmlns="" xmlns:a16="http://schemas.microsoft.com/office/drawing/2014/main" val="3277355946"/>
+                    <a16:rowId xmlns:a16="http://schemas.microsoft.com/office/drawing/2014/main" val="3277355946"/>
                   </a:ext>
                 </a:extLst>
               </a:tr>
@@ -20508,7 +20474,7 @@
                 </a:tc>
                 <a:extLst>
                   <a:ext uri="{0D108BD9-81ED-4DB2-BD59-A6C34878D82A}">
-                    <a16:rowId xmlns="" xmlns:a16="http://schemas.microsoft.com/office/drawing/2014/main" val="10000"/>
+                    <a16:rowId xmlns:a16="http://schemas.microsoft.com/office/drawing/2014/main" val="10000"/>
                   </a:ext>
                 </a:extLst>
               </a:tr>
@@ -20676,7 +20642,7 @@
                 </a:tc>
                 <a:extLst>
                   <a:ext uri="{0D108BD9-81ED-4DB2-BD59-A6C34878D82A}">
-                    <a16:rowId xmlns="" xmlns:a16="http://schemas.microsoft.com/office/drawing/2014/main" val="10001"/>
+                    <a16:rowId xmlns:a16="http://schemas.microsoft.com/office/drawing/2014/main" val="10001"/>
                   </a:ext>
                 </a:extLst>
               </a:tr>
@@ -20761,35 +20727,35 @@
                 <a:gridCol w="875899">
                   <a:extLst>
                     <a:ext uri="{9D8B030D-6E8A-4147-A177-3AD203B41FA5}">
-                      <a16:colId xmlns="" xmlns:a16="http://schemas.microsoft.com/office/drawing/2014/main" val="20000"/>
+                      <a16:colId xmlns:a16="http://schemas.microsoft.com/office/drawing/2014/main" val="20000"/>
                     </a:ext>
                   </a:extLst>
                 </a:gridCol>
                 <a:gridCol w="875899">
                   <a:extLst>
                     <a:ext uri="{9D8B030D-6E8A-4147-A177-3AD203B41FA5}">
-                      <a16:colId xmlns="" xmlns:a16="http://schemas.microsoft.com/office/drawing/2014/main" val="20001"/>
+                      <a16:colId xmlns:a16="http://schemas.microsoft.com/office/drawing/2014/main" val="20001"/>
                     </a:ext>
                   </a:extLst>
                 </a:gridCol>
                 <a:gridCol w="875899">
                   <a:extLst>
                     <a:ext uri="{9D8B030D-6E8A-4147-A177-3AD203B41FA5}">
-                      <a16:colId xmlns="" xmlns:a16="http://schemas.microsoft.com/office/drawing/2014/main" val="20002"/>
+                      <a16:colId xmlns:a16="http://schemas.microsoft.com/office/drawing/2014/main" val="20002"/>
                     </a:ext>
                   </a:extLst>
                 </a:gridCol>
                 <a:gridCol w="875899">
                   <a:extLst>
                     <a:ext uri="{9D8B030D-6E8A-4147-A177-3AD203B41FA5}">
-                      <a16:colId xmlns="" xmlns:a16="http://schemas.microsoft.com/office/drawing/2014/main" val="20003"/>
+                      <a16:colId xmlns:a16="http://schemas.microsoft.com/office/drawing/2014/main" val="20003"/>
                     </a:ext>
                   </a:extLst>
                 </a:gridCol>
                 <a:gridCol w="875899">
                   <a:extLst>
                     <a:ext uri="{9D8B030D-6E8A-4147-A177-3AD203B41FA5}">
-                      <a16:colId xmlns="" xmlns:a16="http://schemas.microsoft.com/office/drawing/2014/main" val="20004"/>
+                      <a16:colId xmlns:a16="http://schemas.microsoft.com/office/drawing/2014/main" val="20004"/>
                     </a:ext>
                   </a:extLst>
                 </a:gridCol>
@@ -20888,7 +20854,7 @@
                 </a:tc>
                 <a:extLst>
                   <a:ext uri="{0D108BD9-81ED-4DB2-BD59-A6C34878D82A}">
-                    <a16:rowId xmlns="" xmlns:a16="http://schemas.microsoft.com/office/drawing/2014/main" val="10000"/>
+                    <a16:rowId xmlns:a16="http://schemas.microsoft.com/office/drawing/2014/main" val="10000"/>
                   </a:ext>
                 </a:extLst>
               </a:tr>
@@ -21062,7 +21028,7 @@
                 </a:tc>
                 <a:extLst>
                   <a:ext uri="{0D108BD9-81ED-4DB2-BD59-A6C34878D82A}">
-                    <a16:rowId xmlns="" xmlns:a16="http://schemas.microsoft.com/office/drawing/2014/main" val="10001"/>
+                    <a16:rowId xmlns:a16="http://schemas.microsoft.com/office/drawing/2014/main" val="10001"/>
                   </a:ext>
                 </a:extLst>
               </a:tr>
@@ -21092,7 +21058,7 @@
           <a:graphicData uri="http://schemas.openxmlformats.org/presentationml/2006/ole">
             <mc:AlternateContent xmlns:mc="http://schemas.openxmlformats.org/markup-compatibility/2006">
               <mc:Choice xmlns:v="urn:schemas-microsoft-com:vml" Requires="v">
-                <p:oleObj spid="_x0000_s37868" name="Формула" r:id="rId3" imgW="419040" imgH="215640" progId="Equation.3">
+                <p:oleObj spid="_x0000_s37882" name="Формула" r:id="rId3" imgW="419040" imgH="215640" progId="Equation.3">
                   <p:embed/>
                 </p:oleObj>
               </mc:Choice>
@@ -21162,7 +21128,7 @@
           <a:graphicData uri="http://schemas.openxmlformats.org/presentationml/2006/ole">
             <mc:AlternateContent xmlns:mc="http://schemas.openxmlformats.org/markup-compatibility/2006">
               <mc:Choice xmlns:v="urn:schemas-microsoft-com:vml" Requires="v">
-                <p:oleObj spid="_x0000_s37869" name="Equation" r:id="rId5" imgW="419040" imgH="215640" progId="Equation.3">
+                <p:oleObj spid="_x0000_s37883" name="Equation" r:id="rId5" imgW="419040" imgH="215640" progId="Equation.3">
                   <p:embed/>
                 </p:oleObj>
               </mc:Choice>
@@ -21232,7 +21198,7 @@
           <a:graphicData uri="http://schemas.openxmlformats.org/presentationml/2006/ole">
             <mc:AlternateContent xmlns:mc="http://schemas.openxmlformats.org/markup-compatibility/2006">
               <mc:Choice xmlns:v="urn:schemas-microsoft-com:vml" Requires="v">
-                <p:oleObj spid="_x0000_s37870" name="Equation" r:id="rId7" imgW="571320" imgH="215640" progId="Equation.3">
+                <p:oleObj spid="_x0000_s37884" name="Equation" r:id="rId7" imgW="571320" imgH="215640" progId="Equation.3">
                   <p:embed/>
                 </p:oleObj>
               </mc:Choice>
@@ -21302,7 +21268,7 @@
           <a:graphicData uri="http://schemas.openxmlformats.org/presentationml/2006/ole">
             <mc:AlternateContent xmlns:mc="http://schemas.openxmlformats.org/markup-compatibility/2006">
               <mc:Choice xmlns:v="urn:schemas-microsoft-com:vml" Requires="v">
-                <p:oleObj spid="_x0000_s37871" name="Equation" r:id="rId9" imgW="380880" imgH="215640" progId="Equation.3">
+                <p:oleObj spid="_x0000_s37885" name="Equation" r:id="rId9" imgW="380880" imgH="215640" progId="Equation.3">
                   <p:embed/>
                 </p:oleObj>
               </mc:Choice>
@@ -21372,7 +21338,7 @@
           <a:graphicData uri="http://schemas.openxmlformats.org/presentationml/2006/ole">
             <mc:AlternateContent xmlns:mc="http://schemas.openxmlformats.org/markup-compatibility/2006">
               <mc:Choice xmlns:v="urn:schemas-microsoft-com:vml" Requires="v">
-                <p:oleObj spid="_x0000_s37872" name="Формула" r:id="rId11" imgW="266400" imgH="228600" progId="Equation.3">
+                <p:oleObj spid="_x0000_s37886" name="Формула" r:id="rId11" imgW="266400" imgH="228600" progId="Equation.3">
                   <p:embed/>
                 </p:oleObj>
               </mc:Choice>
@@ -21434,7 +21400,7 @@
           <a:graphicData uri="http://schemas.openxmlformats.org/presentationml/2006/ole">
             <mc:AlternateContent xmlns:mc="http://schemas.openxmlformats.org/markup-compatibility/2006">
               <mc:Choice xmlns:v="urn:schemas-microsoft-com:vml" Requires="v">
-                <p:oleObj spid="_x0000_s37873" name="Формула" r:id="rId13" imgW="558720" imgH="228600" progId="Equation.3">
+                <p:oleObj spid="_x0000_s37887" name="Формула" r:id="rId13" imgW="558720" imgH="228600" progId="Equation.3">
                   <p:embed/>
                 </p:oleObj>
               </mc:Choice>
@@ -21496,7 +21462,7 @@
           <a:graphicData uri="http://schemas.openxmlformats.org/presentationml/2006/ole">
             <mc:AlternateContent xmlns:mc="http://schemas.openxmlformats.org/markup-compatibility/2006">
               <mc:Choice xmlns:v="urn:schemas-microsoft-com:vml" Requires="v">
-                <p:oleObj spid="_x0000_s37874" name="Формула" r:id="rId15" imgW="330057" imgH="203112" progId="">
+                <p:oleObj spid="_x0000_s52224" name="Формула" r:id="rId15" imgW="330057" imgH="203112" progId="">
                   <p:embed/>
                 </p:oleObj>
               </mc:Choice>
@@ -21577,15 +21543,7 @@
                 <a:ea typeface="Times New Roman" pitchFamily="18" charset="0"/>
                 <a:cs typeface="Times New Roman" pitchFamily="18" charset="0"/>
               </a:rPr>
-              <a:t>7. </a:t>
-            </a:r>
-            <a:r>
-              <a:rPr lang="ru-RU" sz="1100" dirty="0" smtClean="0">
-                <a:latin typeface="Times New Roman" pitchFamily="18" charset="0"/>
-                <a:ea typeface="Times New Roman" pitchFamily="18" charset="0"/>
-                <a:cs typeface="Times New Roman" pitchFamily="18" charset="0"/>
-              </a:rPr>
-              <a:t>Дальность стрельбы при различных параметрах</a:t>
+              <a:t>7. Дальность стрельбы при различных параметрах</a:t>
             </a:r>
             <a:endParaRPr lang="ru-RU" sz="1100" dirty="0"/>
           </a:p>
@@ -22269,8 +22227,15 @@
                 <a:latin typeface="Times New Roman" panose="02020603050405020304" pitchFamily="18" charset="0"/>
                 <a:cs typeface="Times New Roman" panose="02020603050405020304" pitchFamily="18" charset="0"/>
               </a:rPr>
-              <a:t>«Исследование пределов повышения дальности стрельбы активно-реактивным снарядом»</a:t>
-            </a:r>
+              <a:t>«Повышение дальности стрельбы активно-реактивным снарядом на основе математического моделирования…»</a:t>
+            </a:r>
+            <a:endParaRPr lang="ru-RU" sz="1100" dirty="0">
+              <a:solidFill>
+                <a:schemeClr val="tx1"/>
+              </a:solidFill>
+              <a:latin typeface="Times New Roman" panose="02020603050405020304" pitchFamily="18" charset="0"/>
+              <a:cs typeface="Times New Roman" panose="02020603050405020304" pitchFamily="18" charset="0"/>
+            </a:endParaRPr>
           </a:p>
         </p:txBody>
       </p:sp>
@@ -22415,28 +22380,7 @@
                 <a:latin typeface="Times New Roman" pitchFamily="18" charset="0"/>
                 <a:cs typeface="Times New Roman" pitchFamily="18" charset="0"/>
               </a:rPr>
-              <a:t>, найдена зависимость начальной скорости от массы снаряда. При изменении массы от 40 кг до 66,6 кг скорость снаряда меняется от </a:t>
-            </a:r>
-            <a:r>
-              <a:rPr lang="ru-RU" dirty="0" smtClean="0">
-                <a:latin typeface="Times New Roman" panose="02020603050405020304" pitchFamily="18" charset="0"/>
-                <a:cs typeface="Times New Roman" panose="02020603050405020304" pitchFamily="18" charset="0"/>
-              </a:rPr>
-              <a:t>983</a:t>
-            </a:r>
-            <a:r>
-              <a:rPr lang="ru-RU" dirty="0" smtClean="0">
-                <a:latin typeface="Times New Roman" pitchFamily="18" charset="0"/>
-                <a:cs typeface="Times New Roman" pitchFamily="18" charset="0"/>
-              </a:rPr>
-              <a:t> </a:t>
-            </a:r>
-            <a:r>
-              <a:rPr lang="ru-RU" dirty="0" smtClean="0">
-                <a:latin typeface="Times New Roman" pitchFamily="18" charset="0"/>
-                <a:cs typeface="Times New Roman" pitchFamily="18" charset="0"/>
-              </a:rPr>
-              <a:t>до </a:t>
+              <a:t>, найдена зависимость начальной скорости от массы снаряда. При изменении массы от 40 кг до 66,6 кг скорость снаряда меняется от 983 до </a:t>
             </a:r>
             <a:r>
               <a:rPr lang="en-US" dirty="0" smtClean="0">
@@ -22816,21 +22760,7 @@
                 <a:latin typeface="Times New Roman" pitchFamily="18" charset="0"/>
                 <a:cs typeface="Times New Roman" pitchFamily="18" charset="0"/>
               </a:rPr>
-              <a:t> </a:t>
-            </a:r>
-            <a:r>
-              <a:rPr lang="ru-RU" sz="1500" dirty="0" smtClean="0">
-                <a:latin typeface="Times New Roman" pitchFamily="18" charset="0"/>
-                <a:cs typeface="Times New Roman" pitchFamily="18" charset="0"/>
-              </a:rPr>
-              <a:t>Способы повышения </a:t>
-            </a:r>
-            <a:r>
-              <a:rPr lang="ru-RU" sz="1500" dirty="0" smtClean="0">
-                <a:latin typeface="Times New Roman" pitchFamily="18" charset="0"/>
-                <a:cs typeface="Times New Roman" pitchFamily="18" charset="0"/>
-              </a:rPr>
-              <a:t>дальности стрельбы артиллерийским снарядом. </a:t>
+              <a:t> Способы повышения дальности стрельбы артиллерийским снарядом. </a:t>
             </a:r>
           </a:p>
           <a:p>
@@ -22865,14 +22795,7 @@
                 <a:latin typeface="Times New Roman" pitchFamily="18" charset="0"/>
                 <a:cs typeface="Times New Roman" pitchFamily="18" charset="0"/>
               </a:rPr>
-              <a:t>внутри- и внешнебаллистических параметров </a:t>
-            </a:r>
-            <a:r>
-              <a:rPr lang="ru-RU" sz="1500" dirty="0" smtClean="0">
-                <a:latin typeface="Times New Roman" pitchFamily="18" charset="0"/>
-                <a:cs typeface="Times New Roman" pitchFamily="18" charset="0"/>
-              </a:rPr>
-              <a:t>снаряда и выстрела.</a:t>
+              <a:t>внутри- и внешнебаллистических параметров снаряда и выстрела.</a:t>
             </a:r>
             <a:endParaRPr lang="ru-RU" sz="1500" dirty="0">
               <a:latin typeface="Times New Roman" pitchFamily="18" charset="0"/>
@@ -22933,21 +22856,7 @@
                 <a:latin typeface="Times New Roman" pitchFamily="18" charset="0"/>
                 <a:cs typeface="Times New Roman" pitchFamily="18" charset="0"/>
               </a:rPr>
-              <a:t>снаряда и </a:t>
-            </a:r>
-            <a:r>
-              <a:rPr lang="ru-RU" sz="1500" dirty="0" smtClean="0">
-                <a:latin typeface="Times New Roman" pitchFamily="18" charset="0"/>
-                <a:cs typeface="Times New Roman" pitchFamily="18" charset="0"/>
-              </a:rPr>
-              <a:t>устойчивости его движения </a:t>
-            </a:r>
-            <a:r>
-              <a:rPr lang="ru-RU" sz="1500" dirty="0" smtClean="0">
-                <a:latin typeface="Times New Roman" pitchFamily="18" charset="0"/>
-                <a:cs typeface="Times New Roman" pitchFamily="18" charset="0"/>
-              </a:rPr>
-              <a:t>на траектории.</a:t>
+              <a:t>снаряда и устойчивости его движения на траектории.</a:t>
             </a:r>
           </a:p>
           <a:p>
@@ -23535,8 +23444,8 @@
         </p:nvSpPr>
         <p:spPr bwMode="auto">
           <a:xfrm>
-            <a:off x="37367" y="4901648"/>
-            <a:ext cx="8395130" cy="238527"/>
+            <a:off x="0" y="4904973"/>
+            <a:ext cx="8367550" cy="238527"/>
           </a:xfrm>
           <a:prstGeom prst="rect">
             <a:avLst/>
@@ -23681,48 +23590,45 @@
                 <a:latin typeface="Times New Roman" panose="02020603050405020304" pitchFamily="18" charset="0"/>
                 <a:cs typeface="Times New Roman" panose="02020603050405020304" pitchFamily="18" charset="0"/>
               </a:rPr>
-              <a:t>Мансуров Р. Р. «</a:t>
-            </a:r>
-            <a:r>
-              <a:rPr lang="ru-RU" sz="1100" dirty="0">
-                <a:solidFill>
-                  <a:srgbClr val="FFFF00"/>
+              <a:t>Мансуров Р. Р. </a:t>
+            </a:r>
+            <a:r>
+              <a:rPr lang="ru-RU" sz="1100" dirty="0" smtClean="0">
+                <a:solidFill>
+                  <a:schemeClr val="tx1"/>
                 </a:solidFill>
                 <a:latin typeface="Times New Roman" panose="02020603050405020304" pitchFamily="18" charset="0"/>
                 <a:cs typeface="Times New Roman" panose="02020603050405020304" pitchFamily="18" charset="0"/>
               </a:rPr>
-              <a:t>Исследование способов повышения дальности стрельбы за счёт </a:t>
-            </a:r>
-            <a:r>
-              <a:rPr lang="ru-RU" sz="1100" dirty="0" err="1">
-                <a:solidFill>
-                  <a:srgbClr val="FFFF00"/>
+              <a:t>«</a:t>
+            </a:r>
+            <a:r>
+              <a:rPr lang="ru-RU" sz="1100" dirty="0">
+                <a:solidFill>
+                  <a:schemeClr val="tx1"/>
                 </a:solidFill>
                 <a:latin typeface="Times New Roman" panose="02020603050405020304" pitchFamily="18" charset="0"/>
                 <a:cs typeface="Times New Roman" panose="02020603050405020304" pitchFamily="18" charset="0"/>
               </a:rPr>
-              <a:t>внешнебаллистических</a:t>
-            </a:r>
-            <a:r>
-              <a:rPr lang="ru-RU" sz="1100" dirty="0">
-                <a:solidFill>
-                  <a:srgbClr val="FFFF00"/>
+              <a:t>Повышение дальности стрельбы активно-реактивным снарядом на основе математического </a:t>
+            </a:r>
+            <a:r>
+              <a:rPr lang="ru-RU" sz="1100" dirty="0" smtClean="0">
+                <a:solidFill>
+                  <a:schemeClr val="tx1"/>
                 </a:solidFill>
                 <a:latin typeface="Times New Roman" panose="02020603050405020304" pitchFamily="18" charset="0"/>
                 <a:cs typeface="Times New Roman" panose="02020603050405020304" pitchFamily="18" charset="0"/>
               </a:rPr>
-              <a:t> факторов</a:t>
-            </a:r>
-            <a:r>
-              <a:rPr lang="ru-RU" sz="1100" dirty="0">
-                <a:solidFill>
-                  <a:schemeClr val="tx1"/>
-                </a:solidFill>
-                <a:latin typeface="Times New Roman" panose="02020603050405020304" pitchFamily="18" charset="0"/>
-                <a:cs typeface="Times New Roman" panose="02020603050405020304" pitchFamily="18" charset="0"/>
-              </a:rPr>
-              <a:t>»</a:t>
-            </a:r>
+              <a:t>моделирования…»</a:t>
+            </a:r>
+            <a:endParaRPr lang="ru-RU" sz="1100" dirty="0">
+              <a:solidFill>
+                <a:schemeClr val="tx1"/>
+              </a:solidFill>
+              <a:latin typeface="Times New Roman" panose="02020603050405020304" pitchFamily="18" charset="0"/>
+              <a:cs typeface="Times New Roman" panose="02020603050405020304" pitchFamily="18" charset="0"/>
+            </a:endParaRPr>
           </a:p>
         </p:txBody>
       </p:sp>
@@ -24430,8 +24336,25 @@
                 <a:latin typeface="Times New Roman" panose="02020603050405020304" pitchFamily="18" charset="0"/>
                 <a:cs typeface="Times New Roman" panose="02020603050405020304" pitchFamily="18" charset="0"/>
               </a:rPr>
-              <a:t>Мансуров Р. Р. «Исследование пределов повышения дальности стрельбы активно-реактивным снарядом</a:t>
-            </a:r>
+              <a:t>Мансуров Р. Р. </a:t>
+            </a:r>
+            <a:r>
+              <a:rPr lang="ru-RU" sz="1100" dirty="0">
+                <a:solidFill>
+                  <a:schemeClr val="tx1"/>
+                </a:solidFill>
+                <a:latin typeface="Times New Roman" panose="02020603050405020304" pitchFamily="18" charset="0"/>
+                <a:cs typeface="Times New Roman" panose="02020603050405020304" pitchFamily="18" charset="0"/>
+              </a:rPr>
+              <a:t>«Повышение дальности стрельбы активно-реактивным снарядом на основе математического моделирования…»</a:t>
+            </a:r>
+            <a:endParaRPr lang="ru-RU" sz="1100" dirty="0">
+              <a:solidFill>
+                <a:schemeClr val="tx1"/>
+              </a:solidFill>
+              <a:latin typeface="Times New Roman" panose="02020603050405020304" pitchFamily="18" charset="0"/>
+              <a:cs typeface="Times New Roman" panose="02020603050405020304" pitchFamily="18" charset="0"/>
+            </a:endParaRPr>
           </a:p>
         </p:txBody>
       </p:sp>
@@ -24504,7 +24427,7 @@
           <p:nvPr>
             <p:extLst>
               <p:ext uri="{D42A27DB-BD31-4B8C-83A1-F6EECF244321}">
-                <p14:modId xmlns:p14="http://schemas.microsoft.com/office/powerpoint/2010/main" val="1226812578"/>
+                <p14:modId xmlns:p14="http://schemas.microsoft.com/office/powerpoint/2010/main" val="2458980883"/>
               </p:ext>
             </p:extLst>
           </p:nvPr>
@@ -24523,28 +24446,28 @@
                 <a:gridCol w="866934">
                   <a:extLst>
                     <a:ext uri="{9D8B030D-6E8A-4147-A177-3AD203B41FA5}">
-                      <a16:colId xmlns="" xmlns:a16="http://schemas.microsoft.com/office/drawing/2014/main" val="20000"/>
+                      <a16:colId xmlns:a16="http://schemas.microsoft.com/office/drawing/2014/main" val="20000"/>
                     </a:ext>
                   </a:extLst>
                 </a:gridCol>
                 <a:gridCol w="825044">
                   <a:extLst>
                     <a:ext uri="{9D8B030D-6E8A-4147-A177-3AD203B41FA5}">
-                      <a16:colId xmlns="" xmlns:a16="http://schemas.microsoft.com/office/drawing/2014/main" val="20001"/>
+                      <a16:colId xmlns:a16="http://schemas.microsoft.com/office/drawing/2014/main" val="20001"/>
                     </a:ext>
                   </a:extLst>
                 </a:gridCol>
                 <a:gridCol w="1358898">
                   <a:extLst>
                     <a:ext uri="{9D8B030D-6E8A-4147-A177-3AD203B41FA5}">
-                      <a16:colId xmlns="" xmlns:a16="http://schemas.microsoft.com/office/drawing/2014/main" val="20002"/>
+                      <a16:colId xmlns:a16="http://schemas.microsoft.com/office/drawing/2014/main" val="20002"/>
                     </a:ext>
                   </a:extLst>
                 </a:gridCol>
                 <a:gridCol w="939478">
                   <a:extLst>
                     <a:ext uri="{9D8B030D-6E8A-4147-A177-3AD203B41FA5}">
-                      <a16:colId xmlns="" xmlns:a16="http://schemas.microsoft.com/office/drawing/2014/main" val="20003"/>
+                      <a16:colId xmlns:a16="http://schemas.microsoft.com/office/drawing/2014/main" val="20003"/>
                     </a:ext>
                   </a:extLst>
                 </a:gridCol>
@@ -24657,7 +24580,7 @@
                 </a:tc>
                 <a:extLst>
                   <a:ext uri="{0D108BD9-81ED-4DB2-BD59-A6C34878D82A}">
-                    <a16:rowId xmlns="" xmlns:a16="http://schemas.microsoft.com/office/drawing/2014/main" val="10000"/>
+                    <a16:rowId xmlns:a16="http://schemas.microsoft.com/office/drawing/2014/main" val="10000"/>
                   </a:ext>
                 </a:extLst>
               </a:tr>
@@ -24806,7 +24729,7 @@
                 </a:tc>
                 <a:extLst>
                   <a:ext uri="{0D108BD9-81ED-4DB2-BD59-A6C34878D82A}">
-                    <a16:rowId xmlns="" xmlns:a16="http://schemas.microsoft.com/office/drawing/2014/main" val="10001"/>
+                    <a16:rowId xmlns:a16="http://schemas.microsoft.com/office/drawing/2014/main" val="10001"/>
                   </a:ext>
                 </a:extLst>
               </a:tr>
@@ -24879,7 +24802,7 @@
                 </a:tc>
                 <a:extLst>
                   <a:ext uri="{0D108BD9-81ED-4DB2-BD59-A6C34878D82A}">
-                    <a16:rowId xmlns="" xmlns:a16="http://schemas.microsoft.com/office/drawing/2014/main" val="10002"/>
+                    <a16:rowId xmlns:a16="http://schemas.microsoft.com/office/drawing/2014/main" val="10002"/>
                   </a:ext>
                 </a:extLst>
               </a:tr>
@@ -24956,7 +24879,7 @@
                 </a:tc>
                 <a:extLst>
                   <a:ext uri="{0D108BD9-81ED-4DB2-BD59-A6C34878D82A}">
-                    <a16:rowId xmlns="" xmlns:a16="http://schemas.microsoft.com/office/drawing/2014/main" val="10003"/>
+                    <a16:rowId xmlns:a16="http://schemas.microsoft.com/office/drawing/2014/main" val="10003"/>
                   </a:ext>
                 </a:extLst>
               </a:tr>
@@ -25102,8 +25025,11 @@
                         <a:rPr lang="ru-RU" sz="800" dirty="0" smtClean="0">
                           <a:latin typeface="Bookman Old Style" panose="02050604050505020204" pitchFamily="18" charset="0"/>
                         </a:rPr>
-                        <a:t>22,5</a:t>
+                        <a:t>30</a:t>
                       </a:r>
+                      <a:endParaRPr lang="ru-RU" sz="800" dirty="0" smtClean="0">
+                        <a:latin typeface="Bookman Old Style" panose="02050604050505020204" pitchFamily="18" charset="0"/>
+                      </a:endParaRPr>
                     </a:p>
                     <a:p>
                       <a:pPr algn="ctr"/>
@@ -25116,7 +25042,7 @@
                 </a:tc>
                 <a:extLst>
                   <a:ext uri="{0D108BD9-81ED-4DB2-BD59-A6C34878D82A}">
-                    <a16:rowId xmlns="" xmlns:a16="http://schemas.microsoft.com/office/drawing/2014/main" val="10004"/>
+                    <a16:rowId xmlns:a16="http://schemas.microsoft.com/office/drawing/2014/main" val="10004"/>
                   </a:ext>
                 </a:extLst>
               </a:tr>
@@ -25185,7 +25111,7 @@
                 </a:tc>
                 <a:extLst>
                   <a:ext uri="{0D108BD9-81ED-4DB2-BD59-A6C34878D82A}">
-                    <a16:rowId xmlns="" xmlns:a16="http://schemas.microsoft.com/office/drawing/2014/main" val="10005"/>
+                    <a16:rowId xmlns:a16="http://schemas.microsoft.com/office/drawing/2014/main" val="10005"/>
                   </a:ext>
                 </a:extLst>
               </a:tr>
@@ -25295,7 +25221,7 @@
                 </a:tc>
                 <a:extLst>
                   <a:ext uri="{0D108BD9-81ED-4DB2-BD59-A6C34878D82A}">
-                    <a16:rowId xmlns="" xmlns:a16="http://schemas.microsoft.com/office/drawing/2014/main" val="10006"/>
+                    <a16:rowId xmlns:a16="http://schemas.microsoft.com/office/drawing/2014/main" val="10006"/>
                   </a:ext>
                 </a:extLst>
               </a:tr>
@@ -25390,7 +25316,7 @@
                 </a:tc>
                 <a:extLst>
                   <a:ext uri="{0D108BD9-81ED-4DB2-BD59-A6C34878D82A}">
-                    <a16:rowId xmlns="" xmlns:a16="http://schemas.microsoft.com/office/drawing/2014/main" val="10007"/>
+                    <a16:rowId xmlns:a16="http://schemas.microsoft.com/office/drawing/2014/main" val="10007"/>
                   </a:ext>
                 </a:extLst>
               </a:tr>
@@ -25461,7 +25387,7 @@
                 </a:tc>
                 <a:extLst>
                   <a:ext uri="{0D108BD9-81ED-4DB2-BD59-A6C34878D82A}">
-                    <a16:rowId xmlns="" xmlns:a16="http://schemas.microsoft.com/office/drawing/2014/main" val="10008"/>
+                    <a16:rowId xmlns:a16="http://schemas.microsoft.com/office/drawing/2014/main" val="10008"/>
                   </a:ext>
                 </a:extLst>
               </a:tr>
@@ -26369,8 +26295,25 @@
                 <a:latin typeface="Times New Roman" panose="02020603050405020304" pitchFamily="18" charset="0"/>
                 <a:cs typeface="Times New Roman" panose="02020603050405020304" pitchFamily="18" charset="0"/>
               </a:rPr>
-              <a:t>Мансуров Р. Р. «Исследование пределов повышения дальности стрельбы активно-реактивным снарядом</a:t>
-            </a:r>
+              <a:t>Мансуров Р. Р. </a:t>
+            </a:r>
+            <a:r>
+              <a:rPr lang="ru-RU" sz="1100" dirty="0">
+                <a:solidFill>
+                  <a:schemeClr val="tx1"/>
+                </a:solidFill>
+                <a:latin typeface="Times New Roman" panose="02020603050405020304" pitchFamily="18" charset="0"/>
+                <a:cs typeface="Times New Roman" panose="02020603050405020304" pitchFamily="18" charset="0"/>
+              </a:rPr>
+              <a:t>«Повышение дальности стрельбы активно-реактивным снарядом на основе математического моделирования…»</a:t>
+            </a:r>
+            <a:endParaRPr lang="ru-RU" sz="1100" dirty="0">
+              <a:solidFill>
+                <a:schemeClr val="tx1"/>
+              </a:solidFill>
+              <a:latin typeface="Times New Roman" panose="02020603050405020304" pitchFamily="18" charset="0"/>
+              <a:cs typeface="Times New Roman" panose="02020603050405020304" pitchFamily="18" charset="0"/>
+            </a:endParaRPr>
           </a:p>
         </p:txBody>
       </p:sp>
@@ -26443,7 +26386,7 @@
           <p:nvPr>
             <p:extLst>
               <p:ext uri="{D42A27DB-BD31-4B8C-83A1-F6EECF244321}">
-                <p14:modId xmlns:p14="http://schemas.microsoft.com/office/powerpoint/2010/main" val="620352485"/>
+                <p14:modId xmlns:p14="http://schemas.microsoft.com/office/powerpoint/2010/main" val="237237119"/>
               </p:ext>
             </p:extLst>
           </p:nvPr>
@@ -26462,42 +26405,42 @@
                 <a:gridCol w="867629">
                   <a:extLst>
                     <a:ext uri="{9D8B030D-6E8A-4147-A177-3AD203B41FA5}">
-                      <a16:colId xmlns="" xmlns:a16="http://schemas.microsoft.com/office/drawing/2014/main" val="20000"/>
+                      <a16:colId xmlns:a16="http://schemas.microsoft.com/office/drawing/2014/main" val="20000"/>
                     </a:ext>
                   </a:extLst>
                 </a:gridCol>
                 <a:gridCol w="955427">
                   <a:extLst>
                     <a:ext uri="{9D8B030D-6E8A-4147-A177-3AD203B41FA5}">
-                      <a16:colId xmlns="" xmlns:a16="http://schemas.microsoft.com/office/drawing/2014/main" val="20001"/>
+                      <a16:colId xmlns:a16="http://schemas.microsoft.com/office/drawing/2014/main" val="20001"/>
                     </a:ext>
                   </a:extLst>
                 </a:gridCol>
                 <a:gridCol w="913794">
                   <a:extLst>
                     <a:ext uri="{9D8B030D-6E8A-4147-A177-3AD203B41FA5}">
-                      <a16:colId xmlns="" xmlns:a16="http://schemas.microsoft.com/office/drawing/2014/main" val="20002"/>
+                      <a16:colId xmlns:a16="http://schemas.microsoft.com/office/drawing/2014/main" val="20002"/>
                     </a:ext>
                   </a:extLst>
                 </a:gridCol>
                 <a:gridCol w="608061">
                   <a:extLst>
                     <a:ext uri="{9D8B030D-6E8A-4147-A177-3AD203B41FA5}">
-                      <a16:colId xmlns="" xmlns:a16="http://schemas.microsoft.com/office/drawing/2014/main" val="20003"/>
+                      <a16:colId xmlns:a16="http://schemas.microsoft.com/office/drawing/2014/main" val="20003"/>
                     </a:ext>
                   </a:extLst>
                 </a:gridCol>
                 <a:gridCol w="573534">
                   <a:extLst>
                     <a:ext uri="{9D8B030D-6E8A-4147-A177-3AD203B41FA5}">
-                      <a16:colId xmlns="" xmlns:a16="http://schemas.microsoft.com/office/drawing/2014/main" val="20004"/>
+                      <a16:colId xmlns:a16="http://schemas.microsoft.com/office/drawing/2014/main" val="20004"/>
                     </a:ext>
                   </a:extLst>
                 </a:gridCol>
                 <a:gridCol w="769475">
                   <a:extLst>
                     <a:ext uri="{9D8B030D-6E8A-4147-A177-3AD203B41FA5}">
-                      <a16:colId xmlns="" xmlns:a16="http://schemas.microsoft.com/office/drawing/2014/main" val="20005"/>
+                      <a16:colId xmlns:a16="http://schemas.microsoft.com/office/drawing/2014/main" val="20005"/>
                     </a:ext>
                   </a:extLst>
                 </a:gridCol>
@@ -26669,7 +26612,7 @@
                 </a:tc>
                 <a:extLst>
                   <a:ext uri="{0D108BD9-81ED-4DB2-BD59-A6C34878D82A}">
-                    <a16:rowId xmlns="" xmlns:a16="http://schemas.microsoft.com/office/drawing/2014/main" val="10000"/>
+                    <a16:rowId xmlns:a16="http://schemas.microsoft.com/office/drawing/2014/main" val="10000"/>
                   </a:ext>
                 </a:extLst>
               </a:tr>
@@ -26853,7 +26796,7 @@
                 </a:tc>
                 <a:extLst>
                   <a:ext uri="{0D108BD9-81ED-4DB2-BD59-A6C34878D82A}">
-                    <a16:rowId xmlns="" xmlns:a16="http://schemas.microsoft.com/office/drawing/2014/main" val="10001"/>
+                    <a16:rowId xmlns:a16="http://schemas.microsoft.com/office/drawing/2014/main" val="10001"/>
                   </a:ext>
                 </a:extLst>
               </a:tr>
@@ -26979,7 +26922,7 @@
                 </a:tc>
                 <a:extLst>
                   <a:ext uri="{0D108BD9-81ED-4DB2-BD59-A6C34878D82A}">
-                    <a16:rowId xmlns="" xmlns:a16="http://schemas.microsoft.com/office/drawing/2014/main" val="10002"/>
+                    <a16:rowId xmlns:a16="http://schemas.microsoft.com/office/drawing/2014/main" val="10002"/>
                   </a:ext>
                 </a:extLst>
               </a:tr>
@@ -27145,7 +27088,7 @@
                 </a:tc>
                 <a:extLst>
                   <a:ext uri="{0D108BD9-81ED-4DB2-BD59-A6C34878D82A}">
-                    <a16:rowId xmlns="" xmlns:a16="http://schemas.microsoft.com/office/drawing/2014/main" val="10003"/>
+                    <a16:rowId xmlns:a16="http://schemas.microsoft.com/office/drawing/2014/main" val="10003"/>
                   </a:ext>
                 </a:extLst>
               </a:tr>
@@ -27342,11 +27285,14 @@
                         <a:defRPr/>
                       </a:pPr>
                       <a:r>
-                        <a:rPr lang="ru-RU" sz="800" smtClean="0">
+                        <a:rPr lang="ru-RU" sz="800" dirty="0" smtClean="0">
                           <a:latin typeface="Bookman Old Style" panose="02050604050505020204" pitchFamily="18" charset="0"/>
                         </a:rPr>
-                        <a:t>22,5</a:t>
+                        <a:t>30</a:t>
                       </a:r>
+                      <a:endParaRPr lang="ru-RU" sz="800" dirty="0" smtClean="0">
+                        <a:latin typeface="Bookman Old Style" panose="02050604050505020204" pitchFamily="18" charset="0"/>
+                      </a:endParaRPr>
                     </a:p>
                     <a:p>
                       <a:pPr algn="ctr"/>
@@ -27359,7 +27305,7 @@
                 </a:tc>
                 <a:extLst>
                   <a:ext uri="{0D108BD9-81ED-4DB2-BD59-A6C34878D82A}">
-                    <a16:rowId xmlns="" xmlns:a16="http://schemas.microsoft.com/office/drawing/2014/main" val="10004"/>
+                    <a16:rowId xmlns:a16="http://schemas.microsoft.com/office/drawing/2014/main" val="10004"/>
                   </a:ext>
                 </a:extLst>
               </a:tr>
@@ -27493,7 +27439,7 @@
                 </a:tc>
                 <a:extLst>
                   <a:ext uri="{0D108BD9-81ED-4DB2-BD59-A6C34878D82A}">
-                    <a16:rowId xmlns="" xmlns:a16="http://schemas.microsoft.com/office/drawing/2014/main" val="10005"/>
+                    <a16:rowId xmlns:a16="http://schemas.microsoft.com/office/drawing/2014/main" val="10005"/>
                   </a:ext>
                 </a:extLst>
               </a:tr>
@@ -27675,7 +27621,7 @@
                 </a:tc>
                 <a:extLst>
                   <a:ext uri="{0D108BD9-81ED-4DB2-BD59-A6C34878D82A}">
-                    <a16:rowId xmlns="" xmlns:a16="http://schemas.microsoft.com/office/drawing/2014/main" val="10006"/>
+                    <a16:rowId xmlns:a16="http://schemas.microsoft.com/office/drawing/2014/main" val="10006"/>
                   </a:ext>
                 </a:extLst>
               </a:tr>
@@ -27829,7 +27775,7 @@
                 </a:tc>
                 <a:extLst>
                   <a:ext uri="{0D108BD9-81ED-4DB2-BD59-A6C34878D82A}">
-                    <a16:rowId xmlns="" xmlns:a16="http://schemas.microsoft.com/office/drawing/2014/main" val="10007"/>
+                    <a16:rowId xmlns:a16="http://schemas.microsoft.com/office/drawing/2014/main" val="10007"/>
                   </a:ext>
                 </a:extLst>
               </a:tr>
@@ -27974,7 +27920,7 @@
                 </a:tc>
                 <a:extLst>
                   <a:ext uri="{0D108BD9-81ED-4DB2-BD59-A6C34878D82A}">
-                    <a16:rowId xmlns="" xmlns:a16="http://schemas.microsoft.com/office/drawing/2014/main" val="10008"/>
+                    <a16:rowId xmlns:a16="http://schemas.microsoft.com/office/drawing/2014/main" val="10008"/>
                   </a:ext>
                 </a:extLst>
               </a:tr>
@@ -28476,8 +28422,15 @@
                 <a:latin typeface="Times New Roman" panose="02020603050405020304" pitchFamily="18" charset="0"/>
                 <a:cs typeface="Times New Roman" panose="02020603050405020304" pitchFamily="18" charset="0"/>
               </a:rPr>
-              <a:t>«Исследование пределов повышения дальности стрельбы активно-реактивным снарядом</a:t>
-            </a:r>
+              <a:t>«Повышение дальности стрельбы активно-реактивным снарядом на основе математического моделирования…»</a:t>
+            </a:r>
+            <a:endParaRPr lang="ru-RU" sz="1100" dirty="0">
+              <a:solidFill>
+                <a:schemeClr val="tx1"/>
+              </a:solidFill>
+              <a:latin typeface="Times New Roman" panose="02020603050405020304" pitchFamily="18" charset="0"/>
+              <a:cs typeface="Times New Roman" panose="02020603050405020304" pitchFamily="18" charset="0"/>
+            </a:endParaRPr>
           </a:p>
         </p:txBody>
       </p:sp>
@@ -28982,8 +28935,8 @@
         </p:nvSpPr>
         <p:spPr>
           <a:xfrm>
-            <a:off x="22637" y="3546828"/>
-            <a:ext cx="1447172" cy="430887"/>
+            <a:off x="145534" y="3550640"/>
+            <a:ext cx="1231849" cy="600164"/>
           </a:xfrm>
           <a:prstGeom prst="rect">
             <a:avLst/>
@@ -29032,7 +28985,7 @@
         </p:nvSpPr>
         <p:spPr>
           <a:xfrm>
-            <a:off x="1713498" y="2237549"/>
+            <a:off x="1631575" y="2237548"/>
             <a:ext cx="1210964" cy="430887"/>
           </a:xfrm>
           <a:prstGeom prst="rect">
@@ -29085,8 +29038,8 @@
         </p:nvSpPr>
         <p:spPr>
           <a:xfrm>
-            <a:off x="1595394" y="3545457"/>
-            <a:ext cx="1447172" cy="430887"/>
+            <a:off x="1682432" y="3550640"/>
+            <a:ext cx="1109250" cy="600164"/>
           </a:xfrm>
           <a:prstGeom prst="rect">
             <a:avLst/>
@@ -29501,8 +29454,8 @@
         </p:nvCxnSpPr>
         <p:spPr>
           <a:xfrm rot="16200000" flipH="1">
-            <a:off x="1707673" y="1626241"/>
-            <a:ext cx="377937" cy="844677"/>
+            <a:off x="1666712" y="1667203"/>
+            <a:ext cx="377936" cy="762754"/>
           </a:xfrm>
           <a:prstGeom prst="bentConnector3">
             <a:avLst/>
@@ -29538,7 +29491,7 @@
         <p:spPr>
           <a:xfrm>
             <a:off x="746223" y="2668436"/>
-            <a:ext cx="0" cy="878392"/>
+            <a:ext cx="15236" cy="882204"/>
           </a:xfrm>
           <a:prstGeom prst="straightConnector1">
             <a:avLst/>
@@ -29573,8 +29526,8 @@
         </p:nvCxnSpPr>
         <p:spPr>
           <a:xfrm>
-            <a:off x="2318980" y="2668436"/>
-            <a:ext cx="0" cy="877021"/>
+            <a:off x="2237057" y="2668435"/>
+            <a:ext cx="0" cy="882205"/>
           </a:xfrm>
           <a:prstGeom prst="straightConnector1">
             <a:avLst/>
@@ -29606,7 +29559,7 @@
         </p:nvSpPr>
         <p:spPr>
           <a:xfrm>
-            <a:off x="5835613" y="2237552"/>
+            <a:off x="5793739" y="2238304"/>
             <a:ext cx="1626152" cy="430887"/>
           </a:xfrm>
           <a:prstGeom prst="rect">
@@ -29695,8 +29648,8 @@
         </p:nvCxnSpPr>
         <p:spPr>
           <a:xfrm rot="5400000">
-            <a:off x="6866258" y="1642044"/>
-            <a:ext cx="377939" cy="813076"/>
+            <a:off x="6844945" y="1621483"/>
+            <a:ext cx="378691" cy="854950"/>
           </a:xfrm>
           <a:prstGeom prst="bentConnector3">
             <a:avLst/>
@@ -29822,6 +29775,340 @@
           </a:fontRef>
         </p:style>
       </p:cxnSp>
+      <p:cxnSp>
+        <p:nvCxnSpPr>
+          <p:cNvPr id="32" name="Прямая со стрелкой 31"/>
+          <p:cNvCxnSpPr/>
+          <p:nvPr/>
+        </p:nvCxnSpPr>
+        <p:spPr>
+          <a:xfrm>
+            <a:off x="3545049" y="2668435"/>
+            <a:ext cx="0" cy="878392"/>
+          </a:xfrm>
+          <a:prstGeom prst="straightConnector1">
+            <a:avLst/>
+          </a:prstGeom>
+          <a:ln>
+            <a:tailEnd type="triangle"/>
+          </a:ln>
+        </p:spPr>
+        <p:style>
+          <a:lnRef idx="1">
+            <a:schemeClr val="dk1"/>
+          </a:lnRef>
+          <a:fillRef idx="0">
+            <a:schemeClr val="dk1"/>
+          </a:fillRef>
+          <a:effectRef idx="0">
+            <a:schemeClr val="dk1"/>
+          </a:effectRef>
+          <a:fontRef idx="minor">
+            <a:schemeClr val="tx1"/>
+          </a:fontRef>
+        </p:style>
+      </p:cxnSp>
+      <p:sp>
+        <p:nvSpPr>
+          <p:cNvPr id="48" name="TextBox 47"/>
+          <p:cNvSpPr txBox="1"/>
+          <p:nvPr/>
+        </p:nvSpPr>
+        <p:spPr>
+          <a:xfrm>
+            <a:off x="2990424" y="3546827"/>
+            <a:ext cx="1109250" cy="600164"/>
+          </a:xfrm>
+          <a:prstGeom prst="rect">
+            <a:avLst/>
+          </a:prstGeom>
+        </p:spPr>
+        <p:style>
+          <a:lnRef idx="2">
+            <a:schemeClr val="dk1"/>
+          </a:lnRef>
+          <a:fillRef idx="1">
+            <a:schemeClr val="lt1"/>
+          </a:fillRef>
+          <a:effectRef idx="0">
+            <a:schemeClr val="dk1"/>
+          </a:effectRef>
+          <a:fontRef idx="minor">
+            <a:schemeClr val="dk1"/>
+          </a:fontRef>
+        </p:style>
+        <p:txBody>
+          <a:bodyPr wrap="square" rtlCol="0">
+            <a:spAutoFit/>
+          </a:bodyPr>
+          <a:lstStyle/>
+          <a:p>
+            <a:pPr algn="ctr"/>
+            <a:r>
+              <a:rPr lang="ru-RU" sz="1100" dirty="0" smtClean="0">
+                <a:latin typeface="Times New Roman" panose="02020603050405020304" pitchFamily="18" charset="0"/>
+                <a:cs typeface="Times New Roman" panose="02020603050405020304" pitchFamily="18" charset="0"/>
+              </a:rPr>
+              <a:t>Уменьшение общей массы снаряда</a:t>
+            </a:r>
+            <a:endParaRPr lang="ru-RU" sz="1100" dirty="0">
+              <a:latin typeface="Times New Roman" panose="02020603050405020304" pitchFamily="18" charset="0"/>
+              <a:cs typeface="Times New Roman" panose="02020603050405020304" pitchFamily="18" charset="0"/>
+            </a:endParaRPr>
+          </a:p>
+        </p:txBody>
+      </p:sp>
+      <p:cxnSp>
+        <p:nvCxnSpPr>
+          <p:cNvPr id="49" name="Прямая со стрелкой 48"/>
+          <p:cNvCxnSpPr/>
+          <p:nvPr/>
+        </p:nvCxnSpPr>
+        <p:spPr>
+          <a:xfrm>
+            <a:off x="5030848" y="2668435"/>
+            <a:ext cx="0" cy="878392"/>
+          </a:xfrm>
+          <a:prstGeom prst="straightConnector1">
+            <a:avLst/>
+          </a:prstGeom>
+          <a:ln>
+            <a:tailEnd type="triangle"/>
+          </a:ln>
+        </p:spPr>
+        <p:style>
+          <a:lnRef idx="1">
+            <a:schemeClr val="dk1"/>
+          </a:lnRef>
+          <a:fillRef idx="0">
+            <a:schemeClr val="dk1"/>
+          </a:fillRef>
+          <a:effectRef idx="0">
+            <a:schemeClr val="dk1"/>
+          </a:effectRef>
+          <a:fontRef idx="minor">
+            <a:schemeClr val="tx1"/>
+          </a:fontRef>
+        </p:style>
+      </p:cxnSp>
+      <p:sp>
+        <p:nvSpPr>
+          <p:cNvPr id="52" name="TextBox 51"/>
+          <p:cNvSpPr txBox="1"/>
+          <p:nvPr/>
+        </p:nvSpPr>
+        <p:spPr>
+          <a:xfrm>
+            <a:off x="4476223" y="3553525"/>
+            <a:ext cx="1109250" cy="600164"/>
+          </a:xfrm>
+          <a:prstGeom prst="rect">
+            <a:avLst/>
+          </a:prstGeom>
+        </p:spPr>
+        <p:style>
+          <a:lnRef idx="2">
+            <a:schemeClr val="dk1"/>
+          </a:lnRef>
+          <a:fillRef idx="1">
+            <a:schemeClr val="lt1"/>
+          </a:fillRef>
+          <a:effectRef idx="0">
+            <a:schemeClr val="dk1"/>
+          </a:effectRef>
+          <a:fontRef idx="minor">
+            <a:schemeClr val="dk1"/>
+          </a:fontRef>
+        </p:style>
+        <p:txBody>
+          <a:bodyPr wrap="square" rtlCol="0">
+            <a:spAutoFit/>
+          </a:bodyPr>
+          <a:lstStyle/>
+          <a:p>
+            <a:pPr algn="ctr"/>
+            <a:r>
+              <a:rPr lang="ru-RU" sz="1100" dirty="0" smtClean="0">
+                <a:latin typeface="Times New Roman" panose="02020603050405020304" pitchFamily="18" charset="0"/>
+                <a:cs typeface="Times New Roman" panose="02020603050405020304" pitchFamily="18" charset="0"/>
+              </a:rPr>
+              <a:t>Увеличение длины камеры сгорания</a:t>
+            </a:r>
+            <a:endParaRPr lang="ru-RU" sz="1100" dirty="0">
+              <a:latin typeface="Times New Roman" panose="02020603050405020304" pitchFamily="18" charset="0"/>
+              <a:cs typeface="Times New Roman" panose="02020603050405020304" pitchFamily="18" charset="0"/>
+            </a:endParaRPr>
+          </a:p>
+        </p:txBody>
+      </p:sp>
+      <p:cxnSp>
+        <p:nvCxnSpPr>
+          <p:cNvPr id="53" name="Прямая со стрелкой 52"/>
+          <p:cNvCxnSpPr>
+            <a:stCxn id="35" idx="2"/>
+          </p:cNvCxnSpPr>
+          <p:nvPr/>
+        </p:nvCxnSpPr>
+        <p:spPr>
+          <a:xfrm>
+            <a:off x="6606815" y="2669191"/>
+            <a:ext cx="14559" cy="881449"/>
+          </a:xfrm>
+          <a:prstGeom prst="straightConnector1">
+            <a:avLst/>
+          </a:prstGeom>
+          <a:ln>
+            <a:tailEnd type="triangle"/>
+          </a:ln>
+        </p:spPr>
+        <p:style>
+          <a:lnRef idx="1">
+            <a:schemeClr val="dk1"/>
+          </a:lnRef>
+          <a:fillRef idx="0">
+            <a:schemeClr val="dk1"/>
+          </a:fillRef>
+          <a:effectRef idx="0">
+            <a:schemeClr val="dk1"/>
+          </a:effectRef>
+          <a:fontRef idx="minor">
+            <a:schemeClr val="tx1"/>
+          </a:fontRef>
+        </p:style>
+      </p:cxnSp>
+      <p:sp>
+        <p:nvSpPr>
+          <p:cNvPr id="54" name="TextBox 53"/>
+          <p:cNvSpPr txBox="1"/>
+          <p:nvPr/>
+        </p:nvSpPr>
+        <p:spPr>
+          <a:xfrm>
+            <a:off x="6052190" y="3544287"/>
+            <a:ext cx="1109250" cy="600164"/>
+          </a:xfrm>
+          <a:prstGeom prst="rect">
+            <a:avLst/>
+          </a:prstGeom>
+        </p:spPr>
+        <p:style>
+          <a:lnRef idx="2">
+            <a:schemeClr val="dk1"/>
+          </a:lnRef>
+          <a:fillRef idx="1">
+            <a:schemeClr val="lt1"/>
+          </a:fillRef>
+          <a:effectRef idx="0">
+            <a:schemeClr val="dk1"/>
+          </a:effectRef>
+          <a:fontRef idx="minor">
+            <a:schemeClr val="dk1"/>
+          </a:fontRef>
+        </p:style>
+        <p:txBody>
+          <a:bodyPr wrap="square" rtlCol="0">
+            <a:spAutoFit/>
+          </a:bodyPr>
+          <a:lstStyle/>
+          <a:p>
+            <a:pPr algn="ctr"/>
+            <a:r>
+              <a:rPr lang="ru-RU" sz="1100" dirty="0" smtClean="0">
+                <a:latin typeface="Times New Roman" panose="02020603050405020304" pitchFamily="18" charset="0"/>
+                <a:cs typeface="Times New Roman" panose="02020603050405020304" pitchFamily="18" charset="0"/>
+              </a:rPr>
+              <a:t>Оптимизация параметров сопла</a:t>
+            </a:r>
+            <a:endParaRPr lang="ru-RU" sz="1100" dirty="0">
+              <a:latin typeface="Times New Roman" panose="02020603050405020304" pitchFamily="18" charset="0"/>
+              <a:cs typeface="Times New Roman" panose="02020603050405020304" pitchFamily="18" charset="0"/>
+            </a:endParaRPr>
+          </a:p>
+        </p:txBody>
+      </p:sp>
+      <p:cxnSp>
+        <p:nvCxnSpPr>
+          <p:cNvPr id="55" name="Прямая со стрелкой 54"/>
+          <p:cNvCxnSpPr/>
+          <p:nvPr/>
+        </p:nvCxnSpPr>
+        <p:spPr>
+          <a:xfrm>
+            <a:off x="8336290" y="2666923"/>
+            <a:ext cx="0" cy="878392"/>
+          </a:xfrm>
+          <a:prstGeom prst="straightConnector1">
+            <a:avLst/>
+          </a:prstGeom>
+          <a:ln>
+            <a:tailEnd type="triangle"/>
+          </a:ln>
+        </p:spPr>
+        <p:style>
+          <a:lnRef idx="1">
+            <a:schemeClr val="dk1"/>
+          </a:lnRef>
+          <a:fillRef idx="0">
+            <a:schemeClr val="dk1"/>
+          </a:fillRef>
+          <a:effectRef idx="0">
+            <a:schemeClr val="dk1"/>
+          </a:effectRef>
+          <a:fontRef idx="minor">
+            <a:schemeClr val="tx1"/>
+          </a:fontRef>
+        </p:style>
+      </p:cxnSp>
+      <p:sp>
+        <p:nvSpPr>
+          <p:cNvPr id="56" name="TextBox 55"/>
+          <p:cNvSpPr txBox="1"/>
+          <p:nvPr/>
+        </p:nvSpPr>
+        <p:spPr>
+          <a:xfrm>
+            <a:off x="7772361" y="3544287"/>
+            <a:ext cx="1109250" cy="600164"/>
+          </a:xfrm>
+          <a:prstGeom prst="rect">
+            <a:avLst/>
+          </a:prstGeom>
+        </p:spPr>
+        <p:style>
+          <a:lnRef idx="2">
+            <a:schemeClr val="dk1"/>
+          </a:lnRef>
+          <a:fillRef idx="1">
+            <a:schemeClr val="lt1"/>
+          </a:fillRef>
+          <a:effectRef idx="0">
+            <a:schemeClr val="dk1"/>
+          </a:effectRef>
+          <a:fontRef idx="minor">
+            <a:schemeClr val="dk1"/>
+          </a:fontRef>
+        </p:style>
+        <p:txBody>
+          <a:bodyPr wrap="square" rtlCol="0">
+            <a:spAutoFit/>
+          </a:bodyPr>
+          <a:lstStyle/>
+          <a:p>
+            <a:pPr algn="ctr"/>
+            <a:r>
+              <a:rPr lang="ru-RU" sz="1100" dirty="0" smtClean="0">
+                <a:latin typeface="Times New Roman" panose="02020603050405020304" pitchFamily="18" charset="0"/>
+                <a:cs typeface="Times New Roman" panose="02020603050405020304" pitchFamily="18" charset="0"/>
+              </a:rPr>
+              <a:t>Решение задачи оптимизации</a:t>
+            </a:r>
+            <a:endParaRPr lang="ru-RU" sz="1100" dirty="0">
+              <a:latin typeface="Times New Roman" panose="02020603050405020304" pitchFamily="18" charset="0"/>
+              <a:cs typeface="Times New Roman" panose="02020603050405020304" pitchFamily="18" charset="0"/>
+            </a:endParaRPr>
+          </a:p>
+        </p:txBody>
+      </p:sp>
     </p:spTree>
     <p:extLst>
       <p:ext uri="{BB962C8B-B14F-4D97-AF65-F5344CB8AC3E}">
@@ -30025,8 +30312,15 @@
                 <a:latin typeface="Times New Roman" panose="02020603050405020304" pitchFamily="18" charset="0"/>
                 <a:cs typeface="Times New Roman" panose="02020603050405020304" pitchFamily="18" charset="0"/>
               </a:rPr>
-              <a:t>«Исследование пределов повышения дальности стрельбы активно-реактивным снарядом</a:t>
-            </a:r>
+              <a:t>«Повышение дальности стрельбы активно-реактивным снарядом на основе математического моделирования…»</a:t>
+            </a:r>
+            <a:endParaRPr lang="ru-RU" sz="1100" dirty="0">
+              <a:solidFill>
+                <a:schemeClr val="tx1"/>
+              </a:solidFill>
+              <a:latin typeface="Times New Roman" panose="02020603050405020304" pitchFamily="18" charset="0"/>
+              <a:cs typeface="Times New Roman" panose="02020603050405020304" pitchFamily="18" charset="0"/>
+            </a:endParaRPr>
           </a:p>
         </p:txBody>
       </p:sp>
@@ -30571,7 +30865,7 @@
           <a:graphicData uri="http://schemas.openxmlformats.org/presentationml/2006/ole">
             <mc:AlternateContent xmlns:mc="http://schemas.openxmlformats.org/markup-compatibility/2006">
               <mc:Choice xmlns:v="urn:schemas-microsoft-com:vml" Requires="v">
-                <p:oleObj spid="_x0000_s50211" name="Формула" r:id="rId3" imgW="317160" imgH="164880" progId="Equation.3">
+                <p:oleObj spid="_x0000_s50262" name="Формула" r:id="rId3" imgW="317160" imgH="164880" progId="Equation.3">
                   <p:embed/>
                 </p:oleObj>
               </mc:Choice>
@@ -30641,7 +30935,7 @@
           <a:graphicData uri="http://schemas.openxmlformats.org/presentationml/2006/ole">
             <mc:AlternateContent xmlns:mc="http://schemas.openxmlformats.org/markup-compatibility/2006">
               <mc:Choice xmlns:v="urn:schemas-microsoft-com:vml" Requires="v">
-                <p:oleObj spid="_x0000_s50212" name="Формула" r:id="rId5" imgW="1307880" imgH="241200" progId="Equation.3">
+                <p:oleObj spid="_x0000_s50263" name="Формула" r:id="rId5" imgW="1307880" imgH="241200" progId="Equation.3">
                   <p:embed/>
                 </p:oleObj>
               </mc:Choice>
@@ -30711,7 +31005,7 @@
           <a:graphicData uri="http://schemas.openxmlformats.org/presentationml/2006/ole">
             <mc:AlternateContent xmlns:mc="http://schemas.openxmlformats.org/markup-compatibility/2006">
               <mc:Choice xmlns:v="urn:schemas-microsoft-com:vml" Requires="v">
-                <p:oleObj spid="_x0000_s50213" name="Формула" r:id="rId7" imgW="596880" imgH="431640" progId="Equation.3">
+                <p:oleObj spid="_x0000_s50264" name="Формула" r:id="rId7" imgW="596880" imgH="431640" progId="Equation.3">
                   <p:embed/>
                 </p:oleObj>
               </mc:Choice>
@@ -30781,7 +31075,7 @@
           <a:graphicData uri="http://schemas.openxmlformats.org/presentationml/2006/ole">
             <mc:AlternateContent xmlns:mc="http://schemas.openxmlformats.org/markup-compatibility/2006">
               <mc:Choice xmlns:v="urn:schemas-microsoft-com:vml" Requires="v">
-                <p:oleObj spid="_x0000_s50214" name="Формула" r:id="rId9" imgW="1028520" imgH="431640" progId="Equation.3">
+                <p:oleObj spid="_x0000_s50265" name="Формула" r:id="rId9" imgW="1028520" imgH="431640" progId="Equation.3">
                   <p:embed/>
                 </p:oleObj>
               </mc:Choice>
@@ -30851,7 +31145,7 @@
           <a:graphicData uri="http://schemas.openxmlformats.org/presentationml/2006/ole">
             <mc:AlternateContent xmlns:mc="http://schemas.openxmlformats.org/markup-compatibility/2006">
               <mc:Choice xmlns:v="urn:schemas-microsoft-com:vml" Requires="v">
-                <p:oleObj spid="_x0000_s50215" name="Формула" r:id="rId11" imgW="1282680" imgH="228600" progId="Equation.3">
+                <p:oleObj spid="_x0000_s50266" name="Формула" r:id="rId11" imgW="1282680" imgH="228600" progId="Equation.3">
                   <p:embed/>
                 </p:oleObj>
               </mc:Choice>
@@ -30921,7 +31215,7 @@
           <a:graphicData uri="http://schemas.openxmlformats.org/presentationml/2006/ole">
             <mc:AlternateContent xmlns:mc="http://schemas.openxmlformats.org/markup-compatibility/2006">
               <mc:Choice xmlns:v="urn:schemas-microsoft-com:vml" Requires="v">
-                <p:oleObj spid="_x0000_s50216" name="Формула" r:id="rId13" imgW="1307880" imgH="241200" progId="Equation.3">
+                <p:oleObj spid="_x0000_s50267" name="Формула" r:id="rId13" imgW="1307880" imgH="241200" progId="Equation.3">
                   <p:embed/>
                 </p:oleObj>
               </mc:Choice>
@@ -30991,7 +31285,7 @@
           <a:graphicData uri="http://schemas.openxmlformats.org/presentationml/2006/ole">
             <mc:AlternateContent xmlns:mc="http://schemas.openxmlformats.org/markup-compatibility/2006">
               <mc:Choice xmlns:v="urn:schemas-microsoft-com:vml" Requires="v">
-                <p:oleObj spid="_x0000_s50217" name="Формула" r:id="rId15" imgW="1130040" imgH="431640" progId="Equation.3">
+                <p:oleObj spid="_x0000_s50268" name="Формула" r:id="rId15" imgW="1130040" imgH="431640" progId="Equation.3">
                   <p:embed/>
                 </p:oleObj>
               </mc:Choice>
@@ -31061,7 +31355,7 @@
           <a:graphicData uri="http://schemas.openxmlformats.org/presentationml/2006/ole">
             <mc:AlternateContent xmlns:mc="http://schemas.openxmlformats.org/markup-compatibility/2006">
               <mc:Choice xmlns:v="urn:schemas-microsoft-com:vml" Requires="v">
-                <p:oleObj spid="_x0000_s50218" name="Формула" r:id="rId17" imgW="1447560" imgH="495000" progId="Equation.3">
+                <p:oleObj spid="_x0000_s50269" name="Формула" r:id="rId17" imgW="1447560" imgH="495000" progId="Equation.3">
                   <p:embed/>
                 </p:oleObj>
               </mc:Choice>
@@ -31131,7 +31425,7 @@
           <a:graphicData uri="http://schemas.openxmlformats.org/presentationml/2006/ole">
             <mc:AlternateContent xmlns:mc="http://schemas.openxmlformats.org/markup-compatibility/2006">
               <mc:Choice xmlns:v="urn:schemas-microsoft-com:vml" Requires="v">
-                <p:oleObj spid="_x0000_s50219" name="Формула" r:id="rId19" imgW="749160" imgH="241200" progId="Equation.3">
+                <p:oleObj spid="_x0000_s50270" name="Формула" r:id="rId19" imgW="749160" imgH="241200" progId="Equation.3">
                   <p:embed/>
                 </p:oleObj>
               </mc:Choice>
@@ -31201,7 +31495,7 @@
           <a:graphicData uri="http://schemas.openxmlformats.org/presentationml/2006/ole">
             <mc:AlternateContent xmlns:mc="http://schemas.openxmlformats.org/markup-compatibility/2006">
               <mc:Choice xmlns:v="urn:schemas-microsoft-com:vml" Requires="v">
-                <p:oleObj spid="_x0000_s50220" name="Формула" r:id="rId21" imgW="1206360" imgH="241200" progId="Equation.3">
+                <p:oleObj spid="_x0000_s50271" name="Формула" r:id="rId21" imgW="1206360" imgH="241200" progId="Equation.3">
                   <p:embed/>
                 </p:oleObj>
               </mc:Choice>
@@ -31271,7 +31565,7 @@
           <a:graphicData uri="http://schemas.openxmlformats.org/presentationml/2006/ole">
             <mc:AlternateContent xmlns:mc="http://schemas.openxmlformats.org/markup-compatibility/2006">
               <mc:Choice xmlns:v="urn:schemas-microsoft-com:vml" Requires="v">
-                <p:oleObj spid="_x0000_s50221" name="Формула" r:id="rId23" imgW="634680" imgH="393480" progId="Equation.3">
+                <p:oleObj spid="_x0000_s50272" name="Формула" r:id="rId23" imgW="634680" imgH="393480" progId="Equation.3">
                   <p:embed/>
                 </p:oleObj>
               </mc:Choice>
@@ -31341,7 +31635,7 @@
           <a:graphicData uri="http://schemas.openxmlformats.org/presentationml/2006/ole">
             <mc:AlternateContent xmlns:mc="http://schemas.openxmlformats.org/markup-compatibility/2006">
               <mc:Choice xmlns:v="urn:schemas-microsoft-com:vml" Requires="v">
-                <p:oleObj spid="_x0000_s50222" name="Формула" r:id="rId25" imgW="4356000" imgH="457200" progId="Equation.3">
+                <p:oleObj spid="_x0000_s50273" name="Формула" r:id="rId25" imgW="4356000" imgH="457200" progId="Equation.3">
                   <p:embed/>
                 </p:oleObj>
               </mc:Choice>
@@ -31411,7 +31705,7 @@
           <a:graphicData uri="http://schemas.openxmlformats.org/presentationml/2006/ole">
             <mc:AlternateContent xmlns:mc="http://schemas.openxmlformats.org/markup-compatibility/2006">
               <mc:Choice xmlns:v="urn:schemas-microsoft-com:vml" Requires="v">
-                <p:oleObj spid="_x0000_s50223" name="Формула" r:id="rId27" imgW="2946240" imgH="431640" progId="Equation.3">
+                <p:oleObj spid="_x0000_s50274" name="Формула" r:id="rId27" imgW="2946240" imgH="431640" progId="Equation.3">
                   <p:embed/>
                 </p:oleObj>
               </mc:Choice>
@@ -32065,7 +32359,7 @@
         </p:nvSpPr>
         <p:spPr bwMode="auto">
           <a:xfrm>
-            <a:off x="98949" y="2489287"/>
+            <a:off x="96199" y="2336621"/>
             <a:ext cx="4023359" cy="276999"/>
           </a:xfrm>
           <a:prstGeom prst="rect">
@@ -32553,20 +32847,20 @@
           <p:nvPr>
             <p:extLst>
               <p:ext uri="{D42A27DB-BD31-4B8C-83A1-F6EECF244321}">
-                <p14:modId xmlns:p14="http://schemas.microsoft.com/office/powerpoint/2010/main" val="2627130777"/>
+                <p14:modId xmlns:p14="http://schemas.microsoft.com/office/powerpoint/2010/main" val="4045404908"/>
               </p:ext>
             </p:extLst>
           </p:nvPr>
         </p:nvGraphicFramePr>
         <p:xfrm>
-          <a:off x="4948831" y="679154"/>
+          <a:off x="4930087" y="324539"/>
           <a:ext cx="4253940" cy="1800084"/>
         </p:xfrm>
         <a:graphic>
           <a:graphicData uri="http://schemas.openxmlformats.org/presentationml/2006/ole">
             <mc:AlternateContent xmlns:mc="http://schemas.openxmlformats.org/markup-compatibility/2006">
               <mc:Choice xmlns:v="urn:schemas-microsoft-com:vml" Requires="v">
-                <p:oleObj spid="_x0000_s50224" name="Picture" r:id="rId29" imgW="5861465" imgH="2543447" progId="Word.Picture.8">
+                <p:oleObj spid="_x0000_s50275" name="Picture" r:id="rId29" imgW="5861465" imgH="2543447" progId="Word.Picture.8">
                   <p:embed/>
                 </p:oleObj>
               </mc:Choice>
@@ -32596,7 +32890,7 @@
                     </p:blipFill>
                     <p:spPr bwMode="auto">
                       <a:xfrm>
-                        <a:off x="4948831" y="679154"/>
+                        <a:off x="4930087" y="324539"/>
                         <a:ext cx="4253940" cy="1800084"/>
                       </a:xfrm>
                       <a:prstGeom prst="rect">
@@ -32620,7 +32914,7 @@
         </p:nvSpPr>
         <p:spPr>
           <a:xfrm>
-            <a:off x="5361808" y="2427830"/>
+            <a:off x="5343064" y="2073215"/>
             <a:ext cx="3305713" cy="246221"/>
           </a:xfrm>
           <a:prstGeom prst="rect">
@@ -32698,8 +32992,8 @@
         </p:nvSpPr>
         <p:spPr bwMode="auto">
           <a:xfrm>
-            <a:off x="5115045" y="2818651"/>
-            <a:ext cx="3951390" cy="276999"/>
+            <a:off x="4504452" y="2335415"/>
+            <a:ext cx="4529582" cy="276999"/>
           </a:xfrm>
           <a:prstGeom prst="rect">
             <a:avLst/>
@@ -32799,20 +33093,20 @@
           <p:nvPr>
             <p:extLst>
               <p:ext uri="{D42A27DB-BD31-4B8C-83A1-F6EECF244321}">
-                <p14:modId xmlns:p14="http://schemas.microsoft.com/office/powerpoint/2010/main" val="3459760266"/>
+                <p14:modId xmlns:p14="http://schemas.microsoft.com/office/powerpoint/2010/main" val="144492725"/>
               </p:ext>
             </p:extLst>
           </p:nvPr>
         </p:nvGraphicFramePr>
         <p:xfrm>
-          <a:off x="5258029" y="3327050"/>
+          <a:off x="5245358" y="2614845"/>
           <a:ext cx="3162300" cy="823912"/>
         </p:xfrm>
         <a:graphic>
           <a:graphicData uri="http://schemas.openxmlformats.org/presentationml/2006/ole">
             <mc:AlternateContent xmlns:mc="http://schemas.openxmlformats.org/markup-compatibility/2006">
               <mc:Choice xmlns:v="urn:schemas-microsoft-com:vml" Requires="v">
-                <p:oleObj spid="_x0000_s50225" name="Формула" r:id="rId31" imgW="3162240" imgH="838080" progId="Equation.3">
+                <p:oleObj spid="_x0000_s50276" name="Формула" r:id="rId31" imgW="3162240" imgH="838080" progId="Equation.3">
                   <p:embed/>
                 </p:oleObj>
               </mc:Choice>
@@ -32836,7 +33130,7 @@
                     </p:blipFill>
                     <p:spPr bwMode="auto">
                       <a:xfrm>
-                        <a:off x="5258029" y="3327050"/>
+                        <a:off x="5245358" y="2614845"/>
                         <a:ext cx="3162300" cy="823912"/>
                       </a:xfrm>
                       <a:prstGeom prst="rect">
@@ -32869,20 +33163,20 @@
           <p:nvPr>
             <p:extLst>
               <p:ext uri="{D42A27DB-BD31-4B8C-83A1-F6EECF244321}">
-                <p14:modId xmlns:p14="http://schemas.microsoft.com/office/powerpoint/2010/main" val="321086014"/>
+                <p14:modId xmlns:p14="http://schemas.microsoft.com/office/powerpoint/2010/main" val="2691276798"/>
               </p:ext>
             </p:extLst>
           </p:nvPr>
         </p:nvGraphicFramePr>
         <p:xfrm>
-          <a:off x="6090947" y="4457805"/>
+          <a:off x="6096146" y="3653140"/>
           <a:ext cx="1584325" cy="217488"/>
         </p:xfrm>
         <a:graphic>
           <a:graphicData uri="http://schemas.openxmlformats.org/presentationml/2006/ole">
             <mc:AlternateContent xmlns:mc="http://schemas.openxmlformats.org/markup-compatibility/2006">
               <mc:Choice xmlns:v="urn:schemas-microsoft-com:vml" Requires="v">
-                <p:oleObj spid="_x0000_s50226" name="Формула" r:id="rId33" imgW="1574640" imgH="228600" progId="Equation.3">
+                <p:oleObj spid="_x0000_s50277" name="Формула" r:id="rId33" imgW="1574640" imgH="228600" progId="Equation.3">
                   <p:embed/>
                 </p:oleObj>
               </mc:Choice>
@@ -32906,7 +33200,7 @@
                     </p:blipFill>
                     <p:spPr bwMode="auto">
                       <a:xfrm>
-                        <a:off x="6090947" y="4457805"/>
+                        <a:off x="6096146" y="3653140"/>
                         <a:ext cx="1584325" cy="217488"/>
                       </a:xfrm>
                       <a:prstGeom prst="rect">
@@ -32952,7 +33246,7 @@
           <a:graphicData uri="http://schemas.openxmlformats.org/presentationml/2006/ole">
             <mc:AlternateContent xmlns:mc="http://schemas.openxmlformats.org/markup-compatibility/2006">
               <mc:Choice xmlns:v="urn:schemas-microsoft-com:vml" Requires="v">
-                <p:oleObj spid="_x0000_s50227" name="Формула" r:id="rId35" imgW="1790640" imgH="393480" progId="Equation.3">
+                <p:oleObj spid="_x0000_s50278" name="Формула" r:id="rId35" imgW="1790640" imgH="393480" progId="Equation.3">
                   <p:embed/>
                 </p:oleObj>
               </mc:Choice>
@@ -33330,7 +33624,7 @@
         </p:nvSpPr>
         <p:spPr>
           <a:xfrm>
-            <a:off x="8667521" y="3631072"/>
+            <a:off x="8526171" y="2816229"/>
             <a:ext cx="468992" cy="276999"/>
           </a:xfrm>
           <a:prstGeom prst="rect">
@@ -33366,7 +33660,7 @@
         </p:nvSpPr>
         <p:spPr>
           <a:xfrm>
-            <a:off x="8667521" y="4399846"/>
+            <a:off x="8642481" y="3624939"/>
             <a:ext cx="476479" cy="276999"/>
           </a:xfrm>
           <a:prstGeom prst="rect">
@@ -33663,7 +33957,52 @@
                 <a:ea typeface="Calibri" panose="020F0502020204030204" pitchFamily="34" charset="0"/>
                 <a:cs typeface="Times New Roman" panose="02020603050405020304" pitchFamily="18" charset="0"/>
               </a:rPr>
-              <a:t> модель внутренней баллистики ствола включает в себя следующие уравнения:</a:t>
+              <a:t> модель внутренней баллистики ствола включает в себя следующие </a:t>
+            </a:r>
+            <a:r>
+              <a:rPr kumimoji="0" lang="ru-RU" altLang="ru-RU" b="1" i="0" u="none" strike="noStrike" cap="none" normalizeH="0" dirty="0" smtClean="0">
+                <a:ln>
+                  <a:noFill/>
+                </a:ln>
+                <a:solidFill>
+                  <a:schemeClr val="tx1"/>
+                </a:solidFill>
+                <a:effectLst/>
+                <a:latin typeface="Times New Roman" panose="02020603050405020304" pitchFamily="18" charset="0"/>
+                <a:ea typeface="Calibri" panose="020F0502020204030204" pitchFamily="34" charset="0"/>
+                <a:cs typeface="Times New Roman" panose="02020603050405020304" pitchFamily="18" charset="0"/>
+              </a:rPr>
+              <a:t>уравнения</a:t>
+            </a:r>
+            <a:r>
+              <a:rPr kumimoji="0" lang="ru-RU" altLang="ru-RU" b="1" i="0" u="none" strike="noStrike" cap="none" normalizeH="0" baseline="30000" dirty="0" smtClean="0">
+                <a:ln>
+                  <a:noFill/>
+                </a:ln>
+                <a:solidFill>
+                  <a:schemeClr val="tx1"/>
+                </a:solidFill>
+                <a:effectLst/>
+                <a:latin typeface="Times New Roman" panose="02020603050405020304" pitchFamily="18" charset="0"/>
+                <a:ea typeface="Calibri" panose="020F0502020204030204" pitchFamily="34" charset="0"/>
+                <a:cs typeface="Times New Roman" panose="02020603050405020304" pitchFamily="18" charset="0"/>
+              </a:rPr>
+              <a:t>1</a:t>
+            </a:r>
+            <a:r>
+              <a:rPr kumimoji="0" lang="ru-RU" altLang="ru-RU" b="1" i="0" u="none" strike="noStrike" cap="none" normalizeH="0" dirty="0" smtClean="0">
+                <a:ln>
+                  <a:noFill/>
+                </a:ln>
+                <a:solidFill>
+                  <a:schemeClr val="tx1"/>
+                </a:solidFill>
+                <a:effectLst/>
+                <a:latin typeface="Times New Roman" panose="02020603050405020304" pitchFamily="18" charset="0"/>
+                <a:ea typeface="Calibri" panose="020F0502020204030204" pitchFamily="34" charset="0"/>
+                <a:cs typeface="Times New Roman" panose="02020603050405020304" pitchFamily="18" charset="0"/>
+              </a:rPr>
+              <a:t>:</a:t>
             </a:r>
             <a:endParaRPr kumimoji="0" lang="ru-RU" altLang="ru-RU" b="1" i="0" u="none" strike="noStrike" cap="none" normalizeH="0" baseline="0" dirty="0" smtClean="0">
               <a:ln>
@@ -33674,6 +34013,45 @@
               </a:solidFill>
               <a:effectLst/>
             </a:endParaRPr>
+          </a:p>
+        </p:txBody>
+      </p:sp>
+      <p:sp>
+        <p:nvSpPr>
+          <p:cNvPr id="3" name="TextBox 2"/>
+          <p:cNvSpPr txBox="1"/>
+          <p:nvPr/>
+        </p:nvSpPr>
+        <p:spPr>
+          <a:xfrm>
+            <a:off x="5441804" y="4258024"/>
+            <a:ext cx="3994655" cy="553998"/>
+          </a:xfrm>
+          <a:prstGeom prst="rect">
+            <a:avLst/>
+          </a:prstGeom>
+          <a:noFill/>
+        </p:spPr>
+        <p:txBody>
+          <a:bodyPr wrap="square" rtlCol="0">
+            <a:spAutoFit/>
+          </a:bodyPr>
+          <a:lstStyle/>
+          <a:p>
+            <a:r>
+              <a:rPr lang="ru-RU" sz="1000" dirty="0" smtClean="0">
+                <a:latin typeface="Times New Roman" panose="02020603050405020304" pitchFamily="18" charset="0"/>
+                <a:cs typeface="Times New Roman" panose="02020603050405020304" pitchFamily="18" charset="0"/>
+              </a:rPr>
+              <a:t>1 </a:t>
+            </a:r>
+            <a:r>
+              <a:rPr lang="ru-RU" sz="1000" dirty="0">
+                <a:latin typeface="Times New Roman" panose="02020603050405020304" pitchFamily="18" charset="0"/>
+                <a:cs typeface="Times New Roman" panose="02020603050405020304" pitchFamily="18" charset="0"/>
+              </a:rPr>
+              <a:t>- Физические основы и газовая динамика горения порохов в артиллерийских системах М.-Ижевск: Институт компьютерных исследований, 2016. 456 с</a:t>
+            </a:r>
           </a:p>
         </p:txBody>
       </p:sp>
@@ -34152,17 +34530,7 @@
                 <a:latin typeface="Times New Roman" panose="02020603050405020304" pitchFamily="18" charset="0"/>
                 <a:cs typeface="Times New Roman" panose="02020603050405020304" pitchFamily="18" charset="0"/>
               </a:rPr>
-              <a:t>«Исследование пределов повышения дальности стрельбы активно-реактивным </a:t>
-            </a:r>
-            <a:r>
-              <a:rPr lang="ru-RU" sz="1100" dirty="0" smtClean="0">
-                <a:solidFill>
-                  <a:schemeClr val="tx1"/>
-                </a:solidFill>
-                <a:latin typeface="Times New Roman" panose="02020603050405020304" pitchFamily="18" charset="0"/>
-                <a:cs typeface="Times New Roman" panose="02020603050405020304" pitchFamily="18" charset="0"/>
-              </a:rPr>
-              <a:t>снарядом»</a:t>
+              <a:t>«Повышение дальности стрельбы активно-реактивным снарядом на основе математического моделирования…»</a:t>
             </a:r>
             <a:endParaRPr lang="ru-RU" sz="1100" dirty="0">
               <a:solidFill>
@@ -34799,20 +35167,20 @@
           <p:nvPr>
             <p:extLst>
               <p:ext uri="{D42A27DB-BD31-4B8C-83A1-F6EECF244321}">
-                <p14:modId xmlns:p14="http://schemas.microsoft.com/office/powerpoint/2010/main" val="2298680181"/>
+                <p14:modId xmlns:p14="http://schemas.microsoft.com/office/powerpoint/2010/main" val="1885145074"/>
               </p:ext>
             </p:extLst>
           </p:nvPr>
         </p:nvGraphicFramePr>
         <p:xfrm>
-          <a:off x="365242" y="1149237"/>
+          <a:off x="331557" y="2402025"/>
           <a:ext cx="539750" cy="247650"/>
         </p:xfrm>
         <a:graphic>
           <a:graphicData uri="http://schemas.openxmlformats.org/presentationml/2006/ole">
             <mc:AlternateContent xmlns:mc="http://schemas.openxmlformats.org/markup-compatibility/2006">
               <mc:Choice xmlns:v="urn:schemas-microsoft-com:vml" Requires="v">
-                <p:oleObj spid="_x0000_s51230" name="Формула" r:id="rId3" imgW="545760" imgH="241200" progId="Equation.3">
+                <p:oleObj spid="_x0000_s51290" name="Формула" r:id="rId3" imgW="545760" imgH="241200" progId="Equation.3">
                   <p:embed/>
                 </p:oleObj>
               </mc:Choice>
@@ -34836,7 +35204,7 @@
                     </p:blipFill>
                     <p:spPr bwMode="auto">
                       <a:xfrm>
-                        <a:off x="365242" y="1149237"/>
+                        <a:off x="331557" y="2402025"/>
                         <a:ext cx="539750" cy="247650"/>
                       </a:xfrm>
                       <a:prstGeom prst="rect">
@@ -34870,7 +35238,7 @@
         </p:nvSpPr>
         <p:spPr bwMode="auto">
           <a:xfrm>
-            <a:off x="173804" y="815850"/>
+            <a:off x="140119" y="2068638"/>
             <a:ext cx="2125192" cy="276999"/>
           </a:xfrm>
           <a:prstGeom prst="rect">
@@ -34990,7 +35358,7 @@
         </p:nvSpPr>
         <p:spPr bwMode="auto">
           <a:xfrm>
-            <a:off x="170347" y="1563754"/>
+            <a:off x="136340" y="2717899"/>
             <a:ext cx="2945171" cy="276999"/>
           </a:xfrm>
           <a:prstGeom prst="rect">
@@ -35094,20 +35462,20 @@
           <p:nvPr>
             <p:extLst>
               <p:ext uri="{D42A27DB-BD31-4B8C-83A1-F6EECF244321}">
-                <p14:modId xmlns:p14="http://schemas.microsoft.com/office/powerpoint/2010/main" val="1550576077"/>
+                <p14:modId xmlns:p14="http://schemas.microsoft.com/office/powerpoint/2010/main" val="2178714767"/>
               </p:ext>
             </p:extLst>
           </p:nvPr>
         </p:nvGraphicFramePr>
         <p:xfrm>
-          <a:off x="321673" y="1822419"/>
+          <a:off x="281906" y="2995557"/>
           <a:ext cx="1471613" cy="623887"/>
         </p:xfrm>
         <a:graphic>
           <a:graphicData uri="http://schemas.openxmlformats.org/presentationml/2006/ole">
             <mc:AlternateContent xmlns:mc="http://schemas.openxmlformats.org/markup-compatibility/2006">
               <mc:Choice xmlns:v="urn:schemas-microsoft-com:vml" Requires="v">
-                <p:oleObj spid="_x0000_s51231" name="Формула" r:id="rId5" imgW="1485720" imgH="609480" progId="Equation.3">
+                <p:oleObj spid="_x0000_s51291" name="Формула" r:id="rId5" imgW="1485720" imgH="609480" progId="Equation.3">
                   <p:embed/>
                 </p:oleObj>
               </mc:Choice>
@@ -35131,7 +35499,7 @@
                     </p:blipFill>
                     <p:spPr bwMode="auto">
                       <a:xfrm>
-                        <a:off x="321673" y="1822419"/>
+                        <a:off x="281906" y="2995557"/>
                         <a:ext cx="1471613" cy="623887"/>
                       </a:xfrm>
                       <a:prstGeom prst="rect">
@@ -35164,25 +35532,25 @@
           <p:nvPr>
             <p:extLst>
               <p:ext uri="{D42A27DB-BD31-4B8C-83A1-F6EECF244321}">
-                <p14:modId xmlns:p14="http://schemas.microsoft.com/office/powerpoint/2010/main" val="1403071401"/>
+                <p14:modId xmlns:p14="http://schemas.microsoft.com/office/powerpoint/2010/main" val="83588228"/>
               </p:ext>
             </p:extLst>
           </p:nvPr>
         </p:nvGraphicFramePr>
         <p:xfrm>
-          <a:off x="3932497" y="524578"/>
-          <a:ext cx="4172764" cy="2100322"/>
+          <a:off x="4312635" y="532163"/>
+          <a:ext cx="4490796" cy="2253140"/>
         </p:xfrm>
         <a:graphic>
           <a:graphicData uri="http://schemas.openxmlformats.org/presentationml/2006/ole">
             <mc:AlternateContent xmlns:mc="http://schemas.openxmlformats.org/markup-compatibility/2006">
               <mc:Choice xmlns:v="urn:schemas-microsoft-com:vml" Requires="v">
-                <p:oleObj spid="_x0000_s51232" name="Document" r:id="rId7" imgW="5061387" imgH="2537329" progId="Word.Document.12">
+                <p:oleObj spid="_x0000_s51292" name="Документ" r:id="rId7" imgW="5046662" imgH="2540557" progId="Word.Document.12">
                   <p:embed/>
                 </p:oleObj>
               </mc:Choice>
               <mc:Fallback>
-                <p:oleObj name="Document" r:id="rId7" imgW="5061387" imgH="2537329" progId="Word.Document.12">
+                <p:oleObj name="Документ" r:id="rId7" imgW="5046662" imgH="2540557" progId="Word.Document.12">
                   <p:embed/>
                   <p:pic>
                     <p:nvPicPr>
@@ -35201,8 +35569,8 @@
                     </p:blipFill>
                     <p:spPr bwMode="auto">
                       <a:xfrm>
-                        <a:off x="3932497" y="524578"/>
-                        <a:ext cx="4172764" cy="2100322"/>
+                        <a:off x="4312635" y="532163"/>
+                        <a:ext cx="4490796" cy="2253140"/>
                       </a:xfrm>
                       <a:prstGeom prst="rect">
                         <a:avLst/>
@@ -35225,7 +35593,7 @@
         </p:nvSpPr>
         <p:spPr>
           <a:xfrm>
-            <a:off x="3254731" y="2278836"/>
+            <a:off x="3964229" y="2316821"/>
             <a:ext cx="5402034" cy="246221"/>
           </a:xfrm>
           <a:prstGeom prst="rect">
@@ -35302,20 +35670,20 @@
           <p:nvPr>
             <p:extLst>
               <p:ext uri="{D42A27DB-BD31-4B8C-83A1-F6EECF244321}">
-                <p14:modId xmlns:p14="http://schemas.microsoft.com/office/powerpoint/2010/main" val="2307423106"/>
+                <p14:modId xmlns:p14="http://schemas.microsoft.com/office/powerpoint/2010/main" val="3664818130"/>
               </p:ext>
             </p:extLst>
           </p:nvPr>
         </p:nvGraphicFramePr>
         <p:xfrm>
-          <a:off x="315913" y="2965344"/>
+          <a:off x="264702" y="3975056"/>
           <a:ext cx="1309687" cy="482600"/>
         </p:xfrm>
         <a:graphic>
           <a:graphicData uri="http://schemas.openxmlformats.org/presentationml/2006/ole">
             <mc:AlternateContent xmlns:mc="http://schemas.openxmlformats.org/markup-compatibility/2006">
               <mc:Choice xmlns:v="urn:schemas-microsoft-com:vml" Requires="v">
-                <p:oleObj spid="_x0000_s51233" name="Формула" r:id="rId9" imgW="1307880" imgH="482400" progId="Equation.3">
+                <p:oleObj spid="_x0000_s51293" name="Формула" r:id="rId9" imgW="1307880" imgH="482400" progId="Equation.3">
                   <p:embed/>
                 </p:oleObj>
               </mc:Choice>
@@ -35339,7 +35707,7 @@
                     </p:blipFill>
                     <p:spPr bwMode="auto">
                       <a:xfrm>
-                        <a:off x="315913" y="2965344"/>
+                        <a:off x="264702" y="3975056"/>
                         <a:ext cx="1309687" cy="482600"/>
                       </a:xfrm>
                       <a:prstGeom prst="rect">
@@ -35373,7 +35741,7 @@
         </p:nvSpPr>
         <p:spPr bwMode="auto">
           <a:xfrm>
-            <a:off x="170347" y="2605740"/>
+            <a:off x="119136" y="3615452"/>
             <a:ext cx="2795134" cy="276999"/>
           </a:xfrm>
           <a:prstGeom prst="rect">
@@ -35476,20 +35844,20 @@
           <p:nvPr>
             <p:extLst>
               <p:ext uri="{D42A27DB-BD31-4B8C-83A1-F6EECF244321}">
-                <p14:modId xmlns:p14="http://schemas.microsoft.com/office/powerpoint/2010/main" val="1088832885"/>
+                <p14:modId xmlns:p14="http://schemas.microsoft.com/office/powerpoint/2010/main" val="1126270128"/>
               </p:ext>
             </p:extLst>
           </p:nvPr>
         </p:nvGraphicFramePr>
         <p:xfrm>
-          <a:off x="304424" y="3771998"/>
+          <a:off x="4079650" y="4496979"/>
           <a:ext cx="1725613" cy="266700"/>
         </p:xfrm>
         <a:graphic>
           <a:graphicData uri="http://schemas.openxmlformats.org/presentationml/2006/ole">
             <mc:AlternateContent xmlns:mc="http://schemas.openxmlformats.org/markup-compatibility/2006">
               <mc:Choice xmlns:v="urn:schemas-microsoft-com:vml" Requires="v">
-                <p:oleObj spid="_x0000_s51234" name="Формула" r:id="rId11" imgW="1726920" imgH="266400" progId="Equation.3">
+                <p:oleObj spid="_x0000_s51294" name="Формула" r:id="rId11" imgW="1726920" imgH="266400" progId="Equation.3">
                   <p:embed/>
                 </p:oleObj>
               </mc:Choice>
@@ -35513,7 +35881,7 @@
                     </p:blipFill>
                     <p:spPr bwMode="auto">
                       <a:xfrm>
-                        <a:off x="304424" y="3771998"/>
+                        <a:off x="4079650" y="4496979"/>
                         <a:ext cx="1725613" cy="266700"/>
                       </a:xfrm>
                       <a:prstGeom prst="rect">
@@ -35559,7 +35927,7 @@
           <a:graphicData uri="http://schemas.openxmlformats.org/presentationml/2006/ole">
             <mc:AlternateContent xmlns:mc="http://schemas.openxmlformats.org/markup-compatibility/2006">
               <mc:Choice xmlns:v="urn:schemas-microsoft-com:vml" Requires="v">
-                <p:oleObj spid="_x0000_s51235" name="Формула" r:id="rId13" imgW="2044440" imgH="520560" progId="Equation.3">
+                <p:oleObj spid="_x0000_s51295" name="Формула" r:id="rId13" imgW="2044440" imgH="520560" progId="Equation.3">
                   <p:embed/>
                 </p:oleObj>
               </mc:Choice>
@@ -35629,7 +35997,7 @@
           <a:graphicData uri="http://schemas.openxmlformats.org/presentationml/2006/ole">
             <mc:AlternateContent xmlns:mc="http://schemas.openxmlformats.org/markup-compatibility/2006">
               <mc:Choice xmlns:v="urn:schemas-microsoft-com:vml" Requires="v">
-                <p:oleObj spid="_x0000_s51236" name="Формула" r:id="rId15" imgW="1041120" imgH="444240" progId="Equation.3">
+                <p:oleObj spid="_x0000_s51296" name="Формула" r:id="rId15" imgW="1041120" imgH="444240" progId="Equation.3">
                   <p:embed/>
                 </p:oleObj>
               </mc:Choice>
@@ -35699,7 +36067,7 @@
           <a:graphicData uri="http://schemas.openxmlformats.org/presentationml/2006/ole">
             <mc:AlternateContent xmlns:mc="http://schemas.openxmlformats.org/markup-compatibility/2006">
               <mc:Choice xmlns:v="urn:schemas-microsoft-com:vml" Requires="v">
-                <p:oleObj spid="_x0000_s51237" name="Формула" r:id="rId17" imgW="2501640" imgH="533160" progId="Equation.3">
+                <p:oleObj spid="_x0000_s51297" name="Формула" r:id="rId17" imgW="2501640" imgH="533160" progId="Equation.3">
                   <p:embed/>
                 </p:oleObj>
               </mc:Choice>
@@ -35757,7 +36125,7 @@
         </p:nvSpPr>
         <p:spPr bwMode="auto">
           <a:xfrm>
-            <a:off x="175875" y="3455638"/>
+            <a:off x="3951101" y="4180619"/>
             <a:ext cx="2792285" cy="276999"/>
           </a:xfrm>
           <a:prstGeom prst="rect">
@@ -36093,7 +36461,7 @@
         </p:nvSpPr>
         <p:spPr>
           <a:xfrm>
-            <a:off x="2966090" y="1020034"/>
+            <a:off x="2932405" y="2272822"/>
             <a:ext cx="468992" cy="276999"/>
           </a:xfrm>
           <a:prstGeom prst="rect">
@@ -36129,7 +36497,7 @@
         </p:nvSpPr>
         <p:spPr>
           <a:xfrm>
-            <a:off x="2942036" y="3757243"/>
+            <a:off x="6098747" y="4466557"/>
             <a:ext cx="475140" cy="276999"/>
           </a:xfrm>
           <a:prstGeom prst="rect">
@@ -36155,7 +36523,7 @@
                 <a:latin typeface="Times New Roman" pitchFamily="18" charset="0"/>
                 <a:cs typeface="Times New Roman" pitchFamily="18" charset="0"/>
               </a:rPr>
-              <a:t>11)</a:t>
+              <a:t>13)</a:t>
             </a:r>
             <a:endParaRPr lang="ru-RU" sz="1200" dirty="0">
               <a:latin typeface="Times New Roman" pitchFamily="18" charset="0"/>
@@ -36172,7 +36540,7 @@
         </p:nvSpPr>
         <p:spPr>
           <a:xfrm>
-            <a:off x="2942036" y="2040523"/>
+            <a:off x="2925935" y="3181900"/>
             <a:ext cx="475140" cy="276999"/>
           </a:xfrm>
           <a:prstGeom prst="rect">
@@ -36222,7 +36590,7 @@
         </p:nvSpPr>
         <p:spPr>
           <a:xfrm>
-            <a:off x="2935200" y="3095793"/>
+            <a:off x="2911500" y="3975660"/>
             <a:ext cx="475140" cy="276999"/>
           </a:xfrm>
           <a:prstGeom prst="rect">
@@ -36241,14 +36609,7 @@
                 <a:latin typeface="Times New Roman" pitchFamily="18" charset="0"/>
                 <a:cs typeface="Times New Roman" pitchFamily="18" charset="0"/>
               </a:rPr>
-              <a:t>(</a:t>
-            </a:r>
-            <a:r>
-              <a:rPr lang="ru-RU" sz="1200" dirty="0" smtClean="0">
-                <a:latin typeface="Times New Roman" pitchFamily="18" charset="0"/>
-                <a:cs typeface="Times New Roman" pitchFamily="18" charset="0"/>
-              </a:rPr>
-              <a:t>10)</a:t>
+              <a:t>(10)</a:t>
             </a:r>
             <a:endParaRPr lang="ru-RU" sz="1200" dirty="0">
               <a:latin typeface="Times New Roman" pitchFamily="18" charset="0"/>
@@ -36291,7 +36652,7 @@
                 <a:latin typeface="Times New Roman" pitchFamily="18" charset="0"/>
                 <a:cs typeface="Times New Roman" pitchFamily="18" charset="0"/>
               </a:rPr>
-              <a:t>13)</a:t>
+              <a:t>11)</a:t>
             </a:r>
             <a:endParaRPr lang="ru-RU" sz="1200" dirty="0">
               <a:latin typeface="Times New Roman" pitchFamily="18" charset="0"/>
@@ -36308,7 +36669,7 @@
         </p:nvSpPr>
         <p:spPr>
           <a:xfrm>
-            <a:off x="8565861" y="3768528"/>
+            <a:off x="8558894" y="3768598"/>
             <a:ext cx="475140" cy="276999"/>
           </a:xfrm>
           <a:prstGeom prst="rect">
@@ -36334,7 +36695,7 @@
                 <a:latin typeface="Times New Roman" pitchFamily="18" charset="0"/>
                 <a:cs typeface="Times New Roman" pitchFamily="18" charset="0"/>
               </a:rPr>
-              <a:t>14)</a:t>
+              <a:t>12)</a:t>
             </a:r>
             <a:endParaRPr lang="ru-RU" sz="1200" dirty="0">
               <a:latin typeface="Times New Roman" pitchFamily="18" charset="0"/>
@@ -36648,7 +37009,7 @@
           <a:graphicData uri="http://schemas.openxmlformats.org/presentationml/2006/ole">
             <mc:AlternateContent xmlns:mc="http://schemas.openxmlformats.org/markup-compatibility/2006">
               <mc:Choice xmlns:v="urn:schemas-microsoft-com:vml" Requires="v">
-                <p:oleObj spid="_x0000_s51238" name="Формула" r:id="rId19" imgW="698400" imgH="241200" progId="Equation.3">
+                <p:oleObj spid="_x0000_s51298" name="Формула" r:id="rId19" imgW="698400" imgH="241200" progId="Equation.3">
                   <p:embed/>
                 </p:oleObj>
               </mc:Choice>
@@ -36696,69 +37057,6 @@
           </a:graphicData>
         </a:graphic>
       </p:graphicFrame>
-      <p:sp>
-        <p:nvSpPr>
-          <p:cNvPr id="11" name="Rectangle 557"/>
-          <p:cNvSpPr>
-            <a:spLocks noChangeArrowheads="1"/>
-          </p:cNvSpPr>
-          <p:nvPr/>
-        </p:nvSpPr>
-        <p:spPr bwMode="auto">
-          <a:xfrm>
-            <a:off x="138564" y="3136074"/>
-            <a:ext cx="9144000" cy="0"/>
-          </a:xfrm>
-          <a:prstGeom prst="rect">
-            <a:avLst/>
-          </a:prstGeom>
-          <a:noFill/>
-          <a:ln>
-            <a:noFill/>
-          </a:ln>
-          <a:effectLst/>
-          <a:extLst>
-            <a:ext uri="{909E8E84-426E-40DD-AFC4-6F175D3DCCD1}">
-              <a14:hiddenFill xmlns:a14="http://schemas.microsoft.com/office/drawing/2010/main">
-                <a:solidFill>
-                  <a:schemeClr val="accent1"/>
-                </a:solidFill>
-              </a14:hiddenFill>
-            </a:ext>
-            <a:ext uri="{91240B29-F687-4F45-9708-019B960494DF}">
-              <a14:hiddenLine xmlns:a14="http://schemas.microsoft.com/office/drawing/2010/main" w="9525">
-                <a:solidFill>
-                  <a:schemeClr val="tx1"/>
-                </a:solidFill>
-                <a:miter lim="800000"/>
-                <a:headEnd/>
-                <a:tailEnd/>
-              </a14:hiddenLine>
-            </a:ext>
-            <a:ext uri="{AF507438-7753-43E0-B8FC-AC1667EBCBE1}">
-              <a14:hiddenEffects xmlns:a14="http://schemas.microsoft.com/office/drawing/2010/main">
-                <a:effectLst>
-                  <a:outerShdw dist="35921" dir="2700000" algn="ctr" rotWithShape="0">
-                    <a:schemeClr val="bg2"/>
-                  </a:outerShdw>
-                </a:effectLst>
-              </a14:hiddenEffects>
-            </a:ext>
-          </a:extLst>
-        </p:spPr>
-        <p:txBody>
-          <a:bodyPr vert="horz" wrap="none" lIns="91440" tIns="45720" rIns="91440" bIns="45720" numCol="1" anchor="ctr" anchorCtr="0" compatLnSpc="1">
-            <a:prstTxWarp prst="textNoShape">
-              <a:avLst/>
-            </a:prstTxWarp>
-            <a:spAutoFit/>
-          </a:bodyPr>
-          <a:lstStyle/>
-          <a:p>
-            <a:endParaRPr lang="ru-RU"/>
-          </a:p>
-        </p:txBody>
-      </p:sp>
       <p:graphicFrame>
         <p:nvGraphicFramePr>
           <p:cNvPr id="18" name="Объект 17"/>
@@ -36768,20 +37066,20 @@
           <p:nvPr>
             <p:extLst>
               <p:ext uri="{D42A27DB-BD31-4B8C-83A1-F6EECF244321}">
-                <p14:modId xmlns:p14="http://schemas.microsoft.com/office/powerpoint/2010/main" val="1087023261"/>
+                <p14:modId xmlns:p14="http://schemas.microsoft.com/office/powerpoint/2010/main" val="3668482186"/>
               </p:ext>
             </p:extLst>
           </p:nvPr>
         </p:nvGraphicFramePr>
         <p:xfrm>
-          <a:off x="305318" y="4493917"/>
+          <a:off x="7341723" y="4467100"/>
           <a:ext cx="825500" cy="330200"/>
         </p:xfrm>
         <a:graphic>
           <a:graphicData uri="http://schemas.openxmlformats.org/presentationml/2006/ole">
             <mc:AlternateContent xmlns:mc="http://schemas.openxmlformats.org/markup-compatibility/2006">
               <mc:Choice xmlns:v="urn:schemas-microsoft-com:vml" Requires="v">
-                <p:oleObj spid="_x0000_s51239" name="Формула" r:id="rId21" imgW="825480" imgH="330120" progId="Equation.3">
+                <p:oleObj spid="_x0000_s51299" name="Формула" r:id="rId21" imgW="825480" imgH="330120" progId="Equation.3">
                   <p:embed/>
                 </p:oleObj>
               </mc:Choice>
@@ -36805,7 +37103,7 @@
                     </p:blipFill>
                     <p:spPr bwMode="auto">
                       <a:xfrm>
-                        <a:off x="305318" y="4493917"/>
+                        <a:off x="7341723" y="4467100"/>
                         <a:ext cx="825500" cy="330200"/>
                       </a:xfrm>
                       <a:prstGeom prst="rect">
@@ -36839,7 +37137,7 @@
         </p:nvSpPr>
         <p:spPr bwMode="auto">
           <a:xfrm>
-            <a:off x="179858" y="4123978"/>
+            <a:off x="6522244" y="4152801"/>
             <a:ext cx="2844019" cy="276999"/>
           </a:xfrm>
           <a:prstGeom prst="rect">
@@ -36956,7 +37254,7 @@
         </p:nvSpPr>
         <p:spPr>
           <a:xfrm>
-            <a:off x="2937330" y="4527126"/>
+            <a:off x="8523097" y="4486680"/>
             <a:ext cx="475140" cy="276999"/>
           </a:xfrm>
           <a:prstGeom prst="rect">
@@ -36982,7 +37280,7 @@
                 <a:latin typeface="Times New Roman" pitchFamily="18" charset="0"/>
                 <a:cs typeface="Times New Roman" pitchFamily="18" charset="0"/>
               </a:rPr>
-              <a:t>12)</a:t>
+              <a:t>14)</a:t>
             </a:r>
             <a:endParaRPr lang="ru-RU" sz="1200" dirty="0">
               <a:latin typeface="Times New Roman" pitchFamily="18" charset="0"/>
@@ -36999,8 +37297,8 @@
         </p:nvSpPr>
         <p:spPr>
           <a:xfrm>
-            <a:off x="3592328" y="4172245"/>
-            <a:ext cx="5448673" cy="723275"/>
+            <a:off x="138564" y="802661"/>
+            <a:ext cx="4387558" cy="1061829"/>
           </a:xfrm>
           <a:prstGeom prst="rect">
             <a:avLst/>
@@ -37018,7 +37316,7 @@
               </a:spcAft>
             </a:pPr>
             <a:r>
-              <a:rPr lang="ru-RU" sz="1200" dirty="0">
+              <a:rPr lang="ru-RU" sz="1200" b="1" dirty="0">
                 <a:latin typeface="Times New Roman" panose="02020603050405020304" pitchFamily="18" charset="0"/>
                 <a:ea typeface="Calibri" panose="020F0502020204030204" pitchFamily="34" charset="0"/>
                 <a:cs typeface="Times New Roman" panose="02020603050405020304" pitchFamily="18" charset="0"/>
@@ -37026,7 +37324,7 @@
               <a:t>Основные </a:t>
             </a:r>
             <a:r>
-              <a:rPr lang="ru-RU" sz="1200" dirty="0" smtClean="0">
+              <a:rPr lang="ru-RU" sz="1200" b="1" dirty="0" smtClean="0">
                 <a:solidFill>
                   <a:srgbClr val="292929"/>
                 </a:solidFill>
@@ -37037,7 +37335,7 @@
               <a:t>допущения</a:t>
             </a:r>
             <a:r>
-              <a:rPr lang="en-US" sz="1200" dirty="0" smtClean="0">
+              <a:rPr lang="en-US" sz="1200" b="1" dirty="0" smtClean="0">
                 <a:solidFill>
                   <a:srgbClr val="292929"/>
                 </a:solidFill>
@@ -37048,7 +37346,7 @@
               <a:t> </a:t>
             </a:r>
             <a:r>
-              <a:rPr lang="ru-RU" sz="1200" dirty="0" smtClean="0">
+              <a:rPr lang="ru-RU" sz="1200" b="1" dirty="0" smtClean="0">
                 <a:solidFill>
                   <a:srgbClr val="292929"/>
                 </a:solidFill>
@@ -37098,7 +37396,25 @@
                 <a:latin typeface="Times New Roman" panose="02020603050405020304" pitchFamily="18" charset="0"/>
                 <a:cs typeface="Times New Roman" panose="02020603050405020304" pitchFamily="18" charset="0"/>
               </a:rPr>
-              <a:t>; 2</a:t>
+              <a:t>; </a:t>
+            </a:r>
+            <a:endParaRPr lang="ru-RU" sz="1200" dirty="0" smtClean="0">
+              <a:latin typeface="Times New Roman" panose="02020603050405020304" pitchFamily="18" charset="0"/>
+              <a:cs typeface="Times New Roman" panose="02020603050405020304" pitchFamily="18" charset="0"/>
+            </a:endParaRPr>
+          </a:p>
+          <a:p>
+            <a:pPr algn="just">
+              <a:spcAft>
+                <a:spcPts val="600"/>
+              </a:spcAft>
+            </a:pPr>
+            <a:r>
+              <a:rPr lang="en-US" sz="1200" dirty="0" smtClean="0">
+                <a:latin typeface="Times New Roman" panose="02020603050405020304" pitchFamily="18" charset="0"/>
+                <a:cs typeface="Times New Roman" panose="02020603050405020304" pitchFamily="18" charset="0"/>
+              </a:rPr>
+              <a:t>2</a:t>
             </a:r>
             <a:r>
               <a:rPr lang="en-US" sz="1200" dirty="0">
@@ -37121,19 +37437,23 @@
               </a:rPr>
               <a:t>;</a:t>
             </a:r>
-            <a:r>
-              <a:rPr lang="en-US" sz="1200" dirty="0">
-                <a:latin typeface="Times New Roman" panose="02020603050405020304" pitchFamily="18" charset="0"/>
-                <a:cs typeface="Times New Roman" panose="02020603050405020304" pitchFamily="18" charset="0"/>
-              </a:rPr>
-              <a:t> </a:t>
-            </a:r>
+            <a:endParaRPr lang="ru-RU" sz="1200" dirty="0">
+              <a:latin typeface="Times New Roman" panose="02020603050405020304" pitchFamily="18" charset="0"/>
+              <a:cs typeface="Times New Roman" panose="02020603050405020304" pitchFamily="18" charset="0"/>
+            </a:endParaRPr>
+          </a:p>
+          <a:p>
+            <a:pPr algn="just">
+              <a:spcAft>
+                <a:spcPts val="600"/>
+              </a:spcAft>
+            </a:pPr>
             <a:r>
               <a:rPr lang="ru-RU" sz="1200" dirty="0" smtClean="0">
                 <a:latin typeface="Times New Roman" panose="02020603050405020304" pitchFamily="18" charset="0"/>
                 <a:cs typeface="Times New Roman" panose="02020603050405020304" pitchFamily="18" charset="0"/>
               </a:rPr>
-              <a:t>                        3</a:t>
+              <a:t>3</a:t>
             </a:r>
             <a:r>
               <a:rPr lang="ru-RU" sz="1200" dirty="0">
@@ -37644,8 +37964,15 @@
                 <a:latin typeface="Times New Roman" panose="02020603050405020304" pitchFamily="18" charset="0"/>
                 <a:cs typeface="Times New Roman" panose="02020603050405020304" pitchFamily="18" charset="0"/>
               </a:rPr>
-              <a:t>«Исследование пределов повышения дальности стрельбы активно-реактивным снарядом»</a:t>
-            </a:r>
+              <a:t>«Повышение дальности стрельбы активно-реактивным снарядом на основе математического моделирования…»</a:t>
+            </a:r>
+            <a:endParaRPr lang="ru-RU" sz="1100" dirty="0">
+              <a:solidFill>
+                <a:schemeClr val="tx1"/>
+              </a:solidFill>
+              <a:latin typeface="Times New Roman" panose="02020603050405020304" pitchFamily="18" charset="0"/>
+              <a:cs typeface="Times New Roman" panose="02020603050405020304" pitchFamily="18" charset="0"/>
+            </a:endParaRPr>
           </a:p>
         </p:txBody>
       </p:sp>
@@ -38029,7 +38356,7 @@
         </p:nvSpPr>
         <p:spPr>
           <a:xfrm>
-            <a:off x="3984668" y="2881315"/>
+            <a:off x="3984668" y="2986831"/>
             <a:ext cx="2948341" cy="400110"/>
           </a:xfrm>
           <a:prstGeom prst="rect">
@@ -38049,35 +38376,21 @@
                 <a:latin typeface="Times New Roman" pitchFamily="18" charset="0"/>
                 <a:cs typeface="Times New Roman" pitchFamily="18" charset="0"/>
               </a:rPr>
-              <a:t>Рисунок </a:t>
+              <a:t>Рисунок 1</a:t>
+            </a:r>
+            <a:r>
+              <a:rPr lang="ru-RU" sz="1000" dirty="0">
+                <a:latin typeface="Times New Roman" pitchFamily="18" charset="0"/>
+                <a:cs typeface="Times New Roman" pitchFamily="18" charset="0"/>
+              </a:rPr>
+              <a:t>1</a:t>
             </a:r>
             <a:r>
               <a:rPr lang="ru-RU" sz="1000" dirty="0" smtClean="0">
                 <a:latin typeface="Times New Roman" pitchFamily="18" charset="0"/>
                 <a:cs typeface="Times New Roman" pitchFamily="18" charset="0"/>
               </a:rPr>
-              <a:t>1</a:t>
-            </a:r>
-            <a:r>
-              <a:rPr lang="ru-RU" sz="1000" dirty="0">
-                <a:latin typeface="Times New Roman" pitchFamily="18" charset="0"/>
-                <a:cs typeface="Times New Roman" pitchFamily="18" charset="0"/>
-              </a:rPr>
-              <a:t>1</a:t>
-            </a:r>
-            <a:r>
-              <a:rPr lang="ru-RU" sz="1000" dirty="0" smtClean="0">
-                <a:latin typeface="Times New Roman" pitchFamily="18" charset="0"/>
-                <a:cs typeface="Times New Roman" pitchFamily="18" charset="0"/>
-              </a:rPr>
-              <a:t> </a:t>
-            </a:r>
-            <a:r>
-              <a:rPr lang="ru-RU" sz="1000" dirty="0" smtClean="0">
-                <a:latin typeface="Times New Roman" pitchFamily="18" charset="0"/>
-                <a:cs typeface="Times New Roman" pitchFamily="18" charset="0"/>
-              </a:rPr>
-              <a:t>– Сечение сопла с ребрами на внутренней поверхности</a:t>
+              <a:t> – Сечение сопла с ребрами на внутренней поверхности</a:t>
             </a:r>
             <a:endParaRPr lang="ru-RU" sz="1000" dirty="0"/>
           </a:p>
@@ -38091,7 +38404,7 @@
         </p:nvSpPr>
         <p:spPr>
           <a:xfrm>
-            <a:off x="6459344" y="2892626"/>
+            <a:off x="6459344" y="2998142"/>
             <a:ext cx="2948341" cy="400110"/>
           </a:xfrm>
           <a:prstGeom prst="rect">
@@ -38111,35 +38424,21 @@
                 <a:latin typeface="Times New Roman" pitchFamily="18" charset="0"/>
                 <a:cs typeface="Times New Roman" pitchFamily="18" charset="0"/>
               </a:rPr>
-              <a:t>Рисунок </a:t>
+              <a:t>Рисунок 1</a:t>
+            </a:r>
+            <a:r>
+              <a:rPr lang="ru-RU" sz="1000" dirty="0">
+                <a:latin typeface="Times New Roman" pitchFamily="18" charset="0"/>
+                <a:cs typeface="Times New Roman" pitchFamily="18" charset="0"/>
+              </a:rPr>
+              <a:t>2</a:t>
             </a:r>
             <a:r>
               <a:rPr lang="ru-RU" sz="1000" dirty="0" smtClean="0">
                 <a:latin typeface="Times New Roman" pitchFamily="18" charset="0"/>
                 <a:cs typeface="Times New Roman" pitchFamily="18" charset="0"/>
               </a:rPr>
-              <a:t>1</a:t>
-            </a:r>
-            <a:r>
-              <a:rPr lang="ru-RU" sz="1000" dirty="0">
-                <a:latin typeface="Times New Roman" pitchFamily="18" charset="0"/>
-                <a:cs typeface="Times New Roman" pitchFamily="18" charset="0"/>
-              </a:rPr>
-              <a:t>2</a:t>
-            </a:r>
-            <a:r>
-              <a:rPr lang="ru-RU" sz="1000" dirty="0" smtClean="0">
-                <a:latin typeface="Times New Roman" pitchFamily="18" charset="0"/>
-                <a:cs typeface="Times New Roman" pitchFamily="18" charset="0"/>
-              </a:rPr>
-              <a:t> </a:t>
-            </a:r>
-            <a:r>
-              <a:rPr lang="ru-RU" sz="1000" dirty="0" smtClean="0">
-                <a:latin typeface="Times New Roman" pitchFamily="18" charset="0"/>
-                <a:cs typeface="Times New Roman" pitchFamily="18" charset="0"/>
-              </a:rPr>
-              <a:t>– Ребра на внутренней</a:t>
+              <a:t> – Ребра на внутренней</a:t>
             </a:r>
           </a:p>
           <a:p>
@@ -38163,7 +38462,7 @@
         </p:nvSpPr>
         <p:spPr>
           <a:xfrm>
-            <a:off x="1800011" y="4095477"/>
+            <a:off x="2440871" y="4268816"/>
             <a:ext cx="475140" cy="276999"/>
           </a:xfrm>
           <a:prstGeom prst="rect">
@@ -38182,14 +38481,7 @@
                 <a:latin typeface="Times New Roman" pitchFamily="18" charset="0"/>
                 <a:cs typeface="Times New Roman" pitchFamily="18" charset="0"/>
               </a:rPr>
-              <a:t>(</a:t>
-            </a:r>
-            <a:r>
-              <a:rPr lang="ru-RU" sz="1200" dirty="0" smtClean="0">
-                <a:latin typeface="Times New Roman" pitchFamily="18" charset="0"/>
-                <a:cs typeface="Times New Roman" pitchFamily="18" charset="0"/>
-              </a:rPr>
-              <a:t>15)</a:t>
+              <a:t>(15)</a:t>
             </a:r>
             <a:endParaRPr lang="ru-RU" sz="1200" dirty="0">
               <a:latin typeface="Times New Roman" pitchFamily="18" charset="0"/>
@@ -38207,20 +38499,20 @@
           <p:nvPr>
             <p:extLst>
               <p:ext uri="{D42A27DB-BD31-4B8C-83A1-F6EECF244321}">
-                <p14:modId xmlns:p14="http://schemas.microsoft.com/office/powerpoint/2010/main" val="828479263"/>
+                <p14:modId xmlns:p14="http://schemas.microsoft.com/office/powerpoint/2010/main" val="2394383194"/>
               </p:ext>
             </p:extLst>
           </p:nvPr>
         </p:nvGraphicFramePr>
         <p:xfrm>
-          <a:off x="5988041" y="4131404"/>
+          <a:off x="6019115" y="4315089"/>
           <a:ext cx="1268413" cy="193675"/>
         </p:xfrm>
         <a:graphic>
           <a:graphicData uri="http://schemas.openxmlformats.org/presentationml/2006/ole">
             <mc:AlternateContent xmlns:mc="http://schemas.openxmlformats.org/markup-compatibility/2006">
               <mc:Choice xmlns:v="urn:schemas-microsoft-com:vml" Requires="v">
-                <p:oleObj spid="_x0000_s45719" name="Формула" r:id="rId3" imgW="1409400" imgH="215640" progId="Equation.3">
+                <p:oleObj spid="_x0000_s45727" name="Формула" r:id="rId3" imgW="1409400" imgH="215640" progId="Equation.3">
                   <p:embed/>
                 </p:oleObj>
               </mc:Choice>
@@ -38241,7 +38533,7 @@
                     </p:blipFill>
                     <p:spPr>
                       <a:xfrm>
-                        <a:off x="5988041" y="4131404"/>
+                        <a:off x="6019115" y="4315089"/>
                         <a:ext cx="1268413" cy="193675"/>
                       </a:xfrm>
                       <a:prstGeom prst="rect">
@@ -38264,20 +38556,20 @@
           <p:nvPr>
             <p:extLst>
               <p:ext uri="{D42A27DB-BD31-4B8C-83A1-F6EECF244321}">
-                <p14:modId xmlns:p14="http://schemas.microsoft.com/office/powerpoint/2010/main" val="3890105964"/>
+                <p14:modId xmlns:p14="http://schemas.microsoft.com/office/powerpoint/2010/main" val="3902473654"/>
               </p:ext>
             </p:extLst>
           </p:nvPr>
         </p:nvGraphicFramePr>
         <p:xfrm>
-          <a:off x="624413" y="4156311"/>
+          <a:off x="1265273" y="4329650"/>
           <a:ext cx="969962" cy="215900"/>
         </p:xfrm>
         <a:graphic>
           <a:graphicData uri="http://schemas.openxmlformats.org/presentationml/2006/ole">
             <mc:AlternateContent xmlns:mc="http://schemas.openxmlformats.org/markup-compatibility/2006">
               <mc:Choice xmlns:v="urn:schemas-microsoft-com:vml" Requires="v">
-                <p:oleObj spid="_x0000_s45720" name="Формула" r:id="rId5" imgW="1079280" imgH="241200" progId="Equation.3">
+                <p:oleObj spid="_x0000_s45728" name="Формула" r:id="rId5" imgW="1079280" imgH="241200" progId="Equation.3">
                   <p:embed/>
                 </p:oleObj>
               </mc:Choice>
@@ -38298,7 +38590,7 @@
                     </p:blipFill>
                     <p:spPr>
                       <a:xfrm>
-                        <a:off x="624413" y="4156311"/>
+                        <a:off x="1265273" y="4329650"/>
                         <a:ext cx="969962" cy="215900"/>
                       </a:xfrm>
                       <a:prstGeom prst="rect">
@@ -38320,7 +38612,7 @@
         </p:nvSpPr>
         <p:spPr>
           <a:xfrm>
-            <a:off x="84137" y="3733919"/>
+            <a:off x="867582" y="3965520"/>
             <a:ext cx="2191014" cy="323165"/>
           </a:xfrm>
           <a:prstGeom prst="rect">
@@ -38362,7 +38654,7 @@
         </p:nvSpPr>
         <p:spPr>
           <a:xfrm>
-            <a:off x="4424163" y="3716874"/>
+            <a:off x="4432214" y="3982967"/>
             <a:ext cx="4507619" cy="323165"/>
           </a:xfrm>
           <a:prstGeom prst="rect">
@@ -38414,13 +38706,13 @@
       </p:sp>
       <p:sp>
         <p:nvSpPr>
-          <p:cNvPr id="58" name="TextBox 57"/>
+          <p:cNvPr id="59" name="TextBox 58"/>
           <p:cNvSpPr txBox="1"/>
           <p:nvPr/>
         </p:nvSpPr>
         <p:spPr>
           <a:xfrm>
-            <a:off x="3984668" y="4091722"/>
+            <a:off x="8641267" y="4281012"/>
             <a:ext cx="475140" cy="276999"/>
           </a:xfrm>
           <a:prstGeom prst="rect">
@@ -38447,49 +38739,6 @@
                 <a:cs typeface="Times New Roman" pitchFamily="18" charset="0"/>
               </a:rPr>
               <a:t>16)</a:t>
-            </a:r>
-            <a:endParaRPr lang="ru-RU" sz="1200" dirty="0">
-              <a:latin typeface="Times New Roman" pitchFamily="18" charset="0"/>
-              <a:cs typeface="Times New Roman" pitchFamily="18" charset="0"/>
-            </a:endParaRPr>
-          </a:p>
-        </p:txBody>
-      </p:sp>
-      <p:sp>
-        <p:nvSpPr>
-          <p:cNvPr id="59" name="TextBox 58"/>
-          <p:cNvSpPr txBox="1"/>
-          <p:nvPr/>
-        </p:nvSpPr>
-        <p:spPr>
-          <a:xfrm>
-            <a:off x="8634371" y="4097040"/>
-            <a:ext cx="475140" cy="276999"/>
-          </a:xfrm>
-          <a:prstGeom prst="rect">
-            <a:avLst/>
-          </a:prstGeom>
-          <a:noFill/>
-        </p:spPr>
-        <p:txBody>
-          <a:bodyPr wrap="square" rtlCol="0">
-            <a:spAutoFit/>
-          </a:bodyPr>
-          <a:lstStyle/>
-          <a:p>
-            <a:r>
-              <a:rPr lang="ru-RU" sz="1200" dirty="0" smtClean="0">
-                <a:latin typeface="Times New Roman" pitchFamily="18" charset="0"/>
-                <a:cs typeface="Times New Roman" pitchFamily="18" charset="0"/>
-              </a:rPr>
-              <a:t>(</a:t>
-            </a:r>
-            <a:r>
-              <a:rPr lang="ru-RU" sz="1200" dirty="0" smtClean="0">
-                <a:latin typeface="Times New Roman" pitchFamily="18" charset="0"/>
-                <a:cs typeface="Times New Roman" pitchFamily="18" charset="0"/>
-              </a:rPr>
-              <a:t>17)</a:t>
             </a:r>
             <a:endParaRPr lang="ru-RU" sz="1200" dirty="0">
               <a:latin typeface="Times New Roman" pitchFamily="18" charset="0"/>
@@ -38789,7 +39038,7 @@
         </p:blipFill>
         <p:spPr>
           <a:xfrm>
-            <a:off x="4506647" y="913834"/>
+            <a:off x="4506647" y="1019350"/>
             <a:ext cx="1939202" cy="1973660"/>
           </a:xfrm>
           <a:prstGeom prst="rect">
@@ -38813,7 +39062,7 @@
         </p:blipFill>
         <p:spPr>
           <a:xfrm>
-            <a:off x="6999433" y="1045975"/>
+            <a:off x="6999433" y="1151491"/>
             <a:ext cx="1940400" cy="1875886"/>
           </a:xfrm>
           <a:prstGeom prst="rect">
@@ -38832,13 +39081,13 @@
               <p:nvPr>
                 <p:extLst>
                   <p:ext uri="{D42A27DB-BD31-4B8C-83A1-F6EECF244321}">
-                    <p14:modId xmlns:p14="http://schemas.microsoft.com/office/powerpoint/2010/main" val="2490254939"/>
+                    <p14:modId xmlns:p14="http://schemas.microsoft.com/office/powerpoint/2010/main" val="2598232210"/>
                   </p:ext>
                 </p:extLst>
               </p:nvPr>
             </p:nvGraphicFramePr>
             <p:xfrm>
-              <a:off x="203876" y="1045975"/>
+              <a:off x="203876" y="1151491"/>
               <a:ext cx="3699612" cy="2621280"/>
             </p:xfrm>
             <a:graphic>
@@ -38848,8 +39097,20 @@
                     <a:tableStyleId>{5940675A-B579-460E-94D1-54222C63F5DA}</a:tableStyleId>
                   </a:tblPr>
                   <a:tblGrid>
-                    <a:gridCol w="2307912"/>
-                    <a:gridCol w="1391700"/>
+                    <a:gridCol w="2307912">
+                      <a:extLst>
+                        <a:ext uri="{9D8B030D-6E8A-4147-A177-3AD203B41FA5}">
+                          <a16:colId xmlns:a16="http://schemas.microsoft.com/office/drawing/2014/main" val="20000"/>
+                        </a:ext>
+                      </a:extLst>
+                    </a:gridCol>
+                    <a:gridCol w="1391700">
+                      <a:extLst>
+                        <a:ext uri="{9D8B030D-6E8A-4147-A177-3AD203B41FA5}">
+                          <a16:colId xmlns:a16="http://schemas.microsoft.com/office/drawing/2014/main" val="20001"/>
+                        </a:ext>
+                      </a:extLst>
+                    </a:gridCol>
                   </a:tblGrid>
                   <a:tr h="370840">
                     <a:tc>
@@ -38894,6 +39155,11 @@
                       </a:txBody>
                       <a:tcPr/>
                     </a:tc>
+                    <a:extLst>
+                      <a:ext uri="{0D108BD9-81ED-4DB2-BD59-A6C34878D82A}">
+                        <a16:rowId xmlns:a16="http://schemas.microsoft.com/office/drawing/2014/main" val="10000"/>
+                      </a:ext>
+                    </a:extLst>
                   </a:tr>
                   <a:tr h="370840">
                     <a:tc>
@@ -38964,6 +39230,11 @@
                       </a:txBody>
                       <a:tcPr/>
                     </a:tc>
+                    <a:extLst>
+                      <a:ext uri="{0D108BD9-81ED-4DB2-BD59-A6C34878D82A}">
+                        <a16:rowId xmlns:a16="http://schemas.microsoft.com/office/drawing/2014/main" val="10001"/>
+                      </a:ext>
+                    </a:extLst>
                   </a:tr>
                   <a:tr h="370840">
                     <a:tc>
@@ -39044,6 +39315,11 @@
                       </a:txBody>
                       <a:tcPr/>
                     </a:tc>
+                    <a:extLst>
+                      <a:ext uri="{0D108BD9-81ED-4DB2-BD59-A6C34878D82A}">
+                        <a16:rowId xmlns:a16="http://schemas.microsoft.com/office/drawing/2014/main" val="10002"/>
+                      </a:ext>
+                    </a:extLst>
                   </a:tr>
                   <a:tr h="370840">
                     <a:tc>
@@ -39130,14 +39406,7 @@
                               <a:latin typeface="Times New Roman" panose="02020603050405020304" pitchFamily="18" charset="0"/>
                               <a:cs typeface="Times New Roman" panose="02020603050405020304" pitchFamily="18" charset="0"/>
                             </a:rPr>
-                            <a:t>0,00785 </a:t>
-                          </a:r>
-                          <a:r>
-                            <a:rPr lang="ru-RU" sz="1000" dirty="0" smtClean="0">
-                              <a:latin typeface="Times New Roman" panose="02020603050405020304" pitchFamily="18" charset="0"/>
-                              <a:cs typeface="Times New Roman" panose="02020603050405020304" pitchFamily="18" charset="0"/>
-                            </a:rPr>
-                            <a:t>м²</a:t>
+                            <a:t>0,00785 м²</a:t>
                           </a:r>
                           <a:endParaRPr lang="ru-RU" sz="1000" dirty="0">
                             <a:latin typeface="Times New Roman" panose="02020603050405020304" pitchFamily="18" charset="0"/>
@@ -39147,6 +39416,11 @@
                       </a:txBody>
                       <a:tcPr/>
                     </a:tc>
+                    <a:extLst>
+                      <a:ext uri="{0D108BD9-81ED-4DB2-BD59-A6C34878D82A}">
+                        <a16:rowId xmlns:a16="http://schemas.microsoft.com/office/drawing/2014/main" val="10003"/>
+                      </a:ext>
+                    </a:extLst>
                   </a:tr>
                   <a:tr h="370840">
                     <a:tc>
@@ -39200,6 +39474,11 @@
                       </a:txBody>
                       <a:tcPr/>
                     </a:tc>
+                    <a:extLst>
+                      <a:ext uri="{0D108BD9-81ED-4DB2-BD59-A6C34878D82A}">
+                        <a16:rowId xmlns:a16="http://schemas.microsoft.com/office/drawing/2014/main" val="10004"/>
+                      </a:ext>
+                    </a:extLst>
                   </a:tr>
                   <a:tr h="370840">
                     <a:tc>
@@ -39299,14 +39578,7 @@
                               <a:latin typeface="Times New Roman" panose="02020603050405020304" pitchFamily="18" charset="0"/>
                               <a:cs typeface="Times New Roman" panose="02020603050405020304" pitchFamily="18" charset="0"/>
                             </a:rPr>
-                            <a:t> </a:t>
-                          </a:r>
-                          <a:r>
-                            <a:rPr lang="ru-RU" sz="1000" baseline="0" dirty="0" smtClean="0">
-                              <a:latin typeface="Times New Roman" panose="02020603050405020304" pitchFamily="18" charset="0"/>
-                              <a:cs typeface="Times New Roman" panose="02020603050405020304" pitchFamily="18" charset="0"/>
-                            </a:rPr>
-                            <a:t>м.</a:t>
+                            <a:t> м.</a:t>
                           </a:r>
                           <a:endParaRPr lang="ru-RU" sz="1000" dirty="0">
                             <a:latin typeface="Times New Roman" panose="02020603050405020304" pitchFamily="18" charset="0"/>
@@ -39316,6 +39588,11 @@
                       </a:txBody>
                       <a:tcPr/>
                     </a:tc>
+                    <a:extLst>
+                      <a:ext uri="{0D108BD9-81ED-4DB2-BD59-A6C34878D82A}">
+                        <a16:rowId xmlns:a16="http://schemas.microsoft.com/office/drawing/2014/main" val="10005"/>
+                      </a:ext>
+                    </a:extLst>
                   </a:tr>
                   <a:tr h="370840">
                     <a:tc>
@@ -39367,6 +39644,11 @@
                       </a:txBody>
                       <a:tcPr/>
                     </a:tc>
+                    <a:extLst>
+                      <a:ext uri="{0D108BD9-81ED-4DB2-BD59-A6C34878D82A}">
+                        <a16:rowId xmlns:a16="http://schemas.microsoft.com/office/drawing/2014/main" val="10006"/>
+                      </a:ext>
+                    </a:extLst>
                   </a:tr>
                 </a:tbl>
               </a:graphicData>
@@ -39383,13 +39665,13 @@
               <p:nvPr>
                 <p:extLst>
                   <p:ext uri="{D42A27DB-BD31-4B8C-83A1-F6EECF244321}">
-                    <p14:modId xmlns:p14="http://schemas.microsoft.com/office/powerpoint/2010/main" val="2490254939"/>
+                    <p14:modId xmlns:p14="http://schemas.microsoft.com/office/powerpoint/2010/main" val="2598232210"/>
                   </p:ext>
                 </p:extLst>
               </p:nvPr>
             </p:nvGraphicFramePr>
             <p:xfrm>
-              <a:off x="203876" y="1045975"/>
+              <a:off x="203876" y="1151491"/>
               <a:ext cx="3699612" cy="2621280"/>
             </p:xfrm>
             <a:graphic>
@@ -39399,8 +39681,20 @@
                     <a:tableStyleId>{5940675A-B579-460E-94D1-54222C63F5DA}</a:tableStyleId>
                   </a:tblPr>
                   <a:tblGrid>
-                    <a:gridCol w="2307912"/>
-                    <a:gridCol w="1391700"/>
+                    <a:gridCol w="2307912">
+                      <a:extLst>
+                        <a:ext uri="{9D8B030D-6E8A-4147-A177-3AD203B41FA5}">
+                          <a16:colId xmlns:a16="http://schemas.microsoft.com/office/drawing/2014/main" val="20000"/>
+                        </a:ext>
+                      </a:extLst>
+                    </a:gridCol>
+                    <a:gridCol w="1391700">
+                      <a:extLst>
+                        <a:ext uri="{9D8B030D-6E8A-4147-A177-3AD203B41FA5}">
+                          <a16:colId xmlns:a16="http://schemas.microsoft.com/office/drawing/2014/main" val="20001"/>
+                        </a:ext>
+                      </a:extLst>
+                    </a:gridCol>
                   </a:tblGrid>
                   <a:tr h="370840">
                     <a:tc>
@@ -39445,6 +39739,11 @@
                       </a:txBody>
                       <a:tcPr/>
                     </a:tc>
+                    <a:extLst>
+                      <a:ext uri="{0D108BD9-81ED-4DB2-BD59-A6C34878D82A}">
+                        <a16:rowId xmlns:a16="http://schemas.microsoft.com/office/drawing/2014/main" val="10000"/>
+                      </a:ext>
+                    </a:extLst>
                   </a:tr>
                   <a:tr h="396240">
                     <a:tc>
@@ -39515,6 +39814,11 @@
                       </a:txBody>
                       <a:tcPr/>
                     </a:tc>
+                    <a:extLst>
+                      <a:ext uri="{0D108BD9-81ED-4DB2-BD59-A6C34878D82A}">
+                        <a16:rowId xmlns:a16="http://schemas.microsoft.com/office/drawing/2014/main" val="10001"/>
+                      </a:ext>
+                    </a:extLst>
                   </a:tr>
                   <a:tr h="370840">
                     <a:tc>
@@ -39526,7 +39830,7 @@
                         </a:p>
                       </a:txBody>
                       <a:tcPr>
-                        <a:blipFill rotWithShape="0">
+                        <a:blipFill>
                           <a:blip r:embed="rId9"/>
                           <a:stretch>
                             <a:fillRect l="-264" t="-208197" r="-60950" b="-403279"/>
@@ -39555,6 +39859,11 @@
                       </a:txBody>
                       <a:tcPr/>
                     </a:tc>
+                    <a:extLst>
+                      <a:ext uri="{0D108BD9-81ED-4DB2-BD59-A6C34878D82A}">
+                        <a16:rowId xmlns:a16="http://schemas.microsoft.com/office/drawing/2014/main" val="10002"/>
+                      </a:ext>
+                    </a:extLst>
                   </a:tr>
                   <a:tr h="370840">
                     <a:tc>
@@ -39566,7 +39875,7 @@
                         </a:p>
                       </a:txBody>
                       <a:tcPr>
-                        <a:blipFill rotWithShape="0">
+                        <a:blipFill>
                           <a:blip r:embed="rId9"/>
                           <a:stretch>
                             <a:fillRect l="-264" t="-308197" r="-60950" b="-303279"/>
@@ -39585,14 +39894,7 @@
                               <a:latin typeface="Times New Roman" panose="02020603050405020304" pitchFamily="18" charset="0"/>
                               <a:cs typeface="Times New Roman" panose="02020603050405020304" pitchFamily="18" charset="0"/>
                             </a:rPr>
-                            <a:t>0,00785 </a:t>
-                          </a:r>
-                          <a:r>
-                            <a:rPr lang="ru-RU" sz="1000" dirty="0" smtClean="0">
-                              <a:latin typeface="Times New Roman" panose="02020603050405020304" pitchFamily="18" charset="0"/>
-                              <a:cs typeface="Times New Roman" panose="02020603050405020304" pitchFamily="18" charset="0"/>
-                            </a:rPr>
-                            <a:t>м²</a:t>
+                            <a:t>0,00785 м²</a:t>
                           </a:r>
                           <a:endParaRPr lang="ru-RU" sz="1000" dirty="0">
                             <a:latin typeface="Times New Roman" panose="02020603050405020304" pitchFamily="18" charset="0"/>
@@ -39602,6 +39904,11 @@
                       </a:txBody>
                       <a:tcPr/>
                     </a:tc>
+                    <a:extLst>
+                      <a:ext uri="{0D108BD9-81ED-4DB2-BD59-A6C34878D82A}">
+                        <a16:rowId xmlns:a16="http://schemas.microsoft.com/office/drawing/2014/main" val="10003"/>
+                      </a:ext>
+                    </a:extLst>
                   </a:tr>
                   <a:tr h="370840">
                     <a:tc>
@@ -39655,6 +39962,11 @@
                       </a:txBody>
                       <a:tcPr/>
                     </a:tc>
+                    <a:extLst>
+                      <a:ext uri="{0D108BD9-81ED-4DB2-BD59-A6C34878D82A}">
+                        <a16:rowId xmlns:a16="http://schemas.microsoft.com/office/drawing/2014/main" val="10004"/>
+                      </a:ext>
+                    </a:extLst>
                   </a:tr>
                   <a:tr h="370840">
                     <a:tc>
@@ -39666,7 +39978,7 @@
                         </a:p>
                       </a:txBody>
                       <a:tcPr>
-                        <a:blipFill rotWithShape="0">
+                        <a:blipFill>
                           <a:blip r:embed="rId9"/>
                           <a:stretch>
                             <a:fillRect l="-264" t="-508197" r="-60950" b="-103279"/>
@@ -39706,14 +40018,7 @@
                               <a:latin typeface="Times New Roman" panose="02020603050405020304" pitchFamily="18" charset="0"/>
                               <a:cs typeface="Times New Roman" panose="02020603050405020304" pitchFamily="18" charset="0"/>
                             </a:rPr>
-                            <a:t> </a:t>
-                          </a:r>
-                          <a:r>
-                            <a:rPr lang="ru-RU" sz="1000" baseline="0" dirty="0" smtClean="0">
-                              <a:latin typeface="Times New Roman" panose="02020603050405020304" pitchFamily="18" charset="0"/>
-                              <a:cs typeface="Times New Roman" panose="02020603050405020304" pitchFamily="18" charset="0"/>
-                            </a:rPr>
-                            <a:t>м.</a:t>
+                            <a:t> м.</a:t>
                           </a:r>
                           <a:endParaRPr lang="ru-RU" sz="1000" dirty="0">
                             <a:latin typeface="Times New Roman" panose="02020603050405020304" pitchFamily="18" charset="0"/>
@@ -39723,6 +40028,11 @@
                       </a:txBody>
                       <a:tcPr/>
                     </a:tc>
+                    <a:extLst>
+                      <a:ext uri="{0D108BD9-81ED-4DB2-BD59-A6C34878D82A}">
+                        <a16:rowId xmlns:a16="http://schemas.microsoft.com/office/drawing/2014/main" val="10005"/>
+                      </a:ext>
+                    </a:extLst>
                   </a:tr>
                   <a:tr h="370840">
                     <a:tc>
@@ -39774,6 +40084,11 @@
                       </a:txBody>
                       <a:tcPr/>
                     </a:tc>
+                    <a:extLst>
+                      <a:ext uri="{0D108BD9-81ED-4DB2-BD59-A6C34878D82A}">
+                        <a16:rowId xmlns:a16="http://schemas.microsoft.com/office/drawing/2014/main" val="10006"/>
+                      </a:ext>
+                    </a:extLst>
                   </a:tr>
                 </a:tbl>
               </a:graphicData>
@@ -39789,7 +40104,7 @@
         </p:nvSpPr>
         <p:spPr>
           <a:xfrm>
-            <a:off x="49155" y="774835"/>
+            <a:off x="49155" y="880351"/>
             <a:ext cx="3827868" cy="276999"/>
           </a:xfrm>
           <a:prstGeom prst="rect">
@@ -39824,105 +40139,6 @@
               </a:solidFill>
               <a:latin typeface="Times New Roman" panose="02020603050405020304" pitchFamily="18" charset="0"/>
               <a:cs typeface="Times New Roman" panose="02020603050405020304" pitchFamily="18" charset="0"/>
-            </a:endParaRPr>
-          </a:p>
-        </p:txBody>
-      </p:sp>
-      <p:graphicFrame>
-        <p:nvGraphicFramePr>
-          <p:cNvPr id="14" name="Объект 13"/>
-          <p:cNvGraphicFramePr>
-            <a:graphicFrameLocks noChangeAspect="1"/>
-          </p:cNvGraphicFramePr>
-          <p:nvPr>
-            <p:extLst>
-              <p:ext uri="{D42A27DB-BD31-4B8C-83A1-F6EECF244321}">
-                <p14:modId xmlns:p14="http://schemas.microsoft.com/office/powerpoint/2010/main" val="569644325"/>
-              </p:ext>
-            </p:extLst>
-          </p:nvPr>
-        </p:nvGraphicFramePr>
-        <p:xfrm>
-          <a:off x="2632171" y="4040039"/>
-          <a:ext cx="1092200" cy="457200"/>
-        </p:xfrm>
-        <a:graphic>
-          <a:graphicData uri="http://schemas.openxmlformats.org/presentationml/2006/ole">
-            <mc:AlternateContent xmlns:mc="http://schemas.openxmlformats.org/markup-compatibility/2006">
-              <mc:Choice xmlns:v="urn:schemas-microsoft-com:vml" Requires="v">
-                <p:oleObj spid="_x0000_s45721" name="Формула" r:id="rId10" imgW="1091880" imgH="457200" progId="Equation.3">
-                  <p:embed/>
-                </p:oleObj>
-              </mc:Choice>
-              <mc:Fallback>
-                <p:oleObj name="Формула" r:id="rId10" imgW="1091880" imgH="457200" progId="Equation.3">
-                  <p:embed/>
-                  <p:pic>
-                    <p:nvPicPr>
-                      <p:cNvPr id="0" name=""/>
-                      <p:cNvPicPr/>
-                      <p:nvPr/>
-                    </p:nvPicPr>
-                    <p:blipFill>
-                      <a:blip r:embed="rId11"/>
-                      <a:stretch>
-                        <a:fillRect/>
-                      </a:stretch>
-                    </p:blipFill>
-                    <p:spPr>
-                      <a:xfrm>
-                        <a:off x="2632171" y="4040039"/>
-                        <a:ext cx="1092200" cy="457200"/>
-                      </a:xfrm>
-                      <a:prstGeom prst="rect">
-                        <a:avLst/>
-                      </a:prstGeom>
-                    </p:spPr>
-                  </p:pic>
-                </p:oleObj>
-              </mc:Fallback>
-            </mc:AlternateContent>
-          </a:graphicData>
-        </a:graphic>
-      </p:graphicFrame>
-      <p:sp>
-        <p:nvSpPr>
-          <p:cNvPr id="44" name="Прямоугольник 43"/>
-          <p:cNvSpPr/>
-          <p:nvPr/>
-        </p:nvSpPr>
-        <p:spPr>
-          <a:xfrm>
-            <a:off x="2275151" y="3724962"/>
-            <a:ext cx="2677414" cy="323165"/>
-          </a:xfrm>
-          <a:prstGeom prst="rect">
-            <a:avLst/>
-          </a:prstGeom>
-        </p:spPr>
-        <p:txBody>
-          <a:bodyPr wrap="square">
-            <a:spAutoFit/>
-          </a:bodyPr>
-          <a:lstStyle/>
-          <a:p>
-            <a:pPr>
-              <a:lnSpc>
-                <a:spcPct val="125000"/>
-              </a:lnSpc>
-            </a:pPr>
-            <a:r>
-              <a:rPr lang="ru-RU" sz="1200" dirty="0" smtClean="0">
-                <a:latin typeface="Times New Roman" pitchFamily="18" charset="0"/>
-                <a:ea typeface="Cambria Math"/>
-                <a:cs typeface="Times New Roman" pitchFamily="18" charset="0"/>
-              </a:rPr>
-              <a:t>Увеличение угловой скорости:</a:t>
-            </a:r>
-            <a:endParaRPr lang="en-US" sz="1200" dirty="0" smtClean="0">
-              <a:latin typeface="Times New Roman" pitchFamily="18" charset="0"/>
-              <a:ea typeface="Cambria Math"/>
-              <a:cs typeface="Times New Roman" pitchFamily="18" charset="0"/>
             </a:endParaRPr>
           </a:p>
         </p:txBody>
@@ -40415,8 +40631,15 @@
                 <a:latin typeface="Times New Roman" panose="02020603050405020304" pitchFamily="18" charset="0"/>
                 <a:cs typeface="Times New Roman" panose="02020603050405020304" pitchFamily="18" charset="0"/>
               </a:rPr>
-              <a:t>«Исследование пределов повышения дальности стрельбы активно-реактивным снарядом»</a:t>
-            </a:r>
+              <a:t>«Повышение дальности стрельбы активно-реактивным снарядом на основе математического моделирования…»</a:t>
+            </a:r>
+            <a:endParaRPr lang="ru-RU" sz="1100" dirty="0">
+              <a:solidFill>
+                <a:schemeClr val="tx1"/>
+              </a:solidFill>
+              <a:latin typeface="Times New Roman" panose="02020603050405020304" pitchFamily="18" charset="0"/>
+              <a:cs typeface="Times New Roman" panose="02020603050405020304" pitchFamily="18" charset="0"/>
+            </a:endParaRPr>
           </a:p>
         </p:txBody>
       </p:sp>
@@ -40669,77 +40892,6 @@
       </p:sp>
       <p:sp>
         <p:nvSpPr>
-          <p:cNvPr id="81" name="Rectangle 74"/>
-          <p:cNvSpPr>
-            <a:spLocks noChangeArrowheads="1"/>
-          </p:cNvSpPr>
-          <p:nvPr/>
-        </p:nvSpPr>
-        <p:spPr bwMode="auto">
-          <a:xfrm>
-            <a:off x="5988041" y="1477472"/>
-            <a:ext cx="138564" cy="284693"/>
-          </a:xfrm>
-          <a:prstGeom prst="rect">
-            <a:avLst/>
-          </a:prstGeom>
-          <a:noFill/>
-          <a:ln>
-            <a:noFill/>
-          </a:ln>
-          <a:effectLst/>
-          <a:extLst>
-            <a:ext uri="{909E8E84-426E-40DD-AFC4-6F175D3DCCD1}">
-              <a14:hiddenFill xmlns:a14="http://schemas.microsoft.com/office/drawing/2010/main">
-                <a:solidFill>
-                  <a:schemeClr val="accent1"/>
-                </a:solidFill>
-              </a14:hiddenFill>
-            </a:ext>
-            <a:ext uri="{91240B29-F687-4F45-9708-019B960494DF}">
-              <a14:hiddenLine xmlns:a14="http://schemas.microsoft.com/office/drawing/2010/main" w="9525">
-                <a:solidFill>
-                  <a:schemeClr val="tx1"/>
-                </a:solidFill>
-                <a:miter lim="800000"/>
-                <a:headEnd/>
-                <a:tailEnd/>
-              </a14:hiddenLine>
-            </a:ext>
-            <a:ext uri="{AF507438-7753-43E0-B8FC-AC1667EBCBE1}">
-              <a14:hiddenEffects xmlns:a14="http://schemas.microsoft.com/office/drawing/2010/main">
-                <a:effectLst>
-                  <a:outerShdw dist="35921" dir="2700000" algn="ctr" rotWithShape="0">
-                    <a:schemeClr val="bg2"/>
-                  </a:outerShdw>
-                </a:effectLst>
-              </a14:hiddenEffects>
-            </a:ext>
-          </a:extLst>
-        </p:spPr>
-        <p:txBody>
-          <a:bodyPr vert="horz" wrap="none" lIns="68580" tIns="34290" rIns="68580" bIns="34290" numCol="1" anchor="ctr" anchorCtr="0" compatLnSpc="1">
-            <a:prstTxWarp prst="textNoShape">
-              <a:avLst/>
-            </a:prstTxWarp>
-            <a:spAutoFit/>
-          </a:bodyPr>
-          <a:lstStyle/>
-          <a:p>
-            <a:pPr>
-              <a:defRPr/>
-            </a:pPr>
-            <a:endParaRPr lang="ru-RU">
-              <a:solidFill>
-                <a:prstClr val="black"/>
-              </a:solidFill>
-              <a:latin typeface="Calibri" panose="020F0502020204030204"/>
-            </a:endParaRPr>
-          </a:p>
-        </p:txBody>
-      </p:sp>
-      <p:sp>
-        <p:nvSpPr>
           <p:cNvPr id="20" name="Номер слайда 2"/>
           <p:cNvSpPr>
             <a:spLocks noGrp="1"/>
@@ -40866,20 +41018,20 @@
           <p:nvPr>
             <p:extLst>
               <p:ext uri="{D42A27DB-BD31-4B8C-83A1-F6EECF244321}">
-                <p14:modId xmlns:p14="http://schemas.microsoft.com/office/powerpoint/2010/main" val="2726826145"/>
+                <p14:modId xmlns:p14="http://schemas.microsoft.com/office/powerpoint/2010/main" val="1046730849"/>
               </p:ext>
             </p:extLst>
           </p:nvPr>
         </p:nvGraphicFramePr>
         <p:xfrm>
-          <a:off x="103939" y="590343"/>
+          <a:off x="113131" y="641129"/>
           <a:ext cx="2098675" cy="225425"/>
         </p:xfrm>
         <a:graphic>
           <a:graphicData uri="http://schemas.openxmlformats.org/presentationml/2006/ole">
             <mc:AlternateContent xmlns:mc="http://schemas.openxmlformats.org/markup-compatibility/2006">
               <mc:Choice xmlns:v="urn:schemas-microsoft-com:vml" Requires="v">
-                <p:oleObj spid="_x0000_s48684" name="Формула" r:id="rId3" imgW="2095200" imgH="228600" progId="Equation.3">
+                <p:oleObj spid="_x0000_s48756" name="Формула" r:id="rId3" imgW="2095200" imgH="228600" progId="Equation.3">
                   <p:embed/>
                 </p:oleObj>
               </mc:Choice>
@@ -40903,7 +41055,7 @@
                     </p:blipFill>
                     <p:spPr bwMode="auto">
                       <a:xfrm>
-                        <a:off x="103939" y="590343"/>
+                        <a:off x="113131" y="641129"/>
                         <a:ext cx="2098675" cy="225425"/>
                       </a:xfrm>
                       <a:prstGeom prst="rect">
@@ -40927,52 +41079,6 @@
           </a:graphicData>
         </a:graphic>
       </p:graphicFrame>
-      <p:sp>
-        <p:nvSpPr>
-          <p:cNvPr id="10" name="Прямоугольник 9"/>
-          <p:cNvSpPr/>
-          <p:nvPr/>
-        </p:nvSpPr>
-        <p:spPr>
-          <a:xfrm>
-            <a:off x="80195" y="344999"/>
-            <a:ext cx="3679659" cy="289951"/>
-          </a:xfrm>
-          <a:prstGeom prst="rect">
-            <a:avLst/>
-          </a:prstGeom>
-        </p:spPr>
-        <p:txBody>
-          <a:bodyPr wrap="square">
-            <a:spAutoFit/>
-          </a:bodyPr>
-          <a:lstStyle/>
-          <a:p>
-            <a:pPr algn="ctr">
-              <a:lnSpc>
-                <a:spcPct val="107000"/>
-              </a:lnSpc>
-              <a:spcAft>
-                <a:spcPts val="0"/>
-              </a:spcAft>
-            </a:pPr>
-            <a:r>
-              <a:rPr lang="ru-RU" sz="1200" b="1" dirty="0">
-                <a:latin typeface="Times New Roman" panose="02020603050405020304" pitchFamily="18" charset="0"/>
-                <a:ea typeface="Calibri" panose="020F0502020204030204" pitchFamily="34" charset="0"/>
-                <a:cs typeface="Times New Roman" panose="02020603050405020304" pitchFamily="18" charset="0"/>
-              </a:rPr>
-              <a:t>Масса снаряда</a:t>
-            </a:r>
-            <a:endParaRPr lang="ru-RU" sz="1200" dirty="0">
-              <a:effectLst/>
-              <a:latin typeface="Calibri" panose="020F0502020204030204" pitchFamily="34" charset="0"/>
-              <a:ea typeface="Calibri" panose="020F0502020204030204" pitchFamily="34" charset="0"/>
-              <a:cs typeface="Times New Roman" panose="02020603050405020304" pitchFamily="18" charset="0"/>
-            </a:endParaRPr>
-          </a:p>
-        </p:txBody>
-      </p:sp>
       <p:graphicFrame>
         <p:nvGraphicFramePr>
           <p:cNvPr id="13" name="Объект 12"/>
@@ -40982,20 +41088,20 @@
           <p:nvPr>
             <p:extLst>
               <p:ext uri="{D42A27DB-BD31-4B8C-83A1-F6EECF244321}">
-                <p14:modId xmlns:p14="http://schemas.microsoft.com/office/powerpoint/2010/main" val="1500208189"/>
+                <p14:modId xmlns:p14="http://schemas.microsoft.com/office/powerpoint/2010/main" val="4086121675"/>
               </p:ext>
             </p:extLst>
           </p:nvPr>
         </p:nvGraphicFramePr>
         <p:xfrm>
-          <a:off x="79342" y="871397"/>
+          <a:off x="105514" y="914113"/>
           <a:ext cx="728662" cy="225425"/>
         </p:xfrm>
         <a:graphic>
           <a:graphicData uri="http://schemas.openxmlformats.org/presentationml/2006/ole">
             <mc:AlternateContent xmlns:mc="http://schemas.openxmlformats.org/markup-compatibility/2006">
               <mc:Choice xmlns:v="urn:schemas-microsoft-com:vml" Requires="v">
-                <p:oleObj spid="_x0000_s48685" name="Формула" r:id="rId5" imgW="736560" imgH="228600" progId="Equation.3">
+                <p:oleObj spid="_x0000_s48757" name="Формула" r:id="rId5" imgW="736560" imgH="228600" progId="Equation.3">
                   <p:embed/>
                 </p:oleObj>
               </mc:Choice>
@@ -41019,7 +41125,7 @@
                     </p:blipFill>
                     <p:spPr bwMode="auto">
                       <a:xfrm>
-                        <a:off x="79342" y="871397"/>
+                        <a:off x="105514" y="914113"/>
                         <a:ext cx="728662" cy="225425"/>
                       </a:xfrm>
                       <a:prstGeom prst="rect">
@@ -41042,7 +41148,7 @@
         </p:nvSpPr>
         <p:spPr>
           <a:xfrm>
-            <a:off x="2020054" y="1120557"/>
+            <a:off x="1997539" y="1166066"/>
             <a:ext cx="2123466" cy="289951"/>
           </a:xfrm>
           <a:prstGeom prst="rect">
@@ -41175,7 +41281,7 @@
         </p:nvSpPr>
         <p:spPr>
           <a:xfrm>
-            <a:off x="1559414" y="1811969"/>
+            <a:off x="1563976" y="1978809"/>
             <a:ext cx="1968552" cy="289951"/>
           </a:xfrm>
           <a:prstGeom prst="rect">
@@ -41229,7 +41335,7 @@
         </p:nvSpPr>
         <p:spPr>
           <a:xfrm>
-            <a:off x="2917381" y="1451152"/>
+            <a:off x="2930060" y="1567452"/>
             <a:ext cx="1830373" cy="289951"/>
           </a:xfrm>
           <a:prstGeom prst="rect">
@@ -41283,7 +41389,7 @@
         </p:nvSpPr>
         <p:spPr>
           <a:xfrm>
-            <a:off x="1303709" y="2209356"/>
+            <a:off x="1350658" y="2407091"/>
             <a:ext cx="1777474" cy="289951"/>
           </a:xfrm>
           <a:prstGeom prst="rect">
@@ -41400,8 +41506,8 @@
         </p:nvSpPr>
         <p:spPr>
           <a:xfrm>
-            <a:off x="2165867" y="559293"/>
-            <a:ext cx="2065490" cy="276999"/>
+            <a:off x="143243" y="376646"/>
+            <a:ext cx="1808138" cy="276999"/>
           </a:xfrm>
           <a:prstGeom prst="rect">
             <a:avLst/>
@@ -41413,27 +41519,27 @@
           </a:bodyPr>
           <a:lstStyle/>
           <a:p>
-            <a:r>
-              <a:rPr lang="ru-RU" sz="1200" dirty="0">
+            <a:pPr algn="ctr"/>
+            <a:r>
+              <a:rPr lang="ru-RU" sz="1200" b="1" dirty="0" smtClean="0">
                 <a:latin typeface="Times New Roman" panose="02020603050405020304" pitchFamily="18" charset="0"/>
                 <a:ea typeface="Calibri" panose="020F0502020204030204" pitchFamily="34" charset="0"/>
-                <a:cs typeface="Times New Roman" panose="02020603050405020304" pitchFamily="18" charset="0"/>
-              </a:rPr>
-              <a:t>– </a:t>
+              </a:rPr>
+              <a:t>Общая </a:t>
+            </a:r>
+            <a:r>
+              <a:rPr lang="ru-RU" sz="1200" b="1" dirty="0" smtClean="0">
+                <a:latin typeface="Times New Roman" panose="02020603050405020304" pitchFamily="18" charset="0"/>
+                <a:ea typeface="Calibri" panose="020F0502020204030204" pitchFamily="34" charset="0"/>
+              </a:rPr>
+              <a:t>масса снаряда:</a:t>
             </a:r>
             <a:r>
               <a:rPr lang="ru-RU" sz="1200" dirty="0" smtClean="0">
                 <a:latin typeface="Times New Roman" panose="02020603050405020304" pitchFamily="18" charset="0"/>
                 <a:ea typeface="Calibri" panose="020F0502020204030204" pitchFamily="34" charset="0"/>
               </a:rPr>
-              <a:t>общая масса </a:t>
-            </a:r>
-            <a:r>
-              <a:rPr lang="ru-RU" sz="1200" dirty="0" smtClean="0">
-                <a:latin typeface="Times New Roman" panose="02020603050405020304" pitchFamily="18" charset="0"/>
-                <a:ea typeface="Calibri" panose="020F0502020204030204" pitchFamily="34" charset="0"/>
-              </a:rPr>
-              <a:t>снаряда: </a:t>
+              <a:t> </a:t>
             </a:r>
             <a:endParaRPr lang="ru-RU" sz="1200" dirty="0"/>
           </a:p>
@@ -41447,7 +41553,7 @@
         </p:nvSpPr>
         <p:spPr>
           <a:xfrm>
-            <a:off x="705462" y="828441"/>
+            <a:off x="731634" y="871157"/>
             <a:ext cx="1950910" cy="276999"/>
           </a:xfrm>
           <a:prstGeom prst="rect">
@@ -41487,52 +41593,6 @@
           </a:p>
         </p:txBody>
       </p:sp>
-      <p:sp>
-        <p:nvSpPr>
-          <p:cNvPr id="27" name="Прямоугольник 26"/>
-          <p:cNvSpPr/>
-          <p:nvPr/>
-        </p:nvSpPr>
-        <p:spPr>
-          <a:xfrm>
-            <a:off x="5246069" y="314798"/>
-            <a:ext cx="2522764" cy="289951"/>
-          </a:xfrm>
-          <a:prstGeom prst="rect">
-            <a:avLst/>
-          </a:prstGeom>
-        </p:spPr>
-        <p:txBody>
-          <a:bodyPr wrap="square">
-            <a:spAutoFit/>
-          </a:bodyPr>
-          <a:lstStyle/>
-          <a:p>
-            <a:pPr algn="ctr">
-              <a:lnSpc>
-                <a:spcPct val="107000"/>
-              </a:lnSpc>
-              <a:spcAft>
-                <a:spcPts val="0"/>
-              </a:spcAft>
-            </a:pPr>
-            <a:r>
-              <a:rPr lang="ru-RU" sz="1200" b="1" dirty="0" smtClean="0">
-                <a:latin typeface="Times New Roman" panose="02020603050405020304" pitchFamily="18" charset="0"/>
-                <a:ea typeface="Calibri" panose="020F0502020204030204" pitchFamily="34" charset="0"/>
-                <a:cs typeface="Times New Roman" panose="02020603050405020304" pitchFamily="18" charset="0"/>
-              </a:rPr>
-              <a:t>Длина снаряда</a:t>
-            </a:r>
-            <a:endParaRPr lang="ru-RU" sz="1200" dirty="0">
-              <a:effectLst/>
-              <a:latin typeface="Calibri" panose="020F0502020204030204" pitchFamily="34" charset="0"/>
-              <a:ea typeface="Calibri" panose="020F0502020204030204" pitchFamily="34" charset="0"/>
-              <a:cs typeface="Times New Roman" panose="02020603050405020304" pitchFamily="18" charset="0"/>
-            </a:endParaRPr>
-          </a:p>
-        </p:txBody>
-      </p:sp>
       <p:graphicFrame>
         <p:nvGraphicFramePr>
           <p:cNvPr id="28" name="Объект 27"/>
@@ -41542,20 +41602,20 @@
           <p:nvPr>
             <p:extLst>
               <p:ext uri="{D42A27DB-BD31-4B8C-83A1-F6EECF244321}">
-                <p14:modId xmlns:p14="http://schemas.microsoft.com/office/powerpoint/2010/main" val="2229063836"/>
+                <p14:modId xmlns:p14="http://schemas.microsoft.com/office/powerpoint/2010/main" val="2978019794"/>
               </p:ext>
             </p:extLst>
           </p:nvPr>
         </p:nvGraphicFramePr>
         <p:xfrm>
-          <a:off x="4959340" y="615425"/>
+          <a:off x="111273" y="3074557"/>
           <a:ext cx="1141413" cy="225425"/>
         </p:xfrm>
         <a:graphic>
           <a:graphicData uri="http://schemas.openxmlformats.org/presentationml/2006/ole">
             <mc:AlternateContent xmlns:mc="http://schemas.openxmlformats.org/markup-compatibility/2006">
               <mc:Choice xmlns:v="urn:schemas-microsoft-com:vml" Requires="v">
-                <p:oleObj spid="_x0000_s48686" name="Формула" r:id="rId7" imgW="1143000" imgH="228600" progId="Equation.3">
+                <p:oleObj spid="_x0000_s48758" name="Формула" r:id="rId7" imgW="1143000" imgH="228600" progId="Equation.3">
                   <p:embed/>
                 </p:oleObj>
               </mc:Choice>
@@ -41579,7 +41639,7 @@
                     </p:blipFill>
                     <p:spPr bwMode="auto">
                       <a:xfrm>
-                        <a:off x="4959340" y="615425"/>
+                        <a:off x="111273" y="3074557"/>
                         <a:ext cx="1141413" cy="225425"/>
                       </a:xfrm>
                       <a:prstGeom prst="rect">
@@ -41612,20 +41672,20 @@
           <p:nvPr>
             <p:extLst>
               <p:ext uri="{D42A27DB-BD31-4B8C-83A1-F6EECF244321}">
-                <p14:modId xmlns:p14="http://schemas.microsoft.com/office/powerpoint/2010/main" val="3678708329"/>
+                <p14:modId xmlns:p14="http://schemas.microsoft.com/office/powerpoint/2010/main" val="1866313064"/>
               </p:ext>
             </p:extLst>
           </p:nvPr>
         </p:nvGraphicFramePr>
         <p:xfrm>
-          <a:off x="4961370" y="1192615"/>
+          <a:off x="113303" y="3651747"/>
           <a:ext cx="808037" cy="225425"/>
         </p:xfrm>
         <a:graphic>
           <a:graphicData uri="http://schemas.openxmlformats.org/presentationml/2006/ole">
             <mc:AlternateContent xmlns:mc="http://schemas.openxmlformats.org/markup-compatibility/2006">
               <mc:Choice xmlns:v="urn:schemas-microsoft-com:vml" Requires="v">
-                <p:oleObj spid="_x0000_s48687" name="Формула" r:id="rId9" imgW="812520" imgH="228600" progId="Equation.3">
+                <p:oleObj spid="_x0000_s48759" name="Формула" r:id="rId9" imgW="812520" imgH="228600" progId="Equation.3">
                   <p:embed/>
                 </p:oleObj>
               </mc:Choice>
@@ -41649,7 +41709,7 @@
                     </p:blipFill>
                     <p:spPr bwMode="auto">
                       <a:xfrm>
-                        <a:off x="4961370" y="1192615"/>
+                        <a:off x="113303" y="3651747"/>
                         <a:ext cx="808037" cy="225425"/>
                       </a:xfrm>
                       <a:prstGeom prst="rect">
@@ -41682,20 +41742,20 @@
           <p:nvPr>
             <p:extLst>
               <p:ext uri="{D42A27DB-BD31-4B8C-83A1-F6EECF244321}">
-                <p14:modId xmlns:p14="http://schemas.microsoft.com/office/powerpoint/2010/main" val="1897514142"/>
+                <p14:modId xmlns:p14="http://schemas.microsoft.com/office/powerpoint/2010/main" val="1905364396"/>
               </p:ext>
             </p:extLst>
           </p:nvPr>
         </p:nvGraphicFramePr>
         <p:xfrm>
-          <a:off x="4958225" y="894649"/>
+          <a:off x="110158" y="3353781"/>
           <a:ext cx="254000" cy="208646"/>
         </p:xfrm>
         <a:graphic>
           <a:graphicData uri="http://schemas.openxmlformats.org/presentationml/2006/ole">
             <mc:AlternateContent xmlns:mc="http://schemas.openxmlformats.org/markup-compatibility/2006">
               <mc:Choice xmlns:v="urn:schemas-microsoft-com:vml" Requires="v">
-                <p:oleObj spid="_x0000_s48688" name="Формула" r:id="rId11" imgW="253800" imgH="228600" progId="Equation.3">
+                <p:oleObj spid="_x0000_s48760" name="Формула" r:id="rId11" imgW="253800" imgH="228600" progId="Equation.3">
                   <p:embed/>
                 </p:oleObj>
               </mc:Choice>
@@ -41719,7 +41779,7 @@
                     </p:blipFill>
                     <p:spPr bwMode="auto">
                       <a:xfrm>
-                        <a:off x="4958225" y="894649"/>
+                        <a:off x="110158" y="3353781"/>
                         <a:ext cx="254000" cy="208646"/>
                       </a:xfrm>
                       <a:prstGeom prst="rect">
@@ -41742,7 +41802,7 @@
         </p:nvSpPr>
         <p:spPr>
           <a:xfrm>
-            <a:off x="5103464" y="885612"/>
+            <a:off x="255397" y="3344744"/>
             <a:ext cx="4079631" cy="276999"/>
           </a:xfrm>
           <a:prstGeom prst="rect">
@@ -41805,20 +41865,20 @@
           <p:nvPr>
             <p:extLst>
               <p:ext uri="{D42A27DB-BD31-4B8C-83A1-F6EECF244321}">
-                <p14:modId xmlns:p14="http://schemas.microsoft.com/office/powerpoint/2010/main" val="2539346371"/>
+                <p14:modId xmlns:p14="http://schemas.microsoft.com/office/powerpoint/2010/main" val="3358863168"/>
               </p:ext>
             </p:extLst>
           </p:nvPr>
         </p:nvGraphicFramePr>
         <p:xfrm>
-          <a:off x="4958225" y="1448775"/>
+          <a:off x="124020" y="3908963"/>
           <a:ext cx="244475" cy="225425"/>
         </p:xfrm>
         <a:graphic>
           <a:graphicData uri="http://schemas.openxmlformats.org/presentationml/2006/ole">
             <mc:AlternateContent xmlns:mc="http://schemas.openxmlformats.org/markup-compatibility/2006">
               <mc:Choice xmlns:v="urn:schemas-microsoft-com:vml" Requires="v">
-                <p:oleObj spid="_x0000_s48689" name="Формула" r:id="rId13" imgW="241200" imgH="228600" progId="Equation.3">
+                <p:oleObj spid="_x0000_s48761" name="Формула" r:id="rId13" imgW="241200" imgH="228600" progId="Equation.3">
                   <p:embed/>
                 </p:oleObj>
               </mc:Choice>
@@ -41842,7 +41902,7 @@
                     </p:blipFill>
                     <p:spPr bwMode="auto">
                       <a:xfrm>
-                        <a:off x="4958225" y="1448775"/>
+                        <a:off x="124020" y="3908963"/>
                         <a:ext cx="244475" cy="225425"/>
                       </a:xfrm>
                       <a:prstGeom prst="rect">
@@ -41875,20 +41935,20 @@
           <p:nvPr>
             <p:extLst>
               <p:ext uri="{D42A27DB-BD31-4B8C-83A1-F6EECF244321}">
-                <p14:modId xmlns:p14="http://schemas.microsoft.com/office/powerpoint/2010/main" val="1551586757"/>
+                <p14:modId xmlns:p14="http://schemas.microsoft.com/office/powerpoint/2010/main" val="4020299165"/>
               </p:ext>
             </p:extLst>
           </p:nvPr>
         </p:nvGraphicFramePr>
         <p:xfrm>
-          <a:off x="6140450" y="1660525"/>
+          <a:off x="1292383" y="4119657"/>
           <a:ext cx="1450975" cy="481013"/>
         </p:xfrm>
         <a:graphic>
           <a:graphicData uri="http://schemas.openxmlformats.org/presentationml/2006/ole">
             <mc:AlternateContent xmlns:mc="http://schemas.openxmlformats.org/markup-compatibility/2006">
               <mc:Choice xmlns:v="urn:schemas-microsoft-com:vml" Requires="v">
-                <p:oleObj spid="_x0000_s48690" name="Формула" r:id="rId15" imgW="1447560" imgH="482400" progId="Equation.3">
+                <p:oleObj spid="_x0000_s48762" name="Формула" r:id="rId15" imgW="1447560" imgH="482400" progId="Equation.3">
                   <p:embed/>
                 </p:oleObj>
               </mc:Choice>
@@ -41912,7 +41972,7 @@
                     </p:blipFill>
                     <p:spPr bwMode="auto">
                       <a:xfrm>
-                        <a:off x="6140450" y="1660525"/>
+                        <a:off x="1292383" y="4119657"/>
                         <a:ext cx="1450975" cy="481013"/>
                       </a:xfrm>
                       <a:prstGeom prst="rect">
@@ -41944,7 +42004,7 @@
         </p:nvSpPr>
         <p:spPr>
           <a:xfrm>
-            <a:off x="5127556" y="1415484"/>
+            <a:off x="279489" y="3874616"/>
             <a:ext cx="3882922" cy="276999"/>
           </a:xfrm>
           <a:prstGeom prst="rect">
@@ -42006,7 +42066,7 @@
         </p:nvSpPr>
         <p:spPr>
           <a:xfrm>
-            <a:off x="5643372" y="1165697"/>
+            <a:off x="795305" y="3624829"/>
             <a:ext cx="3651265" cy="276999"/>
           </a:xfrm>
           <a:prstGeom prst="rect">
@@ -42040,60 +42100,14 @@
       </p:sp>
       <p:sp>
         <p:nvSpPr>
-          <p:cNvPr id="36" name="Прямоугольник 35"/>
-          <p:cNvSpPr/>
-          <p:nvPr/>
-        </p:nvSpPr>
-        <p:spPr>
-          <a:xfrm>
-            <a:off x="609227" y="2501406"/>
-            <a:ext cx="2522764" cy="289951"/>
-          </a:xfrm>
-          <a:prstGeom prst="rect">
-            <a:avLst/>
-          </a:prstGeom>
-        </p:spPr>
-        <p:txBody>
-          <a:bodyPr wrap="square">
-            <a:spAutoFit/>
-          </a:bodyPr>
-          <a:lstStyle/>
-          <a:p>
-            <a:pPr algn="ctr">
-              <a:lnSpc>
-                <a:spcPct val="107000"/>
-              </a:lnSpc>
-              <a:spcAft>
-                <a:spcPts val="0"/>
-              </a:spcAft>
-            </a:pPr>
-            <a:r>
-              <a:rPr lang="ru-RU" sz="1200" b="1" dirty="0" smtClean="0">
-                <a:latin typeface="Times New Roman" panose="02020603050405020304" pitchFamily="18" charset="0"/>
-                <a:ea typeface="Calibri" panose="020F0502020204030204" pitchFamily="34" charset="0"/>
-                <a:cs typeface="Times New Roman" panose="02020603050405020304" pitchFamily="18" charset="0"/>
-              </a:rPr>
-              <a:t>Моменты инерции</a:t>
-            </a:r>
-            <a:endParaRPr lang="ru-RU" sz="1200" dirty="0">
-              <a:effectLst/>
-              <a:latin typeface="Calibri" panose="020F0502020204030204" pitchFamily="34" charset="0"/>
-              <a:ea typeface="Calibri" panose="020F0502020204030204" pitchFamily="34" charset="0"/>
-              <a:cs typeface="Times New Roman" panose="02020603050405020304" pitchFamily="18" charset="0"/>
-            </a:endParaRPr>
-          </a:p>
-        </p:txBody>
-      </p:sp>
-      <p:sp>
-        <p:nvSpPr>
           <p:cNvPr id="37" name="Прямоугольник 36"/>
           <p:cNvSpPr/>
           <p:nvPr/>
         </p:nvSpPr>
         <p:spPr>
           <a:xfrm>
-            <a:off x="138564" y="2683657"/>
-            <a:ext cx="3666901" cy="289951"/>
+            <a:off x="4760433" y="380679"/>
+            <a:ext cx="3902671" cy="280270"/>
           </a:xfrm>
           <a:prstGeom prst="rect">
             <a:avLst/>
@@ -42114,7 +42128,7 @@
               </a:spcAft>
             </a:pPr>
             <a:r>
-              <a:rPr lang="ru-RU" sz="1200" dirty="0">
+              <a:rPr lang="ru-RU" sz="1200" b="1" dirty="0">
                 <a:latin typeface="Times New Roman" panose="02020603050405020304" pitchFamily="18" charset="0"/>
                 <a:ea typeface="Calibri" panose="020F0502020204030204" pitchFamily="34" charset="0"/>
                 <a:cs typeface="Times New Roman" panose="02020603050405020304" pitchFamily="18" charset="0"/>
@@ -42122,14 +42136,14 @@
               <a:t>Аксиальный момент для осесимметричного </a:t>
             </a:r>
             <a:r>
-              <a:rPr lang="ru-RU" sz="1200" dirty="0" smtClean="0">
+              <a:rPr lang="ru-RU" sz="1200" b="1" dirty="0" smtClean="0">
                 <a:latin typeface="Times New Roman" panose="02020603050405020304" pitchFamily="18" charset="0"/>
                 <a:ea typeface="Calibri" panose="020F0502020204030204" pitchFamily="34" charset="0"/>
                 <a:cs typeface="Times New Roman" panose="02020603050405020304" pitchFamily="18" charset="0"/>
               </a:rPr>
               <a:t>снаряда:</a:t>
             </a:r>
-            <a:endParaRPr lang="ru-RU" sz="1050" dirty="0">
+            <a:endParaRPr lang="ru-RU" sz="1050" b="1" dirty="0">
               <a:effectLst/>
               <a:latin typeface="Calibri" panose="020F0502020204030204" pitchFamily="34" charset="0"/>
               <a:ea typeface="Calibri" panose="020F0502020204030204" pitchFamily="34" charset="0"/>
@@ -42147,20 +42161,20 @@
           <p:nvPr>
             <p:extLst>
               <p:ext uri="{D42A27DB-BD31-4B8C-83A1-F6EECF244321}">
-                <p14:modId xmlns:p14="http://schemas.microsoft.com/office/powerpoint/2010/main" val="2273736100"/>
+                <p14:modId xmlns:p14="http://schemas.microsoft.com/office/powerpoint/2010/main" val="109957091"/>
               </p:ext>
             </p:extLst>
           </p:nvPr>
         </p:nvGraphicFramePr>
         <p:xfrm>
-          <a:off x="221378" y="2972188"/>
+          <a:off x="5891706" y="631603"/>
           <a:ext cx="1420813" cy="244475"/>
         </p:xfrm>
         <a:graphic>
           <a:graphicData uri="http://schemas.openxmlformats.org/presentationml/2006/ole">
             <mc:AlternateContent xmlns:mc="http://schemas.openxmlformats.org/markup-compatibility/2006">
               <mc:Choice xmlns:v="urn:schemas-microsoft-com:vml" Requires="v">
-                <p:oleObj spid="_x0000_s48691" name="Уравнение" r:id="rId17" imgW="1422360" imgH="241200" progId="Equation.3">
+                <p:oleObj spid="_x0000_s48763" name="Уравнение" r:id="rId17" imgW="1422360" imgH="241200" progId="Equation.3">
                   <p:embed/>
                 </p:oleObj>
               </mc:Choice>
@@ -42184,7 +42198,7 @@
                     </p:blipFill>
                     <p:spPr bwMode="auto">
                       <a:xfrm>
-                        <a:off x="221378" y="2972188"/>
+                        <a:off x="5891706" y="631603"/>
                         <a:ext cx="1420813" cy="244475"/>
                       </a:xfrm>
                       <a:prstGeom prst="rect">
@@ -42217,20 +42231,20 @@
           <p:nvPr>
             <p:extLst>
               <p:ext uri="{D42A27DB-BD31-4B8C-83A1-F6EECF244321}">
-                <p14:modId xmlns:p14="http://schemas.microsoft.com/office/powerpoint/2010/main" val="999335844"/>
+                <p14:modId xmlns:p14="http://schemas.microsoft.com/office/powerpoint/2010/main" val="3056239515"/>
               </p:ext>
             </p:extLst>
           </p:nvPr>
         </p:nvGraphicFramePr>
         <p:xfrm>
-          <a:off x="195461" y="3293457"/>
+          <a:off x="5409292" y="978366"/>
           <a:ext cx="1168400" cy="268288"/>
         </p:xfrm>
         <a:graphic>
           <a:graphicData uri="http://schemas.openxmlformats.org/presentationml/2006/ole">
             <mc:AlternateContent xmlns:mc="http://schemas.openxmlformats.org/markup-compatibility/2006">
               <mc:Choice xmlns:v="urn:schemas-microsoft-com:vml" Requires="v">
-                <p:oleObj spid="_x0000_s48692" name="Формула" r:id="rId19" imgW="1168200" imgH="266400" progId="Equation.3">
+                <p:oleObj spid="_x0000_s48764" name="Формула" r:id="rId19" imgW="1168200" imgH="266400" progId="Equation.3">
                   <p:embed/>
                 </p:oleObj>
               </mc:Choice>
@@ -42254,7 +42268,7 @@
                     </p:blipFill>
                     <p:spPr bwMode="auto">
                       <a:xfrm>
-                        <a:off x="195461" y="3293457"/>
+                        <a:off x="5409292" y="978366"/>
                         <a:ext cx="1168400" cy="268288"/>
                       </a:xfrm>
                       <a:prstGeom prst="rect">
@@ -42287,20 +42301,20 @@
           <p:nvPr>
             <p:extLst>
               <p:ext uri="{D42A27DB-BD31-4B8C-83A1-F6EECF244321}">
-                <p14:modId xmlns:p14="http://schemas.microsoft.com/office/powerpoint/2010/main" val="2972006652"/>
+                <p14:modId xmlns:p14="http://schemas.microsoft.com/office/powerpoint/2010/main" val="311973451"/>
               </p:ext>
             </p:extLst>
           </p:nvPr>
         </p:nvGraphicFramePr>
         <p:xfrm>
-          <a:off x="219511" y="3631435"/>
+          <a:off x="5398847" y="1288969"/>
           <a:ext cx="330200" cy="242888"/>
         </p:xfrm>
         <a:graphic>
           <a:graphicData uri="http://schemas.openxmlformats.org/presentationml/2006/ole">
             <mc:AlternateContent xmlns:mc="http://schemas.openxmlformats.org/markup-compatibility/2006">
               <mc:Choice xmlns:v="urn:schemas-microsoft-com:vml" Requires="v">
-                <p:oleObj spid="_x0000_s48693" name="Уравнение" r:id="rId21" imgW="330120" imgH="241200" progId="Equation.3">
+                <p:oleObj spid="_x0000_s48765" name="Уравнение" r:id="rId21" imgW="330120" imgH="241200" progId="Equation.3">
                   <p:embed/>
                 </p:oleObj>
               </mc:Choice>
@@ -42324,7 +42338,7 @@
                     </p:blipFill>
                     <p:spPr bwMode="auto">
                       <a:xfrm>
-                        <a:off x="219511" y="3631435"/>
+                        <a:off x="5398847" y="1288969"/>
                         <a:ext cx="330200" cy="242888"/>
                       </a:xfrm>
                       <a:prstGeom prst="rect">
@@ -42357,20 +42371,20 @@
           <p:nvPr>
             <p:extLst>
               <p:ext uri="{D42A27DB-BD31-4B8C-83A1-F6EECF244321}">
-                <p14:modId xmlns:p14="http://schemas.microsoft.com/office/powerpoint/2010/main" val="2216478612"/>
+                <p14:modId xmlns:p14="http://schemas.microsoft.com/office/powerpoint/2010/main" val="2513612240"/>
               </p:ext>
             </p:extLst>
           </p:nvPr>
         </p:nvGraphicFramePr>
         <p:xfrm>
-          <a:off x="216880" y="3942121"/>
+          <a:off x="5398847" y="1612073"/>
           <a:ext cx="850900" cy="244475"/>
         </p:xfrm>
         <a:graphic>
           <a:graphicData uri="http://schemas.openxmlformats.org/presentationml/2006/ole">
             <mc:AlternateContent xmlns:mc="http://schemas.openxmlformats.org/markup-compatibility/2006">
               <mc:Choice xmlns:v="urn:schemas-microsoft-com:vml" Requires="v">
-                <p:oleObj spid="_x0000_s48694" name="Формула" r:id="rId23" imgW="850680" imgH="241200" progId="Equation.3">
+                <p:oleObj spid="_x0000_s48766" name="Формула" r:id="rId23" imgW="850680" imgH="241200" progId="Equation.3">
                   <p:embed/>
                 </p:oleObj>
               </mc:Choice>
@@ -42394,7 +42408,7 @@
                     </p:blipFill>
                     <p:spPr bwMode="auto">
                       <a:xfrm>
-                        <a:off x="216880" y="3942121"/>
+                        <a:off x="5398847" y="1612073"/>
                         <a:ext cx="850900" cy="244475"/>
                       </a:xfrm>
                       <a:prstGeom prst="rect">
@@ -42426,7 +42440,7 @@
         </p:nvSpPr>
         <p:spPr>
           <a:xfrm>
-            <a:off x="1061357" y="3904386"/>
+            <a:off x="6230937" y="1577719"/>
             <a:ext cx="2531912" cy="276999"/>
           </a:xfrm>
           <a:prstGeom prst="rect">
@@ -42474,7 +42488,7 @@
         </p:nvSpPr>
         <p:spPr bwMode="auto">
           <a:xfrm>
-            <a:off x="609227" y="4299453"/>
+            <a:off x="5700796" y="1917604"/>
             <a:ext cx="2336268" cy="276999"/>
           </a:xfrm>
           <a:prstGeom prst="rect">
@@ -42575,20 +42589,20 @@
           <p:nvPr>
             <p:extLst>
               <p:ext uri="{D42A27DB-BD31-4B8C-83A1-F6EECF244321}">
-                <p14:modId xmlns:p14="http://schemas.microsoft.com/office/powerpoint/2010/main" val="2956825837"/>
+                <p14:modId xmlns:p14="http://schemas.microsoft.com/office/powerpoint/2010/main" val="2898886568"/>
               </p:ext>
             </p:extLst>
           </p:nvPr>
         </p:nvGraphicFramePr>
         <p:xfrm>
-          <a:off x="216880" y="4594022"/>
+          <a:off x="5308449" y="2212173"/>
           <a:ext cx="3454400" cy="250825"/>
         </p:xfrm>
         <a:graphic>
           <a:graphicData uri="http://schemas.openxmlformats.org/presentationml/2006/ole">
             <mc:AlternateContent xmlns:mc="http://schemas.openxmlformats.org/markup-compatibility/2006">
               <mc:Choice xmlns:v="urn:schemas-microsoft-com:vml" Requires="v">
-                <p:oleObj spid="_x0000_s48695" name="Формула" r:id="rId25" imgW="3454200" imgH="253800" progId="Equation.3">
+                <p:oleObj spid="_x0000_s48767" name="Формула" r:id="rId25" imgW="3454200" imgH="253800" progId="Equation.3">
                   <p:embed/>
                 </p:oleObj>
               </mc:Choice>
@@ -42612,7 +42626,7 @@
                     </p:blipFill>
                     <p:spPr bwMode="auto">
                       <a:xfrm>
-                        <a:off x="216880" y="4594022"/>
+                        <a:off x="5308449" y="2212173"/>
                         <a:ext cx="3454400" cy="250825"/>
                       </a:xfrm>
                       <a:prstGeom prst="rect">
@@ -42644,7 +42658,7 @@
         </p:nvSpPr>
         <p:spPr>
           <a:xfrm>
-            <a:off x="540187" y="3599020"/>
+            <a:off x="5719523" y="1256554"/>
             <a:ext cx="1952329" cy="276999"/>
           </a:xfrm>
           <a:prstGeom prst="rect">
@@ -42690,7 +42704,7 @@
         </p:nvSpPr>
         <p:spPr>
           <a:xfrm>
-            <a:off x="1285961" y="3295314"/>
+            <a:off x="6499792" y="980223"/>
             <a:ext cx="1977080" cy="276999"/>
           </a:xfrm>
           <a:prstGeom prst="rect">
@@ -42743,7 +42757,7 @@
         </p:blipFill>
         <p:spPr>
           <a:xfrm>
-            <a:off x="4613401" y="3740289"/>
+            <a:off x="4617643" y="3423389"/>
             <a:ext cx="4657166" cy="959574"/>
           </a:xfrm>
           <a:prstGeom prst="rect">
@@ -42759,7 +42773,7 @@
         </p:nvSpPr>
         <p:spPr>
           <a:xfrm>
-            <a:off x="4572000" y="4627516"/>
+            <a:off x="4600364" y="4241829"/>
             <a:ext cx="4413250" cy="246221"/>
           </a:xfrm>
           <a:prstGeom prst="rect">
@@ -42779,21 +42793,7 @@
                 <a:latin typeface="Times New Roman" pitchFamily="18" charset="0"/>
                 <a:cs typeface="Times New Roman" pitchFamily="18" charset="0"/>
               </a:rPr>
-              <a:t>Рисунок </a:t>
-            </a:r>
-            <a:r>
-              <a:rPr lang="ru-RU" sz="1000" dirty="0" smtClean="0">
-                <a:latin typeface="Times New Roman" pitchFamily="18" charset="0"/>
-                <a:cs typeface="Times New Roman" pitchFamily="18" charset="0"/>
-              </a:rPr>
-              <a:t>10 – </a:t>
-            </a:r>
-            <a:r>
-              <a:rPr lang="ru-RU" sz="1000" dirty="0" smtClean="0">
-                <a:latin typeface="Times New Roman" pitchFamily="18" charset="0"/>
-                <a:cs typeface="Times New Roman" pitchFamily="18" charset="0"/>
-              </a:rPr>
-              <a:t>Схема активно – реактивного снаряда</a:t>
+              <a:t>Рисунок 10 – Схема активно – реактивного снаряда</a:t>
             </a:r>
             <a:endParaRPr lang="ru-RU" sz="1000" dirty="0"/>
           </a:p>
@@ -42807,7 +42807,7 @@
         </p:nvSpPr>
         <p:spPr>
           <a:xfrm>
-            <a:off x="4861076" y="2964879"/>
+            <a:off x="4952790" y="2698774"/>
             <a:ext cx="4322019" cy="289951"/>
           </a:xfrm>
           <a:prstGeom prst="rect">
@@ -42862,20 +42862,20 @@
           <p:nvPr>
             <p:extLst>
               <p:ext uri="{D42A27DB-BD31-4B8C-83A1-F6EECF244321}">
-                <p14:modId xmlns:p14="http://schemas.microsoft.com/office/powerpoint/2010/main" val="4094631239"/>
+                <p14:modId xmlns:p14="http://schemas.microsoft.com/office/powerpoint/2010/main" val="1735711343"/>
               </p:ext>
             </p:extLst>
           </p:nvPr>
         </p:nvGraphicFramePr>
         <p:xfrm>
-          <a:off x="5821203" y="3245891"/>
+          <a:off x="5990890" y="2992783"/>
           <a:ext cx="1309688" cy="428625"/>
         </p:xfrm>
         <a:graphic>
           <a:graphicData uri="http://schemas.openxmlformats.org/presentationml/2006/ole">
             <mc:AlternateContent xmlns:mc="http://schemas.openxmlformats.org/markup-compatibility/2006">
               <mc:Choice xmlns:v="urn:schemas-microsoft-com:vml" Requires="v">
-                <p:oleObj spid="_x0000_s48696" name="Уравнение" r:id="rId28" imgW="1307880" imgH="431640" progId="Equation.3">
+                <p:oleObj spid="_x0000_s48768" name="Уравнение" r:id="rId28" imgW="1307880" imgH="431640" progId="Equation.3">
                   <p:embed/>
                 </p:oleObj>
               </mc:Choice>
@@ -42899,7 +42899,7 @@
                     </p:blipFill>
                     <p:spPr bwMode="auto">
                       <a:xfrm>
-                        <a:off x="5821203" y="3245891"/>
+                        <a:off x="5990890" y="2992783"/>
                         <a:ext cx="1309688" cy="428625"/>
                       </a:xfrm>
                       <a:prstGeom prst="rect">
@@ -42931,7 +42931,7 @@
         </p:nvSpPr>
         <p:spPr>
           <a:xfrm>
-            <a:off x="6020119" y="596244"/>
+            <a:off x="244576" y="2800373"/>
             <a:ext cx="2151932" cy="276999"/>
           </a:xfrm>
           <a:prstGeom prst="rect">
@@ -42950,16 +42950,38 @@
                 <a:ea typeface="Calibri" panose="020F0502020204030204" pitchFamily="34" charset="0"/>
                 <a:cs typeface="Times New Roman" panose="02020603050405020304" pitchFamily="18" charset="0"/>
               </a:rPr>
-              <a:t> – </a:t>
-            </a:r>
-            <a:r>
-              <a:rPr lang="ru-RU" sz="1200" dirty="0" smtClean="0">
+              <a:t> </a:t>
+            </a:r>
+            <a:r>
+              <a:rPr lang="ru-RU" sz="1200" b="1" dirty="0">
                 <a:latin typeface="Times New Roman" panose="02020603050405020304" pitchFamily="18" charset="0"/>
                 <a:ea typeface="Calibri" panose="020F0502020204030204" pitchFamily="34" charset="0"/>
-              </a:rPr>
-              <a:t>общая длина снаряда, где:</a:t>
-            </a:r>
-            <a:endParaRPr lang="ru-RU" sz="1200" dirty="0"/>
+                <a:cs typeface="Times New Roman" panose="02020603050405020304" pitchFamily="18" charset="0"/>
+              </a:rPr>
+              <a:t>О</a:t>
+            </a:r>
+            <a:r>
+              <a:rPr lang="ru-RU" sz="1200" b="1" dirty="0" smtClean="0">
+                <a:latin typeface="Times New Roman" panose="02020603050405020304" pitchFamily="18" charset="0"/>
+                <a:ea typeface="Calibri" panose="020F0502020204030204" pitchFamily="34" charset="0"/>
+              </a:rPr>
+              <a:t>бщая </a:t>
+            </a:r>
+            <a:r>
+              <a:rPr lang="ru-RU" sz="1200" b="1" dirty="0" smtClean="0">
+                <a:latin typeface="Times New Roman" panose="02020603050405020304" pitchFamily="18" charset="0"/>
+                <a:ea typeface="Calibri" panose="020F0502020204030204" pitchFamily="34" charset="0"/>
+              </a:rPr>
+              <a:t>длина </a:t>
+            </a:r>
+            <a:r>
+              <a:rPr lang="ru-RU" sz="1200" b="1" dirty="0" smtClean="0">
+                <a:latin typeface="Times New Roman" panose="02020603050405020304" pitchFamily="18" charset="0"/>
+                <a:ea typeface="Calibri" panose="020F0502020204030204" pitchFamily="34" charset="0"/>
+              </a:rPr>
+              <a:t>снаряда:</a:t>
+            </a:r>
+            <a:endParaRPr lang="ru-RU" sz="1200" b="1" dirty="0"/>
           </a:p>
         </p:txBody>
       </p:sp>
@@ -42972,20 +42994,20 @@
           <p:nvPr>
             <p:extLst>
               <p:ext uri="{D42A27DB-BD31-4B8C-83A1-F6EECF244321}">
-                <p14:modId xmlns:p14="http://schemas.microsoft.com/office/powerpoint/2010/main" val="2566197411"/>
+                <p14:modId xmlns:p14="http://schemas.microsoft.com/office/powerpoint/2010/main" val="2558301697"/>
               </p:ext>
             </p:extLst>
           </p:nvPr>
         </p:nvGraphicFramePr>
         <p:xfrm>
-          <a:off x="85785" y="1074663"/>
+          <a:off x="106271" y="1126358"/>
           <a:ext cx="1958975" cy="396875"/>
         </p:xfrm>
         <a:graphic>
           <a:graphicData uri="http://schemas.openxmlformats.org/presentationml/2006/ole">
             <mc:AlternateContent xmlns:mc="http://schemas.openxmlformats.org/markup-compatibility/2006">
               <mc:Choice xmlns:v="urn:schemas-microsoft-com:vml" Requires="v">
-                <p:oleObj spid="_x0000_s48697" name="Формула" r:id="rId30" imgW="1955520" imgH="393480" progId="Equation.3">
+                <p:oleObj spid="_x0000_s48769" name="Формула" r:id="rId30" imgW="1955520" imgH="393480" progId="Equation.3">
                   <p:embed/>
                 </p:oleObj>
               </mc:Choice>
@@ -43009,7 +43031,7 @@
                     </p:blipFill>
                     <p:spPr bwMode="auto">
                       <a:xfrm>
-                        <a:off x="85785" y="1074663"/>
+                        <a:off x="106271" y="1126358"/>
                         <a:ext cx="1958975" cy="396875"/>
                       </a:xfrm>
                       <a:prstGeom prst="rect">
@@ -43042,20 +43064,20 @@
           <p:nvPr>
             <p:extLst>
               <p:ext uri="{D42A27DB-BD31-4B8C-83A1-F6EECF244321}">
-                <p14:modId xmlns:p14="http://schemas.microsoft.com/office/powerpoint/2010/main" val="2730404379"/>
+                <p14:modId xmlns:p14="http://schemas.microsoft.com/office/powerpoint/2010/main" val="3325340126"/>
               </p:ext>
             </p:extLst>
           </p:nvPr>
         </p:nvGraphicFramePr>
         <p:xfrm>
-          <a:off x="80214" y="1408697"/>
+          <a:off x="99337" y="1524367"/>
           <a:ext cx="2840038" cy="396875"/>
         </p:xfrm>
         <a:graphic>
           <a:graphicData uri="http://schemas.openxmlformats.org/presentationml/2006/ole">
             <mc:AlternateContent xmlns:mc="http://schemas.openxmlformats.org/markup-compatibility/2006">
               <mc:Choice xmlns:v="urn:schemas-microsoft-com:vml" Requires="v">
-                <p:oleObj spid="_x0000_s48698" name="Формула" r:id="rId32" imgW="2844720" imgH="393480" progId="Equation.3">
+                <p:oleObj spid="_x0000_s48770" name="Формула" r:id="rId32" imgW="2844720" imgH="393480" progId="Equation.3">
                   <p:embed/>
                 </p:oleObj>
               </mc:Choice>
@@ -43079,7 +43101,7 @@
                     </p:blipFill>
                     <p:spPr bwMode="auto">
                       <a:xfrm>
-                        <a:off x="80214" y="1408697"/>
+                        <a:off x="99337" y="1524367"/>
                         <a:ext cx="2840038" cy="396875"/>
                       </a:xfrm>
                       <a:prstGeom prst="rect">
@@ -43112,25 +43134,25 @@
           <p:nvPr>
             <p:extLst>
               <p:ext uri="{D42A27DB-BD31-4B8C-83A1-F6EECF244321}">
-                <p14:modId xmlns:p14="http://schemas.microsoft.com/office/powerpoint/2010/main" val="1181105930"/>
+                <p14:modId xmlns:p14="http://schemas.microsoft.com/office/powerpoint/2010/main" val="1728589390"/>
               </p:ext>
             </p:extLst>
           </p:nvPr>
         </p:nvGraphicFramePr>
         <p:xfrm>
-          <a:off x="65437" y="1792851"/>
-          <a:ext cx="1539875" cy="396875"/>
+          <a:off x="125878" y="1920886"/>
+          <a:ext cx="1463675" cy="396875"/>
         </p:xfrm>
         <a:graphic>
           <a:graphicData uri="http://schemas.openxmlformats.org/presentationml/2006/ole">
             <mc:AlternateContent xmlns:mc="http://schemas.openxmlformats.org/markup-compatibility/2006">
               <mc:Choice xmlns:v="urn:schemas-microsoft-com:vml" Requires="v">
-                <p:oleObj spid="_x0000_s48699" name="Формула" r:id="rId34" imgW="1536480" imgH="393480" progId="Equation.3">
+                <p:oleObj spid="_x0000_s48771" name="Уравнение" r:id="rId34" imgW="1460160" imgH="393480" progId="Equation.3">
                   <p:embed/>
                 </p:oleObj>
               </mc:Choice>
               <mc:Fallback>
-                <p:oleObj name="Формула" r:id="rId34" imgW="1536480" imgH="393480" progId="Equation.3">
+                <p:oleObj name="Уравнение" r:id="rId34" imgW="1460160" imgH="393480" progId="Equation.3">
                   <p:embed/>
                   <p:pic>
                     <p:nvPicPr>
@@ -43149,8 +43171,8 @@
                     </p:blipFill>
                     <p:spPr bwMode="auto">
                       <a:xfrm>
-                        <a:off x="65437" y="1792851"/>
-                        <a:ext cx="1539875" cy="396875"/>
+                        <a:off x="125878" y="1920886"/>
+                        <a:ext cx="1463675" cy="396875"/>
                       </a:xfrm>
                       <a:prstGeom prst="rect">
                         <a:avLst/>
@@ -43182,20 +43204,20 @@
           <p:nvPr>
             <p:extLst>
               <p:ext uri="{D42A27DB-BD31-4B8C-83A1-F6EECF244321}">
-                <p14:modId xmlns:p14="http://schemas.microsoft.com/office/powerpoint/2010/main" val="2740509472"/>
+                <p14:modId xmlns:p14="http://schemas.microsoft.com/office/powerpoint/2010/main" val="1156823105"/>
               </p:ext>
             </p:extLst>
           </p:nvPr>
         </p:nvGraphicFramePr>
         <p:xfrm>
-          <a:off x="52388" y="2108200"/>
+          <a:off x="99337" y="2305935"/>
           <a:ext cx="1346200" cy="396875"/>
         </p:xfrm>
         <a:graphic>
           <a:graphicData uri="http://schemas.openxmlformats.org/presentationml/2006/ole">
             <mc:AlternateContent xmlns:mc="http://schemas.openxmlformats.org/markup-compatibility/2006">
               <mc:Choice xmlns:v="urn:schemas-microsoft-com:vml" Requires="v">
-                <p:oleObj spid="_x0000_s48700" name="Формула" r:id="rId36" imgW="1346040" imgH="393480" progId="Equation.3">
+                <p:oleObj spid="_x0000_s48772" name="Формула" r:id="rId36" imgW="1346040" imgH="393480" progId="Equation.3">
                   <p:embed/>
                 </p:oleObj>
               </mc:Choice>
@@ -43219,7 +43241,7 @@
                     </p:blipFill>
                     <p:spPr bwMode="auto">
                       <a:xfrm>
-                        <a:off x="52388" y="2108200"/>
+                        <a:off x="99337" y="2305935"/>
                         <a:ext cx="1346200" cy="396875"/>
                       </a:xfrm>
                       <a:prstGeom prst="rect">
@@ -43252,20 +43274,20 @@
           <p:nvPr>
             <p:extLst>
               <p:ext uri="{D42A27DB-BD31-4B8C-83A1-F6EECF244321}">
-                <p14:modId xmlns:p14="http://schemas.microsoft.com/office/powerpoint/2010/main" val="2496097265"/>
+                <p14:modId xmlns:p14="http://schemas.microsoft.com/office/powerpoint/2010/main" val="965613401"/>
               </p:ext>
             </p:extLst>
           </p:nvPr>
         </p:nvGraphicFramePr>
         <p:xfrm>
-          <a:off x="7884861" y="1451544"/>
+          <a:off x="3036794" y="3910676"/>
           <a:ext cx="649288" cy="227013"/>
         </p:xfrm>
         <a:graphic>
           <a:graphicData uri="http://schemas.openxmlformats.org/presentationml/2006/ole">
             <mc:AlternateContent xmlns:mc="http://schemas.openxmlformats.org/markup-compatibility/2006">
               <mc:Choice xmlns:v="urn:schemas-microsoft-com:vml" Requires="v">
-                <p:oleObj spid="_x0000_s48701" name="Формула" r:id="rId38" imgW="647640" imgH="228600" progId="Equation.3">
+                <p:oleObj spid="_x0000_s48773" name="Формула" r:id="rId38" imgW="647640" imgH="228600" progId="Equation.3">
                   <p:embed/>
                 </p:oleObj>
               </mc:Choice>
@@ -43289,7 +43311,7 @@
                     </p:blipFill>
                     <p:spPr bwMode="auto">
                       <a:xfrm>
-                        <a:off x="7884861" y="1451544"/>
+                        <a:off x="3036794" y="3910676"/>
                         <a:ext cx="649288" cy="227013"/>
                       </a:xfrm>
                       <a:prstGeom prst="rect">

--- a/Мансуров Р.Р. — копия (2).pptx
+++ b/Мансуров Р.Р. — копия (2).pptx
@@ -5,7 +5,7 @@
     <p:sldMasterId id="2147483648" r:id="rId1"/>
   </p:sldMasterIdLst>
   <p:notesMasterIdLst>
-    <p:notesMasterId r:id="rId18"/>
+    <p:notesMasterId r:id="rId19"/>
   </p:notesMasterIdLst>
   <p:sldIdLst>
     <p:sldId id="256" r:id="rId2"/>
@@ -19,11 +19,12 @@
     <p:sldId id="304" r:id="rId10"/>
     <p:sldId id="262" r:id="rId11"/>
     <p:sldId id="260" r:id="rId12"/>
-    <p:sldId id="288" r:id="rId13"/>
-    <p:sldId id="296" r:id="rId14"/>
-    <p:sldId id="301" r:id="rId15"/>
-    <p:sldId id="264" r:id="rId16"/>
-    <p:sldId id="265" r:id="rId17"/>
+    <p:sldId id="306" r:id="rId13"/>
+    <p:sldId id="288" r:id="rId14"/>
+    <p:sldId id="296" r:id="rId15"/>
+    <p:sldId id="301" r:id="rId16"/>
+    <p:sldId id="264" r:id="rId17"/>
+    <p:sldId id="265" r:id="rId18"/>
   </p:sldIdLst>
   <p:sldSz cx="9144000" cy="5143500" type="screen16x9"/>
   <p:notesSz cx="6858000" cy="9144000"/>
@@ -234,7 +235,7 @@
             <a:fld id="{8A2956D5-2046-4B16-B158-28749009537F}" type="datetimeFigureOut">
               <a:rPr lang="ru-RU" smtClean="0"/>
               <a:pPr/>
-              <a:t>11.04.2023</a:t>
+              <a:t>10.05.2023</a:t>
             </a:fld>
             <a:endParaRPr lang="ru-RU"/>
           </a:p>
@@ -635,7 +636,7 @@
             <a:fld id="{668F77C6-B837-4C28-B069-E60D1A7F8F4C}" type="datetime1">
               <a:rPr lang="ru-RU" smtClean="0"/>
               <a:pPr/>
-              <a:t>11.04.2023</a:t>
+              <a:t>10.05.2023</a:t>
             </a:fld>
             <a:endParaRPr lang="ru-RU"/>
           </a:p>
@@ -807,7 +808,7 @@
             <a:fld id="{E15233C2-C826-421D-8751-732F81C941BB}" type="datetime1">
               <a:rPr lang="ru-RU" smtClean="0"/>
               <a:pPr/>
-              <a:t>11.04.2023</a:t>
+              <a:t>10.05.2023</a:t>
             </a:fld>
             <a:endParaRPr lang="ru-RU"/>
           </a:p>
@@ -989,7 +990,7 @@
             <a:fld id="{F047989F-906F-40DE-BA90-D14E94A416BA}" type="datetime1">
               <a:rPr lang="ru-RU" smtClean="0"/>
               <a:pPr/>
-              <a:t>11.04.2023</a:t>
+              <a:t>10.05.2023</a:t>
             </a:fld>
             <a:endParaRPr lang="ru-RU"/>
           </a:p>
@@ -1161,7 +1162,7 @@
             <a:fld id="{D56CFF60-0E50-453A-81B9-424AB7DE66CD}" type="datetime1">
               <a:rPr lang="ru-RU" smtClean="0"/>
               <a:pPr/>
-              <a:t>11.04.2023</a:t>
+              <a:t>10.05.2023</a:t>
             </a:fld>
             <a:endParaRPr lang="ru-RU"/>
           </a:p>
@@ -1413,7 +1414,7 @@
             <a:fld id="{1EADCEAB-127F-4906-8280-7B6697A13E33}" type="datetime1">
               <a:rPr lang="ru-RU" smtClean="0"/>
               <a:pPr/>
-              <a:t>11.04.2023</a:t>
+              <a:t>10.05.2023</a:t>
             </a:fld>
             <a:endParaRPr lang="ru-RU"/>
           </a:p>
@@ -1647,7 +1648,7 @@
             <a:fld id="{772B70F3-DD83-40E6-8787-116CC1402285}" type="datetime1">
               <a:rPr lang="ru-RU" smtClean="0"/>
               <a:pPr/>
-              <a:t>11.04.2023</a:t>
+              <a:t>10.05.2023</a:t>
             </a:fld>
             <a:endParaRPr lang="ru-RU"/>
           </a:p>
@@ -2016,7 +2017,7 @@
             <a:fld id="{EFBC4BE1-28D4-4D8B-A423-5A2E1BA6934C}" type="datetime1">
               <a:rPr lang="ru-RU" smtClean="0"/>
               <a:pPr/>
-              <a:t>11.04.2023</a:t>
+              <a:t>10.05.2023</a:t>
             </a:fld>
             <a:endParaRPr lang="ru-RU"/>
           </a:p>
@@ -2136,7 +2137,7 @@
             <a:fld id="{6B7A375C-D316-441C-BBA4-36702FCEB310}" type="datetime1">
               <a:rPr lang="ru-RU" smtClean="0"/>
               <a:pPr/>
-              <a:t>11.04.2023</a:t>
+              <a:t>10.05.2023</a:t>
             </a:fld>
             <a:endParaRPr lang="ru-RU"/>
           </a:p>
@@ -2233,7 +2234,7 @@
             <a:fld id="{3EE6ABA4-7B05-4C08-9A73-CF8D6885218A}" type="datetime1">
               <a:rPr lang="ru-RU" smtClean="0"/>
               <a:pPr/>
-              <a:t>11.04.2023</a:t>
+              <a:t>10.05.2023</a:t>
             </a:fld>
             <a:endParaRPr lang="ru-RU"/>
           </a:p>
@@ -2512,7 +2513,7 @@
             <a:fld id="{F7A499FF-A70C-4AC7-8F4A-A5151C1A7370}" type="datetime1">
               <a:rPr lang="ru-RU" smtClean="0"/>
               <a:pPr/>
-              <a:t>11.04.2023</a:t>
+              <a:t>10.05.2023</a:t>
             </a:fld>
             <a:endParaRPr lang="ru-RU"/>
           </a:p>
@@ -2767,7 +2768,7 @@
             <a:fld id="{52FB4F09-8D8A-4907-99B4-463641EA0A07}" type="datetime1">
               <a:rPr lang="ru-RU" smtClean="0"/>
               <a:pPr/>
-              <a:t>11.04.2023</a:t>
+              <a:t>10.05.2023</a:t>
             </a:fld>
             <a:endParaRPr lang="ru-RU"/>
           </a:p>
@@ -2982,7 +2983,7 @@
             <a:fld id="{96489DF9-334F-4539-8237-D412EE1173F0}" type="datetime1">
               <a:rPr lang="ru-RU" smtClean="0"/>
               <a:pPr/>
-              <a:t>11.04.2023</a:t>
+              <a:t>10.05.2023</a:t>
             </a:fld>
             <a:endParaRPr lang="ru-RU"/>
           </a:p>
@@ -3563,13 +3564,6 @@
               </a:rPr>
               <a:t>«Повышение дальности стрельбы активно-реактивным снарядом на основе математического моделирования и комплексной оптимизации»</a:t>
             </a:r>
-            <a:r>
-              <a:rPr lang="ru-RU" sz="1800" cap="all" dirty="0" smtClean="0">
-                <a:latin typeface="Times New Roman" pitchFamily="18" charset="0"/>
-                <a:cs typeface="Times New Roman" pitchFamily="18" charset="0"/>
-              </a:rPr>
-              <a:t/>
-            </a:r>
             <a:br>
               <a:rPr lang="ru-RU" sz="1800" cap="all" dirty="0" smtClean="0">
                 <a:latin typeface="Times New Roman" pitchFamily="18" charset="0"/>
@@ -3641,7 +3635,7 @@
           <p:cNvPr id="4" name="Подзаголовок 6">
             <a:extLst>
               <a:ext uri="{FF2B5EF4-FFF2-40B4-BE49-F238E27FC236}">
-                <a16:creationId xmlns:a16="http://schemas.microsoft.com/office/drawing/2014/main" id="{6F08C3E7-B433-41C9-883D-917A98689EE1}"/>
+                <a16:creationId xmlns:a16="http://schemas.microsoft.com/office/drawing/2014/main" xmlns="" id="{6F08C3E7-B433-41C9-883D-917A98689EE1}"/>
               </a:ext>
             </a:extLst>
           </p:cNvPr>
@@ -3741,7 +3735,7 @@
           <p:cNvPr id="5" name="Подзаголовок 6">
             <a:extLst>
               <a:ext uri="{FF2B5EF4-FFF2-40B4-BE49-F238E27FC236}">
-                <a16:creationId xmlns:a16="http://schemas.microsoft.com/office/drawing/2014/main" id="{6F08C3E7-B433-41C9-883D-917A98689EE1}"/>
+                <a16:creationId xmlns:a16="http://schemas.microsoft.com/office/drawing/2014/main" xmlns="" id="{6F08C3E7-B433-41C9-883D-917A98689EE1}"/>
               </a:ext>
             </a:extLst>
           </p:cNvPr>
@@ -4472,13 +4466,6 @@
               </a:rPr>
               <a:t>«Повышение дальности стрельбы активно-реактивным снарядом на основе математического моделирования…»</a:t>
             </a:r>
-            <a:endParaRPr lang="ru-RU" sz="1100" dirty="0">
-              <a:solidFill>
-                <a:schemeClr val="tx1"/>
-              </a:solidFill>
-              <a:latin typeface="Times New Roman" panose="02020603050405020304" pitchFamily="18" charset="0"/>
-              <a:cs typeface="Times New Roman" panose="02020603050405020304" pitchFamily="18" charset="0"/>
-            </a:endParaRPr>
           </a:p>
         </p:txBody>
       </p:sp>
@@ -4894,7 +4881,7 @@
           <a:graphicData uri="http://schemas.openxmlformats.org/presentationml/2006/ole">
             <mc:AlternateContent xmlns:mc="http://schemas.openxmlformats.org/markup-compatibility/2006">
               <mc:Choice xmlns:v="urn:schemas-microsoft-com:vml" Requires="v">
-                <p:oleObj spid="_x0000_s49372" name="Формула" r:id="rId3" imgW="1422360" imgH="393480" progId="Equation.3">
+                <p:oleObj spid="_x0000_s49402" name="Формула" r:id="rId3" imgW="1422360" imgH="393480" progId="Equation.3">
                   <p:embed/>
                 </p:oleObj>
               </mc:Choice>
@@ -4964,7 +4951,7 @@
           <a:graphicData uri="http://schemas.openxmlformats.org/presentationml/2006/ole">
             <mc:AlternateContent xmlns:mc="http://schemas.openxmlformats.org/markup-compatibility/2006">
               <mc:Choice xmlns:v="urn:schemas-microsoft-com:vml" Requires="v">
-                <p:oleObj spid="_x0000_s49373" name="Формула" r:id="rId5" imgW="1015920" imgH="393480" progId="Equation.3">
+                <p:oleObj spid="_x0000_s49403" name="Формула" r:id="rId5" imgW="1015920" imgH="393480" progId="Equation.3">
                   <p:embed/>
                 </p:oleObj>
               </mc:Choice>
@@ -5034,7 +5021,7 @@
           <a:graphicData uri="http://schemas.openxmlformats.org/presentationml/2006/ole">
             <mc:AlternateContent xmlns:mc="http://schemas.openxmlformats.org/markup-compatibility/2006">
               <mc:Choice xmlns:v="urn:schemas-microsoft-com:vml" Requires="v">
-                <p:oleObj spid="_x0000_s49374" name="Формула" r:id="rId7" imgW="1384200" imgH="393480" progId="Equation.3">
+                <p:oleObj spid="_x0000_s49404" name="Формула" r:id="rId7" imgW="1384200" imgH="393480" progId="Equation.3">
                   <p:embed/>
                 </p:oleObj>
               </mc:Choice>
@@ -5167,7 +5154,7 @@
           <a:graphicData uri="http://schemas.openxmlformats.org/presentationml/2006/ole">
             <mc:AlternateContent xmlns:mc="http://schemas.openxmlformats.org/markup-compatibility/2006">
               <mc:Choice xmlns:v="urn:schemas-microsoft-com:vml" Requires="v">
-                <p:oleObj spid="_x0000_s49375" name="Формула" r:id="rId9" imgW="1866600" imgH="469800" progId="Equation.3">
+                <p:oleObj spid="_x0000_s49405" name="Формула" r:id="rId9" imgW="1866600" imgH="469800" progId="Equation.3">
                   <p:embed/>
                 </p:oleObj>
               </mc:Choice>
@@ -5292,7 +5279,7 @@
           <a:graphicData uri="http://schemas.openxmlformats.org/presentationml/2006/ole">
             <mc:AlternateContent xmlns:mc="http://schemas.openxmlformats.org/markup-compatibility/2006">
               <mc:Choice xmlns:v="urn:schemas-microsoft-com:vml" Requires="v">
-                <p:oleObj spid="_x0000_s49376" name="Формула" r:id="rId11" imgW="1574640" imgH="457200" progId="Equation.3">
+                <p:oleObj spid="_x0000_s49406" name="Формула" r:id="rId11" imgW="1574640" imgH="457200" progId="Equation.3">
                   <p:embed/>
                 </p:oleObj>
               </mc:Choice>
@@ -5425,7 +5412,7 @@
           <a:graphicData uri="http://schemas.openxmlformats.org/presentationml/2006/ole">
             <mc:AlternateContent xmlns:mc="http://schemas.openxmlformats.org/markup-compatibility/2006">
               <mc:Choice xmlns:v="urn:schemas-microsoft-com:vml" Requires="v">
-                <p:oleObj spid="_x0000_s49377" name="Формула" r:id="rId13" imgW="1282680" imgH="495000" progId="Equation.3">
+                <p:oleObj spid="_x0000_s49407" name="Формула" r:id="rId13" imgW="1282680" imgH="495000" progId="Equation.3">
                   <p:embed/>
                 </p:oleObj>
               </mc:Choice>
@@ -5495,7 +5482,7 @@
           <a:graphicData uri="http://schemas.openxmlformats.org/presentationml/2006/ole">
             <mc:AlternateContent xmlns:mc="http://schemas.openxmlformats.org/markup-compatibility/2006">
               <mc:Choice xmlns:v="urn:schemas-microsoft-com:vml" Requires="v">
-                <p:oleObj spid="_x0000_s49378" name="Формула" r:id="rId15" imgW="1485720" imgH="457200" progId="Equation.3">
+                <p:oleObj spid="_x0000_s49408" name="Формула" r:id="rId15" imgW="1485720" imgH="457200" progId="Equation.3">
                   <p:embed/>
                 </p:oleObj>
               </mc:Choice>
@@ -5705,14 +5692,7 @@
                 <a:latin typeface="Times New Roman" pitchFamily="18" charset="0"/>
                 <a:cs typeface="Times New Roman" pitchFamily="18" charset="0"/>
               </a:rPr>
-              <a:t>(</a:t>
-            </a:r>
-            <a:r>
-              <a:rPr lang="ru-RU" sz="1200" dirty="0" smtClean="0">
-                <a:latin typeface="Times New Roman" pitchFamily="18" charset="0"/>
-                <a:cs typeface="Times New Roman" pitchFamily="18" charset="0"/>
-              </a:rPr>
-              <a:t>1</a:t>
+              <a:t>(1</a:t>
             </a:r>
             <a:r>
               <a:rPr lang="ru-RU" sz="1200" dirty="0">
@@ -5882,14 +5862,7 @@
                 <a:latin typeface="Times New Roman" pitchFamily="18" charset="0"/>
                 <a:cs typeface="Times New Roman" pitchFamily="18" charset="0"/>
               </a:rPr>
-              <a:t>(</a:t>
-            </a:r>
-            <a:r>
-              <a:rPr lang="ru-RU" sz="1200" dirty="0" smtClean="0">
-                <a:latin typeface="Times New Roman" pitchFamily="18" charset="0"/>
-                <a:cs typeface="Times New Roman" pitchFamily="18" charset="0"/>
-              </a:rPr>
-              <a:t>18)</a:t>
+              <a:t>(18)</a:t>
             </a:r>
             <a:endParaRPr lang="ru-RU" sz="1200" dirty="0">
               <a:latin typeface="Times New Roman" pitchFamily="18" charset="0"/>
@@ -6293,21 +6266,7 @@
                 <a:latin typeface="Times New Roman" pitchFamily="18" charset="0"/>
                 <a:cs typeface="Times New Roman" pitchFamily="18" charset="0"/>
               </a:rPr>
-              <a:t>(</a:t>
-            </a:r>
-            <a:r>
-              <a:rPr lang="ru-RU" sz="1200" dirty="0" smtClean="0">
-                <a:latin typeface="Times New Roman" pitchFamily="18" charset="0"/>
-                <a:cs typeface="Times New Roman" pitchFamily="18" charset="0"/>
-              </a:rPr>
-              <a:t>19</a:t>
-            </a:r>
-            <a:r>
-              <a:rPr lang="ru-RU" sz="1200" dirty="0" smtClean="0">
-                <a:latin typeface="Times New Roman" pitchFamily="18" charset="0"/>
-                <a:cs typeface="Times New Roman" pitchFamily="18" charset="0"/>
-              </a:rPr>
-              <a:t>)</a:t>
+              <a:t>(19)</a:t>
             </a:r>
             <a:endParaRPr lang="ru-RU" sz="1200" dirty="0">
               <a:latin typeface="Times New Roman" pitchFamily="18" charset="0"/>
@@ -6343,14 +6302,7 @@
                 <a:latin typeface="Times New Roman" pitchFamily="18" charset="0"/>
                 <a:cs typeface="Times New Roman" pitchFamily="18" charset="0"/>
               </a:rPr>
-              <a:t>(</a:t>
-            </a:r>
-            <a:r>
-              <a:rPr lang="ru-RU" sz="1200" dirty="0" smtClean="0">
-                <a:latin typeface="Times New Roman" pitchFamily="18" charset="0"/>
-                <a:cs typeface="Times New Roman" pitchFamily="18" charset="0"/>
-              </a:rPr>
-              <a:t>20)</a:t>
+              <a:t>(20)</a:t>
             </a:r>
             <a:endParaRPr lang="ru-RU" sz="1200" dirty="0">
               <a:latin typeface="Times New Roman" pitchFamily="18" charset="0"/>
@@ -6386,14 +6338,7 @@
                 <a:latin typeface="Times New Roman" pitchFamily="18" charset="0"/>
                 <a:cs typeface="Times New Roman" pitchFamily="18" charset="0"/>
               </a:rPr>
-              <a:t>(</a:t>
-            </a:r>
-            <a:r>
-              <a:rPr lang="ru-RU" sz="1200" dirty="0" smtClean="0">
-                <a:latin typeface="Times New Roman" pitchFamily="18" charset="0"/>
-                <a:cs typeface="Times New Roman" pitchFamily="18" charset="0"/>
-              </a:rPr>
-              <a:t>21)</a:t>
+              <a:t>(21)</a:t>
             </a:r>
             <a:endParaRPr lang="ru-RU" sz="1200" dirty="0">
               <a:latin typeface="Times New Roman" pitchFamily="18" charset="0"/>
@@ -6487,7 +6432,7 @@
           <a:graphicData uri="http://schemas.openxmlformats.org/presentationml/2006/ole">
             <mc:AlternateContent xmlns:mc="http://schemas.openxmlformats.org/markup-compatibility/2006">
               <mc:Choice xmlns:v="urn:schemas-microsoft-com:vml" Requires="v">
-                <p:oleObj spid="_x0000_s49379" name="Формула" r:id="rId17" imgW="863280" imgH="266400" progId="Equation.3">
+                <p:oleObj spid="_x0000_s49409" name="Формула" r:id="rId17" imgW="863280" imgH="266400" progId="Equation.3">
                   <p:embed/>
                 </p:oleObj>
               </mc:Choice>
@@ -6763,7 +6708,7 @@
           <a:graphicData uri="http://schemas.openxmlformats.org/presentationml/2006/ole">
             <mc:AlternateContent xmlns:mc="http://schemas.openxmlformats.org/markup-compatibility/2006">
               <mc:Choice xmlns:v="urn:schemas-microsoft-com:vml" Requires="v">
-                <p:oleObj spid="_x0000_s49380" name="Документ" r:id="rId19" imgW="4500076" imgH="2437089" progId="Word.Document.12">
+                <p:oleObj spid="_x0000_s49410" name="Документ" r:id="rId19" imgW="4500076" imgH="2437089" progId="Word.Document.12">
                   <p:embed/>
                 </p:oleObj>
               </mc:Choice>
@@ -6879,7 +6824,7 @@
           <a:graphicData uri="http://schemas.openxmlformats.org/presentationml/2006/ole">
             <mc:AlternateContent xmlns:mc="http://schemas.openxmlformats.org/markup-compatibility/2006">
               <mc:Choice xmlns:v="urn:schemas-microsoft-com:vml" Requires="v">
-                <p:oleObj spid="_x0000_s49381" name="Формула" r:id="rId21" imgW="1879560" imgH="228600" progId="Equation.3">
+                <p:oleObj spid="_x0000_s49411" name="Формула" r:id="rId21" imgW="1879560" imgH="228600" progId="Equation.3">
                   <p:embed/>
                 </p:oleObj>
               </mc:Choice>
@@ -6949,7 +6894,7 @@
           <a:graphicData uri="http://schemas.openxmlformats.org/presentationml/2006/ole">
             <mc:AlternateContent xmlns:mc="http://schemas.openxmlformats.org/markup-compatibility/2006">
               <mc:Choice xmlns:v="urn:schemas-microsoft-com:vml" Requires="v">
-                <p:oleObj spid="_x0000_s49382" name="Формула" r:id="rId23" imgW="2019240" imgH="228600" progId="Equation.3">
+                <p:oleObj spid="_x0000_s49412" name="Формула" r:id="rId23" imgW="2019240" imgH="228600" progId="Equation.3">
                   <p:embed/>
                 </p:oleObj>
               </mc:Choice>
@@ -7019,7 +6964,7 @@
           <a:graphicData uri="http://schemas.openxmlformats.org/presentationml/2006/ole">
             <mc:AlternateContent xmlns:mc="http://schemas.openxmlformats.org/markup-compatibility/2006">
               <mc:Choice xmlns:v="urn:schemas-microsoft-com:vml" Requires="v">
-                <p:oleObj spid="_x0000_s49383" name="Формула" r:id="rId25" imgW="812520" imgH="393480" progId="Equation.3">
+                <p:oleObj spid="_x0000_s49413" name="Формула" r:id="rId25" imgW="812520" imgH="393480" progId="Equation.3">
                   <p:embed/>
                 </p:oleObj>
               </mc:Choice>
@@ -7207,14 +7152,7 @@
                 <a:latin typeface="Times New Roman" pitchFamily="18" charset="0"/>
                 <a:cs typeface="Times New Roman" pitchFamily="18" charset="0"/>
               </a:rPr>
-              <a:t>(</a:t>
-            </a:r>
-            <a:r>
-              <a:rPr lang="ru-RU" sz="1200" dirty="0" smtClean="0">
-                <a:latin typeface="Times New Roman" pitchFamily="18" charset="0"/>
-                <a:cs typeface="Times New Roman" pitchFamily="18" charset="0"/>
-              </a:rPr>
-              <a:t>22)</a:t>
+              <a:t>(22)</a:t>
             </a:r>
             <a:endParaRPr lang="ru-RU" sz="1200" dirty="0">
               <a:latin typeface="Times New Roman" pitchFamily="18" charset="0"/>
@@ -7245,7 +7183,7 @@
           <a:graphicData uri="http://schemas.openxmlformats.org/presentationml/2006/ole">
             <mc:AlternateContent xmlns:mc="http://schemas.openxmlformats.org/markup-compatibility/2006">
               <mc:Choice xmlns:v="urn:schemas-microsoft-com:vml" Requires="v">
-                <p:oleObj spid="_x0000_s49384" name="Формула" r:id="rId27" imgW="698400" imgH="419040" progId="Equation.3">
+                <p:oleObj spid="_x0000_s49414" name="Формула" r:id="rId27" imgW="698400" imgH="419040" progId="Equation.3">
                   <p:embed/>
                 </p:oleObj>
               </mc:Choice>
@@ -7450,7 +7388,7 @@
           <a:graphicData uri="http://schemas.openxmlformats.org/presentationml/2006/ole">
             <mc:AlternateContent xmlns:mc="http://schemas.openxmlformats.org/markup-compatibility/2006">
               <mc:Choice xmlns:v="urn:schemas-microsoft-com:vml" Requires="v">
-                <p:oleObj spid="_x0000_s49385" name="Формула" r:id="rId29" imgW="164880" imgH="228600" progId="Equation.3">
+                <p:oleObj spid="_x0000_s49415" name="Формула" r:id="rId29" imgW="164880" imgH="228600" progId="Equation.3">
                   <p:embed/>
                 </p:oleObj>
               </mc:Choice>
@@ -7634,7 +7572,7 @@
           <a:graphicData uri="http://schemas.openxmlformats.org/presentationml/2006/ole">
             <mc:AlternateContent xmlns:mc="http://schemas.openxmlformats.org/markup-compatibility/2006">
               <mc:Choice xmlns:v="urn:schemas-microsoft-com:vml" Requires="v">
-                <p:oleObj spid="_x0000_s49386" name="Формула" r:id="rId31" imgW="393480" imgH="228600" progId="Equation.3">
+                <p:oleObj spid="_x0000_s49416" name="Формула" r:id="rId31" imgW="393480" imgH="228600" progId="Equation.3">
                   <p:embed/>
                 </p:oleObj>
               </mc:Choice>
@@ -8286,13 +8224,6 @@
               </a:rPr>
               <a:t>«Повышение дальности стрельбы активно-реактивным снарядом на основе математического моделирования…»</a:t>
             </a:r>
-            <a:endParaRPr lang="ru-RU" sz="1100" dirty="0">
-              <a:solidFill>
-                <a:schemeClr val="tx1"/>
-              </a:solidFill>
-              <a:latin typeface="Times New Roman" panose="02020603050405020304" pitchFamily="18" charset="0"/>
-              <a:cs typeface="Times New Roman" panose="02020603050405020304" pitchFamily="18" charset="0"/>
-            </a:endParaRPr>
           </a:p>
         </p:txBody>
       </p:sp>
@@ -8765,8 +8696,8 @@
           </a:p>
         </p:txBody>
       </p:sp>
-      <mc:AlternateContent xmlns:mc="http://schemas.openxmlformats.org/markup-compatibility/2006">
-        <mc:Choice xmlns:a14="http://schemas.microsoft.com/office/drawing/2010/main" Requires="a14">
+      <mc:AlternateContent xmlns:mc="http://schemas.openxmlformats.org/markup-compatibility/2006" xmlns:a14="http://schemas.microsoft.com/office/drawing/2010/main">
+        <mc:Choice Requires="a14">
           <p:sp>
             <p:nvSpPr>
               <p:cNvPr id="24" name="TextBox 23"/>
@@ -9214,7 +9145,7 @@
             </p:txBody>
           </p:sp>
         </mc:Choice>
-        <mc:Fallback>
+        <mc:Fallback xmlns="">
           <p:sp>
             <p:nvSpPr>
               <p:cNvPr id="24" name="TextBox 23"/>
@@ -9275,7 +9206,7 @@
           <a:graphicData uri="http://schemas.openxmlformats.org/presentationml/2006/ole">
             <mc:AlternateContent xmlns:mc="http://schemas.openxmlformats.org/markup-compatibility/2006">
               <mc:Choice xmlns:v="urn:schemas-microsoft-com:vml" Requires="v">
-                <p:oleObj spid="_x0000_s46560" name="Формула" r:id="rId4" imgW="1688760" imgH="228600" progId="Equation.3">
+                <p:oleObj spid="_x0000_s46590" name="Формула" r:id="rId4" imgW="1688760" imgH="228600" progId="Equation.3">
                   <p:embed/>
                 </p:oleObj>
               </mc:Choice>
@@ -9468,28 +9399,28 @@
                 <a:gridCol w="957353">
                   <a:extLst>
                     <a:ext uri="{9D8B030D-6E8A-4147-A177-3AD203B41FA5}">
-                      <a16:colId xmlns:a16="http://schemas.microsoft.com/office/drawing/2014/main" val="1044631594"/>
+                      <a16:colId xmlns:a16="http://schemas.microsoft.com/office/drawing/2014/main" xmlns="" val="1044631594"/>
                     </a:ext>
                   </a:extLst>
                 </a:gridCol>
                 <a:gridCol w="957353">
                   <a:extLst>
                     <a:ext uri="{9D8B030D-6E8A-4147-A177-3AD203B41FA5}">
-                      <a16:colId xmlns:a16="http://schemas.microsoft.com/office/drawing/2014/main" val="2558395021"/>
+                      <a16:colId xmlns:a16="http://schemas.microsoft.com/office/drawing/2014/main" xmlns="" val="2558395021"/>
                     </a:ext>
                   </a:extLst>
                 </a:gridCol>
                 <a:gridCol w="957353">
                   <a:extLst>
                     <a:ext uri="{9D8B030D-6E8A-4147-A177-3AD203B41FA5}">
-                      <a16:colId xmlns:a16="http://schemas.microsoft.com/office/drawing/2014/main" val="2212677439"/>
+                      <a16:colId xmlns:a16="http://schemas.microsoft.com/office/drawing/2014/main" xmlns="" val="2212677439"/>
                     </a:ext>
                   </a:extLst>
                 </a:gridCol>
                 <a:gridCol w="957353">
                   <a:extLst>
                     <a:ext uri="{9D8B030D-6E8A-4147-A177-3AD203B41FA5}">
-                      <a16:colId xmlns:a16="http://schemas.microsoft.com/office/drawing/2014/main" val="851063209"/>
+                      <a16:colId xmlns:a16="http://schemas.microsoft.com/office/drawing/2014/main" xmlns="" val="851063209"/>
                     </a:ext>
                   </a:extLst>
                 </a:gridCol>
@@ -9553,7 +9484,7 @@
                 </a:tc>
                 <a:extLst>
                   <a:ext uri="{0D108BD9-81ED-4DB2-BD59-A6C34878D82A}">
-                    <a16:rowId xmlns:a16="http://schemas.microsoft.com/office/drawing/2014/main" val="1185514864"/>
+                    <a16:rowId xmlns:a16="http://schemas.microsoft.com/office/drawing/2014/main" xmlns="" val="1185514864"/>
                   </a:ext>
                 </a:extLst>
               </a:tr>
@@ -9706,7 +9637,7 @@
                 </a:tc>
                 <a:extLst>
                   <a:ext uri="{0D108BD9-81ED-4DB2-BD59-A6C34878D82A}">
-                    <a16:rowId xmlns:a16="http://schemas.microsoft.com/office/drawing/2014/main" val="10001"/>
+                    <a16:rowId xmlns:a16="http://schemas.microsoft.com/office/drawing/2014/main" xmlns="" val="10001"/>
                   </a:ext>
                 </a:extLst>
               </a:tr>
@@ -9996,7 +9927,7 @@
                 </a:tc>
                 <a:extLst>
                   <a:ext uri="{0D108BD9-81ED-4DB2-BD59-A6C34878D82A}">
-                    <a16:rowId xmlns:a16="http://schemas.microsoft.com/office/drawing/2014/main" val="627226478"/>
+                    <a16:rowId xmlns:a16="http://schemas.microsoft.com/office/drawing/2014/main" xmlns="" val="627226478"/>
                   </a:ext>
                 </a:extLst>
               </a:tr>
@@ -10166,7 +10097,7 @@
                 </a:tc>
                 <a:extLst>
                   <a:ext uri="{0D108BD9-81ED-4DB2-BD59-A6C34878D82A}">
-                    <a16:rowId xmlns:a16="http://schemas.microsoft.com/office/drawing/2014/main" val="10003"/>
+                    <a16:rowId xmlns:a16="http://schemas.microsoft.com/office/drawing/2014/main" xmlns="" val="10003"/>
                   </a:ext>
                 </a:extLst>
               </a:tr>
@@ -10196,7 +10127,7 @@
           <a:graphicData uri="http://schemas.openxmlformats.org/presentationml/2006/ole">
             <mc:AlternateContent xmlns:mc="http://schemas.openxmlformats.org/markup-compatibility/2006">
               <mc:Choice xmlns:v="urn:schemas-microsoft-com:vml" Requires="v">
-                <p:oleObj spid="_x0000_s46561" name="Уравнение" r:id="rId6" imgW="406080" imgH="190440" progId="Equation.3">
+                <p:oleObj spid="_x0000_s46591" name="Уравнение" r:id="rId6" imgW="406080" imgH="190440" progId="Equation.3">
                   <p:embed/>
                 </p:oleObj>
               </mc:Choice>
@@ -10266,7 +10197,7 @@
           <a:graphicData uri="http://schemas.openxmlformats.org/presentationml/2006/ole">
             <mc:AlternateContent xmlns:mc="http://schemas.openxmlformats.org/markup-compatibility/2006">
               <mc:Choice xmlns:v="urn:schemas-microsoft-com:vml" Requires="v">
-                <p:oleObj spid="_x0000_s46562" name="Формула" r:id="rId8" imgW="406080" imgH="215640" progId="Equation.3">
+                <p:oleObj spid="_x0000_s46592" name="Формула" r:id="rId8" imgW="406080" imgH="215640" progId="Equation.3">
                   <p:embed/>
                 </p:oleObj>
               </mc:Choice>
@@ -10336,7 +10267,7 @@
           <a:graphicData uri="http://schemas.openxmlformats.org/presentationml/2006/ole">
             <mc:AlternateContent xmlns:mc="http://schemas.openxmlformats.org/markup-compatibility/2006">
               <mc:Choice xmlns:v="urn:schemas-microsoft-com:vml" Requires="v">
-                <p:oleObj spid="_x0000_s46563" name="Формула" r:id="rId10" imgW="419040" imgH="215640" progId="Equation.3">
+                <p:oleObj spid="_x0000_s46593" name="Формула" r:id="rId10" imgW="419040" imgH="215640" progId="Equation.3">
                   <p:embed/>
                 </p:oleObj>
               </mc:Choice>
@@ -10406,7 +10337,7 @@
           <a:graphicData uri="http://schemas.openxmlformats.org/presentationml/2006/ole">
             <mc:AlternateContent xmlns:mc="http://schemas.openxmlformats.org/markup-compatibility/2006">
               <mc:Choice xmlns:v="urn:schemas-microsoft-com:vml" Requires="v">
-                <p:oleObj spid="_x0000_s46564" name="Формула" r:id="rId12" imgW="304560" imgH="215640" progId="Equation.3">
+                <p:oleObj spid="_x0000_s46594" name="Формула" r:id="rId12" imgW="304560" imgH="215640" progId="Equation.3">
                   <p:embed/>
                 </p:oleObj>
               </mc:Choice>
@@ -10567,7 +10498,7 @@
           <a:graphicData uri="http://schemas.openxmlformats.org/presentationml/2006/ole">
             <mc:AlternateContent xmlns:mc="http://schemas.openxmlformats.org/markup-compatibility/2006">
               <mc:Choice xmlns:v="urn:schemas-microsoft-com:vml" Requires="v">
-                <p:oleObj spid="_x0000_s46565" name="Формула" r:id="rId14" imgW="799920" imgH="228600" progId="Equation.3">
+                <p:oleObj spid="_x0000_s46595" name="Формула" r:id="rId14" imgW="799920" imgH="228600" progId="Equation.3">
                   <p:embed/>
                 </p:oleObj>
               </mc:Choice>
@@ -10624,7 +10555,7 @@
           <a:graphicData uri="http://schemas.openxmlformats.org/presentationml/2006/ole">
             <mc:AlternateContent xmlns:mc="http://schemas.openxmlformats.org/markup-compatibility/2006">
               <mc:Choice xmlns:v="urn:schemas-microsoft-com:vml" Requires="v">
-                <p:oleObj spid="_x0000_s46566" name="Equation" r:id="rId16" imgW="838080" imgH="215640" progId="Equation.3">
+                <p:oleObj spid="_x0000_s46596" name="Equation" r:id="rId16" imgW="838080" imgH="215640" progId="Equation.3">
                   <p:embed/>
                 </p:oleObj>
               </mc:Choice>
@@ -10709,7 +10640,7 @@
               <a:graphicData uri="http://schemas.openxmlformats.org/presentationml/2006/ole">
                 <mc:AlternateContent xmlns:mc="http://schemas.openxmlformats.org/markup-compatibility/2006">
                   <mc:Choice xmlns:v="urn:schemas-microsoft-com:vml" Requires="v">
-                    <p:oleObj spid="_x0000_s46567" name="Уравнение" r:id="rId18" imgW="228600" imgH="228600" progId="Equation.3">
+                    <p:oleObj spid="_x0000_s46597" name="Уравнение" r:id="rId18" imgW="228600" imgH="228600" progId="Equation.3">
                       <p:embed/>
                     </p:oleObj>
                   </mc:Choice>
@@ -10779,7 +10710,7 @@
               <a:graphicData uri="http://schemas.openxmlformats.org/presentationml/2006/ole">
                 <mc:AlternateContent xmlns:mc="http://schemas.openxmlformats.org/markup-compatibility/2006">
                   <mc:Choice xmlns:v="urn:schemas-microsoft-com:vml" Requires="v">
-                    <p:oleObj spid="_x0000_s46568" name="Формула" r:id="rId20" imgW="164885" imgH="164885" progId="Equation.3">
+                    <p:oleObj spid="_x0000_s46598" name="Формула" r:id="rId20" imgW="164885" imgH="164885" progId="Equation.3">
                       <p:embed/>
                     </p:oleObj>
                   </mc:Choice>
@@ -10966,7 +10897,7 @@
                     <a:graphicData uri="http://schemas.openxmlformats.org/presentationml/2006/ole">
                       <mc:AlternateContent xmlns:mc="http://schemas.openxmlformats.org/markup-compatibility/2006">
                         <mc:Choice xmlns:v="urn:schemas-microsoft-com:vml" Requires="v">
-                          <p:oleObj spid="_x0000_s46569" name="Уравнение" r:id="rId22" imgW="164880" imgH="228600" progId="Equation.3">
+                          <p:oleObj spid="_x0000_s46599" name="Уравнение" r:id="rId22" imgW="164880" imgH="228600" progId="Equation.3">
                             <p:embed/>
                           </p:oleObj>
                         </mc:Choice>
@@ -11036,7 +10967,7 @@
                     <a:graphicData uri="http://schemas.openxmlformats.org/presentationml/2006/ole">
                       <mc:AlternateContent xmlns:mc="http://schemas.openxmlformats.org/markup-compatibility/2006">
                         <mc:Choice xmlns:v="urn:schemas-microsoft-com:vml" Requires="v">
-                          <p:oleObj spid="_x0000_s46570" name="Equation" r:id="rId24" imgW="228600" imgH="228600" progId="Equation.3">
+                          <p:oleObj spid="_x0000_s46600" name="Equation" r:id="rId24" imgW="228600" imgH="228600" progId="Equation.3">
                             <p:embed/>
                           </p:oleObj>
                         </mc:Choice>
@@ -11106,7 +11037,7 @@
                     <a:graphicData uri="http://schemas.openxmlformats.org/presentationml/2006/ole">
                       <mc:AlternateContent xmlns:mc="http://schemas.openxmlformats.org/markup-compatibility/2006">
                         <mc:Choice xmlns:v="urn:schemas-microsoft-com:vml" Requires="v">
-                          <p:oleObj spid="_x0000_s46571" name="Equation" r:id="rId26" imgW="215640" imgH="228600" progId="Equation.3">
+                          <p:oleObj spid="_x0000_s46601" name="Equation" r:id="rId26" imgW="215640" imgH="228600" progId="Equation.3">
                             <p:embed/>
                           </p:oleObj>
                         </mc:Choice>
@@ -11697,7 +11628,7 @@
                       <a:graphicData uri="http://schemas.openxmlformats.org/presentationml/2006/ole">
                         <mc:AlternateContent xmlns:mc="http://schemas.openxmlformats.org/markup-compatibility/2006">
                           <mc:Choice xmlns:v="urn:schemas-microsoft-com:vml" Requires="v">
-                            <p:oleObj spid="_x0000_s46572" name="Уравнение" r:id="rId28" imgW="203040" imgH="215640" progId="Equation.3">
+                            <p:oleObj spid="_x0000_s46602" name="Уравнение" r:id="rId28" imgW="203040" imgH="215640" progId="Equation.3">
                               <p:embed/>
                             </p:oleObj>
                           </mc:Choice>
@@ -12119,7 +12050,7 @@
           <a:graphicData uri="http://schemas.openxmlformats.org/presentationml/2006/ole">
             <mc:AlternateContent xmlns:mc="http://schemas.openxmlformats.org/markup-compatibility/2006">
               <mc:Choice xmlns:v="urn:schemas-microsoft-com:vml" Requires="v">
-                <p:oleObj spid="_x0000_s46573" name="Формула" r:id="rId30" imgW="1091880" imgH="228600" progId="Equation.3">
+                <p:oleObj spid="_x0000_s46603" name="Формула" r:id="rId30" imgW="1091880" imgH="228600" progId="Equation.3">
                   <p:embed/>
                 </p:oleObj>
               </mc:Choice>
@@ -12189,7 +12120,7 @@
           <a:graphicData uri="http://schemas.openxmlformats.org/presentationml/2006/ole">
             <mc:AlternateContent xmlns:mc="http://schemas.openxmlformats.org/markup-compatibility/2006">
               <mc:Choice xmlns:v="urn:schemas-microsoft-com:vml" Requires="v">
-                <p:oleObj spid="_x0000_s46574" name="Формула" r:id="rId32" imgW="1892160" imgH="228600" progId="Equation.3">
+                <p:oleObj spid="_x0000_s46604" name="Формула" r:id="rId32" imgW="1892160" imgH="228600" progId="Equation.3">
                   <p:embed/>
                 </p:oleObj>
               </mc:Choice>
@@ -12706,6 +12637,892 @@
       </p:grpSpPr>
       <p:sp>
         <p:nvSpPr>
+          <p:cNvPr id="5" name="Rectangle 9"/>
+          <p:cNvSpPr>
+            <a:spLocks noChangeArrowheads="1"/>
+          </p:cNvSpPr>
+          <p:nvPr/>
+        </p:nvSpPr>
+        <p:spPr bwMode="auto">
+          <a:xfrm>
+            <a:off x="8377336" y="4892920"/>
+            <a:ext cx="766664" cy="249242"/>
+          </a:xfrm>
+          <a:prstGeom prst="rect">
+            <a:avLst/>
+          </a:prstGeom>
+          <a:solidFill>
+            <a:srgbClr val="FFFFFF"/>
+          </a:solidFill>
+          <a:ln w="9398">
+            <a:solidFill>
+              <a:schemeClr val="tx1"/>
+            </a:solidFill>
+            <a:miter lim="800000"/>
+            <a:headEnd/>
+            <a:tailEnd/>
+          </a:ln>
+        </p:spPr>
+        <p:txBody>
+          <a:bodyPr wrap="none" lIns="67500" tIns="35100" rIns="67500" bIns="35100" anchor="ctr"/>
+          <a:lstStyle>
+            <a:lvl1pPr defTabSz="449263" eaLnBrk="0" hangingPunct="0">
+              <a:tabLst>
+                <a:tab pos="0" algn="l"/>
+                <a:tab pos="914400" algn="l"/>
+                <a:tab pos="1828800" algn="l"/>
+                <a:tab pos="2743200" algn="l"/>
+                <a:tab pos="3657600" algn="l"/>
+                <a:tab pos="4572000" algn="l"/>
+                <a:tab pos="5486400" algn="l"/>
+                <a:tab pos="6400800" algn="l"/>
+                <a:tab pos="7315200" algn="l"/>
+                <a:tab pos="8229600" algn="l"/>
+                <a:tab pos="9144000" algn="l"/>
+                <a:tab pos="10058400" algn="l"/>
+              </a:tabLst>
+              <a:defRPr sz="2100">
+                <a:solidFill>
+                  <a:srgbClr val="993300"/>
+                </a:solidFill>
+                <a:latin typeface="Agency FB" pitchFamily="34" charset="0"/>
+              </a:defRPr>
+            </a:lvl1pPr>
+            <a:lvl2pPr marL="742950" indent="-285750" defTabSz="449263" eaLnBrk="0" hangingPunct="0">
+              <a:tabLst>
+                <a:tab pos="0" algn="l"/>
+                <a:tab pos="914400" algn="l"/>
+                <a:tab pos="1828800" algn="l"/>
+                <a:tab pos="2743200" algn="l"/>
+                <a:tab pos="3657600" algn="l"/>
+                <a:tab pos="4572000" algn="l"/>
+                <a:tab pos="5486400" algn="l"/>
+                <a:tab pos="6400800" algn="l"/>
+                <a:tab pos="7315200" algn="l"/>
+                <a:tab pos="8229600" algn="l"/>
+                <a:tab pos="9144000" algn="l"/>
+                <a:tab pos="10058400" algn="l"/>
+              </a:tabLst>
+              <a:defRPr sz="2100">
+                <a:solidFill>
+                  <a:srgbClr val="993300"/>
+                </a:solidFill>
+                <a:latin typeface="Agency FB" pitchFamily="34" charset="0"/>
+              </a:defRPr>
+            </a:lvl2pPr>
+            <a:lvl3pPr marL="1143000" indent="-228600" defTabSz="449263" eaLnBrk="0" hangingPunct="0">
+              <a:tabLst>
+                <a:tab pos="0" algn="l"/>
+                <a:tab pos="914400" algn="l"/>
+                <a:tab pos="1828800" algn="l"/>
+                <a:tab pos="2743200" algn="l"/>
+                <a:tab pos="3657600" algn="l"/>
+                <a:tab pos="4572000" algn="l"/>
+                <a:tab pos="5486400" algn="l"/>
+                <a:tab pos="6400800" algn="l"/>
+                <a:tab pos="7315200" algn="l"/>
+                <a:tab pos="8229600" algn="l"/>
+                <a:tab pos="9144000" algn="l"/>
+                <a:tab pos="10058400" algn="l"/>
+              </a:tabLst>
+              <a:defRPr sz="2100">
+                <a:solidFill>
+                  <a:srgbClr val="993300"/>
+                </a:solidFill>
+                <a:latin typeface="Agency FB" pitchFamily="34" charset="0"/>
+              </a:defRPr>
+            </a:lvl3pPr>
+            <a:lvl4pPr marL="1600200" indent="-228600" defTabSz="449263" eaLnBrk="0" hangingPunct="0">
+              <a:tabLst>
+                <a:tab pos="0" algn="l"/>
+                <a:tab pos="914400" algn="l"/>
+                <a:tab pos="1828800" algn="l"/>
+                <a:tab pos="2743200" algn="l"/>
+                <a:tab pos="3657600" algn="l"/>
+                <a:tab pos="4572000" algn="l"/>
+                <a:tab pos="5486400" algn="l"/>
+                <a:tab pos="6400800" algn="l"/>
+                <a:tab pos="7315200" algn="l"/>
+                <a:tab pos="8229600" algn="l"/>
+                <a:tab pos="9144000" algn="l"/>
+                <a:tab pos="10058400" algn="l"/>
+              </a:tabLst>
+              <a:defRPr sz="2100">
+                <a:solidFill>
+                  <a:srgbClr val="993300"/>
+                </a:solidFill>
+                <a:latin typeface="Agency FB" pitchFamily="34" charset="0"/>
+              </a:defRPr>
+            </a:lvl4pPr>
+            <a:lvl5pPr marL="2057400" indent="-228600" defTabSz="449263" eaLnBrk="0" hangingPunct="0">
+              <a:tabLst>
+                <a:tab pos="0" algn="l"/>
+                <a:tab pos="914400" algn="l"/>
+                <a:tab pos="1828800" algn="l"/>
+                <a:tab pos="2743200" algn="l"/>
+                <a:tab pos="3657600" algn="l"/>
+                <a:tab pos="4572000" algn="l"/>
+                <a:tab pos="5486400" algn="l"/>
+                <a:tab pos="6400800" algn="l"/>
+                <a:tab pos="7315200" algn="l"/>
+                <a:tab pos="8229600" algn="l"/>
+                <a:tab pos="9144000" algn="l"/>
+                <a:tab pos="10058400" algn="l"/>
+              </a:tabLst>
+              <a:defRPr sz="2100">
+                <a:solidFill>
+                  <a:srgbClr val="993300"/>
+                </a:solidFill>
+                <a:latin typeface="Agency FB" pitchFamily="34" charset="0"/>
+              </a:defRPr>
+            </a:lvl5pPr>
+            <a:lvl6pPr marL="2514600" indent="-228600" defTabSz="449263" eaLnBrk="0" fontAlgn="base" hangingPunct="0">
+              <a:spcBef>
+                <a:spcPct val="0"/>
+              </a:spcBef>
+              <a:spcAft>
+                <a:spcPct val="0"/>
+              </a:spcAft>
+              <a:tabLst>
+                <a:tab pos="0" algn="l"/>
+                <a:tab pos="914400" algn="l"/>
+                <a:tab pos="1828800" algn="l"/>
+                <a:tab pos="2743200" algn="l"/>
+                <a:tab pos="3657600" algn="l"/>
+                <a:tab pos="4572000" algn="l"/>
+                <a:tab pos="5486400" algn="l"/>
+                <a:tab pos="6400800" algn="l"/>
+                <a:tab pos="7315200" algn="l"/>
+                <a:tab pos="8229600" algn="l"/>
+                <a:tab pos="9144000" algn="l"/>
+                <a:tab pos="10058400" algn="l"/>
+              </a:tabLst>
+              <a:defRPr sz="2100">
+                <a:solidFill>
+                  <a:srgbClr val="993300"/>
+                </a:solidFill>
+                <a:latin typeface="Agency FB" pitchFamily="34" charset="0"/>
+              </a:defRPr>
+            </a:lvl6pPr>
+            <a:lvl7pPr marL="2971800" indent="-228600" defTabSz="449263" eaLnBrk="0" fontAlgn="base" hangingPunct="0">
+              <a:spcBef>
+                <a:spcPct val="0"/>
+              </a:spcBef>
+              <a:spcAft>
+                <a:spcPct val="0"/>
+              </a:spcAft>
+              <a:tabLst>
+                <a:tab pos="0" algn="l"/>
+                <a:tab pos="914400" algn="l"/>
+                <a:tab pos="1828800" algn="l"/>
+                <a:tab pos="2743200" algn="l"/>
+                <a:tab pos="3657600" algn="l"/>
+                <a:tab pos="4572000" algn="l"/>
+                <a:tab pos="5486400" algn="l"/>
+                <a:tab pos="6400800" algn="l"/>
+                <a:tab pos="7315200" algn="l"/>
+                <a:tab pos="8229600" algn="l"/>
+                <a:tab pos="9144000" algn="l"/>
+                <a:tab pos="10058400" algn="l"/>
+              </a:tabLst>
+              <a:defRPr sz="2100">
+                <a:solidFill>
+                  <a:srgbClr val="993300"/>
+                </a:solidFill>
+                <a:latin typeface="Agency FB" pitchFamily="34" charset="0"/>
+              </a:defRPr>
+            </a:lvl7pPr>
+            <a:lvl8pPr marL="3429000" indent="-228600" defTabSz="449263" eaLnBrk="0" fontAlgn="base" hangingPunct="0">
+              <a:spcBef>
+                <a:spcPct val="0"/>
+              </a:spcBef>
+              <a:spcAft>
+                <a:spcPct val="0"/>
+              </a:spcAft>
+              <a:tabLst>
+                <a:tab pos="0" algn="l"/>
+                <a:tab pos="914400" algn="l"/>
+                <a:tab pos="1828800" algn="l"/>
+                <a:tab pos="2743200" algn="l"/>
+                <a:tab pos="3657600" algn="l"/>
+                <a:tab pos="4572000" algn="l"/>
+                <a:tab pos="5486400" algn="l"/>
+                <a:tab pos="6400800" algn="l"/>
+                <a:tab pos="7315200" algn="l"/>
+                <a:tab pos="8229600" algn="l"/>
+                <a:tab pos="9144000" algn="l"/>
+                <a:tab pos="10058400" algn="l"/>
+              </a:tabLst>
+              <a:defRPr sz="2100">
+                <a:solidFill>
+                  <a:srgbClr val="993300"/>
+                </a:solidFill>
+                <a:latin typeface="Agency FB" pitchFamily="34" charset="0"/>
+              </a:defRPr>
+            </a:lvl8pPr>
+            <a:lvl9pPr marL="3886200" indent="-228600" defTabSz="449263" eaLnBrk="0" fontAlgn="base" hangingPunct="0">
+              <a:spcBef>
+                <a:spcPct val="0"/>
+              </a:spcBef>
+              <a:spcAft>
+                <a:spcPct val="0"/>
+              </a:spcAft>
+              <a:tabLst>
+                <a:tab pos="0" algn="l"/>
+                <a:tab pos="914400" algn="l"/>
+                <a:tab pos="1828800" algn="l"/>
+                <a:tab pos="2743200" algn="l"/>
+                <a:tab pos="3657600" algn="l"/>
+                <a:tab pos="4572000" algn="l"/>
+                <a:tab pos="5486400" algn="l"/>
+                <a:tab pos="6400800" algn="l"/>
+                <a:tab pos="7315200" algn="l"/>
+                <a:tab pos="8229600" algn="l"/>
+                <a:tab pos="9144000" algn="l"/>
+                <a:tab pos="10058400" algn="l"/>
+              </a:tabLst>
+              <a:defRPr sz="2100">
+                <a:solidFill>
+                  <a:srgbClr val="993300"/>
+                </a:solidFill>
+                <a:latin typeface="Agency FB" pitchFamily="34" charset="0"/>
+              </a:defRPr>
+            </a:lvl9pPr>
+          </a:lstStyle>
+          <a:p>
+            <a:pPr algn="ctr" defTabSz="336947" eaLnBrk="1" hangingPunct="1">
+              <a:buClr>
+                <a:srgbClr val="000000"/>
+              </a:buClr>
+              <a:buSzPct val="100000"/>
+              <a:tabLst>
+                <a:tab pos="0" algn="l"/>
+                <a:tab pos="685800" algn="l"/>
+                <a:tab pos="1371600" algn="l"/>
+                <a:tab pos="2057400" algn="l"/>
+                <a:tab pos="2743200" algn="l"/>
+                <a:tab pos="3429000" algn="l"/>
+                <a:tab pos="4114800" algn="l"/>
+                <a:tab pos="4800600" algn="l"/>
+                <a:tab pos="5486400" algn="l"/>
+                <a:tab pos="6172200" algn="l"/>
+                <a:tab pos="6858000" algn="l"/>
+                <a:tab pos="7543800" algn="l"/>
+              </a:tabLst>
+              <a:defRPr/>
+            </a:pPr>
+            <a:endParaRPr lang="en-GB" altLang="ru-RU" sz="1200" dirty="0">
+              <a:solidFill>
+                <a:srgbClr val="000000"/>
+              </a:solidFill>
+              <a:latin typeface="Bookman Old Style" pitchFamily="18" charset="0"/>
+            </a:endParaRPr>
+          </a:p>
+        </p:txBody>
+      </p:sp>
+      <p:sp>
+        <p:nvSpPr>
+          <p:cNvPr id="6" name="Rectangle 7"/>
+          <p:cNvSpPr>
+            <a:spLocks noChangeArrowheads="1"/>
+          </p:cNvSpPr>
+          <p:nvPr/>
+        </p:nvSpPr>
+        <p:spPr bwMode="auto">
+          <a:xfrm>
+            <a:off x="0" y="4903214"/>
+            <a:ext cx="8395130" cy="238527"/>
+          </a:xfrm>
+          <a:prstGeom prst="rect">
+            <a:avLst/>
+          </a:prstGeom>
+          <a:noFill/>
+          <a:ln>
+            <a:noFill/>
+          </a:ln>
+          <a:extLst>
+            <a:ext uri="{909E8E84-426E-40DD-AFC4-6F175D3DCCD1}">
+              <a14:hiddenFill xmlns:a14="http://schemas.microsoft.com/office/drawing/2010/main">
+                <a:solidFill>
+                  <a:srgbClr val="FFFFFF"/>
+                </a:solidFill>
+              </a14:hiddenFill>
+            </a:ext>
+            <a:ext uri="{91240B29-F687-4F45-9708-019B960494DF}">
+              <a14:hiddenLine xmlns:a14="http://schemas.microsoft.com/office/drawing/2010/main" w="9525">
+                <a:solidFill>
+                  <a:srgbClr val="000000"/>
+                </a:solidFill>
+                <a:miter lim="800000"/>
+                <a:headEnd/>
+                <a:tailEnd/>
+              </a14:hiddenLine>
+            </a:ext>
+          </a:extLst>
+        </p:spPr>
+        <p:txBody>
+          <a:bodyPr wrap="square" lIns="68580" tIns="34290" rIns="68580" bIns="34290" anchor="ctr">
+            <a:spAutoFit/>
+          </a:bodyPr>
+          <a:lstStyle>
+            <a:lvl1pPr eaLnBrk="0" hangingPunct="0">
+              <a:defRPr sz="2100">
+                <a:solidFill>
+                  <a:srgbClr val="993300"/>
+                </a:solidFill>
+                <a:latin typeface="Agency FB" pitchFamily="34" charset="0"/>
+              </a:defRPr>
+            </a:lvl1pPr>
+            <a:lvl2pPr marL="742950" indent="-285750" eaLnBrk="0" hangingPunct="0">
+              <a:defRPr sz="2100">
+                <a:solidFill>
+                  <a:srgbClr val="993300"/>
+                </a:solidFill>
+                <a:latin typeface="Agency FB" pitchFamily="34" charset="0"/>
+              </a:defRPr>
+            </a:lvl2pPr>
+            <a:lvl3pPr marL="1143000" indent="-228600" eaLnBrk="0" hangingPunct="0">
+              <a:defRPr sz="2100">
+                <a:solidFill>
+                  <a:srgbClr val="993300"/>
+                </a:solidFill>
+                <a:latin typeface="Agency FB" pitchFamily="34" charset="0"/>
+              </a:defRPr>
+            </a:lvl3pPr>
+            <a:lvl4pPr marL="1600200" indent="-228600" eaLnBrk="0" hangingPunct="0">
+              <a:defRPr sz="2100">
+                <a:solidFill>
+                  <a:srgbClr val="993300"/>
+                </a:solidFill>
+                <a:latin typeface="Agency FB" pitchFamily="34" charset="0"/>
+              </a:defRPr>
+            </a:lvl4pPr>
+            <a:lvl5pPr marL="2057400" indent="-228600" eaLnBrk="0" hangingPunct="0">
+              <a:defRPr sz="2100">
+                <a:solidFill>
+                  <a:srgbClr val="993300"/>
+                </a:solidFill>
+                <a:latin typeface="Agency FB" pitchFamily="34" charset="0"/>
+              </a:defRPr>
+            </a:lvl5pPr>
+            <a:lvl6pPr marL="2514600" indent="-228600" eaLnBrk="0" fontAlgn="base" hangingPunct="0">
+              <a:spcBef>
+                <a:spcPct val="0"/>
+              </a:spcBef>
+              <a:spcAft>
+                <a:spcPct val="0"/>
+              </a:spcAft>
+              <a:defRPr sz="2100">
+                <a:solidFill>
+                  <a:srgbClr val="993300"/>
+                </a:solidFill>
+                <a:latin typeface="Agency FB" pitchFamily="34" charset="0"/>
+              </a:defRPr>
+            </a:lvl6pPr>
+            <a:lvl7pPr marL="2971800" indent="-228600" eaLnBrk="0" fontAlgn="base" hangingPunct="0">
+              <a:spcBef>
+                <a:spcPct val="0"/>
+              </a:spcBef>
+              <a:spcAft>
+                <a:spcPct val="0"/>
+              </a:spcAft>
+              <a:defRPr sz="2100">
+                <a:solidFill>
+                  <a:srgbClr val="993300"/>
+                </a:solidFill>
+                <a:latin typeface="Agency FB" pitchFamily="34" charset="0"/>
+              </a:defRPr>
+            </a:lvl7pPr>
+            <a:lvl8pPr marL="3429000" indent="-228600" eaLnBrk="0" fontAlgn="base" hangingPunct="0">
+              <a:spcBef>
+                <a:spcPct val="0"/>
+              </a:spcBef>
+              <a:spcAft>
+                <a:spcPct val="0"/>
+              </a:spcAft>
+              <a:defRPr sz="2100">
+                <a:solidFill>
+                  <a:srgbClr val="993300"/>
+                </a:solidFill>
+                <a:latin typeface="Agency FB" pitchFamily="34" charset="0"/>
+              </a:defRPr>
+            </a:lvl8pPr>
+            <a:lvl9pPr marL="3886200" indent="-228600" eaLnBrk="0" fontAlgn="base" hangingPunct="0">
+              <a:spcBef>
+                <a:spcPct val="0"/>
+              </a:spcBef>
+              <a:spcAft>
+                <a:spcPct val="0"/>
+              </a:spcAft>
+              <a:defRPr sz="2100">
+                <a:solidFill>
+                  <a:srgbClr val="993300"/>
+                </a:solidFill>
+                <a:latin typeface="Agency FB" pitchFamily="34" charset="0"/>
+              </a:defRPr>
+            </a:lvl9pPr>
+          </a:lstStyle>
+          <a:p>
+            <a:pPr algn="ctr">
+              <a:spcAft>
+                <a:spcPts val="450"/>
+              </a:spcAft>
+            </a:pPr>
+            <a:r>
+              <a:rPr lang="ru-RU" sz="1100" dirty="0" smtClean="0">
+                <a:solidFill>
+                  <a:schemeClr val="tx1"/>
+                </a:solidFill>
+                <a:latin typeface="Times New Roman" panose="02020603050405020304" pitchFamily="18" charset="0"/>
+                <a:cs typeface="Times New Roman" panose="02020603050405020304" pitchFamily="18" charset="0"/>
+              </a:rPr>
+              <a:t>Мансуров Р. Р. </a:t>
+            </a:r>
+            <a:r>
+              <a:rPr lang="ru-RU" sz="1100" dirty="0">
+                <a:solidFill>
+                  <a:schemeClr val="tx1"/>
+                </a:solidFill>
+                <a:latin typeface="Times New Roman" panose="02020603050405020304" pitchFamily="18" charset="0"/>
+                <a:cs typeface="Times New Roman" panose="02020603050405020304" pitchFamily="18" charset="0"/>
+              </a:rPr>
+              <a:t>«Повышение дальности стрельбы активно-реактивным снарядом на основе математического моделирования…»</a:t>
+            </a:r>
+          </a:p>
+        </p:txBody>
+      </p:sp>
+      <p:sp>
+        <p:nvSpPr>
+          <p:cNvPr id="7" name="Line 8"/>
+          <p:cNvSpPr>
+            <a:spLocks noChangeShapeType="1"/>
+          </p:cNvSpPr>
+          <p:nvPr/>
+        </p:nvSpPr>
+        <p:spPr bwMode="auto">
+          <a:xfrm>
+            <a:off x="0" y="4891170"/>
+            <a:ext cx="8395130" cy="0"/>
+          </a:xfrm>
+          <a:prstGeom prst="line">
+            <a:avLst/>
+          </a:prstGeom>
+          <a:noFill/>
+          <a:ln w="9525">
+            <a:solidFill>
+              <a:schemeClr val="tx1"/>
+            </a:solidFill>
+            <a:round/>
+            <a:headEnd/>
+            <a:tailEnd/>
+          </a:ln>
+          <a:extLst>
+            <a:ext uri="{909E8E84-426E-40DD-AFC4-6F175D3DCCD1}">
+              <a14:hiddenFill xmlns:a14="http://schemas.microsoft.com/office/drawing/2010/main">
+                <a:noFill/>
+              </a14:hiddenFill>
+            </a:ext>
+          </a:extLst>
+        </p:spPr>
+        <p:txBody>
+          <a:bodyPr lIns="68580" tIns="34290" rIns="68580" bIns="34290"/>
+          <a:lstStyle/>
+          <a:p>
+            <a:pPr>
+              <a:defRPr/>
+            </a:pPr>
+            <a:endParaRPr lang="ru-RU">
+              <a:solidFill>
+                <a:prstClr val="black"/>
+              </a:solidFill>
+              <a:latin typeface="Calibri" panose="020F0502020204030204"/>
+            </a:endParaRPr>
+          </a:p>
+        </p:txBody>
+      </p:sp>
+      <p:sp>
+        <p:nvSpPr>
+          <p:cNvPr id="8" name="Rectangle 28" descr="Светлый диагональный 2"/>
+          <p:cNvSpPr>
+            <a:spLocks noChangeArrowheads="1"/>
+          </p:cNvSpPr>
+          <p:nvPr/>
+        </p:nvSpPr>
+        <p:spPr bwMode="auto">
+          <a:xfrm>
+            <a:off x="0" y="1650"/>
+            <a:ext cx="9144000" cy="341250"/>
+          </a:xfrm>
+          <a:prstGeom prst="rect">
+            <a:avLst/>
+          </a:prstGeom>
+          <a:ln>
+            <a:noFill/>
+            <a:headEnd/>
+            <a:tailEnd/>
+          </a:ln>
+          <a:extLst/>
+        </p:spPr>
+        <p:style>
+          <a:lnRef idx="2">
+            <a:schemeClr val="dk1"/>
+          </a:lnRef>
+          <a:fillRef idx="1">
+            <a:schemeClr val="lt1"/>
+          </a:fillRef>
+          <a:effectRef idx="0">
+            <a:schemeClr val="dk1"/>
+          </a:effectRef>
+          <a:fontRef idx="minor">
+            <a:schemeClr val="dk1"/>
+          </a:fontRef>
+        </p:style>
+        <p:txBody>
+          <a:bodyPr vert="horz" wrap="square" lIns="13500" tIns="13500" rIns="13500" bIns="13500" numCol="1" anchor="ctr" anchorCtr="0" compatLnSpc="1">
+            <a:prstTxWarp prst="textNoShape">
+              <a:avLst/>
+            </a:prstTxWarp>
+          </a:bodyPr>
+          <a:lstStyle/>
+          <a:p>
+            <a:pPr indent="133350" algn="ctr">
+              <a:defRPr/>
+            </a:pPr>
+            <a:r>
+              <a:rPr lang="en-US" sz="1200" cap="small" dirty="0" smtClean="0">
+                <a:solidFill>
+                  <a:srgbClr val="292929"/>
+                </a:solidFill>
+                <a:latin typeface="Bookman Old Style" pitchFamily="18" charset="0"/>
+                <a:cs typeface="Times New Roman" panose="02020603050405020304" pitchFamily="18" charset="0"/>
+              </a:rPr>
+              <a:t> </a:t>
+            </a:r>
+            <a:r>
+              <a:rPr lang="ru-RU" sz="1200" cap="small" dirty="0" smtClean="0">
+                <a:solidFill>
+                  <a:srgbClr val="292929"/>
+                </a:solidFill>
+                <a:latin typeface="Bookman Old Style" pitchFamily="18" charset="0"/>
+                <a:cs typeface="Times New Roman" panose="02020603050405020304" pitchFamily="18" charset="0"/>
+              </a:rPr>
+              <a:t>ПРОГРАММНО-ВЫЧИСЛИТЕЛЬНЫЙ КОМПЛЕКС</a:t>
+            </a:r>
+            <a:endParaRPr lang="ru-RU" sz="1200" cap="small" dirty="0">
+              <a:solidFill>
+                <a:srgbClr val="996600"/>
+              </a:solidFill>
+              <a:latin typeface="Bookman Old Style" pitchFamily="18" charset="0"/>
+              <a:cs typeface="Times New Roman" panose="02020603050405020304" pitchFamily="18" charset="0"/>
+            </a:endParaRPr>
+          </a:p>
+        </p:txBody>
+      </p:sp>
+      <p:sp>
+        <p:nvSpPr>
+          <p:cNvPr id="9" name="Line 8"/>
+          <p:cNvSpPr>
+            <a:spLocks noChangeShapeType="1"/>
+          </p:cNvSpPr>
+          <p:nvPr/>
+        </p:nvSpPr>
+        <p:spPr bwMode="auto">
+          <a:xfrm>
+            <a:off x="0" y="329711"/>
+            <a:ext cx="9144000" cy="0"/>
+          </a:xfrm>
+          <a:prstGeom prst="line">
+            <a:avLst/>
+          </a:prstGeom>
+          <a:noFill/>
+          <a:ln w="9525">
+            <a:solidFill>
+              <a:schemeClr val="tx1"/>
+            </a:solidFill>
+            <a:round/>
+            <a:headEnd/>
+            <a:tailEnd/>
+          </a:ln>
+          <a:extLst>
+            <a:ext uri="{909E8E84-426E-40DD-AFC4-6F175D3DCCD1}">
+              <a14:hiddenFill xmlns:a14="http://schemas.microsoft.com/office/drawing/2010/main">
+                <a:noFill/>
+              </a14:hiddenFill>
+            </a:ext>
+          </a:extLst>
+        </p:spPr>
+        <p:txBody>
+          <a:bodyPr lIns="68580" tIns="34290" rIns="68580" bIns="34290"/>
+          <a:lstStyle/>
+          <a:p>
+            <a:pPr>
+              <a:defRPr/>
+            </a:pPr>
+            <a:endParaRPr lang="ru-RU">
+              <a:solidFill>
+                <a:prstClr val="black"/>
+              </a:solidFill>
+              <a:latin typeface="Calibri" panose="020F0502020204030204"/>
+            </a:endParaRPr>
+          </a:p>
+        </p:txBody>
+      </p:sp>
+      <p:sp>
+        <p:nvSpPr>
+          <p:cNvPr id="75" name="Rectangle 67"/>
+          <p:cNvSpPr>
+            <a:spLocks noChangeArrowheads="1"/>
+          </p:cNvSpPr>
+          <p:nvPr/>
+        </p:nvSpPr>
+        <p:spPr bwMode="auto">
+          <a:xfrm>
+            <a:off x="0" y="29103"/>
+            <a:ext cx="138564" cy="284693"/>
+          </a:xfrm>
+          <a:prstGeom prst="rect">
+            <a:avLst/>
+          </a:prstGeom>
+          <a:noFill/>
+          <a:ln>
+            <a:noFill/>
+          </a:ln>
+          <a:effectLst/>
+          <a:extLst>
+            <a:ext uri="{909E8E84-426E-40DD-AFC4-6F175D3DCCD1}">
+              <a14:hiddenFill xmlns:a14="http://schemas.microsoft.com/office/drawing/2010/main">
+                <a:solidFill>
+                  <a:schemeClr val="accent1"/>
+                </a:solidFill>
+              </a14:hiddenFill>
+            </a:ext>
+            <a:ext uri="{91240B29-F687-4F45-9708-019B960494DF}">
+              <a14:hiddenLine xmlns:a14="http://schemas.microsoft.com/office/drawing/2010/main" w="9525">
+                <a:solidFill>
+                  <a:schemeClr val="tx1"/>
+                </a:solidFill>
+                <a:miter lim="800000"/>
+                <a:headEnd/>
+                <a:tailEnd/>
+              </a14:hiddenLine>
+            </a:ext>
+            <a:ext uri="{AF507438-7753-43E0-B8FC-AC1667EBCBE1}">
+              <a14:hiddenEffects xmlns:a14="http://schemas.microsoft.com/office/drawing/2010/main">
+                <a:effectLst>
+                  <a:outerShdw dist="35921" dir="2700000" algn="ctr" rotWithShape="0">
+                    <a:schemeClr val="bg2"/>
+                  </a:outerShdw>
+                </a:effectLst>
+              </a14:hiddenEffects>
+            </a:ext>
+          </a:extLst>
+        </p:spPr>
+        <p:txBody>
+          <a:bodyPr vert="horz" wrap="none" lIns="68580" tIns="34290" rIns="68580" bIns="34290" numCol="1" anchor="ctr" anchorCtr="0" compatLnSpc="1">
+            <a:prstTxWarp prst="textNoShape">
+              <a:avLst/>
+            </a:prstTxWarp>
+            <a:spAutoFit/>
+          </a:bodyPr>
+          <a:lstStyle/>
+          <a:p>
+            <a:pPr>
+              <a:defRPr/>
+            </a:pPr>
+            <a:endParaRPr lang="ru-RU">
+              <a:solidFill>
+                <a:prstClr val="black"/>
+              </a:solidFill>
+              <a:latin typeface="Calibri" panose="020F0502020204030204"/>
+            </a:endParaRPr>
+          </a:p>
+        </p:txBody>
+      </p:sp>
+      <p:sp>
+        <p:nvSpPr>
+          <p:cNvPr id="20" name="Номер слайда 2"/>
+          <p:cNvSpPr>
+            <a:spLocks noGrp="1"/>
+          </p:cNvSpPr>
+          <p:nvPr>
+            <p:ph type="sldNum" sz="quarter" idx="12"/>
+          </p:nvPr>
+        </p:nvSpPr>
+        <p:spPr>
+          <a:xfrm>
+            <a:off x="8377335" y="4894257"/>
+            <a:ext cx="766665" cy="249243"/>
+          </a:xfrm>
+          <a:ln w="9525">
+            <a:solidFill>
+              <a:schemeClr val="tx1"/>
+            </a:solidFill>
+          </a:ln>
+        </p:spPr>
+        <p:txBody>
+          <a:bodyPr/>
+          <a:lstStyle/>
+          <a:p>
+            <a:pPr algn="ctr"/>
+            <a:r>
+              <a:rPr lang="ru-RU" sz="1200" dirty="0" smtClean="0">
+                <a:solidFill>
+                  <a:schemeClr val="tx1"/>
+                </a:solidFill>
+                <a:latin typeface="Times New Roman" panose="02020603050405020304" pitchFamily="18" charset="0"/>
+                <a:cs typeface="Times New Roman" panose="02020603050405020304" pitchFamily="18" charset="0"/>
+              </a:rPr>
+              <a:t>13/16</a:t>
+            </a:r>
+            <a:endParaRPr lang="ru-RU" sz="1200" dirty="0">
+              <a:solidFill>
+                <a:schemeClr val="tx1"/>
+              </a:solidFill>
+              <a:latin typeface="Times New Roman" panose="02020603050405020304" pitchFamily="18" charset="0"/>
+              <a:cs typeface="Times New Roman" panose="02020603050405020304" pitchFamily="18" charset="0"/>
+            </a:endParaRPr>
+          </a:p>
+        </p:txBody>
+      </p:sp>
+      <p:sp>
+        <p:nvSpPr>
+          <p:cNvPr id="87" name="Прямоугольник 86"/>
+          <p:cNvSpPr/>
+          <p:nvPr/>
+        </p:nvSpPr>
+        <p:spPr>
+          <a:xfrm>
+            <a:off x="3016926" y="4522714"/>
+            <a:ext cx="3110147" cy="246221"/>
+          </a:xfrm>
+          <a:prstGeom prst="rect">
+            <a:avLst/>
+          </a:prstGeom>
+        </p:spPr>
+        <p:txBody>
+          <a:bodyPr wrap="none">
+            <a:spAutoFit/>
+          </a:bodyPr>
+          <a:lstStyle/>
+          <a:p>
+            <a:pPr algn="ctr">
+              <a:spcAft>
+                <a:spcPts val="0"/>
+              </a:spcAft>
+            </a:pPr>
+            <a:r>
+              <a:rPr lang="ru-RU" sz="1000" dirty="0" smtClean="0">
+                <a:latin typeface="Times New Roman" panose="02020603050405020304" pitchFamily="18" charset="0"/>
+                <a:ea typeface="Times New Roman" panose="02020603050405020304" pitchFamily="18" charset="0"/>
+              </a:rPr>
+              <a:t>Рисунок  </a:t>
+            </a:r>
+            <a:r>
+              <a:rPr lang="ru-RU" sz="1000" dirty="0" smtClean="0">
+                <a:latin typeface="Times New Roman" panose="02020603050405020304" pitchFamily="18" charset="0"/>
+                <a:ea typeface="Times New Roman" panose="02020603050405020304" pitchFamily="18" charset="0"/>
+              </a:rPr>
+              <a:t>19</a:t>
+            </a:r>
+            <a:r>
+              <a:rPr lang="en-US" sz="1000" dirty="0" smtClean="0">
+                <a:latin typeface="Times New Roman" panose="02020603050405020304" pitchFamily="18" charset="0"/>
+                <a:ea typeface="Times New Roman" panose="02020603050405020304" pitchFamily="18" charset="0"/>
+              </a:rPr>
+              <a:t> </a:t>
+            </a:r>
+            <a:r>
+              <a:rPr lang="ru-RU" sz="1000" dirty="0" smtClean="0">
+                <a:latin typeface="Times New Roman" pitchFamily="18" charset="0"/>
+                <a:cs typeface="Times New Roman" pitchFamily="18" charset="0"/>
+              </a:rPr>
+              <a:t>–</a:t>
+            </a:r>
+            <a:r>
+              <a:rPr lang="ru-RU" sz="1000" dirty="0" smtClean="0">
+                <a:latin typeface="Times New Roman" panose="02020603050405020304" pitchFamily="18" charset="0"/>
+                <a:ea typeface="Times New Roman" panose="02020603050405020304" pitchFamily="18" charset="0"/>
+              </a:rPr>
+              <a:t> </a:t>
+            </a:r>
+            <a:r>
+              <a:rPr lang="ru-RU" sz="1000" dirty="0" smtClean="0">
+                <a:latin typeface="Times New Roman" panose="02020603050405020304" pitchFamily="18" charset="0"/>
+                <a:ea typeface="Times New Roman" panose="02020603050405020304" pitchFamily="18" charset="0"/>
+              </a:rPr>
+              <a:t>Интерфейс программного комплекса</a:t>
+            </a:r>
+            <a:endParaRPr lang="ru-RU" sz="700" dirty="0">
+              <a:effectLst/>
+              <a:latin typeface="Times New Roman" panose="02020603050405020304" pitchFamily="18" charset="0"/>
+              <a:ea typeface="Times New Roman" panose="02020603050405020304" pitchFamily="18" charset="0"/>
+            </a:endParaRPr>
+          </a:p>
+        </p:txBody>
+      </p:sp>
+      <p:pic>
+        <p:nvPicPr>
+          <p:cNvPr id="12" name="Рисунок 11"/>
+          <p:cNvPicPr>
+            <a:picLocks noChangeAspect="1"/>
+          </p:cNvPicPr>
+          <p:nvPr/>
+        </p:nvPicPr>
+        <p:blipFill>
+          <a:blip r:embed="rId2"/>
+          <a:stretch>
+            <a:fillRect/>
+          </a:stretch>
+        </p:blipFill>
+        <p:spPr>
+          <a:xfrm>
+            <a:off x="1027911" y="657773"/>
+            <a:ext cx="7088176" cy="3843264"/>
+          </a:xfrm>
+          <a:prstGeom prst="rect">
+            <a:avLst/>
+          </a:prstGeom>
+        </p:spPr>
+      </p:pic>
+    </p:spTree>
+    <p:extLst>
+      <p:ext uri="{BB962C8B-B14F-4D97-AF65-F5344CB8AC3E}">
+        <p14:creationId xmlns:p14="http://schemas.microsoft.com/office/powerpoint/2010/main" val="868294007"/>
+      </p:ext>
+    </p:extLst>
+  </p:cSld>
+  <p:clrMapOvr>
+    <a:masterClrMapping/>
+  </p:clrMapOvr>
+  <p:timing>
+    <p:tnLst>
+      <p:par>
+        <p:cTn id="1" dur="indefinite" restart="never" nodeType="tmRoot"/>
+      </p:par>
+    </p:tnLst>
+  </p:timing>
+</p:sld>
+</file>
+
+<file path=ppt/slides/slide13.xml><?xml version="1.0" encoding="utf-8"?>
+<p:sld xmlns:a="http://schemas.openxmlformats.org/drawingml/2006/main" xmlns:r="http://schemas.openxmlformats.org/officeDocument/2006/relationships" xmlns:p="http://schemas.openxmlformats.org/presentationml/2006/main">
+  <p:cSld>
+    <p:spTree>
+      <p:nvGrpSpPr>
+        <p:cNvPr id="1" name=""/>
+        <p:cNvGrpSpPr/>
+        <p:nvPr/>
+      </p:nvGrpSpPr>
+      <p:grpSpPr>
+        <a:xfrm>
+          <a:off x="0" y="0"/>
+          <a:ext cx="0" cy="0"/>
+          <a:chOff x="0" y="0"/>
+          <a:chExt cx="0" cy="0"/>
+        </a:xfrm>
+      </p:grpSpPr>
+      <p:sp>
+        <p:nvSpPr>
           <p:cNvPr id="6" name="Rectangle 28" descr="Светлый диагональный 2"/>
           <p:cNvSpPr>
             <a:spLocks noChangeArrowheads="1"/>
@@ -13323,13 +14140,6 @@
               </a:rPr>
               <a:t>«Повышение дальности стрельбы активно-реактивным снарядом на основе математического моделирования…»</a:t>
             </a:r>
-            <a:endParaRPr lang="ru-RU" sz="1100" dirty="0">
-              <a:solidFill>
-                <a:schemeClr val="tx1"/>
-              </a:solidFill>
-              <a:latin typeface="Times New Roman" panose="02020603050405020304" pitchFamily="18" charset="0"/>
-              <a:cs typeface="Times New Roman" panose="02020603050405020304" pitchFamily="18" charset="0"/>
-            </a:endParaRPr>
           </a:p>
         </p:txBody>
       </p:sp>
@@ -13615,28 +14425,28 @@
                     <a:gridCol w="875899">
                       <a:extLst>
                         <a:ext uri="{9D8B030D-6E8A-4147-A177-3AD203B41FA5}">
-                          <a16:colId xmlns:a16="http://schemas.microsoft.com/office/drawing/2014/main" val="20000"/>
+                          <a16:colId xmlns:a16="http://schemas.microsoft.com/office/drawing/2014/main" xmlns="" val="20000"/>
                         </a:ext>
                       </a:extLst>
                     </a:gridCol>
                     <a:gridCol w="875899">
                       <a:extLst>
                         <a:ext uri="{9D8B030D-6E8A-4147-A177-3AD203B41FA5}">
-                          <a16:colId xmlns:a16="http://schemas.microsoft.com/office/drawing/2014/main" val="20001"/>
+                          <a16:colId xmlns:a16="http://schemas.microsoft.com/office/drawing/2014/main" xmlns="" val="20001"/>
                         </a:ext>
                       </a:extLst>
                     </a:gridCol>
                     <a:gridCol w="875899">
                       <a:extLst>
                         <a:ext uri="{9D8B030D-6E8A-4147-A177-3AD203B41FA5}">
-                          <a16:colId xmlns:a16="http://schemas.microsoft.com/office/drawing/2014/main" val="20002"/>
+                          <a16:colId xmlns:a16="http://schemas.microsoft.com/office/drawing/2014/main" xmlns="" val="20002"/>
                         </a:ext>
                       </a:extLst>
                     </a:gridCol>
                     <a:gridCol w="875899">
                       <a:extLst>
                         <a:ext uri="{9D8B030D-6E8A-4147-A177-3AD203B41FA5}">
-                          <a16:colId xmlns:a16="http://schemas.microsoft.com/office/drawing/2014/main" val="20003"/>
+                          <a16:colId xmlns:a16="http://schemas.microsoft.com/office/drawing/2014/main" xmlns="" val="20003"/>
                         </a:ext>
                       </a:extLst>
                     </a:gridCol>
@@ -13995,7 +14805,7 @@
                     </a:tc>
                     <a:extLst>
                       <a:ext uri="{0D108BD9-81ED-4DB2-BD59-A6C34878D82A}">
-                        <a16:rowId xmlns:a16="http://schemas.microsoft.com/office/drawing/2014/main" val="10000"/>
+                        <a16:rowId xmlns:a16="http://schemas.microsoft.com/office/drawing/2014/main" xmlns="" val="10000"/>
                       </a:ext>
                     </a:extLst>
                   </a:tr>
@@ -14297,7 +15107,7 @@
                     </a:tc>
                     <a:extLst>
                       <a:ext uri="{0D108BD9-81ED-4DB2-BD59-A6C34878D82A}">
-                        <a16:rowId xmlns:a16="http://schemas.microsoft.com/office/drawing/2014/main" val="10001"/>
+                        <a16:rowId xmlns:a16="http://schemas.microsoft.com/office/drawing/2014/main" xmlns="" val="10001"/>
                       </a:ext>
                     </a:extLst>
                   </a:tr>
@@ -15023,28 +15833,28 @@
                     <a:gridCol w="875899">
                       <a:extLst>
                         <a:ext uri="{9D8B030D-6E8A-4147-A177-3AD203B41FA5}">
-                          <a16:colId xmlns:a16="http://schemas.microsoft.com/office/drawing/2014/main" val="20000"/>
+                          <a16:colId xmlns:a16="http://schemas.microsoft.com/office/drawing/2014/main" xmlns="" val="20000"/>
                         </a:ext>
                       </a:extLst>
                     </a:gridCol>
                     <a:gridCol w="875899">
                       <a:extLst>
                         <a:ext uri="{9D8B030D-6E8A-4147-A177-3AD203B41FA5}">
-                          <a16:colId xmlns:a16="http://schemas.microsoft.com/office/drawing/2014/main" val="20001"/>
+                          <a16:colId xmlns:a16="http://schemas.microsoft.com/office/drawing/2014/main" xmlns="" val="20001"/>
                         </a:ext>
                       </a:extLst>
                     </a:gridCol>
                     <a:gridCol w="875899">
                       <a:extLst>
                         <a:ext uri="{9D8B030D-6E8A-4147-A177-3AD203B41FA5}">
-                          <a16:colId xmlns:a16="http://schemas.microsoft.com/office/drawing/2014/main" val="20002"/>
+                          <a16:colId xmlns:a16="http://schemas.microsoft.com/office/drawing/2014/main" xmlns="" val="20002"/>
                         </a:ext>
                       </a:extLst>
                     </a:gridCol>
                     <a:gridCol w="875899">
                       <a:extLst>
                         <a:ext uri="{9D8B030D-6E8A-4147-A177-3AD203B41FA5}">
-                          <a16:colId xmlns:a16="http://schemas.microsoft.com/office/drawing/2014/main" val="20003"/>
+                          <a16:colId xmlns:a16="http://schemas.microsoft.com/office/drawing/2014/main" xmlns="" val="20003"/>
                         </a:ext>
                       </a:extLst>
                     </a:gridCol>
@@ -15371,7 +16181,7 @@
                     </a:tc>
                     <a:extLst>
                       <a:ext uri="{0D108BD9-81ED-4DB2-BD59-A6C34878D82A}">
-                        <a16:rowId xmlns:a16="http://schemas.microsoft.com/office/drawing/2014/main" val="10000"/>
+                        <a16:rowId xmlns:a16="http://schemas.microsoft.com/office/drawing/2014/main" xmlns="" val="10000"/>
                       </a:ext>
                     </a:extLst>
                   </a:tr>
@@ -15656,7 +16466,7 @@
                     </a:tc>
                     <a:extLst>
                       <a:ext uri="{0D108BD9-81ED-4DB2-BD59-A6C34878D82A}">
-                        <a16:rowId xmlns:a16="http://schemas.microsoft.com/office/drawing/2014/main" val="10001"/>
+                        <a16:rowId xmlns:a16="http://schemas.microsoft.com/office/drawing/2014/main" xmlns="" val="10001"/>
                       </a:ext>
                     </a:extLst>
                   </a:tr>
@@ -15962,7 +16772,7 @@
                     </a:tc>
                     <a:extLst>
                       <a:ext uri="{0D108BD9-81ED-4DB2-BD59-A6C34878D82A}">
-                        <a16:rowId xmlns:a16="http://schemas.microsoft.com/office/drawing/2014/main" val="10002"/>
+                        <a16:rowId xmlns:a16="http://schemas.microsoft.com/office/drawing/2014/main" xmlns="" val="10002"/>
                       </a:ext>
                     </a:extLst>
                   </a:tr>
@@ -16864,7 +17674,7 @@
 </p:sld>
 </file>
 
-<file path=ppt/slides/slide13.xml><?xml version="1.0" encoding="utf-8"?>
+<file path=ppt/slides/slide14.xml><?xml version="1.0" encoding="utf-8"?>
 <p:sld xmlns:a="http://schemas.openxmlformats.org/drawingml/2006/main" xmlns:r="http://schemas.openxmlformats.org/officeDocument/2006/relationships" xmlns:p="http://schemas.openxmlformats.org/presentationml/2006/main">
   <p:cSld>
     <p:spTree>
@@ -17334,13 +18144,6 @@
               </a:rPr>
               <a:t>«Повышение дальности стрельбы активно-реактивным снарядом на основе математического моделирования…»</a:t>
             </a:r>
-            <a:endParaRPr lang="ru-RU" sz="1100" dirty="0">
-              <a:solidFill>
-                <a:schemeClr val="tx1"/>
-              </a:solidFill>
-              <a:latin typeface="Times New Roman" panose="02020603050405020304" pitchFamily="18" charset="0"/>
-              <a:cs typeface="Times New Roman" panose="02020603050405020304" pitchFamily="18" charset="0"/>
-            </a:endParaRPr>
           </a:p>
         </p:txBody>
       </p:sp>
@@ -17771,7 +18574,7 @@
           <a:graphicData uri="http://schemas.openxmlformats.org/presentationml/2006/ole">
             <mc:AlternateContent xmlns:mc="http://schemas.openxmlformats.org/markup-compatibility/2006">
               <mc:Choice xmlns:v="urn:schemas-microsoft-com:vml" Requires="v">
-                <p:oleObj spid="_x0000_s42281" name="Уравнение" r:id="rId3" imgW="812520" imgH="482400" progId="Equation.3">
+                <p:oleObj spid="_x0000_s42289" name="Уравнение" r:id="rId3" imgW="812520" imgH="482400" progId="Equation.3">
                   <p:embed/>
                 </p:oleObj>
               </mc:Choice>
@@ -17979,7 +18782,7 @@
           <a:graphicData uri="http://schemas.openxmlformats.org/presentationml/2006/ole">
             <mc:AlternateContent xmlns:mc="http://schemas.openxmlformats.org/markup-compatibility/2006">
               <mc:Choice xmlns:v="urn:schemas-microsoft-com:vml" Requires="v">
-                <p:oleObj spid="_x0000_s42282" name="Формула" r:id="rId5" imgW="723600" imgH="444240" progId="Equation.3">
+                <p:oleObj spid="_x0000_s42290" name="Формула" r:id="rId5" imgW="723600" imgH="444240" progId="Equation.3">
                   <p:embed/>
                 </p:oleObj>
               </mc:Choice>
@@ -18036,7 +18839,7 @@
           <a:graphicData uri="http://schemas.openxmlformats.org/presentationml/2006/ole">
             <mc:AlternateContent xmlns:mc="http://schemas.openxmlformats.org/markup-compatibility/2006">
               <mc:Choice xmlns:v="urn:schemas-microsoft-com:vml" Requires="v">
-                <p:oleObj spid="_x0000_s42283" name="Формула" r:id="rId7" imgW="901440" imgH="469800" progId="Equation.3">
+                <p:oleObj spid="_x0000_s42291" name="Формула" r:id="rId7" imgW="901440" imgH="469800" progId="Equation.3">
                   <p:embed/>
                 </p:oleObj>
               </mc:Choice>
@@ -18281,7 +19084,7 @@
           <a:graphicData uri="http://schemas.openxmlformats.org/presentationml/2006/ole">
             <mc:AlternateContent xmlns:mc="http://schemas.openxmlformats.org/markup-compatibility/2006">
               <mc:Choice xmlns:v="urn:schemas-microsoft-com:vml" Requires="v">
-                <p:oleObj spid="_x0000_s42284" name="Уравнение" r:id="rId11" imgW="812520" imgH="203040" progId="Equation.3">
+                <p:oleObj spid="_x0000_s42292" name="Уравнение" r:id="rId11" imgW="812520" imgH="203040" progId="Equation.3">
                   <p:embed/>
                 </p:oleObj>
               </mc:Choice>
@@ -18336,7 +19139,7 @@
 </p:sld>
 </file>
 
-<file path=ppt/slides/slide14.xml><?xml version="1.0" encoding="utf-8"?>
+<file path=ppt/slides/slide15.xml><?xml version="1.0" encoding="utf-8"?>
 <p:sld xmlns:a="http://schemas.openxmlformats.org/drawingml/2006/main" xmlns:r="http://schemas.openxmlformats.org/officeDocument/2006/relationships" xmlns:p="http://schemas.openxmlformats.org/presentationml/2006/main">
   <p:cSld>
     <p:spTree>
@@ -18806,13 +19609,6 @@
               </a:rPr>
               <a:t>«Повышение дальности стрельбы активно-реактивным снарядом на основе математического моделирования…»</a:t>
             </a:r>
-            <a:endParaRPr lang="ru-RU" sz="1100" dirty="0">
-              <a:solidFill>
-                <a:schemeClr val="tx1"/>
-              </a:solidFill>
-              <a:latin typeface="Times New Roman" panose="02020603050405020304" pitchFamily="18" charset="0"/>
-              <a:cs typeface="Times New Roman" panose="02020603050405020304" pitchFamily="18" charset="0"/>
-            </a:endParaRPr>
           </a:p>
         </p:txBody>
       </p:sp>
@@ -19404,7 +20200,7 @@
 </p:sld>
 </file>
 
-<file path=ppt/slides/slide15.xml><?xml version="1.0" encoding="utf-8"?>
+<file path=ppt/slides/slide16.xml><?xml version="1.0" encoding="utf-8"?>
 <p:sld xmlns:a="http://schemas.openxmlformats.org/drawingml/2006/main" xmlns:r="http://schemas.openxmlformats.org/officeDocument/2006/relationships" xmlns:p="http://schemas.openxmlformats.org/presentationml/2006/main">
   <p:cSld>
     <p:spTree>
@@ -20040,13 +20836,6 @@
               </a:rPr>
               <a:t>«Повышение дальности стрельбы активно-реактивным снарядом на основе математического моделирования…»</a:t>
             </a:r>
-            <a:endParaRPr lang="ru-RU" sz="1100" dirty="0">
-              <a:solidFill>
-                <a:schemeClr val="tx1"/>
-              </a:solidFill>
-              <a:latin typeface="Times New Roman" panose="02020603050405020304" pitchFamily="18" charset="0"/>
-              <a:cs typeface="Times New Roman" panose="02020603050405020304" pitchFamily="18" charset="0"/>
-            </a:endParaRPr>
           </a:p>
         </p:txBody>
       </p:sp>
@@ -20159,35 +20948,35 @@
                 <a:gridCol w="766125">
                   <a:extLst>
                     <a:ext uri="{9D8B030D-6E8A-4147-A177-3AD203B41FA5}">
-                      <a16:colId xmlns:a16="http://schemas.microsoft.com/office/drawing/2014/main" val="20000"/>
+                      <a16:colId xmlns:a16="http://schemas.microsoft.com/office/drawing/2014/main" xmlns="" val="20000"/>
                     </a:ext>
                   </a:extLst>
                 </a:gridCol>
                 <a:gridCol w="766125">
                   <a:extLst>
                     <a:ext uri="{9D8B030D-6E8A-4147-A177-3AD203B41FA5}">
-                      <a16:colId xmlns:a16="http://schemas.microsoft.com/office/drawing/2014/main" val="20001"/>
+                      <a16:colId xmlns:a16="http://schemas.microsoft.com/office/drawing/2014/main" xmlns="" val="20001"/>
                     </a:ext>
                   </a:extLst>
                 </a:gridCol>
                 <a:gridCol w="766125">
                   <a:extLst>
                     <a:ext uri="{9D8B030D-6E8A-4147-A177-3AD203B41FA5}">
-                      <a16:colId xmlns:a16="http://schemas.microsoft.com/office/drawing/2014/main" val="20002"/>
+                      <a16:colId xmlns:a16="http://schemas.microsoft.com/office/drawing/2014/main" xmlns="" val="20002"/>
                     </a:ext>
                   </a:extLst>
                 </a:gridCol>
                 <a:gridCol w="766125">
                   <a:extLst>
                     <a:ext uri="{9D8B030D-6E8A-4147-A177-3AD203B41FA5}">
-                      <a16:colId xmlns:a16="http://schemas.microsoft.com/office/drawing/2014/main" val="20004"/>
+                      <a16:colId xmlns:a16="http://schemas.microsoft.com/office/drawing/2014/main" xmlns="" val="20004"/>
                     </a:ext>
                   </a:extLst>
                 </a:gridCol>
                 <a:gridCol w="766125">
                   <a:extLst>
                     <a:ext uri="{9D8B030D-6E8A-4147-A177-3AD203B41FA5}">
-                      <a16:colId xmlns:a16="http://schemas.microsoft.com/office/drawing/2014/main" val="20003"/>
+                      <a16:colId xmlns:a16="http://schemas.microsoft.com/office/drawing/2014/main" xmlns="" val="20003"/>
                     </a:ext>
                   </a:extLst>
                 </a:gridCol>
@@ -20331,7 +21120,7 @@
                 </a:tc>
                 <a:extLst>
                   <a:ext uri="{0D108BD9-81ED-4DB2-BD59-A6C34878D82A}">
-                    <a16:rowId xmlns:a16="http://schemas.microsoft.com/office/drawing/2014/main" val="3277355946"/>
+                    <a16:rowId xmlns:a16="http://schemas.microsoft.com/office/drawing/2014/main" xmlns="" val="3277355946"/>
                   </a:ext>
                 </a:extLst>
               </a:tr>
@@ -20474,7 +21263,7 @@
                 </a:tc>
                 <a:extLst>
                   <a:ext uri="{0D108BD9-81ED-4DB2-BD59-A6C34878D82A}">
-                    <a16:rowId xmlns:a16="http://schemas.microsoft.com/office/drawing/2014/main" val="10000"/>
+                    <a16:rowId xmlns:a16="http://schemas.microsoft.com/office/drawing/2014/main" xmlns="" val="10000"/>
                   </a:ext>
                 </a:extLst>
               </a:tr>
@@ -20642,7 +21431,7 @@
                 </a:tc>
                 <a:extLst>
                   <a:ext uri="{0D108BD9-81ED-4DB2-BD59-A6C34878D82A}">
-                    <a16:rowId xmlns:a16="http://schemas.microsoft.com/office/drawing/2014/main" val="10001"/>
+                    <a16:rowId xmlns:a16="http://schemas.microsoft.com/office/drawing/2014/main" xmlns="" val="10001"/>
                   </a:ext>
                 </a:extLst>
               </a:tr>
@@ -20727,35 +21516,35 @@
                 <a:gridCol w="875899">
                   <a:extLst>
                     <a:ext uri="{9D8B030D-6E8A-4147-A177-3AD203B41FA5}">
-                      <a16:colId xmlns:a16="http://schemas.microsoft.com/office/drawing/2014/main" val="20000"/>
+                      <a16:colId xmlns:a16="http://schemas.microsoft.com/office/drawing/2014/main" xmlns="" val="20000"/>
                     </a:ext>
                   </a:extLst>
                 </a:gridCol>
                 <a:gridCol w="875899">
                   <a:extLst>
                     <a:ext uri="{9D8B030D-6E8A-4147-A177-3AD203B41FA5}">
-                      <a16:colId xmlns:a16="http://schemas.microsoft.com/office/drawing/2014/main" val="20001"/>
+                      <a16:colId xmlns:a16="http://schemas.microsoft.com/office/drawing/2014/main" xmlns="" val="20001"/>
                     </a:ext>
                   </a:extLst>
                 </a:gridCol>
                 <a:gridCol w="875899">
                   <a:extLst>
                     <a:ext uri="{9D8B030D-6E8A-4147-A177-3AD203B41FA5}">
-                      <a16:colId xmlns:a16="http://schemas.microsoft.com/office/drawing/2014/main" val="20002"/>
+                      <a16:colId xmlns:a16="http://schemas.microsoft.com/office/drawing/2014/main" xmlns="" val="20002"/>
                     </a:ext>
                   </a:extLst>
                 </a:gridCol>
                 <a:gridCol w="875899">
                   <a:extLst>
                     <a:ext uri="{9D8B030D-6E8A-4147-A177-3AD203B41FA5}">
-                      <a16:colId xmlns:a16="http://schemas.microsoft.com/office/drawing/2014/main" val="20003"/>
+                      <a16:colId xmlns:a16="http://schemas.microsoft.com/office/drawing/2014/main" xmlns="" val="20003"/>
                     </a:ext>
                   </a:extLst>
                 </a:gridCol>
                 <a:gridCol w="875899">
                   <a:extLst>
                     <a:ext uri="{9D8B030D-6E8A-4147-A177-3AD203B41FA5}">
-                      <a16:colId xmlns:a16="http://schemas.microsoft.com/office/drawing/2014/main" val="20004"/>
+                      <a16:colId xmlns:a16="http://schemas.microsoft.com/office/drawing/2014/main" xmlns="" val="20004"/>
                     </a:ext>
                   </a:extLst>
                 </a:gridCol>
@@ -20854,7 +21643,7 @@
                 </a:tc>
                 <a:extLst>
                   <a:ext uri="{0D108BD9-81ED-4DB2-BD59-A6C34878D82A}">
-                    <a16:rowId xmlns:a16="http://schemas.microsoft.com/office/drawing/2014/main" val="10000"/>
+                    <a16:rowId xmlns:a16="http://schemas.microsoft.com/office/drawing/2014/main" xmlns="" val="10000"/>
                   </a:ext>
                 </a:extLst>
               </a:tr>
@@ -21028,7 +21817,7 @@
                 </a:tc>
                 <a:extLst>
                   <a:ext uri="{0D108BD9-81ED-4DB2-BD59-A6C34878D82A}">
-                    <a16:rowId xmlns:a16="http://schemas.microsoft.com/office/drawing/2014/main" val="10001"/>
+                    <a16:rowId xmlns:a16="http://schemas.microsoft.com/office/drawing/2014/main" xmlns="" val="10001"/>
                   </a:ext>
                 </a:extLst>
               </a:tr>
@@ -21058,7 +21847,7 @@
           <a:graphicData uri="http://schemas.openxmlformats.org/presentationml/2006/ole">
             <mc:AlternateContent xmlns:mc="http://schemas.openxmlformats.org/markup-compatibility/2006">
               <mc:Choice xmlns:v="urn:schemas-microsoft-com:vml" Requires="v">
-                <p:oleObj spid="_x0000_s37882" name="Формула" r:id="rId3" imgW="419040" imgH="215640" progId="Equation.3">
+                <p:oleObj spid="_x0000_s52232" name="Формула" r:id="rId3" imgW="419040" imgH="215640" progId="Equation.3">
                   <p:embed/>
                 </p:oleObj>
               </mc:Choice>
@@ -21128,7 +21917,7 @@
           <a:graphicData uri="http://schemas.openxmlformats.org/presentationml/2006/ole">
             <mc:AlternateContent xmlns:mc="http://schemas.openxmlformats.org/markup-compatibility/2006">
               <mc:Choice xmlns:v="urn:schemas-microsoft-com:vml" Requires="v">
-                <p:oleObj spid="_x0000_s37883" name="Equation" r:id="rId5" imgW="419040" imgH="215640" progId="Equation.3">
+                <p:oleObj spid="_x0000_s52233" name="Equation" r:id="rId5" imgW="419040" imgH="215640" progId="Equation.3">
                   <p:embed/>
                 </p:oleObj>
               </mc:Choice>
@@ -21198,7 +21987,7 @@
           <a:graphicData uri="http://schemas.openxmlformats.org/presentationml/2006/ole">
             <mc:AlternateContent xmlns:mc="http://schemas.openxmlformats.org/markup-compatibility/2006">
               <mc:Choice xmlns:v="urn:schemas-microsoft-com:vml" Requires="v">
-                <p:oleObj spid="_x0000_s37884" name="Equation" r:id="rId7" imgW="571320" imgH="215640" progId="Equation.3">
+                <p:oleObj spid="_x0000_s52234" name="Equation" r:id="rId7" imgW="571320" imgH="215640" progId="Equation.3">
                   <p:embed/>
                 </p:oleObj>
               </mc:Choice>
@@ -21268,7 +22057,7 @@
           <a:graphicData uri="http://schemas.openxmlformats.org/presentationml/2006/ole">
             <mc:AlternateContent xmlns:mc="http://schemas.openxmlformats.org/markup-compatibility/2006">
               <mc:Choice xmlns:v="urn:schemas-microsoft-com:vml" Requires="v">
-                <p:oleObj spid="_x0000_s37885" name="Equation" r:id="rId9" imgW="380880" imgH="215640" progId="Equation.3">
+                <p:oleObj spid="_x0000_s52235" name="Equation" r:id="rId9" imgW="380880" imgH="215640" progId="Equation.3">
                   <p:embed/>
                 </p:oleObj>
               </mc:Choice>
@@ -21338,7 +22127,7 @@
           <a:graphicData uri="http://schemas.openxmlformats.org/presentationml/2006/ole">
             <mc:AlternateContent xmlns:mc="http://schemas.openxmlformats.org/markup-compatibility/2006">
               <mc:Choice xmlns:v="urn:schemas-microsoft-com:vml" Requires="v">
-                <p:oleObj spid="_x0000_s37886" name="Формула" r:id="rId11" imgW="266400" imgH="228600" progId="Equation.3">
+                <p:oleObj spid="_x0000_s52236" name="Формула" r:id="rId11" imgW="266400" imgH="228600" progId="Equation.3">
                   <p:embed/>
                 </p:oleObj>
               </mc:Choice>
@@ -21400,7 +22189,7 @@
           <a:graphicData uri="http://schemas.openxmlformats.org/presentationml/2006/ole">
             <mc:AlternateContent xmlns:mc="http://schemas.openxmlformats.org/markup-compatibility/2006">
               <mc:Choice xmlns:v="urn:schemas-microsoft-com:vml" Requires="v">
-                <p:oleObj spid="_x0000_s37887" name="Формула" r:id="rId13" imgW="558720" imgH="228600" progId="Equation.3">
+                <p:oleObj spid="_x0000_s52237" name="Формула" r:id="rId13" imgW="558720" imgH="228600" progId="Equation.3">
                   <p:embed/>
                 </p:oleObj>
               </mc:Choice>
@@ -21462,7 +22251,7 @@
           <a:graphicData uri="http://schemas.openxmlformats.org/presentationml/2006/ole">
             <mc:AlternateContent xmlns:mc="http://schemas.openxmlformats.org/markup-compatibility/2006">
               <mc:Choice xmlns:v="urn:schemas-microsoft-com:vml" Requires="v">
-                <p:oleObj spid="_x0000_s52224" name="Формула" r:id="rId15" imgW="330057" imgH="203112" progId="">
+                <p:oleObj spid="_x0000_s52238" name="Формула" r:id="rId15" imgW="330057" imgH="203112" progId="">
                   <p:embed/>
                 </p:oleObj>
               </mc:Choice>
@@ -21593,7 +22382,7 @@
 </p:sld>
 </file>
 
-<file path=ppt/slides/slide16.xml><?xml version="1.0" encoding="utf-8"?>
+<file path=ppt/slides/slide17.xml><?xml version="1.0" encoding="utf-8"?>
 <p:sld xmlns:a="http://schemas.openxmlformats.org/drawingml/2006/main" xmlns:r="http://schemas.openxmlformats.org/officeDocument/2006/relationships" xmlns:p="http://schemas.openxmlformats.org/presentationml/2006/main">
   <p:cSld>
     <p:spTree>
@@ -22229,13 +23018,6 @@
               </a:rPr>
               <a:t>«Повышение дальности стрельбы активно-реактивным снарядом на основе математического моделирования…»</a:t>
             </a:r>
-            <a:endParaRPr lang="ru-RU" sz="1100" dirty="0">
-              <a:solidFill>
-                <a:schemeClr val="tx1"/>
-              </a:solidFill>
-              <a:latin typeface="Times New Roman" panose="02020603050405020304" pitchFamily="18" charset="0"/>
-              <a:cs typeface="Times New Roman" panose="02020603050405020304" pitchFamily="18" charset="0"/>
-            </a:endParaRPr>
           </a:p>
         </p:txBody>
       </p:sp>
@@ -24336,25 +25118,8 @@
                 <a:latin typeface="Times New Roman" panose="02020603050405020304" pitchFamily="18" charset="0"/>
                 <a:cs typeface="Times New Roman" panose="02020603050405020304" pitchFamily="18" charset="0"/>
               </a:rPr>
-              <a:t>Мансуров Р. Р. </a:t>
-            </a:r>
-            <a:r>
-              <a:rPr lang="ru-RU" sz="1100" dirty="0">
-                <a:solidFill>
-                  <a:schemeClr val="tx1"/>
-                </a:solidFill>
-                <a:latin typeface="Times New Roman" panose="02020603050405020304" pitchFamily="18" charset="0"/>
-                <a:cs typeface="Times New Roman" panose="02020603050405020304" pitchFamily="18" charset="0"/>
-              </a:rPr>
-              <a:t>«Повышение дальности стрельбы активно-реактивным снарядом на основе математического моделирования…»</a:t>
-            </a:r>
-            <a:endParaRPr lang="ru-RU" sz="1100" dirty="0">
-              <a:solidFill>
-                <a:schemeClr val="tx1"/>
-              </a:solidFill>
-              <a:latin typeface="Times New Roman" panose="02020603050405020304" pitchFamily="18" charset="0"/>
-              <a:cs typeface="Times New Roman" panose="02020603050405020304" pitchFamily="18" charset="0"/>
-            </a:endParaRPr>
+              <a:t>Мансуров Р. Р. «Повышение дальности стрельбы активно-реактивным снарядом на основе математического моделирования…»</a:t>
+            </a:r>
           </a:p>
         </p:txBody>
       </p:sp>
@@ -24446,28 +25211,28 @@
                 <a:gridCol w="866934">
                   <a:extLst>
                     <a:ext uri="{9D8B030D-6E8A-4147-A177-3AD203B41FA5}">
-                      <a16:colId xmlns:a16="http://schemas.microsoft.com/office/drawing/2014/main" val="20000"/>
+                      <a16:colId xmlns:a16="http://schemas.microsoft.com/office/drawing/2014/main" xmlns="" val="20000"/>
                     </a:ext>
                   </a:extLst>
                 </a:gridCol>
                 <a:gridCol w="825044">
                   <a:extLst>
                     <a:ext uri="{9D8B030D-6E8A-4147-A177-3AD203B41FA5}">
-                      <a16:colId xmlns:a16="http://schemas.microsoft.com/office/drawing/2014/main" val="20001"/>
+                      <a16:colId xmlns:a16="http://schemas.microsoft.com/office/drawing/2014/main" xmlns="" val="20001"/>
                     </a:ext>
                   </a:extLst>
                 </a:gridCol>
                 <a:gridCol w="1358898">
                   <a:extLst>
                     <a:ext uri="{9D8B030D-6E8A-4147-A177-3AD203B41FA5}">
-                      <a16:colId xmlns:a16="http://schemas.microsoft.com/office/drawing/2014/main" val="20002"/>
+                      <a16:colId xmlns:a16="http://schemas.microsoft.com/office/drawing/2014/main" xmlns="" val="20002"/>
                     </a:ext>
                   </a:extLst>
                 </a:gridCol>
                 <a:gridCol w="939478">
                   <a:extLst>
                     <a:ext uri="{9D8B030D-6E8A-4147-A177-3AD203B41FA5}">
-                      <a16:colId xmlns:a16="http://schemas.microsoft.com/office/drawing/2014/main" val="20003"/>
+                      <a16:colId xmlns:a16="http://schemas.microsoft.com/office/drawing/2014/main" xmlns="" val="20003"/>
                     </a:ext>
                   </a:extLst>
                 </a:gridCol>
@@ -24580,7 +25345,7 @@
                 </a:tc>
                 <a:extLst>
                   <a:ext uri="{0D108BD9-81ED-4DB2-BD59-A6C34878D82A}">
-                    <a16:rowId xmlns:a16="http://schemas.microsoft.com/office/drawing/2014/main" val="10000"/>
+                    <a16:rowId xmlns:a16="http://schemas.microsoft.com/office/drawing/2014/main" xmlns="" val="10000"/>
                   </a:ext>
                 </a:extLst>
               </a:tr>
@@ -24729,7 +25494,7 @@
                 </a:tc>
                 <a:extLst>
                   <a:ext uri="{0D108BD9-81ED-4DB2-BD59-A6C34878D82A}">
-                    <a16:rowId xmlns:a16="http://schemas.microsoft.com/office/drawing/2014/main" val="10001"/>
+                    <a16:rowId xmlns:a16="http://schemas.microsoft.com/office/drawing/2014/main" xmlns="" val="10001"/>
                   </a:ext>
                 </a:extLst>
               </a:tr>
@@ -24802,7 +25567,7 @@
                 </a:tc>
                 <a:extLst>
                   <a:ext uri="{0D108BD9-81ED-4DB2-BD59-A6C34878D82A}">
-                    <a16:rowId xmlns:a16="http://schemas.microsoft.com/office/drawing/2014/main" val="10002"/>
+                    <a16:rowId xmlns:a16="http://schemas.microsoft.com/office/drawing/2014/main" xmlns="" val="10002"/>
                   </a:ext>
                 </a:extLst>
               </a:tr>
@@ -24879,7 +25644,7 @@
                 </a:tc>
                 <a:extLst>
                   <a:ext uri="{0D108BD9-81ED-4DB2-BD59-A6C34878D82A}">
-                    <a16:rowId xmlns:a16="http://schemas.microsoft.com/office/drawing/2014/main" val="10003"/>
+                    <a16:rowId xmlns:a16="http://schemas.microsoft.com/office/drawing/2014/main" xmlns="" val="10003"/>
                   </a:ext>
                 </a:extLst>
               </a:tr>
@@ -25027,9 +25792,6 @@
                         </a:rPr>
                         <a:t>30</a:t>
                       </a:r>
-                      <a:endParaRPr lang="ru-RU" sz="800" dirty="0" smtClean="0">
-                        <a:latin typeface="Bookman Old Style" panose="02050604050505020204" pitchFamily="18" charset="0"/>
-                      </a:endParaRPr>
                     </a:p>
                     <a:p>
                       <a:pPr algn="ctr"/>
@@ -25042,7 +25804,7 @@
                 </a:tc>
                 <a:extLst>
                   <a:ext uri="{0D108BD9-81ED-4DB2-BD59-A6C34878D82A}">
-                    <a16:rowId xmlns:a16="http://schemas.microsoft.com/office/drawing/2014/main" val="10004"/>
+                    <a16:rowId xmlns:a16="http://schemas.microsoft.com/office/drawing/2014/main" xmlns="" val="10004"/>
                   </a:ext>
                 </a:extLst>
               </a:tr>
@@ -25111,7 +25873,7 @@
                 </a:tc>
                 <a:extLst>
                   <a:ext uri="{0D108BD9-81ED-4DB2-BD59-A6C34878D82A}">
-                    <a16:rowId xmlns:a16="http://schemas.microsoft.com/office/drawing/2014/main" val="10005"/>
+                    <a16:rowId xmlns:a16="http://schemas.microsoft.com/office/drawing/2014/main" xmlns="" val="10005"/>
                   </a:ext>
                 </a:extLst>
               </a:tr>
@@ -25221,7 +25983,7 @@
                 </a:tc>
                 <a:extLst>
                   <a:ext uri="{0D108BD9-81ED-4DB2-BD59-A6C34878D82A}">
-                    <a16:rowId xmlns:a16="http://schemas.microsoft.com/office/drawing/2014/main" val="10006"/>
+                    <a16:rowId xmlns:a16="http://schemas.microsoft.com/office/drawing/2014/main" xmlns="" val="10006"/>
                   </a:ext>
                 </a:extLst>
               </a:tr>
@@ -25316,7 +26078,7 @@
                 </a:tc>
                 <a:extLst>
                   <a:ext uri="{0D108BD9-81ED-4DB2-BD59-A6C34878D82A}">
-                    <a16:rowId xmlns:a16="http://schemas.microsoft.com/office/drawing/2014/main" val="10007"/>
+                    <a16:rowId xmlns:a16="http://schemas.microsoft.com/office/drawing/2014/main" xmlns="" val="10007"/>
                   </a:ext>
                 </a:extLst>
               </a:tr>
@@ -25387,7 +26149,7 @@
                 </a:tc>
                 <a:extLst>
                   <a:ext uri="{0D108BD9-81ED-4DB2-BD59-A6C34878D82A}">
-                    <a16:rowId xmlns:a16="http://schemas.microsoft.com/office/drawing/2014/main" val="10008"/>
+                    <a16:rowId xmlns:a16="http://schemas.microsoft.com/office/drawing/2014/main" xmlns="" val="10008"/>
                   </a:ext>
                 </a:extLst>
               </a:tr>
@@ -26295,25 +27057,8 @@
                 <a:latin typeface="Times New Roman" panose="02020603050405020304" pitchFamily="18" charset="0"/>
                 <a:cs typeface="Times New Roman" panose="02020603050405020304" pitchFamily="18" charset="0"/>
               </a:rPr>
-              <a:t>Мансуров Р. Р. </a:t>
-            </a:r>
-            <a:r>
-              <a:rPr lang="ru-RU" sz="1100" dirty="0">
-                <a:solidFill>
-                  <a:schemeClr val="tx1"/>
-                </a:solidFill>
-                <a:latin typeface="Times New Roman" panose="02020603050405020304" pitchFamily="18" charset="0"/>
-                <a:cs typeface="Times New Roman" panose="02020603050405020304" pitchFamily="18" charset="0"/>
-              </a:rPr>
-              <a:t>«Повышение дальности стрельбы активно-реактивным снарядом на основе математического моделирования…»</a:t>
-            </a:r>
-            <a:endParaRPr lang="ru-RU" sz="1100" dirty="0">
-              <a:solidFill>
-                <a:schemeClr val="tx1"/>
-              </a:solidFill>
-              <a:latin typeface="Times New Roman" panose="02020603050405020304" pitchFamily="18" charset="0"/>
-              <a:cs typeface="Times New Roman" panose="02020603050405020304" pitchFamily="18" charset="0"/>
-            </a:endParaRPr>
+              <a:t>Мансуров Р. Р. «Повышение дальности стрельбы активно-реактивным снарядом на основе математического моделирования…»</a:t>
+            </a:r>
           </a:p>
         </p:txBody>
       </p:sp>
@@ -26405,42 +27150,42 @@
                 <a:gridCol w="867629">
                   <a:extLst>
                     <a:ext uri="{9D8B030D-6E8A-4147-A177-3AD203B41FA5}">
-                      <a16:colId xmlns:a16="http://schemas.microsoft.com/office/drawing/2014/main" val="20000"/>
+                      <a16:colId xmlns:a16="http://schemas.microsoft.com/office/drawing/2014/main" xmlns="" val="20000"/>
                     </a:ext>
                   </a:extLst>
                 </a:gridCol>
                 <a:gridCol w="955427">
                   <a:extLst>
                     <a:ext uri="{9D8B030D-6E8A-4147-A177-3AD203B41FA5}">
-                      <a16:colId xmlns:a16="http://schemas.microsoft.com/office/drawing/2014/main" val="20001"/>
+                      <a16:colId xmlns:a16="http://schemas.microsoft.com/office/drawing/2014/main" xmlns="" val="20001"/>
                     </a:ext>
                   </a:extLst>
                 </a:gridCol>
                 <a:gridCol w="913794">
                   <a:extLst>
                     <a:ext uri="{9D8B030D-6E8A-4147-A177-3AD203B41FA5}">
-                      <a16:colId xmlns:a16="http://schemas.microsoft.com/office/drawing/2014/main" val="20002"/>
+                      <a16:colId xmlns:a16="http://schemas.microsoft.com/office/drawing/2014/main" xmlns="" val="20002"/>
                     </a:ext>
                   </a:extLst>
                 </a:gridCol>
                 <a:gridCol w="608061">
                   <a:extLst>
                     <a:ext uri="{9D8B030D-6E8A-4147-A177-3AD203B41FA5}">
-                      <a16:colId xmlns:a16="http://schemas.microsoft.com/office/drawing/2014/main" val="20003"/>
+                      <a16:colId xmlns:a16="http://schemas.microsoft.com/office/drawing/2014/main" xmlns="" val="20003"/>
                     </a:ext>
                   </a:extLst>
                 </a:gridCol>
                 <a:gridCol w="573534">
                   <a:extLst>
                     <a:ext uri="{9D8B030D-6E8A-4147-A177-3AD203B41FA5}">
-                      <a16:colId xmlns:a16="http://schemas.microsoft.com/office/drawing/2014/main" val="20004"/>
+                      <a16:colId xmlns:a16="http://schemas.microsoft.com/office/drawing/2014/main" xmlns="" val="20004"/>
                     </a:ext>
                   </a:extLst>
                 </a:gridCol>
                 <a:gridCol w="769475">
                   <a:extLst>
                     <a:ext uri="{9D8B030D-6E8A-4147-A177-3AD203B41FA5}">
-                      <a16:colId xmlns:a16="http://schemas.microsoft.com/office/drawing/2014/main" val="20005"/>
+                      <a16:colId xmlns:a16="http://schemas.microsoft.com/office/drawing/2014/main" xmlns="" val="20005"/>
                     </a:ext>
                   </a:extLst>
                 </a:gridCol>
@@ -26612,7 +27357,7 @@
                 </a:tc>
                 <a:extLst>
                   <a:ext uri="{0D108BD9-81ED-4DB2-BD59-A6C34878D82A}">
-                    <a16:rowId xmlns:a16="http://schemas.microsoft.com/office/drawing/2014/main" val="10000"/>
+                    <a16:rowId xmlns:a16="http://schemas.microsoft.com/office/drawing/2014/main" xmlns="" val="10000"/>
                   </a:ext>
                 </a:extLst>
               </a:tr>
@@ -26796,7 +27541,7 @@
                 </a:tc>
                 <a:extLst>
                   <a:ext uri="{0D108BD9-81ED-4DB2-BD59-A6C34878D82A}">
-                    <a16:rowId xmlns:a16="http://schemas.microsoft.com/office/drawing/2014/main" val="10001"/>
+                    <a16:rowId xmlns:a16="http://schemas.microsoft.com/office/drawing/2014/main" xmlns="" val="10001"/>
                   </a:ext>
                 </a:extLst>
               </a:tr>
@@ -26922,7 +27667,7 @@
                 </a:tc>
                 <a:extLst>
                   <a:ext uri="{0D108BD9-81ED-4DB2-BD59-A6C34878D82A}">
-                    <a16:rowId xmlns:a16="http://schemas.microsoft.com/office/drawing/2014/main" val="10002"/>
+                    <a16:rowId xmlns:a16="http://schemas.microsoft.com/office/drawing/2014/main" xmlns="" val="10002"/>
                   </a:ext>
                 </a:extLst>
               </a:tr>
@@ -27088,7 +27833,7 @@
                 </a:tc>
                 <a:extLst>
                   <a:ext uri="{0D108BD9-81ED-4DB2-BD59-A6C34878D82A}">
-                    <a16:rowId xmlns:a16="http://schemas.microsoft.com/office/drawing/2014/main" val="10003"/>
+                    <a16:rowId xmlns:a16="http://schemas.microsoft.com/office/drawing/2014/main" xmlns="" val="10003"/>
                   </a:ext>
                 </a:extLst>
               </a:tr>
@@ -27290,9 +28035,6 @@
                         </a:rPr>
                         <a:t>30</a:t>
                       </a:r>
-                      <a:endParaRPr lang="ru-RU" sz="800" dirty="0" smtClean="0">
-                        <a:latin typeface="Bookman Old Style" panose="02050604050505020204" pitchFamily="18" charset="0"/>
-                      </a:endParaRPr>
                     </a:p>
                     <a:p>
                       <a:pPr algn="ctr"/>
@@ -27305,7 +28047,7 @@
                 </a:tc>
                 <a:extLst>
                   <a:ext uri="{0D108BD9-81ED-4DB2-BD59-A6C34878D82A}">
-                    <a16:rowId xmlns:a16="http://schemas.microsoft.com/office/drawing/2014/main" val="10004"/>
+                    <a16:rowId xmlns:a16="http://schemas.microsoft.com/office/drawing/2014/main" xmlns="" val="10004"/>
                   </a:ext>
                 </a:extLst>
               </a:tr>
@@ -27439,7 +28181,7 @@
                 </a:tc>
                 <a:extLst>
                   <a:ext uri="{0D108BD9-81ED-4DB2-BD59-A6C34878D82A}">
-                    <a16:rowId xmlns:a16="http://schemas.microsoft.com/office/drawing/2014/main" val="10005"/>
+                    <a16:rowId xmlns:a16="http://schemas.microsoft.com/office/drawing/2014/main" xmlns="" val="10005"/>
                   </a:ext>
                 </a:extLst>
               </a:tr>
@@ -27621,7 +28363,7 @@
                 </a:tc>
                 <a:extLst>
                   <a:ext uri="{0D108BD9-81ED-4DB2-BD59-A6C34878D82A}">
-                    <a16:rowId xmlns:a16="http://schemas.microsoft.com/office/drawing/2014/main" val="10006"/>
+                    <a16:rowId xmlns:a16="http://schemas.microsoft.com/office/drawing/2014/main" xmlns="" val="10006"/>
                   </a:ext>
                 </a:extLst>
               </a:tr>
@@ -27775,7 +28517,7 @@
                 </a:tc>
                 <a:extLst>
                   <a:ext uri="{0D108BD9-81ED-4DB2-BD59-A6C34878D82A}">
-                    <a16:rowId xmlns:a16="http://schemas.microsoft.com/office/drawing/2014/main" val="10007"/>
+                    <a16:rowId xmlns:a16="http://schemas.microsoft.com/office/drawing/2014/main" xmlns="" val="10007"/>
                   </a:ext>
                 </a:extLst>
               </a:tr>
@@ -27920,7 +28662,7 @@
                 </a:tc>
                 <a:extLst>
                   <a:ext uri="{0D108BD9-81ED-4DB2-BD59-A6C34878D82A}">
-                    <a16:rowId xmlns:a16="http://schemas.microsoft.com/office/drawing/2014/main" val="10008"/>
+                    <a16:rowId xmlns:a16="http://schemas.microsoft.com/office/drawing/2014/main" xmlns="" val="10008"/>
                   </a:ext>
                 </a:extLst>
               </a:tr>
@@ -28424,13 +29166,6 @@
               </a:rPr>
               <a:t>«Повышение дальности стрельбы активно-реактивным снарядом на основе математического моделирования…»</a:t>
             </a:r>
-            <a:endParaRPr lang="ru-RU" sz="1100" dirty="0">
-              <a:solidFill>
-                <a:schemeClr val="tx1"/>
-              </a:solidFill>
-              <a:latin typeface="Times New Roman" panose="02020603050405020304" pitchFamily="18" charset="0"/>
-              <a:cs typeface="Times New Roman" panose="02020603050405020304" pitchFamily="18" charset="0"/>
-            </a:endParaRPr>
           </a:p>
         </p:txBody>
       </p:sp>
@@ -30314,13 +31049,6 @@
               </a:rPr>
               <a:t>«Повышение дальности стрельбы активно-реактивным снарядом на основе математического моделирования…»</a:t>
             </a:r>
-            <a:endParaRPr lang="ru-RU" sz="1100" dirty="0">
-              <a:solidFill>
-                <a:schemeClr val="tx1"/>
-              </a:solidFill>
-              <a:latin typeface="Times New Roman" panose="02020603050405020304" pitchFamily="18" charset="0"/>
-              <a:cs typeface="Times New Roman" panose="02020603050405020304" pitchFamily="18" charset="0"/>
-            </a:endParaRPr>
           </a:p>
         </p:txBody>
       </p:sp>
@@ -30865,7 +31593,7 @@
           <a:graphicData uri="http://schemas.openxmlformats.org/presentationml/2006/ole">
             <mc:AlternateContent xmlns:mc="http://schemas.openxmlformats.org/markup-compatibility/2006">
               <mc:Choice xmlns:v="urn:schemas-microsoft-com:vml" Requires="v">
-                <p:oleObj spid="_x0000_s50262" name="Формула" r:id="rId3" imgW="317160" imgH="164880" progId="Equation.3">
+                <p:oleObj spid="_x0000_s50296" name="Формула" r:id="rId3" imgW="317160" imgH="164880" progId="Equation.3">
                   <p:embed/>
                 </p:oleObj>
               </mc:Choice>
@@ -30935,7 +31663,7 @@
           <a:graphicData uri="http://schemas.openxmlformats.org/presentationml/2006/ole">
             <mc:AlternateContent xmlns:mc="http://schemas.openxmlformats.org/markup-compatibility/2006">
               <mc:Choice xmlns:v="urn:schemas-microsoft-com:vml" Requires="v">
-                <p:oleObj spid="_x0000_s50263" name="Формула" r:id="rId5" imgW="1307880" imgH="241200" progId="Equation.3">
+                <p:oleObj spid="_x0000_s50297" name="Формула" r:id="rId5" imgW="1307880" imgH="241200" progId="Equation.3">
                   <p:embed/>
                 </p:oleObj>
               </mc:Choice>
@@ -31005,7 +31733,7 @@
           <a:graphicData uri="http://schemas.openxmlformats.org/presentationml/2006/ole">
             <mc:AlternateContent xmlns:mc="http://schemas.openxmlformats.org/markup-compatibility/2006">
               <mc:Choice xmlns:v="urn:schemas-microsoft-com:vml" Requires="v">
-                <p:oleObj spid="_x0000_s50264" name="Формула" r:id="rId7" imgW="596880" imgH="431640" progId="Equation.3">
+                <p:oleObj spid="_x0000_s50298" name="Формула" r:id="rId7" imgW="596880" imgH="431640" progId="Equation.3">
                   <p:embed/>
                 </p:oleObj>
               </mc:Choice>
@@ -31075,7 +31803,7 @@
           <a:graphicData uri="http://schemas.openxmlformats.org/presentationml/2006/ole">
             <mc:AlternateContent xmlns:mc="http://schemas.openxmlformats.org/markup-compatibility/2006">
               <mc:Choice xmlns:v="urn:schemas-microsoft-com:vml" Requires="v">
-                <p:oleObj spid="_x0000_s50265" name="Формула" r:id="rId9" imgW="1028520" imgH="431640" progId="Equation.3">
+                <p:oleObj spid="_x0000_s50299" name="Формула" r:id="rId9" imgW="1028520" imgH="431640" progId="Equation.3">
                   <p:embed/>
                 </p:oleObj>
               </mc:Choice>
@@ -31145,7 +31873,7 @@
           <a:graphicData uri="http://schemas.openxmlformats.org/presentationml/2006/ole">
             <mc:AlternateContent xmlns:mc="http://schemas.openxmlformats.org/markup-compatibility/2006">
               <mc:Choice xmlns:v="urn:schemas-microsoft-com:vml" Requires="v">
-                <p:oleObj spid="_x0000_s50266" name="Формула" r:id="rId11" imgW="1282680" imgH="228600" progId="Equation.3">
+                <p:oleObj spid="_x0000_s50300" name="Формула" r:id="rId11" imgW="1282680" imgH="228600" progId="Equation.3">
                   <p:embed/>
                 </p:oleObj>
               </mc:Choice>
@@ -31215,7 +31943,7 @@
           <a:graphicData uri="http://schemas.openxmlformats.org/presentationml/2006/ole">
             <mc:AlternateContent xmlns:mc="http://schemas.openxmlformats.org/markup-compatibility/2006">
               <mc:Choice xmlns:v="urn:schemas-microsoft-com:vml" Requires="v">
-                <p:oleObj spid="_x0000_s50267" name="Формула" r:id="rId13" imgW="1307880" imgH="241200" progId="Equation.3">
+                <p:oleObj spid="_x0000_s50301" name="Формула" r:id="rId13" imgW="1307880" imgH="241200" progId="Equation.3">
                   <p:embed/>
                 </p:oleObj>
               </mc:Choice>
@@ -31285,7 +32013,7 @@
           <a:graphicData uri="http://schemas.openxmlformats.org/presentationml/2006/ole">
             <mc:AlternateContent xmlns:mc="http://schemas.openxmlformats.org/markup-compatibility/2006">
               <mc:Choice xmlns:v="urn:schemas-microsoft-com:vml" Requires="v">
-                <p:oleObj spid="_x0000_s50268" name="Формула" r:id="rId15" imgW="1130040" imgH="431640" progId="Equation.3">
+                <p:oleObj spid="_x0000_s50302" name="Формула" r:id="rId15" imgW="1130040" imgH="431640" progId="Equation.3">
                   <p:embed/>
                 </p:oleObj>
               </mc:Choice>
@@ -31355,7 +32083,7 @@
           <a:graphicData uri="http://schemas.openxmlformats.org/presentationml/2006/ole">
             <mc:AlternateContent xmlns:mc="http://schemas.openxmlformats.org/markup-compatibility/2006">
               <mc:Choice xmlns:v="urn:schemas-microsoft-com:vml" Requires="v">
-                <p:oleObj spid="_x0000_s50269" name="Формула" r:id="rId17" imgW="1447560" imgH="495000" progId="Equation.3">
+                <p:oleObj spid="_x0000_s50303" name="Формула" r:id="rId17" imgW="1447560" imgH="495000" progId="Equation.3">
                   <p:embed/>
                 </p:oleObj>
               </mc:Choice>
@@ -31425,7 +32153,7 @@
           <a:graphicData uri="http://schemas.openxmlformats.org/presentationml/2006/ole">
             <mc:AlternateContent xmlns:mc="http://schemas.openxmlformats.org/markup-compatibility/2006">
               <mc:Choice xmlns:v="urn:schemas-microsoft-com:vml" Requires="v">
-                <p:oleObj spid="_x0000_s50270" name="Формула" r:id="rId19" imgW="749160" imgH="241200" progId="Equation.3">
+                <p:oleObj spid="_x0000_s50304" name="Формула" r:id="rId19" imgW="749160" imgH="241200" progId="Equation.3">
                   <p:embed/>
                 </p:oleObj>
               </mc:Choice>
@@ -31495,7 +32223,7 @@
           <a:graphicData uri="http://schemas.openxmlformats.org/presentationml/2006/ole">
             <mc:AlternateContent xmlns:mc="http://schemas.openxmlformats.org/markup-compatibility/2006">
               <mc:Choice xmlns:v="urn:schemas-microsoft-com:vml" Requires="v">
-                <p:oleObj spid="_x0000_s50271" name="Формула" r:id="rId21" imgW="1206360" imgH="241200" progId="Equation.3">
+                <p:oleObj spid="_x0000_s50305" name="Формула" r:id="rId21" imgW="1206360" imgH="241200" progId="Equation.3">
                   <p:embed/>
                 </p:oleObj>
               </mc:Choice>
@@ -31565,7 +32293,7 @@
           <a:graphicData uri="http://schemas.openxmlformats.org/presentationml/2006/ole">
             <mc:AlternateContent xmlns:mc="http://schemas.openxmlformats.org/markup-compatibility/2006">
               <mc:Choice xmlns:v="urn:schemas-microsoft-com:vml" Requires="v">
-                <p:oleObj spid="_x0000_s50272" name="Формула" r:id="rId23" imgW="634680" imgH="393480" progId="Equation.3">
+                <p:oleObj spid="_x0000_s50306" name="Формула" r:id="rId23" imgW="634680" imgH="393480" progId="Equation.3">
                   <p:embed/>
                 </p:oleObj>
               </mc:Choice>
@@ -31635,7 +32363,7 @@
           <a:graphicData uri="http://schemas.openxmlformats.org/presentationml/2006/ole">
             <mc:AlternateContent xmlns:mc="http://schemas.openxmlformats.org/markup-compatibility/2006">
               <mc:Choice xmlns:v="urn:schemas-microsoft-com:vml" Requires="v">
-                <p:oleObj spid="_x0000_s50273" name="Формула" r:id="rId25" imgW="4356000" imgH="457200" progId="Equation.3">
+                <p:oleObj spid="_x0000_s50307" name="Формула" r:id="rId25" imgW="4356000" imgH="457200" progId="Equation.3">
                   <p:embed/>
                 </p:oleObj>
               </mc:Choice>
@@ -31705,7 +32433,7 @@
           <a:graphicData uri="http://schemas.openxmlformats.org/presentationml/2006/ole">
             <mc:AlternateContent xmlns:mc="http://schemas.openxmlformats.org/markup-compatibility/2006">
               <mc:Choice xmlns:v="urn:schemas-microsoft-com:vml" Requires="v">
-                <p:oleObj spid="_x0000_s50274" name="Формула" r:id="rId27" imgW="2946240" imgH="431640" progId="Equation.3">
+                <p:oleObj spid="_x0000_s50308" name="Формула" r:id="rId27" imgW="2946240" imgH="431640" progId="Equation.3">
                   <p:embed/>
                 </p:oleObj>
               </mc:Choice>
@@ -32860,7 +33588,7 @@
           <a:graphicData uri="http://schemas.openxmlformats.org/presentationml/2006/ole">
             <mc:AlternateContent xmlns:mc="http://schemas.openxmlformats.org/markup-compatibility/2006">
               <mc:Choice xmlns:v="urn:schemas-microsoft-com:vml" Requires="v">
-                <p:oleObj spid="_x0000_s50275" name="Picture" r:id="rId29" imgW="5861465" imgH="2543447" progId="Word.Picture.8">
+                <p:oleObj spid="_x0000_s50309" name="Picture" r:id="rId29" imgW="5861465" imgH="2543447" progId="Word.Picture.8">
                   <p:embed/>
                 </p:oleObj>
               </mc:Choice>
@@ -33106,7 +33834,7 @@
           <a:graphicData uri="http://schemas.openxmlformats.org/presentationml/2006/ole">
             <mc:AlternateContent xmlns:mc="http://schemas.openxmlformats.org/markup-compatibility/2006">
               <mc:Choice xmlns:v="urn:schemas-microsoft-com:vml" Requires="v">
-                <p:oleObj spid="_x0000_s50276" name="Формула" r:id="rId31" imgW="3162240" imgH="838080" progId="Equation.3">
+                <p:oleObj spid="_x0000_s50310" name="Формула" r:id="rId31" imgW="3162240" imgH="838080" progId="Equation.3">
                   <p:embed/>
                 </p:oleObj>
               </mc:Choice>
@@ -33176,7 +33904,7 @@
           <a:graphicData uri="http://schemas.openxmlformats.org/presentationml/2006/ole">
             <mc:AlternateContent xmlns:mc="http://schemas.openxmlformats.org/markup-compatibility/2006">
               <mc:Choice xmlns:v="urn:schemas-microsoft-com:vml" Requires="v">
-                <p:oleObj spid="_x0000_s50277" name="Формула" r:id="rId33" imgW="1574640" imgH="228600" progId="Equation.3">
+                <p:oleObj spid="_x0000_s50311" name="Формула" r:id="rId33" imgW="1574640" imgH="228600" progId="Equation.3">
                   <p:embed/>
                 </p:oleObj>
               </mc:Choice>
@@ -33246,7 +33974,7 @@
           <a:graphicData uri="http://schemas.openxmlformats.org/presentationml/2006/ole">
             <mc:AlternateContent xmlns:mc="http://schemas.openxmlformats.org/markup-compatibility/2006">
               <mc:Choice xmlns:v="urn:schemas-microsoft-com:vml" Requires="v">
-                <p:oleObj spid="_x0000_s50278" name="Формула" r:id="rId35" imgW="1790640" imgH="393480" progId="Equation.3">
+                <p:oleObj spid="_x0000_s50312" name="Формула" r:id="rId35" imgW="1790640" imgH="393480" progId="Equation.3">
                   <p:embed/>
                 </p:oleObj>
               </mc:Choice>
@@ -33957,22 +34685,7 @@
                 <a:ea typeface="Calibri" panose="020F0502020204030204" pitchFamily="34" charset="0"/>
                 <a:cs typeface="Times New Roman" panose="02020603050405020304" pitchFamily="18" charset="0"/>
               </a:rPr>
-              <a:t> модель внутренней баллистики ствола включает в себя следующие </a:t>
-            </a:r>
-            <a:r>
-              <a:rPr kumimoji="0" lang="ru-RU" altLang="ru-RU" b="1" i="0" u="none" strike="noStrike" cap="none" normalizeH="0" dirty="0" smtClean="0">
-                <a:ln>
-                  <a:noFill/>
-                </a:ln>
-                <a:solidFill>
-                  <a:schemeClr val="tx1"/>
-                </a:solidFill>
-                <a:effectLst/>
-                <a:latin typeface="Times New Roman" panose="02020603050405020304" pitchFamily="18" charset="0"/>
-                <a:ea typeface="Calibri" panose="020F0502020204030204" pitchFamily="34" charset="0"/>
-                <a:cs typeface="Times New Roman" panose="02020603050405020304" pitchFamily="18" charset="0"/>
-              </a:rPr>
-              <a:t>уравнения</a:t>
+              <a:t> модель внутренней баллистики ствола включает в себя следующие уравнения</a:t>
             </a:r>
             <a:r>
               <a:rPr kumimoji="0" lang="ru-RU" altLang="ru-RU" b="1" i="0" u="none" strike="noStrike" cap="none" normalizeH="0" baseline="30000" dirty="0" smtClean="0">
@@ -34532,13 +35245,6 @@
               </a:rPr>
               <a:t>«Повышение дальности стрельбы активно-реактивным снарядом на основе математического моделирования…»</a:t>
             </a:r>
-            <a:endParaRPr lang="ru-RU" sz="1100" dirty="0">
-              <a:solidFill>
-                <a:schemeClr val="tx1"/>
-              </a:solidFill>
-              <a:latin typeface="Times New Roman" panose="02020603050405020304" pitchFamily="18" charset="0"/>
-              <a:cs typeface="Times New Roman" panose="02020603050405020304" pitchFamily="18" charset="0"/>
-            </a:endParaRPr>
           </a:p>
         </p:txBody>
       </p:sp>
@@ -35180,7 +35886,7 @@
           <a:graphicData uri="http://schemas.openxmlformats.org/presentationml/2006/ole">
             <mc:AlternateContent xmlns:mc="http://schemas.openxmlformats.org/markup-compatibility/2006">
               <mc:Choice xmlns:v="urn:schemas-microsoft-com:vml" Requires="v">
-                <p:oleObj spid="_x0000_s51290" name="Формула" r:id="rId3" imgW="545760" imgH="241200" progId="Equation.3">
+                <p:oleObj spid="_x0000_s51310" name="Формула" r:id="rId3" imgW="545760" imgH="241200" progId="Equation.3">
                   <p:embed/>
                 </p:oleObj>
               </mc:Choice>
@@ -35475,7 +36181,7 @@
           <a:graphicData uri="http://schemas.openxmlformats.org/presentationml/2006/ole">
             <mc:AlternateContent xmlns:mc="http://schemas.openxmlformats.org/markup-compatibility/2006">
               <mc:Choice xmlns:v="urn:schemas-microsoft-com:vml" Requires="v">
-                <p:oleObj spid="_x0000_s51291" name="Формула" r:id="rId5" imgW="1485720" imgH="609480" progId="Equation.3">
+                <p:oleObj spid="_x0000_s51311" name="Формула" r:id="rId5" imgW="1485720" imgH="609480" progId="Equation.3">
                   <p:embed/>
                 </p:oleObj>
               </mc:Choice>
@@ -35545,7 +36251,7 @@
           <a:graphicData uri="http://schemas.openxmlformats.org/presentationml/2006/ole">
             <mc:AlternateContent xmlns:mc="http://schemas.openxmlformats.org/markup-compatibility/2006">
               <mc:Choice xmlns:v="urn:schemas-microsoft-com:vml" Requires="v">
-                <p:oleObj spid="_x0000_s51292" name="Документ" r:id="rId7" imgW="5046662" imgH="2540557" progId="Word.Document.12">
+                <p:oleObj spid="_x0000_s51312" name="Документ" r:id="rId7" imgW="5046662" imgH="2540557" progId="Word.Document.12">
                   <p:embed/>
                 </p:oleObj>
               </mc:Choice>
@@ -35683,7 +36389,7 @@
           <a:graphicData uri="http://schemas.openxmlformats.org/presentationml/2006/ole">
             <mc:AlternateContent xmlns:mc="http://schemas.openxmlformats.org/markup-compatibility/2006">
               <mc:Choice xmlns:v="urn:schemas-microsoft-com:vml" Requires="v">
-                <p:oleObj spid="_x0000_s51293" name="Формула" r:id="rId9" imgW="1307880" imgH="482400" progId="Equation.3">
+                <p:oleObj spid="_x0000_s51313" name="Формула" r:id="rId9" imgW="1307880" imgH="482400" progId="Equation.3">
                   <p:embed/>
                 </p:oleObj>
               </mc:Choice>
@@ -35857,7 +36563,7 @@
           <a:graphicData uri="http://schemas.openxmlformats.org/presentationml/2006/ole">
             <mc:AlternateContent xmlns:mc="http://schemas.openxmlformats.org/markup-compatibility/2006">
               <mc:Choice xmlns:v="urn:schemas-microsoft-com:vml" Requires="v">
-                <p:oleObj spid="_x0000_s51294" name="Формула" r:id="rId11" imgW="1726920" imgH="266400" progId="Equation.3">
+                <p:oleObj spid="_x0000_s51314" name="Формула" r:id="rId11" imgW="1726920" imgH="266400" progId="Equation.3">
                   <p:embed/>
                 </p:oleObj>
               </mc:Choice>
@@ -35927,7 +36633,7 @@
           <a:graphicData uri="http://schemas.openxmlformats.org/presentationml/2006/ole">
             <mc:AlternateContent xmlns:mc="http://schemas.openxmlformats.org/markup-compatibility/2006">
               <mc:Choice xmlns:v="urn:schemas-microsoft-com:vml" Requires="v">
-                <p:oleObj spid="_x0000_s51295" name="Формула" r:id="rId13" imgW="2044440" imgH="520560" progId="Equation.3">
+                <p:oleObj spid="_x0000_s51315" name="Формула" r:id="rId13" imgW="2044440" imgH="520560" progId="Equation.3">
                   <p:embed/>
                 </p:oleObj>
               </mc:Choice>
@@ -35997,7 +36703,7 @@
           <a:graphicData uri="http://schemas.openxmlformats.org/presentationml/2006/ole">
             <mc:AlternateContent xmlns:mc="http://schemas.openxmlformats.org/markup-compatibility/2006">
               <mc:Choice xmlns:v="urn:schemas-microsoft-com:vml" Requires="v">
-                <p:oleObj spid="_x0000_s51296" name="Формула" r:id="rId15" imgW="1041120" imgH="444240" progId="Equation.3">
+                <p:oleObj spid="_x0000_s51316" name="Формула" r:id="rId15" imgW="1041120" imgH="444240" progId="Equation.3">
                   <p:embed/>
                 </p:oleObj>
               </mc:Choice>
@@ -36067,7 +36773,7 @@
           <a:graphicData uri="http://schemas.openxmlformats.org/presentationml/2006/ole">
             <mc:AlternateContent xmlns:mc="http://schemas.openxmlformats.org/markup-compatibility/2006">
               <mc:Choice xmlns:v="urn:schemas-microsoft-com:vml" Requires="v">
-                <p:oleObj spid="_x0000_s51297" name="Формула" r:id="rId17" imgW="2501640" imgH="533160" progId="Equation.3">
+                <p:oleObj spid="_x0000_s51317" name="Формула" r:id="rId17" imgW="2501640" imgH="533160" progId="Equation.3">
                   <p:embed/>
                 </p:oleObj>
               </mc:Choice>
@@ -36516,14 +37222,7 @@
                 <a:latin typeface="Times New Roman" pitchFamily="18" charset="0"/>
                 <a:cs typeface="Times New Roman" pitchFamily="18" charset="0"/>
               </a:rPr>
-              <a:t>(</a:t>
-            </a:r>
-            <a:r>
-              <a:rPr lang="ru-RU" sz="1200" dirty="0" smtClean="0">
-                <a:latin typeface="Times New Roman" pitchFamily="18" charset="0"/>
-                <a:cs typeface="Times New Roman" pitchFamily="18" charset="0"/>
-              </a:rPr>
-              <a:t>13)</a:t>
+              <a:t>(13)</a:t>
             </a:r>
             <a:endParaRPr lang="ru-RU" sz="1200" dirty="0">
               <a:latin typeface="Times New Roman" pitchFamily="18" charset="0"/>
@@ -36645,14 +37344,7 @@
                 <a:latin typeface="Times New Roman" pitchFamily="18" charset="0"/>
                 <a:cs typeface="Times New Roman" pitchFamily="18" charset="0"/>
               </a:rPr>
-              <a:t>(</a:t>
-            </a:r>
-            <a:r>
-              <a:rPr lang="ru-RU" sz="1200" dirty="0" smtClean="0">
-                <a:latin typeface="Times New Roman" pitchFamily="18" charset="0"/>
-                <a:cs typeface="Times New Roman" pitchFamily="18" charset="0"/>
-              </a:rPr>
-              <a:t>11)</a:t>
+              <a:t>(11)</a:t>
             </a:r>
             <a:endParaRPr lang="ru-RU" sz="1200" dirty="0">
               <a:latin typeface="Times New Roman" pitchFamily="18" charset="0"/>
@@ -36688,14 +37380,7 @@
                 <a:latin typeface="Times New Roman" pitchFamily="18" charset="0"/>
                 <a:cs typeface="Times New Roman" pitchFamily="18" charset="0"/>
               </a:rPr>
-              <a:t>(</a:t>
-            </a:r>
-            <a:r>
-              <a:rPr lang="ru-RU" sz="1200" dirty="0" smtClean="0">
-                <a:latin typeface="Times New Roman" pitchFamily="18" charset="0"/>
-                <a:cs typeface="Times New Roman" pitchFamily="18" charset="0"/>
-              </a:rPr>
-              <a:t>12)</a:t>
+              <a:t>(12)</a:t>
             </a:r>
             <a:endParaRPr lang="ru-RU" sz="1200" dirty="0">
               <a:latin typeface="Times New Roman" pitchFamily="18" charset="0"/>
@@ -37009,7 +37694,7 @@
           <a:graphicData uri="http://schemas.openxmlformats.org/presentationml/2006/ole">
             <mc:AlternateContent xmlns:mc="http://schemas.openxmlformats.org/markup-compatibility/2006">
               <mc:Choice xmlns:v="urn:schemas-microsoft-com:vml" Requires="v">
-                <p:oleObj spid="_x0000_s51298" name="Формула" r:id="rId19" imgW="698400" imgH="241200" progId="Equation.3">
+                <p:oleObj spid="_x0000_s51318" name="Формула" r:id="rId19" imgW="698400" imgH="241200" progId="Equation.3">
                   <p:embed/>
                 </p:oleObj>
               </mc:Choice>
@@ -37079,7 +37764,7 @@
           <a:graphicData uri="http://schemas.openxmlformats.org/presentationml/2006/ole">
             <mc:AlternateContent xmlns:mc="http://schemas.openxmlformats.org/markup-compatibility/2006">
               <mc:Choice xmlns:v="urn:schemas-microsoft-com:vml" Requires="v">
-                <p:oleObj spid="_x0000_s51299" name="Формула" r:id="rId21" imgW="825480" imgH="330120" progId="Equation.3">
+                <p:oleObj spid="_x0000_s51319" name="Формула" r:id="rId21" imgW="825480" imgH="330120" progId="Equation.3">
                   <p:embed/>
                 </p:oleObj>
               </mc:Choice>
@@ -37273,14 +37958,7 @@
                 <a:latin typeface="Times New Roman" pitchFamily="18" charset="0"/>
                 <a:cs typeface="Times New Roman" pitchFamily="18" charset="0"/>
               </a:rPr>
-              <a:t>(</a:t>
-            </a:r>
-            <a:r>
-              <a:rPr lang="ru-RU" sz="1200" dirty="0" smtClean="0">
-                <a:latin typeface="Times New Roman" pitchFamily="18" charset="0"/>
-                <a:cs typeface="Times New Roman" pitchFamily="18" charset="0"/>
-              </a:rPr>
-              <a:t>14)</a:t>
+              <a:t>(14)</a:t>
             </a:r>
             <a:endParaRPr lang="ru-RU" sz="1200" dirty="0">
               <a:latin typeface="Times New Roman" pitchFamily="18" charset="0"/>
@@ -37966,13 +38644,6 @@
               </a:rPr>
               <a:t>«Повышение дальности стрельбы активно-реактивным снарядом на основе математического моделирования…»</a:t>
             </a:r>
-            <a:endParaRPr lang="ru-RU" sz="1100" dirty="0">
-              <a:solidFill>
-                <a:schemeClr val="tx1"/>
-              </a:solidFill>
-              <a:latin typeface="Times New Roman" panose="02020603050405020304" pitchFamily="18" charset="0"/>
-              <a:cs typeface="Times New Roman" panose="02020603050405020304" pitchFamily="18" charset="0"/>
-            </a:endParaRPr>
           </a:p>
         </p:txBody>
       </p:sp>
@@ -38512,7 +39183,7 @@
           <a:graphicData uri="http://schemas.openxmlformats.org/presentationml/2006/ole">
             <mc:AlternateContent xmlns:mc="http://schemas.openxmlformats.org/markup-compatibility/2006">
               <mc:Choice xmlns:v="urn:schemas-microsoft-com:vml" Requires="v">
-                <p:oleObj spid="_x0000_s45727" name="Формула" r:id="rId3" imgW="1409400" imgH="215640" progId="Equation.3">
+                <p:oleObj spid="_x0000_s45731" name="Формула" r:id="rId3" imgW="1409400" imgH="215640" progId="Equation.3">
                   <p:embed/>
                 </p:oleObj>
               </mc:Choice>
@@ -38569,7 +39240,7 @@
           <a:graphicData uri="http://schemas.openxmlformats.org/presentationml/2006/ole">
             <mc:AlternateContent xmlns:mc="http://schemas.openxmlformats.org/markup-compatibility/2006">
               <mc:Choice xmlns:v="urn:schemas-microsoft-com:vml" Requires="v">
-                <p:oleObj spid="_x0000_s45728" name="Формула" r:id="rId5" imgW="1079280" imgH="241200" progId="Equation.3">
+                <p:oleObj spid="_x0000_s45732" name="Формула" r:id="rId5" imgW="1079280" imgH="241200" progId="Equation.3">
                   <p:embed/>
                 </p:oleObj>
               </mc:Choice>
@@ -38731,14 +39402,7 @@
                 <a:latin typeface="Times New Roman" pitchFamily="18" charset="0"/>
                 <a:cs typeface="Times New Roman" pitchFamily="18" charset="0"/>
               </a:rPr>
-              <a:t>(</a:t>
-            </a:r>
-            <a:r>
-              <a:rPr lang="ru-RU" sz="1200" dirty="0" smtClean="0">
-                <a:latin typeface="Times New Roman" pitchFamily="18" charset="0"/>
-                <a:cs typeface="Times New Roman" pitchFamily="18" charset="0"/>
-              </a:rPr>
-              <a:t>16)</a:t>
+              <a:t>(16)</a:t>
             </a:r>
             <a:endParaRPr lang="ru-RU" sz="1200" dirty="0">
               <a:latin typeface="Times New Roman" pitchFamily="18" charset="0"/>
@@ -39070,8 +39734,8 @@
           </a:prstGeom>
         </p:spPr>
       </p:pic>
-      <mc:AlternateContent xmlns:mc="http://schemas.openxmlformats.org/markup-compatibility/2006">
-        <mc:Choice xmlns:a14="http://schemas.microsoft.com/office/drawing/2010/main" Requires="a14">
+      <mc:AlternateContent xmlns:mc="http://schemas.openxmlformats.org/markup-compatibility/2006" xmlns:a14="http://schemas.microsoft.com/office/drawing/2010/main">
+        <mc:Choice Requires="a14">
           <p:graphicFrame>
             <p:nvGraphicFramePr>
               <p:cNvPr id="11" name="Таблица 10"/>
@@ -39100,14 +39764,14 @@
                     <a:gridCol w="2307912">
                       <a:extLst>
                         <a:ext uri="{9D8B030D-6E8A-4147-A177-3AD203B41FA5}">
-                          <a16:colId xmlns:a16="http://schemas.microsoft.com/office/drawing/2014/main" val="20000"/>
+                          <a16:colId xmlns:a16="http://schemas.microsoft.com/office/drawing/2014/main" xmlns="" val="20000"/>
                         </a:ext>
                       </a:extLst>
                     </a:gridCol>
                     <a:gridCol w="1391700">
                       <a:extLst>
                         <a:ext uri="{9D8B030D-6E8A-4147-A177-3AD203B41FA5}">
-                          <a16:colId xmlns:a16="http://schemas.microsoft.com/office/drawing/2014/main" val="20001"/>
+                          <a16:colId xmlns:a16="http://schemas.microsoft.com/office/drawing/2014/main" xmlns="" val="20001"/>
                         </a:ext>
                       </a:extLst>
                     </a:gridCol>
@@ -39157,7 +39821,7 @@
                     </a:tc>
                     <a:extLst>
                       <a:ext uri="{0D108BD9-81ED-4DB2-BD59-A6C34878D82A}">
-                        <a16:rowId xmlns:a16="http://schemas.microsoft.com/office/drawing/2014/main" val="10000"/>
+                        <a16:rowId xmlns:a16="http://schemas.microsoft.com/office/drawing/2014/main" xmlns="" val="10000"/>
                       </a:ext>
                     </a:extLst>
                   </a:tr>
@@ -39232,7 +39896,7 @@
                     </a:tc>
                     <a:extLst>
                       <a:ext uri="{0D108BD9-81ED-4DB2-BD59-A6C34878D82A}">
-                        <a16:rowId xmlns:a16="http://schemas.microsoft.com/office/drawing/2014/main" val="10001"/>
+                        <a16:rowId xmlns:a16="http://schemas.microsoft.com/office/drawing/2014/main" xmlns="" val="10001"/>
                       </a:ext>
                     </a:extLst>
                   </a:tr>
@@ -39317,7 +39981,7 @@
                     </a:tc>
                     <a:extLst>
                       <a:ext uri="{0D108BD9-81ED-4DB2-BD59-A6C34878D82A}">
-                        <a16:rowId xmlns:a16="http://schemas.microsoft.com/office/drawing/2014/main" val="10002"/>
+                        <a16:rowId xmlns:a16="http://schemas.microsoft.com/office/drawing/2014/main" xmlns="" val="10002"/>
                       </a:ext>
                     </a:extLst>
                   </a:tr>
@@ -39418,7 +40082,7 @@
                     </a:tc>
                     <a:extLst>
                       <a:ext uri="{0D108BD9-81ED-4DB2-BD59-A6C34878D82A}">
-                        <a16:rowId xmlns:a16="http://schemas.microsoft.com/office/drawing/2014/main" val="10003"/>
+                        <a16:rowId xmlns:a16="http://schemas.microsoft.com/office/drawing/2014/main" xmlns="" val="10003"/>
                       </a:ext>
                     </a:extLst>
                   </a:tr>
@@ -39476,7 +40140,7 @@
                     </a:tc>
                     <a:extLst>
                       <a:ext uri="{0D108BD9-81ED-4DB2-BD59-A6C34878D82A}">
-                        <a16:rowId xmlns:a16="http://schemas.microsoft.com/office/drawing/2014/main" val="10004"/>
+                        <a16:rowId xmlns:a16="http://schemas.microsoft.com/office/drawing/2014/main" xmlns="" val="10004"/>
                       </a:ext>
                     </a:extLst>
                   </a:tr>
@@ -39590,7 +40254,7 @@
                     </a:tc>
                     <a:extLst>
                       <a:ext uri="{0D108BD9-81ED-4DB2-BD59-A6C34878D82A}">
-                        <a16:rowId xmlns:a16="http://schemas.microsoft.com/office/drawing/2014/main" val="10005"/>
+                        <a16:rowId xmlns:a16="http://schemas.microsoft.com/office/drawing/2014/main" xmlns="" val="10005"/>
                       </a:ext>
                     </a:extLst>
                   </a:tr>
@@ -39646,7 +40310,7 @@
                     </a:tc>
                     <a:extLst>
                       <a:ext uri="{0D108BD9-81ED-4DB2-BD59-A6C34878D82A}">
-                        <a16:rowId xmlns:a16="http://schemas.microsoft.com/office/drawing/2014/main" val="10006"/>
+                        <a16:rowId xmlns:a16="http://schemas.microsoft.com/office/drawing/2014/main" xmlns="" val="10006"/>
                       </a:ext>
                     </a:extLst>
                   </a:tr>
@@ -39655,7 +40319,7 @@
             </a:graphic>
           </p:graphicFrame>
         </mc:Choice>
-        <mc:Fallback>
+        <mc:Fallback xmlns="">
           <p:graphicFrame>
             <p:nvGraphicFramePr>
               <p:cNvPr id="11" name="Таблица 10"/>
@@ -40633,13 +41297,6 @@
               </a:rPr>
               <a:t>«Повышение дальности стрельбы активно-реактивным снарядом на основе математического моделирования…»</a:t>
             </a:r>
-            <a:endParaRPr lang="ru-RU" sz="1100" dirty="0">
-              <a:solidFill>
-                <a:schemeClr val="tx1"/>
-              </a:solidFill>
-              <a:latin typeface="Times New Roman" panose="02020603050405020304" pitchFamily="18" charset="0"/>
-              <a:cs typeface="Times New Roman" panose="02020603050405020304" pitchFamily="18" charset="0"/>
-            </a:endParaRPr>
           </a:p>
         </p:txBody>
       </p:sp>
@@ -41031,7 +41688,7 @@
           <a:graphicData uri="http://schemas.openxmlformats.org/presentationml/2006/ole">
             <mc:AlternateContent xmlns:mc="http://schemas.openxmlformats.org/markup-compatibility/2006">
               <mc:Choice xmlns:v="urn:schemas-microsoft-com:vml" Requires="v">
-                <p:oleObj spid="_x0000_s48756" name="Формула" r:id="rId3" imgW="2095200" imgH="228600" progId="Equation.3">
+                <p:oleObj spid="_x0000_s48792" name="Формула" r:id="rId3" imgW="2095200" imgH="228600" progId="Equation.3">
                   <p:embed/>
                 </p:oleObj>
               </mc:Choice>
@@ -41101,7 +41758,7 @@
           <a:graphicData uri="http://schemas.openxmlformats.org/presentationml/2006/ole">
             <mc:AlternateContent xmlns:mc="http://schemas.openxmlformats.org/markup-compatibility/2006">
               <mc:Choice xmlns:v="urn:schemas-microsoft-com:vml" Requires="v">
-                <p:oleObj spid="_x0000_s48757" name="Формула" r:id="rId5" imgW="736560" imgH="228600" progId="Equation.3">
+                <p:oleObj spid="_x0000_s48793" name="Формула" r:id="rId5" imgW="736560" imgH="228600" progId="Equation.3">
                   <p:embed/>
                 </p:oleObj>
               </mc:Choice>
@@ -41525,14 +42182,7 @@
                 <a:latin typeface="Times New Roman" panose="02020603050405020304" pitchFamily="18" charset="0"/>
                 <a:ea typeface="Calibri" panose="020F0502020204030204" pitchFamily="34" charset="0"/>
               </a:rPr>
-              <a:t>Общая </a:t>
-            </a:r>
-            <a:r>
-              <a:rPr lang="ru-RU" sz="1200" b="1" dirty="0" smtClean="0">
-                <a:latin typeface="Times New Roman" panose="02020603050405020304" pitchFamily="18" charset="0"/>
-                <a:ea typeface="Calibri" panose="020F0502020204030204" pitchFamily="34" charset="0"/>
-              </a:rPr>
-              <a:t>масса снаряда:</a:t>
+              <a:t>Общая масса снаряда:</a:t>
             </a:r>
             <a:r>
               <a:rPr lang="ru-RU" sz="1200" dirty="0" smtClean="0">
@@ -41615,7 +42265,7 @@
           <a:graphicData uri="http://schemas.openxmlformats.org/presentationml/2006/ole">
             <mc:AlternateContent xmlns:mc="http://schemas.openxmlformats.org/markup-compatibility/2006">
               <mc:Choice xmlns:v="urn:schemas-microsoft-com:vml" Requires="v">
-                <p:oleObj spid="_x0000_s48758" name="Формула" r:id="rId7" imgW="1143000" imgH="228600" progId="Equation.3">
+                <p:oleObj spid="_x0000_s48794" name="Формула" r:id="rId7" imgW="1143000" imgH="228600" progId="Equation.3">
                   <p:embed/>
                 </p:oleObj>
               </mc:Choice>
@@ -41685,7 +42335,7 @@
           <a:graphicData uri="http://schemas.openxmlformats.org/presentationml/2006/ole">
             <mc:AlternateContent xmlns:mc="http://schemas.openxmlformats.org/markup-compatibility/2006">
               <mc:Choice xmlns:v="urn:schemas-microsoft-com:vml" Requires="v">
-                <p:oleObj spid="_x0000_s48759" name="Формула" r:id="rId9" imgW="812520" imgH="228600" progId="Equation.3">
+                <p:oleObj spid="_x0000_s48795" name="Формула" r:id="rId9" imgW="812520" imgH="228600" progId="Equation.3">
                   <p:embed/>
                 </p:oleObj>
               </mc:Choice>
@@ -41755,7 +42405,7 @@
           <a:graphicData uri="http://schemas.openxmlformats.org/presentationml/2006/ole">
             <mc:AlternateContent xmlns:mc="http://schemas.openxmlformats.org/markup-compatibility/2006">
               <mc:Choice xmlns:v="urn:schemas-microsoft-com:vml" Requires="v">
-                <p:oleObj spid="_x0000_s48760" name="Формула" r:id="rId11" imgW="253800" imgH="228600" progId="Equation.3">
+                <p:oleObj spid="_x0000_s48796" name="Формула" r:id="rId11" imgW="253800" imgH="228600" progId="Equation.3">
                   <p:embed/>
                 </p:oleObj>
               </mc:Choice>
@@ -41878,7 +42528,7 @@
           <a:graphicData uri="http://schemas.openxmlformats.org/presentationml/2006/ole">
             <mc:AlternateContent xmlns:mc="http://schemas.openxmlformats.org/markup-compatibility/2006">
               <mc:Choice xmlns:v="urn:schemas-microsoft-com:vml" Requires="v">
-                <p:oleObj spid="_x0000_s48761" name="Формула" r:id="rId13" imgW="241200" imgH="228600" progId="Equation.3">
+                <p:oleObj spid="_x0000_s48797" name="Формула" r:id="rId13" imgW="241200" imgH="228600" progId="Equation.3">
                   <p:embed/>
                 </p:oleObj>
               </mc:Choice>
@@ -41948,7 +42598,7 @@
           <a:graphicData uri="http://schemas.openxmlformats.org/presentationml/2006/ole">
             <mc:AlternateContent xmlns:mc="http://schemas.openxmlformats.org/markup-compatibility/2006">
               <mc:Choice xmlns:v="urn:schemas-microsoft-com:vml" Requires="v">
-                <p:oleObj spid="_x0000_s48762" name="Формула" r:id="rId15" imgW="1447560" imgH="482400" progId="Equation.3">
+                <p:oleObj spid="_x0000_s48798" name="Формула" r:id="rId15" imgW="1447560" imgH="482400" progId="Equation.3">
                   <p:embed/>
                 </p:oleObj>
               </mc:Choice>
@@ -42174,7 +42824,7 @@
           <a:graphicData uri="http://schemas.openxmlformats.org/presentationml/2006/ole">
             <mc:AlternateContent xmlns:mc="http://schemas.openxmlformats.org/markup-compatibility/2006">
               <mc:Choice xmlns:v="urn:schemas-microsoft-com:vml" Requires="v">
-                <p:oleObj spid="_x0000_s48763" name="Уравнение" r:id="rId17" imgW="1422360" imgH="241200" progId="Equation.3">
+                <p:oleObj spid="_x0000_s48799" name="Уравнение" r:id="rId17" imgW="1422360" imgH="241200" progId="Equation.3">
                   <p:embed/>
                 </p:oleObj>
               </mc:Choice>
@@ -42244,7 +42894,7 @@
           <a:graphicData uri="http://schemas.openxmlformats.org/presentationml/2006/ole">
             <mc:AlternateContent xmlns:mc="http://schemas.openxmlformats.org/markup-compatibility/2006">
               <mc:Choice xmlns:v="urn:schemas-microsoft-com:vml" Requires="v">
-                <p:oleObj spid="_x0000_s48764" name="Формула" r:id="rId19" imgW="1168200" imgH="266400" progId="Equation.3">
+                <p:oleObj spid="_x0000_s48800" name="Формула" r:id="rId19" imgW="1168200" imgH="266400" progId="Equation.3">
                   <p:embed/>
                 </p:oleObj>
               </mc:Choice>
@@ -42314,7 +42964,7 @@
           <a:graphicData uri="http://schemas.openxmlformats.org/presentationml/2006/ole">
             <mc:AlternateContent xmlns:mc="http://schemas.openxmlformats.org/markup-compatibility/2006">
               <mc:Choice xmlns:v="urn:schemas-microsoft-com:vml" Requires="v">
-                <p:oleObj spid="_x0000_s48765" name="Уравнение" r:id="rId21" imgW="330120" imgH="241200" progId="Equation.3">
+                <p:oleObj spid="_x0000_s48801" name="Уравнение" r:id="rId21" imgW="330120" imgH="241200" progId="Equation.3">
                   <p:embed/>
                 </p:oleObj>
               </mc:Choice>
@@ -42384,7 +43034,7 @@
           <a:graphicData uri="http://schemas.openxmlformats.org/presentationml/2006/ole">
             <mc:AlternateContent xmlns:mc="http://schemas.openxmlformats.org/markup-compatibility/2006">
               <mc:Choice xmlns:v="urn:schemas-microsoft-com:vml" Requires="v">
-                <p:oleObj spid="_x0000_s48766" name="Формула" r:id="rId23" imgW="850680" imgH="241200" progId="Equation.3">
+                <p:oleObj spid="_x0000_s48802" name="Формула" r:id="rId23" imgW="850680" imgH="241200" progId="Equation.3">
                   <p:embed/>
                 </p:oleObj>
               </mc:Choice>
@@ -42602,7 +43252,7 @@
           <a:graphicData uri="http://schemas.openxmlformats.org/presentationml/2006/ole">
             <mc:AlternateContent xmlns:mc="http://schemas.openxmlformats.org/markup-compatibility/2006">
               <mc:Choice xmlns:v="urn:schemas-microsoft-com:vml" Requires="v">
-                <p:oleObj spid="_x0000_s48767" name="Формула" r:id="rId25" imgW="3454200" imgH="253800" progId="Equation.3">
+                <p:oleObj spid="_x0000_s48803" name="Формула" r:id="rId25" imgW="3454200" imgH="253800" progId="Equation.3">
                   <p:embed/>
                 </p:oleObj>
               </mc:Choice>
@@ -42875,7 +43525,7 @@
           <a:graphicData uri="http://schemas.openxmlformats.org/presentationml/2006/ole">
             <mc:AlternateContent xmlns:mc="http://schemas.openxmlformats.org/markup-compatibility/2006">
               <mc:Choice xmlns:v="urn:schemas-microsoft-com:vml" Requires="v">
-                <p:oleObj spid="_x0000_s48768" name="Уравнение" r:id="rId28" imgW="1307880" imgH="431640" progId="Equation.3">
+                <p:oleObj spid="_x0000_s48804" name="Уравнение" r:id="rId28" imgW="1307880" imgH="431640" progId="Equation.3">
                   <p:embed/>
                 </p:oleObj>
               </mc:Choice>
@@ -42965,21 +43615,7 @@
                 <a:latin typeface="Times New Roman" panose="02020603050405020304" pitchFamily="18" charset="0"/>
                 <a:ea typeface="Calibri" panose="020F0502020204030204" pitchFamily="34" charset="0"/>
               </a:rPr>
-              <a:t>бщая </a:t>
-            </a:r>
-            <a:r>
-              <a:rPr lang="ru-RU" sz="1200" b="1" dirty="0" smtClean="0">
-                <a:latin typeface="Times New Roman" panose="02020603050405020304" pitchFamily="18" charset="0"/>
-                <a:ea typeface="Calibri" panose="020F0502020204030204" pitchFamily="34" charset="0"/>
-              </a:rPr>
-              <a:t>длина </a:t>
-            </a:r>
-            <a:r>
-              <a:rPr lang="ru-RU" sz="1200" b="1" dirty="0" smtClean="0">
-                <a:latin typeface="Times New Roman" panose="02020603050405020304" pitchFamily="18" charset="0"/>
-                <a:ea typeface="Calibri" panose="020F0502020204030204" pitchFamily="34" charset="0"/>
-              </a:rPr>
-              <a:t>снаряда:</a:t>
+              <a:t>бщая длина снаряда:</a:t>
             </a:r>
             <a:endParaRPr lang="ru-RU" sz="1200" b="1" dirty="0"/>
           </a:p>
@@ -43007,7 +43643,7 @@
           <a:graphicData uri="http://schemas.openxmlformats.org/presentationml/2006/ole">
             <mc:AlternateContent xmlns:mc="http://schemas.openxmlformats.org/markup-compatibility/2006">
               <mc:Choice xmlns:v="urn:schemas-microsoft-com:vml" Requires="v">
-                <p:oleObj spid="_x0000_s48769" name="Формула" r:id="rId30" imgW="1955520" imgH="393480" progId="Equation.3">
+                <p:oleObj spid="_x0000_s48805" name="Формула" r:id="rId30" imgW="1955520" imgH="393480" progId="Equation.3">
                   <p:embed/>
                 </p:oleObj>
               </mc:Choice>
@@ -43077,7 +43713,7 @@
           <a:graphicData uri="http://schemas.openxmlformats.org/presentationml/2006/ole">
             <mc:AlternateContent xmlns:mc="http://schemas.openxmlformats.org/markup-compatibility/2006">
               <mc:Choice xmlns:v="urn:schemas-microsoft-com:vml" Requires="v">
-                <p:oleObj spid="_x0000_s48770" name="Формула" r:id="rId32" imgW="2844720" imgH="393480" progId="Equation.3">
+                <p:oleObj spid="_x0000_s48806" name="Формула" r:id="rId32" imgW="2844720" imgH="393480" progId="Equation.3">
                   <p:embed/>
                 </p:oleObj>
               </mc:Choice>
@@ -43147,7 +43783,7 @@
           <a:graphicData uri="http://schemas.openxmlformats.org/presentationml/2006/ole">
             <mc:AlternateContent xmlns:mc="http://schemas.openxmlformats.org/markup-compatibility/2006">
               <mc:Choice xmlns:v="urn:schemas-microsoft-com:vml" Requires="v">
-                <p:oleObj spid="_x0000_s48771" name="Уравнение" r:id="rId34" imgW="1460160" imgH="393480" progId="Equation.3">
+                <p:oleObj spid="_x0000_s48807" name="Уравнение" r:id="rId34" imgW="1460160" imgH="393480" progId="Equation.3">
                   <p:embed/>
                 </p:oleObj>
               </mc:Choice>
@@ -43217,7 +43853,7 @@
           <a:graphicData uri="http://schemas.openxmlformats.org/presentationml/2006/ole">
             <mc:AlternateContent xmlns:mc="http://schemas.openxmlformats.org/markup-compatibility/2006">
               <mc:Choice xmlns:v="urn:schemas-microsoft-com:vml" Requires="v">
-                <p:oleObj spid="_x0000_s48772" name="Формула" r:id="rId36" imgW="1346040" imgH="393480" progId="Equation.3">
+                <p:oleObj spid="_x0000_s48808" name="Формула" r:id="rId36" imgW="1346040" imgH="393480" progId="Equation.3">
                   <p:embed/>
                 </p:oleObj>
               </mc:Choice>
@@ -43287,7 +43923,7 @@
           <a:graphicData uri="http://schemas.openxmlformats.org/presentationml/2006/ole">
             <mc:AlternateContent xmlns:mc="http://schemas.openxmlformats.org/markup-compatibility/2006">
               <mc:Choice xmlns:v="urn:schemas-microsoft-com:vml" Requires="v">
-                <p:oleObj spid="_x0000_s48773" name="Формула" r:id="rId38" imgW="647640" imgH="228600" progId="Equation.3">
+                <p:oleObj spid="_x0000_s48809" name="Формула" r:id="rId38" imgW="647640" imgH="228600" progId="Equation.3">
                   <p:embed/>
                 </p:oleObj>
               </mc:Choice>
